--- a/group8-MUSIC_ANALYSIS.pptx
+++ b/group8-MUSIC_ANALYSIS.pptx
@@ -1,54 +1,54 @@
 
 <file path=ppt/presentation.xml><?xml version="1.0" encoding="utf-8"?>
-<p:presentation xmlns:a="http://schemas.openxmlformats.org/drawingml/2006/main" xmlns:r="http://schemas.openxmlformats.org/officeDocument/2006/relationships" xmlns:mc="http://schemas.openxmlformats.org/markup-compatibility/2006" xmlns:mv="urn:schemas-microsoft-com:mac:vml" xmlns:p="http://schemas.openxmlformats.org/presentationml/2006/main" xmlns:c="http://schemas.openxmlformats.org/drawingml/2006/chart" xmlns:dgm="http://schemas.openxmlformats.org/drawingml/2006/diagram" xmlns:o="urn:schemas-microsoft-com:office:office" xmlns:v="urn:schemas-microsoft-com:vml" xmlns:pvml="urn:schemas-microsoft-com:office:powerpoint" xmlns:com="http://schemas.openxmlformats.org/drawingml/2006/compatibility" xmlns:p14="http://schemas.microsoft.com/office/powerpoint/2010/main" xmlns:p15="http://schemas.microsoft.com/office/powerpoint/2012/main" xmlns:ahyp="http://schemas.microsoft.com/office/drawing/2018/hyperlinkcolor" autoCompressPictures="0" embedTrueTypeFonts="1" strictFirstAndLastChars="0" saveSubsetFonts="1">
+<p:presentation xmlns:a="http://schemas.openxmlformats.org/drawingml/2006/main" xmlns:r="http://schemas.openxmlformats.org/officeDocument/2006/relationships" xmlns:p="http://schemas.openxmlformats.org/presentationml/2006/main" strictFirstAndLastChars="0" embedTrueTypeFonts="1" saveSubsetFonts="1" autoCompressPictures="0">
   <p:sldMasterIdLst>
-    <p:sldMasterId id="2147483659" r:id="rId4"/>
+    <p:sldMasterId id="2147483659" r:id="rId1"/>
   </p:sldMasterIdLst>
   <p:notesMasterIdLst>
-    <p:notesMasterId r:id="rId5"/>
+    <p:notesMasterId r:id="rId22"/>
   </p:notesMasterIdLst>
   <p:sldIdLst>
-    <p:sldId id="256" r:id="rId6"/>
-    <p:sldId id="257" r:id="rId7"/>
-    <p:sldId id="258" r:id="rId8"/>
-    <p:sldId id="259" r:id="rId9"/>
-    <p:sldId id="260" r:id="rId10"/>
-    <p:sldId id="261" r:id="rId11"/>
-    <p:sldId id="262" r:id="rId12"/>
-    <p:sldId id="263" r:id="rId13"/>
-    <p:sldId id="264" r:id="rId14"/>
-    <p:sldId id="265" r:id="rId15"/>
-    <p:sldId id="266" r:id="rId16"/>
-    <p:sldId id="267" r:id="rId17"/>
-    <p:sldId id="268" r:id="rId18"/>
-    <p:sldId id="269" r:id="rId19"/>
-    <p:sldId id="270" r:id="rId20"/>
-    <p:sldId id="271" r:id="rId21"/>
-    <p:sldId id="272" r:id="rId22"/>
-    <p:sldId id="273" r:id="rId23"/>
-    <p:sldId id="274" r:id="rId24"/>
-    <p:sldId id="275" r:id="rId25"/>
+    <p:sldId id="256" r:id="rId2"/>
+    <p:sldId id="257" r:id="rId3"/>
+    <p:sldId id="258" r:id="rId4"/>
+    <p:sldId id="259" r:id="rId5"/>
+    <p:sldId id="260" r:id="rId6"/>
+    <p:sldId id="261" r:id="rId7"/>
+    <p:sldId id="262" r:id="rId8"/>
+    <p:sldId id="263" r:id="rId9"/>
+    <p:sldId id="264" r:id="rId10"/>
+    <p:sldId id="265" r:id="rId11"/>
+    <p:sldId id="266" r:id="rId12"/>
+    <p:sldId id="267" r:id="rId13"/>
+    <p:sldId id="268" r:id="rId14"/>
+    <p:sldId id="269" r:id="rId15"/>
+    <p:sldId id="270" r:id="rId16"/>
+    <p:sldId id="271" r:id="rId17"/>
+    <p:sldId id="272" r:id="rId18"/>
+    <p:sldId id="273" r:id="rId19"/>
+    <p:sldId id="274" r:id="rId20"/>
+    <p:sldId id="275" r:id="rId21"/>
   </p:sldIdLst>
-  <p:sldSz cy="5143500" cx="9144000"/>
+  <p:sldSz cx="9144000" cy="5143500" type="screen16x9"/>
   <p:notesSz cx="6858000" cy="9144000"/>
   <p:embeddedFontLst>
     <p:embeddedFont>
-      <p:font typeface="Montserrat"/>
-      <p:regular r:id="rId26"/>
-      <p:bold r:id="rId27"/>
-      <p:italic r:id="rId28"/>
-      <p:boldItalic r:id="rId29"/>
+      <p:font typeface="Lato" panose="020B0604020202020204" charset="0"/>
+      <p:regular r:id="rId23"/>
+      <p:bold r:id="rId24"/>
+      <p:italic r:id="rId25"/>
+      <p:boldItalic r:id="rId26"/>
     </p:embeddedFont>
     <p:embeddedFont>
-      <p:font typeface="Lato"/>
-      <p:regular r:id="rId30"/>
-      <p:bold r:id="rId31"/>
-      <p:italic r:id="rId32"/>
-      <p:boldItalic r:id="rId33"/>
+      <p:font typeface="Montserrat" panose="020B0604020202020204" charset="0"/>
+      <p:regular r:id="rId27"/>
+      <p:bold r:id="rId28"/>
+      <p:italic r:id="rId29"/>
+      <p:boldItalic r:id="rId30"/>
     </p:embeddedFont>
   </p:embeddedFontLst>
   <p:defaultTextStyle>
-    <a:defPPr lvl="0" marR="0" rtl="0" algn="l">
+    <a:defPPr marR="0" lvl="0" algn="l" rtl="0">
       <a:lnSpc>
         <a:spcPct val="100000"/>
       </a:lnSpc>
@@ -59,7 +59,7 @@
         <a:spcPts val="0"/>
       </a:spcAft>
     </a:defPPr>
-    <a:lvl1pPr lvl="0" marR="0" rtl="0" algn="l">
+    <a:lvl1pPr marR="0" lvl="0" algn="l" rtl="0">
       <a:lnSpc>
         <a:spcPct val="100000"/>
       </a:lnSpc>
@@ -73,7 +73,7 @@
         <a:srgbClr val="000000"/>
       </a:buClr>
       <a:buFont typeface="Arial"/>
-      <a:defRPr b="0" i="0" sz="1400" u="none" cap="none" strike="noStrike">
+      <a:defRPr sz="1400" b="0" i="0" u="none" strike="noStrike" cap="none">
         <a:solidFill>
           <a:srgbClr val="000000"/>
         </a:solidFill>
@@ -83,7 +83,7 @@
         <a:sym typeface="Arial"/>
       </a:defRPr>
     </a:lvl1pPr>
-    <a:lvl2pPr lvl="1" marR="0" rtl="0" algn="l">
+    <a:lvl2pPr marR="0" lvl="1" algn="l" rtl="0">
       <a:lnSpc>
         <a:spcPct val="100000"/>
       </a:lnSpc>
@@ -97,7 +97,7 @@
         <a:srgbClr val="000000"/>
       </a:buClr>
       <a:buFont typeface="Arial"/>
-      <a:defRPr b="0" i="0" sz="1400" u="none" cap="none" strike="noStrike">
+      <a:defRPr sz="1400" b="0" i="0" u="none" strike="noStrike" cap="none">
         <a:solidFill>
           <a:srgbClr val="000000"/>
         </a:solidFill>
@@ -107,7 +107,7 @@
         <a:sym typeface="Arial"/>
       </a:defRPr>
     </a:lvl2pPr>
-    <a:lvl3pPr lvl="2" marR="0" rtl="0" algn="l">
+    <a:lvl3pPr marR="0" lvl="2" algn="l" rtl="0">
       <a:lnSpc>
         <a:spcPct val="100000"/>
       </a:lnSpc>
@@ -121,7 +121,7 @@
         <a:srgbClr val="000000"/>
       </a:buClr>
       <a:buFont typeface="Arial"/>
-      <a:defRPr b="0" i="0" sz="1400" u="none" cap="none" strike="noStrike">
+      <a:defRPr sz="1400" b="0" i="0" u="none" strike="noStrike" cap="none">
         <a:solidFill>
           <a:srgbClr val="000000"/>
         </a:solidFill>
@@ -131,7 +131,7 @@
         <a:sym typeface="Arial"/>
       </a:defRPr>
     </a:lvl3pPr>
-    <a:lvl4pPr lvl="3" marR="0" rtl="0" algn="l">
+    <a:lvl4pPr marR="0" lvl="3" algn="l" rtl="0">
       <a:lnSpc>
         <a:spcPct val="100000"/>
       </a:lnSpc>
@@ -145,7 +145,7 @@
         <a:srgbClr val="000000"/>
       </a:buClr>
       <a:buFont typeface="Arial"/>
-      <a:defRPr b="0" i="0" sz="1400" u="none" cap="none" strike="noStrike">
+      <a:defRPr sz="1400" b="0" i="0" u="none" strike="noStrike" cap="none">
         <a:solidFill>
           <a:srgbClr val="000000"/>
         </a:solidFill>
@@ -155,7 +155,7 @@
         <a:sym typeface="Arial"/>
       </a:defRPr>
     </a:lvl4pPr>
-    <a:lvl5pPr lvl="4" marR="0" rtl="0" algn="l">
+    <a:lvl5pPr marR="0" lvl="4" algn="l" rtl="0">
       <a:lnSpc>
         <a:spcPct val="100000"/>
       </a:lnSpc>
@@ -169,7 +169,7 @@
         <a:srgbClr val="000000"/>
       </a:buClr>
       <a:buFont typeface="Arial"/>
-      <a:defRPr b="0" i="0" sz="1400" u="none" cap="none" strike="noStrike">
+      <a:defRPr sz="1400" b="0" i="0" u="none" strike="noStrike" cap="none">
         <a:solidFill>
           <a:srgbClr val="000000"/>
         </a:solidFill>
@@ -179,7 +179,7 @@
         <a:sym typeface="Arial"/>
       </a:defRPr>
     </a:lvl5pPr>
-    <a:lvl6pPr lvl="5" marR="0" rtl="0" algn="l">
+    <a:lvl6pPr marR="0" lvl="5" algn="l" rtl="0">
       <a:lnSpc>
         <a:spcPct val="100000"/>
       </a:lnSpc>
@@ -193,7 +193,7 @@
         <a:srgbClr val="000000"/>
       </a:buClr>
       <a:buFont typeface="Arial"/>
-      <a:defRPr b="0" i="0" sz="1400" u="none" cap="none" strike="noStrike">
+      <a:defRPr sz="1400" b="0" i="0" u="none" strike="noStrike" cap="none">
         <a:solidFill>
           <a:srgbClr val="000000"/>
         </a:solidFill>
@@ -203,7 +203,7 @@
         <a:sym typeface="Arial"/>
       </a:defRPr>
     </a:lvl6pPr>
-    <a:lvl7pPr lvl="6" marR="0" rtl="0" algn="l">
+    <a:lvl7pPr marR="0" lvl="6" algn="l" rtl="0">
       <a:lnSpc>
         <a:spcPct val="100000"/>
       </a:lnSpc>
@@ -217,7 +217,7 @@
         <a:srgbClr val="000000"/>
       </a:buClr>
       <a:buFont typeface="Arial"/>
-      <a:defRPr b="0" i="0" sz="1400" u="none" cap="none" strike="noStrike">
+      <a:defRPr sz="1400" b="0" i="0" u="none" strike="noStrike" cap="none">
         <a:solidFill>
           <a:srgbClr val="000000"/>
         </a:solidFill>
@@ -227,7 +227,7 @@
         <a:sym typeface="Arial"/>
       </a:defRPr>
     </a:lvl7pPr>
-    <a:lvl8pPr lvl="7" marR="0" rtl="0" algn="l">
+    <a:lvl8pPr marR="0" lvl="7" algn="l" rtl="0">
       <a:lnSpc>
         <a:spcPct val="100000"/>
       </a:lnSpc>
@@ -241,7 +241,7 @@
         <a:srgbClr val="000000"/>
       </a:buClr>
       <a:buFont typeface="Arial"/>
-      <a:defRPr b="0" i="0" sz="1400" u="none" cap="none" strike="noStrike">
+      <a:defRPr sz="1400" b="0" i="0" u="none" strike="noStrike" cap="none">
         <a:solidFill>
           <a:srgbClr val="000000"/>
         </a:solidFill>
@@ -251,7 +251,7 @@
         <a:sym typeface="Arial"/>
       </a:defRPr>
     </a:lvl8pPr>
-    <a:lvl9pPr lvl="8" marR="0" rtl="0" algn="l">
+    <a:lvl9pPr marR="0" lvl="8" algn="l" rtl="0">
       <a:lnSpc>
         <a:spcPct val="100000"/>
       </a:lnSpc>
@@ -265,7 +265,7 @@
         <a:srgbClr val="000000"/>
       </a:buClr>
       <a:buFont typeface="Arial"/>
-      <a:defRPr b="0" i="0" sz="1400" u="none" cap="none" strike="noStrike">
+      <a:defRPr sz="1400" b="0" i="0" u="none" strike="noStrike" cap="none">
         <a:solidFill>
           <a:srgbClr val="000000"/>
         </a:solidFill>
@@ -278,7 +278,7 @@
   </p:defaultTextStyle>
   <p:extLst>
     <p:ext uri="{EFAFB233-063F-42B5-8137-9DF3F51BA10A}">
-      <p15:sldGuideLst>
+      <p15:sldGuideLst xmlns:p15="http://schemas.microsoft.com/office/powerpoint/2012/main">
         <p15:guide id="1" orient="horz" pos="1620">
           <p15:clr>
             <a:srgbClr val="A4A3A4"/>
@@ -296,11 +296,16 @@
 </file>
 
 <file path=ppt/notesMasters/notesMaster1.xml><?xml version="1.0" encoding="utf-8"?>
-<p:notesMaster xmlns:a="http://schemas.openxmlformats.org/drawingml/2006/main" xmlns:r="http://schemas.openxmlformats.org/officeDocument/2006/relationships" xmlns:mc="http://schemas.openxmlformats.org/markup-compatibility/2006" xmlns:mv="urn:schemas-microsoft-com:mac:vml" xmlns:p="http://schemas.openxmlformats.org/presentationml/2006/main" xmlns:c="http://schemas.openxmlformats.org/drawingml/2006/chart" xmlns:dgm="http://schemas.openxmlformats.org/drawingml/2006/diagram" xmlns:o="urn:schemas-microsoft-com:office:office" xmlns:v="urn:schemas-microsoft-com:vml" xmlns:pvml="urn:schemas-microsoft-com:office:powerpoint" xmlns:com="http://schemas.openxmlformats.org/drawingml/2006/compatibility" xmlns:p14="http://schemas.microsoft.com/office/powerpoint/2010/main" xmlns:p15="http://schemas.microsoft.com/office/powerpoint/2012/main" xmlns:ahyp="http://schemas.microsoft.com/office/drawing/2018/hyperlinkcolor">
+<p:notesMaster xmlns:a="http://schemas.openxmlformats.org/drawingml/2006/main" xmlns:r="http://schemas.openxmlformats.org/officeDocument/2006/relationships" xmlns:p="http://schemas.openxmlformats.org/presentationml/2006/main">
   <p:cSld>
+    <p:bg>
+      <p:bgRef idx="1001">
+        <a:schemeClr val="bg1"/>
+      </p:bgRef>
+    </p:bg>
     <p:spTree>
       <p:nvGrpSpPr>
-        <p:cNvPr id="2" name="Shape 2"/>
+        <p:cNvPr id="1" name="Shape 2"/>
         <p:cNvGrpSpPr/>
         <p:nvPr/>
       </p:nvGrpSpPr>
@@ -315,9 +320,11 @@
       <p:sp>
         <p:nvSpPr>
           <p:cNvPr id="3" name="Google Shape;3;n"/>
-          <p:cNvSpPr/>
+          <p:cNvSpPr>
+            <a:spLocks noGrp="1" noRot="1" noChangeAspect="1"/>
+          </p:cNvSpPr>
           <p:nvPr>
-            <p:ph idx="2" type="sldImg"/>
+            <p:ph type="sldImg" idx="2"/>
           </p:nvPr>
         </p:nvSpPr>
         <p:spPr>
@@ -326,9 +333,13 @@
             <a:ext cx="6096075" cy="3429000"/>
           </a:xfrm>
           <a:custGeom>
-            <a:rect b="b" l="l" r="r" t="t"/>
+            <a:avLst/>
+            <a:gdLst/>
+            <a:ahLst/>
+            <a:cxnLst/>
+            <a:rect l="l" t="t" r="r" b="b"/>
             <a:pathLst>
-              <a:path extrusionOk="0" h="120000" w="120000">
+              <a:path w="120000" h="120000" extrusionOk="0">
                 <a:moveTo>
                   <a:pt x="0" y="0"/>
                 </a:moveTo>
@@ -346,23 +357,25 @@
             </a:pathLst>
           </a:custGeom>
           <a:noFill/>
-          <a:ln cap="flat" cmpd="sng" w="9525">
+          <a:ln w="9525" cap="flat" cmpd="sng">
             <a:solidFill>
               <a:srgbClr val="000000"/>
             </a:solidFill>
             <a:prstDash val="solid"/>
             <a:round/>
-            <a:headEnd len="sm" w="sm" type="none"/>
-            <a:tailEnd len="sm" w="sm" type="none"/>
+            <a:headEnd type="none" w="sm" len="sm"/>
+            <a:tailEnd type="none" w="sm" len="sm"/>
           </a:ln>
         </p:spPr>
       </p:sp>
       <p:sp>
         <p:nvSpPr>
           <p:cNvPr id="4" name="Google Shape;4;n"/>
-          <p:cNvSpPr txBox="1"/>
+          <p:cNvSpPr txBox="1">
+            <a:spLocks noGrp="1"/>
+          </p:cNvSpPr>
           <p:nvPr>
-            <p:ph idx="1" type="body"/>
+            <p:ph type="body" idx="1"/>
           </p:nvPr>
         </p:nvSpPr>
         <p:spPr>
@@ -379,11 +392,11 @@
           </a:ln>
         </p:spPr>
         <p:txBody>
-          <a:bodyPr anchorCtr="0" anchor="t" bIns="91425" lIns="91425" spcFirstLastPara="1" rIns="91425" wrap="square" tIns="91425">
+          <a:bodyPr spcFirstLastPara="1" wrap="square" lIns="91425" tIns="91425" rIns="91425" bIns="91425" anchor="t" anchorCtr="0">
             <a:noAutofit/>
           </a:bodyPr>
           <a:lstStyle>
-            <a:lvl1pPr indent="-298450" lvl="0" marL="457200">
+            <a:lvl1pPr marL="457200" lvl="0" indent="-298450">
               <a:spcBef>
                 <a:spcPts val="0"/>
               </a:spcBef>
@@ -394,7 +407,7 @@
               <a:buChar char="●"/>
               <a:defRPr sz="1100"/>
             </a:lvl1pPr>
-            <a:lvl2pPr indent="-298450" lvl="1" marL="914400">
+            <a:lvl2pPr marL="914400" lvl="1" indent="-298450">
               <a:spcBef>
                 <a:spcPts val="0"/>
               </a:spcBef>
@@ -405,7 +418,7 @@
               <a:buChar char="○"/>
               <a:defRPr sz="1100"/>
             </a:lvl2pPr>
-            <a:lvl3pPr indent="-298450" lvl="2" marL="1371600">
+            <a:lvl3pPr marL="1371600" lvl="2" indent="-298450">
               <a:spcBef>
                 <a:spcPts val="0"/>
               </a:spcBef>
@@ -416,7 +429,7 @@
               <a:buChar char="■"/>
               <a:defRPr sz="1100"/>
             </a:lvl3pPr>
-            <a:lvl4pPr indent="-298450" lvl="3" marL="1828800">
+            <a:lvl4pPr marL="1828800" lvl="3" indent="-298450">
               <a:spcBef>
                 <a:spcPts val="0"/>
               </a:spcBef>
@@ -427,7 +440,7 @@
               <a:buChar char="●"/>
               <a:defRPr sz="1100"/>
             </a:lvl4pPr>
-            <a:lvl5pPr indent="-298450" lvl="4" marL="2286000">
+            <a:lvl5pPr marL="2286000" lvl="4" indent="-298450">
               <a:spcBef>
                 <a:spcPts val="0"/>
               </a:spcBef>
@@ -438,7 +451,7 @@
               <a:buChar char="○"/>
               <a:defRPr sz="1100"/>
             </a:lvl5pPr>
-            <a:lvl6pPr indent="-298450" lvl="5" marL="2743200">
+            <a:lvl6pPr marL="2743200" lvl="5" indent="-298450">
               <a:spcBef>
                 <a:spcPts val="0"/>
               </a:spcBef>
@@ -449,7 +462,7 @@
               <a:buChar char="■"/>
               <a:defRPr sz="1100"/>
             </a:lvl6pPr>
-            <a:lvl7pPr indent="-298450" lvl="6" marL="3200400">
+            <a:lvl7pPr marL="3200400" lvl="6" indent="-298450">
               <a:spcBef>
                 <a:spcPts val="0"/>
               </a:spcBef>
@@ -460,7 +473,7 @@
               <a:buChar char="●"/>
               <a:defRPr sz="1100"/>
             </a:lvl7pPr>
-            <a:lvl8pPr indent="-298450" lvl="7" marL="3657600">
+            <a:lvl8pPr marL="3657600" lvl="7" indent="-298450">
               <a:spcBef>
                 <a:spcPts val="0"/>
               </a:spcBef>
@@ -471,7 +484,7 @@
               <a:buChar char="○"/>
               <a:defRPr sz="1100"/>
             </a:lvl8pPr>
-            <a:lvl9pPr indent="-298450" lvl="8" marL="4114800">
+            <a:lvl9pPr marL="4114800" lvl="8" indent="-298450">
               <a:spcBef>
                 <a:spcPts val="0"/>
               </a:spcBef>
@@ -483,14 +496,16 @@
               <a:defRPr sz="1100"/>
             </a:lvl9pPr>
           </a:lstStyle>
-          <a:p/>
+          <a:p>
+            <a:endParaRPr/>
+          </a:p>
         </p:txBody>
       </p:sp>
     </p:spTree>
   </p:cSld>
-  <p:clrMap accent1="accent1" accent2="accent2" accent3="accent3" accent4="accent4" accent5="accent5" accent6="accent6" bg1="lt1" bg2="dk2" tx1="dk1" tx2="lt2" folHlink="folHlink" hlink="hlink"/>
+  <p:clrMap bg1="lt1" tx1="dk1" bg2="dk2" tx2="lt2" accent1="accent1" accent2="accent2" accent3="accent3" accent4="accent4" accent5="accent5" accent6="accent6" hlink="hlink" folHlink="folHlink"/>
   <p:notesStyle>
-    <a:defPPr lvl="0" marR="0" rtl="0" algn="l">
+    <a:defPPr marR="0" lvl="0" algn="l" rtl="0">
       <a:lnSpc>
         <a:spcPct val="100000"/>
       </a:lnSpc>
@@ -501,7 +516,7 @@
         <a:spcPts val="0"/>
       </a:spcAft>
     </a:defPPr>
-    <a:lvl1pPr lvl="0" marR="0" rtl="0" algn="l">
+    <a:lvl1pPr marR="0" lvl="0" algn="l" rtl="0">
       <a:lnSpc>
         <a:spcPct val="100000"/>
       </a:lnSpc>
@@ -515,7 +530,7 @@
         <a:srgbClr val="000000"/>
       </a:buClr>
       <a:buFont typeface="Arial"/>
-      <a:defRPr b="0" i="0" sz="1400" u="none" cap="none" strike="noStrike">
+      <a:defRPr sz="1400" b="0" i="0" u="none" strike="noStrike" cap="none">
         <a:solidFill>
           <a:srgbClr val="000000"/>
         </a:solidFill>
@@ -525,7 +540,7 @@
         <a:sym typeface="Arial"/>
       </a:defRPr>
     </a:lvl1pPr>
-    <a:lvl2pPr lvl="1" marR="0" rtl="0" algn="l">
+    <a:lvl2pPr marR="0" lvl="1" algn="l" rtl="0">
       <a:lnSpc>
         <a:spcPct val="100000"/>
       </a:lnSpc>
@@ -539,7 +554,7 @@
         <a:srgbClr val="000000"/>
       </a:buClr>
       <a:buFont typeface="Arial"/>
-      <a:defRPr b="0" i="0" sz="1400" u="none" cap="none" strike="noStrike">
+      <a:defRPr sz="1400" b="0" i="0" u="none" strike="noStrike" cap="none">
         <a:solidFill>
           <a:srgbClr val="000000"/>
         </a:solidFill>
@@ -549,7 +564,7 @@
         <a:sym typeface="Arial"/>
       </a:defRPr>
     </a:lvl2pPr>
-    <a:lvl3pPr lvl="2" marR="0" rtl="0" algn="l">
+    <a:lvl3pPr marR="0" lvl="2" algn="l" rtl="0">
       <a:lnSpc>
         <a:spcPct val="100000"/>
       </a:lnSpc>
@@ -563,7 +578,7 @@
         <a:srgbClr val="000000"/>
       </a:buClr>
       <a:buFont typeface="Arial"/>
-      <a:defRPr b="0" i="0" sz="1400" u="none" cap="none" strike="noStrike">
+      <a:defRPr sz="1400" b="0" i="0" u="none" strike="noStrike" cap="none">
         <a:solidFill>
           <a:srgbClr val="000000"/>
         </a:solidFill>
@@ -573,7 +588,7 @@
         <a:sym typeface="Arial"/>
       </a:defRPr>
     </a:lvl3pPr>
-    <a:lvl4pPr lvl="3" marR="0" rtl="0" algn="l">
+    <a:lvl4pPr marR="0" lvl="3" algn="l" rtl="0">
       <a:lnSpc>
         <a:spcPct val="100000"/>
       </a:lnSpc>
@@ -587,7 +602,7 @@
         <a:srgbClr val="000000"/>
       </a:buClr>
       <a:buFont typeface="Arial"/>
-      <a:defRPr b="0" i="0" sz="1400" u="none" cap="none" strike="noStrike">
+      <a:defRPr sz="1400" b="0" i="0" u="none" strike="noStrike" cap="none">
         <a:solidFill>
           <a:srgbClr val="000000"/>
         </a:solidFill>
@@ -597,7 +612,7 @@
         <a:sym typeface="Arial"/>
       </a:defRPr>
     </a:lvl4pPr>
-    <a:lvl5pPr lvl="4" marR="0" rtl="0" algn="l">
+    <a:lvl5pPr marR="0" lvl="4" algn="l" rtl="0">
       <a:lnSpc>
         <a:spcPct val="100000"/>
       </a:lnSpc>
@@ -611,7 +626,7 @@
         <a:srgbClr val="000000"/>
       </a:buClr>
       <a:buFont typeface="Arial"/>
-      <a:defRPr b="0" i="0" sz="1400" u="none" cap="none" strike="noStrike">
+      <a:defRPr sz="1400" b="0" i="0" u="none" strike="noStrike" cap="none">
         <a:solidFill>
           <a:srgbClr val="000000"/>
         </a:solidFill>
@@ -621,7 +636,7 @@
         <a:sym typeface="Arial"/>
       </a:defRPr>
     </a:lvl5pPr>
-    <a:lvl6pPr lvl="5" marR="0" rtl="0" algn="l">
+    <a:lvl6pPr marR="0" lvl="5" algn="l" rtl="0">
       <a:lnSpc>
         <a:spcPct val="100000"/>
       </a:lnSpc>
@@ -635,7 +650,7 @@
         <a:srgbClr val="000000"/>
       </a:buClr>
       <a:buFont typeface="Arial"/>
-      <a:defRPr b="0" i="0" sz="1400" u="none" cap="none" strike="noStrike">
+      <a:defRPr sz="1400" b="0" i="0" u="none" strike="noStrike" cap="none">
         <a:solidFill>
           <a:srgbClr val="000000"/>
         </a:solidFill>
@@ -645,7 +660,7 @@
         <a:sym typeface="Arial"/>
       </a:defRPr>
     </a:lvl6pPr>
-    <a:lvl7pPr lvl="6" marR="0" rtl="0" algn="l">
+    <a:lvl7pPr marR="0" lvl="6" algn="l" rtl="0">
       <a:lnSpc>
         <a:spcPct val="100000"/>
       </a:lnSpc>
@@ -659,7 +674,7 @@
         <a:srgbClr val="000000"/>
       </a:buClr>
       <a:buFont typeface="Arial"/>
-      <a:defRPr b="0" i="0" sz="1400" u="none" cap="none" strike="noStrike">
+      <a:defRPr sz="1400" b="0" i="0" u="none" strike="noStrike" cap="none">
         <a:solidFill>
           <a:srgbClr val="000000"/>
         </a:solidFill>
@@ -669,7 +684,7 @@
         <a:sym typeface="Arial"/>
       </a:defRPr>
     </a:lvl7pPr>
-    <a:lvl8pPr lvl="7" marR="0" rtl="0" algn="l">
+    <a:lvl8pPr marR="0" lvl="7" algn="l" rtl="0">
       <a:lnSpc>
         <a:spcPct val="100000"/>
       </a:lnSpc>
@@ -683,7 +698,7 @@
         <a:srgbClr val="000000"/>
       </a:buClr>
       <a:buFont typeface="Arial"/>
-      <a:defRPr b="0" i="0" sz="1400" u="none" cap="none" strike="noStrike">
+      <a:defRPr sz="1400" b="0" i="0" u="none" strike="noStrike" cap="none">
         <a:solidFill>
           <a:srgbClr val="000000"/>
         </a:solidFill>
@@ -693,7 +708,7 @@
         <a:sym typeface="Arial"/>
       </a:defRPr>
     </a:lvl8pPr>
-    <a:lvl9pPr lvl="8" marR="0" rtl="0" algn="l">
+    <a:lvl9pPr marR="0" lvl="8" algn="l" rtl="0">
       <a:lnSpc>
         <a:spcPct val="100000"/>
       </a:lnSpc>
@@ -707,7 +722,7 @@
         <a:srgbClr val="000000"/>
       </a:buClr>
       <a:buFont typeface="Arial"/>
-      <a:defRPr b="0" i="0" sz="1400" u="none" cap="none" strike="noStrike">
+      <a:defRPr sz="1400" b="0" i="0" u="none" strike="noStrike" cap="none">
         <a:solidFill>
           <a:srgbClr val="000000"/>
         </a:solidFill>
@@ -722,11 +737,11 @@
 </file>
 
 <file path=ppt/notesSlides/notesSlide1.xml><?xml version="1.0" encoding="utf-8"?>
-<p:notes xmlns:a="http://schemas.openxmlformats.org/drawingml/2006/main" xmlns:r="http://schemas.openxmlformats.org/officeDocument/2006/relationships" xmlns:mc="http://schemas.openxmlformats.org/markup-compatibility/2006" xmlns:mv="urn:schemas-microsoft-com:mac:vml" xmlns:p="http://schemas.openxmlformats.org/presentationml/2006/main" xmlns:c="http://schemas.openxmlformats.org/drawingml/2006/chart" xmlns:dgm="http://schemas.openxmlformats.org/drawingml/2006/diagram" xmlns:o="urn:schemas-microsoft-com:office:office" xmlns:v="urn:schemas-microsoft-com:vml" xmlns:pvml="urn:schemas-microsoft-com:office:powerpoint" xmlns:com="http://schemas.openxmlformats.org/drawingml/2006/compatibility" xmlns:p14="http://schemas.microsoft.com/office/powerpoint/2010/main" xmlns:p15="http://schemas.microsoft.com/office/powerpoint/2012/main" xmlns:ahyp="http://schemas.microsoft.com/office/drawing/2018/hyperlinkcolor" showMasterPhAnim="0" showMasterSp="0">
+<p:notes xmlns:a="http://schemas.openxmlformats.org/drawingml/2006/main" xmlns:r="http://schemas.openxmlformats.org/officeDocument/2006/relationships" xmlns:p="http://schemas.openxmlformats.org/presentationml/2006/main" showMasterSp="0" showMasterPhAnim="0">
   <p:cSld>
     <p:spTree>
       <p:nvGrpSpPr>
-        <p:cNvPr id="130" name="Shape 130"/>
+        <p:cNvPr id="1" name="Shape 130"/>
         <p:cNvGrpSpPr/>
         <p:nvPr/>
       </p:nvGrpSpPr>
@@ -741,9 +756,11 @@
       <p:sp>
         <p:nvSpPr>
           <p:cNvPr id="131" name="Google Shape;131;p:notes"/>
-          <p:cNvSpPr/>
+          <p:cNvSpPr>
+            <a:spLocks noGrp="1" noRot="1" noChangeAspect="1"/>
+          </p:cNvSpPr>
           <p:nvPr>
-            <p:ph idx="2" type="sldImg"/>
+            <p:ph type="sldImg" idx="2"/>
           </p:nvPr>
         </p:nvSpPr>
         <p:spPr>
@@ -752,9 +769,13 @@
             <a:ext cx="6096075" cy="3429000"/>
           </a:xfrm>
           <a:custGeom>
-            <a:rect b="b" l="l" r="r" t="t"/>
+            <a:avLst/>
+            <a:gdLst/>
+            <a:ahLst/>
+            <a:cxnLst/>
+            <a:rect l="l" t="t" r="r" b="b"/>
             <a:pathLst>
-              <a:path extrusionOk="0" h="120000" w="120000">
+              <a:path w="120000" h="120000" extrusionOk="0">
                 <a:moveTo>
                   <a:pt x="0" y="0"/>
                 </a:moveTo>
@@ -776,9 +797,11 @@
       <p:sp>
         <p:nvSpPr>
           <p:cNvPr id="132" name="Google Shape;132;p:notes"/>
-          <p:cNvSpPr txBox="1"/>
+          <p:cNvSpPr txBox="1">
+            <a:spLocks noGrp="1"/>
+          </p:cNvSpPr>
           <p:nvPr>
-            <p:ph idx="1" type="body"/>
+            <p:ph type="body" idx="1"/>
           </p:nvPr>
         </p:nvSpPr>
         <p:spPr>
@@ -791,12 +814,12 @@
           </a:prstGeom>
         </p:spPr>
         <p:txBody>
-          <a:bodyPr anchorCtr="0" anchor="t" bIns="91425" lIns="91425" spcFirstLastPara="1" rIns="91425" wrap="square" tIns="91425">
+          <a:bodyPr spcFirstLastPara="1" wrap="square" lIns="91425" tIns="91425" rIns="91425" bIns="91425" anchor="t" anchorCtr="0">
             <a:noAutofit/>
           </a:bodyPr>
           <a:lstStyle/>
           <a:p>
-            <a:pPr indent="0" lvl="0" marL="0" rtl="0" algn="l">
+            <a:pPr marL="0" lvl="0" indent="0" algn="l" rtl="0">
               <a:spcBef>
                 <a:spcPts val="0"/>
               </a:spcBef>
@@ -805,9 +828,6 @@
               </a:spcAft>
               <a:buNone/>
             </a:pPr>
-            <a:r>
-              <a:t/>
-            </a:r>
             <a:endParaRPr/>
           </a:p>
         </p:txBody>
@@ -821,11 +841,11 @@
 </file>
 
 <file path=ppt/notesSlides/notesSlide10.xml><?xml version="1.0" encoding="utf-8"?>
-<p:notes xmlns:a="http://schemas.openxmlformats.org/drawingml/2006/main" xmlns:r="http://schemas.openxmlformats.org/officeDocument/2006/relationships" xmlns:mc="http://schemas.openxmlformats.org/markup-compatibility/2006" xmlns:mv="urn:schemas-microsoft-com:mac:vml" xmlns:p="http://schemas.openxmlformats.org/presentationml/2006/main" xmlns:c="http://schemas.openxmlformats.org/drawingml/2006/chart" xmlns:dgm="http://schemas.openxmlformats.org/drawingml/2006/diagram" xmlns:o="urn:schemas-microsoft-com:office:office" xmlns:v="urn:schemas-microsoft-com:vml" xmlns:pvml="urn:schemas-microsoft-com:office:powerpoint" xmlns:com="http://schemas.openxmlformats.org/drawingml/2006/compatibility" xmlns:p14="http://schemas.microsoft.com/office/powerpoint/2010/main" xmlns:p15="http://schemas.microsoft.com/office/powerpoint/2012/main" xmlns:ahyp="http://schemas.microsoft.com/office/drawing/2018/hyperlinkcolor" showMasterPhAnim="0" showMasterSp="0">
+<p:notes xmlns:a="http://schemas.openxmlformats.org/drawingml/2006/main" xmlns:r="http://schemas.openxmlformats.org/officeDocument/2006/relationships" xmlns:p="http://schemas.openxmlformats.org/presentationml/2006/main" showMasterSp="0" showMasterPhAnim="0">
   <p:cSld>
     <p:spTree>
       <p:nvGrpSpPr>
-        <p:cNvPr id="189" name="Shape 189"/>
+        <p:cNvPr id="1" name="Shape 189"/>
         <p:cNvGrpSpPr/>
         <p:nvPr/>
       </p:nvGrpSpPr>
@@ -840,9 +860,11 @@
       <p:sp>
         <p:nvSpPr>
           <p:cNvPr id="190" name="Google Shape;190;gac65587d13_0_389:notes"/>
-          <p:cNvSpPr/>
+          <p:cNvSpPr>
+            <a:spLocks noGrp="1" noRot="1" noChangeAspect="1"/>
+          </p:cNvSpPr>
           <p:nvPr>
-            <p:ph idx="2" type="sldImg"/>
+            <p:ph type="sldImg" idx="2"/>
           </p:nvPr>
         </p:nvSpPr>
         <p:spPr>
@@ -851,9 +873,13 @@
             <a:ext cx="6096000" cy="3429000"/>
           </a:xfrm>
           <a:custGeom>
-            <a:rect b="b" l="l" r="r" t="t"/>
+            <a:avLst/>
+            <a:gdLst/>
+            <a:ahLst/>
+            <a:cxnLst/>
+            <a:rect l="l" t="t" r="r" b="b"/>
             <a:pathLst>
-              <a:path extrusionOk="0" h="120000" w="120000">
+              <a:path w="120000" h="120000" extrusionOk="0">
                 <a:moveTo>
                   <a:pt x="0" y="0"/>
                 </a:moveTo>
@@ -875,9 +901,11 @@
       <p:sp>
         <p:nvSpPr>
           <p:cNvPr id="191" name="Google Shape;191;gac65587d13_0_389:notes"/>
-          <p:cNvSpPr txBox="1"/>
+          <p:cNvSpPr txBox="1">
+            <a:spLocks noGrp="1"/>
+          </p:cNvSpPr>
           <p:nvPr>
-            <p:ph idx="1" type="body"/>
+            <p:ph type="body" idx="1"/>
           </p:nvPr>
         </p:nvSpPr>
         <p:spPr>
@@ -890,12 +918,12 @@
           </a:prstGeom>
         </p:spPr>
         <p:txBody>
-          <a:bodyPr anchorCtr="0" anchor="t" bIns="91425" lIns="91425" spcFirstLastPara="1" rIns="91425" wrap="square" tIns="91425">
+          <a:bodyPr spcFirstLastPara="1" wrap="square" lIns="91425" tIns="91425" rIns="91425" bIns="91425" anchor="t" anchorCtr="0">
             <a:noAutofit/>
           </a:bodyPr>
           <a:lstStyle/>
           <a:p>
-            <a:pPr indent="0" lvl="0" marL="0" rtl="0" algn="l">
+            <a:pPr marL="0" lvl="0" indent="0" algn="l" rtl="0">
               <a:spcBef>
                 <a:spcPts val="0"/>
               </a:spcBef>
@@ -904,9 +932,6 @@
               </a:spcAft>
               <a:buNone/>
             </a:pPr>
-            <a:r>
-              <a:t/>
-            </a:r>
             <a:endParaRPr/>
           </a:p>
         </p:txBody>
@@ -920,11 +945,11 @@
 </file>
 
 <file path=ppt/notesSlides/notesSlide11.xml><?xml version="1.0" encoding="utf-8"?>
-<p:notes xmlns:a="http://schemas.openxmlformats.org/drawingml/2006/main" xmlns:r="http://schemas.openxmlformats.org/officeDocument/2006/relationships" xmlns:mc="http://schemas.openxmlformats.org/markup-compatibility/2006" xmlns:mv="urn:schemas-microsoft-com:mac:vml" xmlns:p="http://schemas.openxmlformats.org/presentationml/2006/main" xmlns:c="http://schemas.openxmlformats.org/drawingml/2006/chart" xmlns:dgm="http://schemas.openxmlformats.org/drawingml/2006/diagram" xmlns:o="urn:schemas-microsoft-com:office:office" xmlns:v="urn:schemas-microsoft-com:vml" xmlns:pvml="urn:schemas-microsoft-com:office:powerpoint" xmlns:com="http://schemas.openxmlformats.org/drawingml/2006/compatibility" xmlns:p14="http://schemas.microsoft.com/office/powerpoint/2010/main" xmlns:p15="http://schemas.microsoft.com/office/powerpoint/2012/main" xmlns:ahyp="http://schemas.microsoft.com/office/drawing/2018/hyperlinkcolor" showMasterPhAnim="0" showMasterSp="0">
+<p:notes xmlns:a="http://schemas.openxmlformats.org/drawingml/2006/main" xmlns:r="http://schemas.openxmlformats.org/officeDocument/2006/relationships" xmlns:p="http://schemas.openxmlformats.org/presentationml/2006/main" showMasterSp="0" showMasterPhAnim="0">
   <p:cSld>
     <p:spTree>
       <p:nvGrpSpPr>
-        <p:cNvPr id="196" name="Shape 196"/>
+        <p:cNvPr id="1" name="Shape 196"/>
         <p:cNvGrpSpPr/>
         <p:nvPr/>
       </p:nvGrpSpPr>
@@ -939,9 +964,11 @@
       <p:sp>
         <p:nvSpPr>
           <p:cNvPr id="197" name="Google Shape;197;gac65587d13_0_396:notes"/>
-          <p:cNvSpPr/>
+          <p:cNvSpPr>
+            <a:spLocks noGrp="1" noRot="1" noChangeAspect="1"/>
+          </p:cNvSpPr>
           <p:nvPr>
-            <p:ph idx="2" type="sldImg"/>
+            <p:ph type="sldImg" idx="2"/>
           </p:nvPr>
         </p:nvSpPr>
         <p:spPr>
@@ -950,9 +977,13 @@
             <a:ext cx="6096000" cy="3429000"/>
           </a:xfrm>
           <a:custGeom>
-            <a:rect b="b" l="l" r="r" t="t"/>
+            <a:avLst/>
+            <a:gdLst/>
+            <a:ahLst/>
+            <a:cxnLst/>
+            <a:rect l="l" t="t" r="r" b="b"/>
             <a:pathLst>
-              <a:path extrusionOk="0" h="120000" w="120000">
+              <a:path w="120000" h="120000" extrusionOk="0">
                 <a:moveTo>
                   <a:pt x="0" y="0"/>
                 </a:moveTo>
@@ -974,9 +1005,11 @@
       <p:sp>
         <p:nvSpPr>
           <p:cNvPr id="198" name="Google Shape;198;gac65587d13_0_396:notes"/>
-          <p:cNvSpPr txBox="1"/>
+          <p:cNvSpPr txBox="1">
+            <a:spLocks noGrp="1"/>
+          </p:cNvSpPr>
           <p:nvPr>
-            <p:ph idx="1" type="body"/>
+            <p:ph type="body" idx="1"/>
           </p:nvPr>
         </p:nvSpPr>
         <p:spPr>
@@ -989,12 +1022,12 @@
           </a:prstGeom>
         </p:spPr>
         <p:txBody>
-          <a:bodyPr anchorCtr="0" anchor="t" bIns="91425" lIns="91425" spcFirstLastPara="1" rIns="91425" wrap="square" tIns="91425">
+          <a:bodyPr spcFirstLastPara="1" wrap="square" lIns="91425" tIns="91425" rIns="91425" bIns="91425" anchor="t" anchorCtr="0">
             <a:noAutofit/>
           </a:bodyPr>
           <a:lstStyle/>
           <a:p>
-            <a:pPr indent="0" lvl="0" marL="0" rtl="0" algn="l">
+            <a:pPr marL="0" lvl="0" indent="0" algn="l" rtl="0">
               <a:spcBef>
                 <a:spcPts val="0"/>
               </a:spcBef>
@@ -1003,9 +1036,6 @@
               </a:spcAft>
               <a:buNone/>
             </a:pPr>
-            <a:r>
-              <a:t/>
-            </a:r>
             <a:endParaRPr/>
           </a:p>
         </p:txBody>
@@ -1019,11 +1049,11 @@
 </file>
 
 <file path=ppt/notesSlides/notesSlide12.xml><?xml version="1.0" encoding="utf-8"?>
-<p:notes xmlns:a="http://schemas.openxmlformats.org/drawingml/2006/main" xmlns:r="http://schemas.openxmlformats.org/officeDocument/2006/relationships" xmlns:mc="http://schemas.openxmlformats.org/markup-compatibility/2006" xmlns:mv="urn:schemas-microsoft-com:mac:vml" xmlns:p="http://schemas.openxmlformats.org/presentationml/2006/main" xmlns:c="http://schemas.openxmlformats.org/drawingml/2006/chart" xmlns:dgm="http://schemas.openxmlformats.org/drawingml/2006/diagram" xmlns:o="urn:schemas-microsoft-com:office:office" xmlns:v="urn:schemas-microsoft-com:vml" xmlns:pvml="urn:schemas-microsoft-com:office:powerpoint" xmlns:com="http://schemas.openxmlformats.org/drawingml/2006/compatibility" xmlns:p14="http://schemas.microsoft.com/office/powerpoint/2010/main" xmlns:p15="http://schemas.microsoft.com/office/powerpoint/2012/main" xmlns:ahyp="http://schemas.microsoft.com/office/drawing/2018/hyperlinkcolor" showMasterPhAnim="0" showMasterSp="0">
+<p:notes xmlns:a="http://schemas.openxmlformats.org/drawingml/2006/main" xmlns:r="http://schemas.openxmlformats.org/officeDocument/2006/relationships" xmlns:p="http://schemas.openxmlformats.org/presentationml/2006/main" showMasterSp="0" showMasterPhAnim="0">
   <p:cSld>
     <p:spTree>
       <p:nvGrpSpPr>
-        <p:cNvPr id="203" name="Shape 203"/>
+        <p:cNvPr id="1" name="Shape 203"/>
         <p:cNvGrpSpPr/>
         <p:nvPr/>
       </p:nvGrpSpPr>
@@ -1038,9 +1068,11 @@
       <p:sp>
         <p:nvSpPr>
           <p:cNvPr id="204" name="Google Shape;204;gac65587d13_0_402:notes"/>
-          <p:cNvSpPr/>
+          <p:cNvSpPr>
+            <a:spLocks noGrp="1" noRot="1" noChangeAspect="1"/>
+          </p:cNvSpPr>
           <p:nvPr>
-            <p:ph idx="2" type="sldImg"/>
+            <p:ph type="sldImg" idx="2"/>
           </p:nvPr>
         </p:nvSpPr>
         <p:spPr>
@@ -1049,9 +1081,13 @@
             <a:ext cx="6096000" cy="3429000"/>
           </a:xfrm>
           <a:custGeom>
-            <a:rect b="b" l="l" r="r" t="t"/>
+            <a:avLst/>
+            <a:gdLst/>
+            <a:ahLst/>
+            <a:cxnLst/>
+            <a:rect l="l" t="t" r="r" b="b"/>
             <a:pathLst>
-              <a:path extrusionOk="0" h="120000" w="120000">
+              <a:path w="120000" h="120000" extrusionOk="0">
                 <a:moveTo>
                   <a:pt x="0" y="0"/>
                 </a:moveTo>
@@ -1073,9 +1109,11 @@
       <p:sp>
         <p:nvSpPr>
           <p:cNvPr id="205" name="Google Shape;205;gac65587d13_0_402:notes"/>
-          <p:cNvSpPr txBox="1"/>
+          <p:cNvSpPr txBox="1">
+            <a:spLocks noGrp="1"/>
+          </p:cNvSpPr>
           <p:nvPr>
-            <p:ph idx="1" type="body"/>
+            <p:ph type="body" idx="1"/>
           </p:nvPr>
         </p:nvSpPr>
         <p:spPr>
@@ -1088,12 +1126,12 @@
           </a:prstGeom>
         </p:spPr>
         <p:txBody>
-          <a:bodyPr anchorCtr="0" anchor="t" bIns="91425" lIns="91425" spcFirstLastPara="1" rIns="91425" wrap="square" tIns="91425">
+          <a:bodyPr spcFirstLastPara="1" wrap="square" lIns="91425" tIns="91425" rIns="91425" bIns="91425" anchor="t" anchorCtr="0">
             <a:noAutofit/>
           </a:bodyPr>
           <a:lstStyle/>
           <a:p>
-            <a:pPr indent="0" lvl="0" marL="0" rtl="0" algn="l">
+            <a:pPr marL="0" lvl="0" indent="0" algn="l" rtl="0">
               <a:spcBef>
                 <a:spcPts val="0"/>
               </a:spcBef>
@@ -1102,9 +1140,6 @@
               </a:spcAft>
               <a:buNone/>
             </a:pPr>
-            <a:r>
-              <a:t/>
-            </a:r>
             <a:endParaRPr/>
           </a:p>
         </p:txBody>
@@ -1118,11 +1153,11 @@
 </file>
 
 <file path=ppt/notesSlides/notesSlide13.xml><?xml version="1.0" encoding="utf-8"?>
-<p:notes xmlns:a="http://schemas.openxmlformats.org/drawingml/2006/main" xmlns:r="http://schemas.openxmlformats.org/officeDocument/2006/relationships" xmlns:mc="http://schemas.openxmlformats.org/markup-compatibility/2006" xmlns:mv="urn:schemas-microsoft-com:mac:vml" xmlns:p="http://schemas.openxmlformats.org/presentationml/2006/main" xmlns:c="http://schemas.openxmlformats.org/drawingml/2006/chart" xmlns:dgm="http://schemas.openxmlformats.org/drawingml/2006/diagram" xmlns:o="urn:schemas-microsoft-com:office:office" xmlns:v="urn:schemas-microsoft-com:vml" xmlns:pvml="urn:schemas-microsoft-com:office:powerpoint" xmlns:com="http://schemas.openxmlformats.org/drawingml/2006/compatibility" xmlns:p14="http://schemas.microsoft.com/office/powerpoint/2010/main" xmlns:p15="http://schemas.microsoft.com/office/powerpoint/2012/main" xmlns:ahyp="http://schemas.microsoft.com/office/drawing/2018/hyperlinkcolor" showMasterPhAnim="0" showMasterSp="0">
+<p:notes xmlns:a="http://schemas.openxmlformats.org/drawingml/2006/main" xmlns:r="http://schemas.openxmlformats.org/officeDocument/2006/relationships" xmlns:p="http://schemas.openxmlformats.org/presentationml/2006/main" showMasterSp="0" showMasterPhAnim="0">
   <p:cSld>
     <p:spTree>
       <p:nvGrpSpPr>
-        <p:cNvPr id="210" name="Shape 210"/>
+        <p:cNvPr id="1" name="Shape 210"/>
         <p:cNvGrpSpPr/>
         <p:nvPr/>
       </p:nvGrpSpPr>
@@ -1137,9 +1172,11 @@
       <p:sp>
         <p:nvSpPr>
           <p:cNvPr id="211" name="Google Shape;211;gac65587d13_0_409:notes"/>
-          <p:cNvSpPr/>
+          <p:cNvSpPr>
+            <a:spLocks noGrp="1" noRot="1" noChangeAspect="1"/>
+          </p:cNvSpPr>
           <p:nvPr>
-            <p:ph idx="2" type="sldImg"/>
+            <p:ph type="sldImg" idx="2"/>
           </p:nvPr>
         </p:nvSpPr>
         <p:spPr>
@@ -1148,9 +1185,13 @@
             <a:ext cx="6096000" cy="3429000"/>
           </a:xfrm>
           <a:custGeom>
-            <a:rect b="b" l="l" r="r" t="t"/>
+            <a:avLst/>
+            <a:gdLst/>
+            <a:ahLst/>
+            <a:cxnLst/>
+            <a:rect l="l" t="t" r="r" b="b"/>
             <a:pathLst>
-              <a:path extrusionOk="0" h="120000" w="120000">
+              <a:path w="120000" h="120000" extrusionOk="0">
                 <a:moveTo>
                   <a:pt x="0" y="0"/>
                 </a:moveTo>
@@ -1172,9 +1213,11 @@
       <p:sp>
         <p:nvSpPr>
           <p:cNvPr id="212" name="Google Shape;212;gac65587d13_0_409:notes"/>
-          <p:cNvSpPr txBox="1"/>
+          <p:cNvSpPr txBox="1">
+            <a:spLocks noGrp="1"/>
+          </p:cNvSpPr>
           <p:nvPr>
-            <p:ph idx="1" type="body"/>
+            <p:ph type="body" idx="1"/>
           </p:nvPr>
         </p:nvSpPr>
         <p:spPr>
@@ -1187,12 +1230,12 @@
           </a:prstGeom>
         </p:spPr>
         <p:txBody>
-          <a:bodyPr anchorCtr="0" anchor="t" bIns="91425" lIns="91425" spcFirstLastPara="1" rIns="91425" wrap="square" tIns="91425">
+          <a:bodyPr spcFirstLastPara="1" wrap="square" lIns="91425" tIns="91425" rIns="91425" bIns="91425" anchor="t" anchorCtr="0">
             <a:noAutofit/>
           </a:bodyPr>
           <a:lstStyle/>
           <a:p>
-            <a:pPr indent="0" lvl="0" marL="0" rtl="0" algn="l">
+            <a:pPr marL="0" lvl="0" indent="0" algn="l" rtl="0">
               <a:spcBef>
                 <a:spcPts val="0"/>
               </a:spcBef>
@@ -1201,9 +1244,6 @@
               </a:spcAft>
               <a:buNone/>
             </a:pPr>
-            <a:r>
-              <a:t/>
-            </a:r>
             <a:endParaRPr/>
           </a:p>
         </p:txBody>
@@ -1217,11 +1257,11 @@
 </file>
 
 <file path=ppt/notesSlides/notesSlide14.xml><?xml version="1.0" encoding="utf-8"?>
-<p:notes xmlns:a="http://schemas.openxmlformats.org/drawingml/2006/main" xmlns:r="http://schemas.openxmlformats.org/officeDocument/2006/relationships" xmlns:mc="http://schemas.openxmlformats.org/markup-compatibility/2006" xmlns:mv="urn:schemas-microsoft-com:mac:vml" xmlns:p="http://schemas.openxmlformats.org/presentationml/2006/main" xmlns:c="http://schemas.openxmlformats.org/drawingml/2006/chart" xmlns:dgm="http://schemas.openxmlformats.org/drawingml/2006/diagram" xmlns:o="urn:schemas-microsoft-com:office:office" xmlns:v="urn:schemas-microsoft-com:vml" xmlns:pvml="urn:schemas-microsoft-com:office:powerpoint" xmlns:com="http://schemas.openxmlformats.org/drawingml/2006/compatibility" xmlns:p14="http://schemas.microsoft.com/office/powerpoint/2010/main" xmlns:p15="http://schemas.microsoft.com/office/powerpoint/2012/main" xmlns:ahyp="http://schemas.microsoft.com/office/drawing/2018/hyperlinkcolor" showMasterPhAnim="0" showMasterSp="0">
+<p:notes xmlns:a="http://schemas.openxmlformats.org/drawingml/2006/main" xmlns:r="http://schemas.openxmlformats.org/officeDocument/2006/relationships" xmlns:p="http://schemas.openxmlformats.org/presentationml/2006/main" showMasterSp="0" showMasterPhAnim="0">
   <p:cSld>
     <p:spTree>
       <p:nvGrpSpPr>
-        <p:cNvPr id="217" name="Shape 217"/>
+        <p:cNvPr id="1" name="Shape 217"/>
         <p:cNvGrpSpPr/>
         <p:nvPr/>
       </p:nvGrpSpPr>
@@ -1236,9 +1276,11 @@
       <p:sp>
         <p:nvSpPr>
           <p:cNvPr id="218" name="Google Shape;218;gac65587d13_0_416:notes"/>
-          <p:cNvSpPr/>
+          <p:cNvSpPr>
+            <a:spLocks noGrp="1" noRot="1" noChangeAspect="1"/>
+          </p:cNvSpPr>
           <p:nvPr>
-            <p:ph idx="2" type="sldImg"/>
+            <p:ph type="sldImg" idx="2"/>
           </p:nvPr>
         </p:nvSpPr>
         <p:spPr>
@@ -1247,9 +1289,13 @@
             <a:ext cx="6096000" cy="3429000"/>
           </a:xfrm>
           <a:custGeom>
-            <a:rect b="b" l="l" r="r" t="t"/>
+            <a:avLst/>
+            <a:gdLst/>
+            <a:ahLst/>
+            <a:cxnLst/>
+            <a:rect l="l" t="t" r="r" b="b"/>
             <a:pathLst>
-              <a:path extrusionOk="0" h="120000" w="120000">
+              <a:path w="120000" h="120000" extrusionOk="0">
                 <a:moveTo>
                   <a:pt x="0" y="0"/>
                 </a:moveTo>
@@ -1271,9 +1317,11 @@
       <p:sp>
         <p:nvSpPr>
           <p:cNvPr id="219" name="Google Shape;219;gac65587d13_0_416:notes"/>
-          <p:cNvSpPr txBox="1"/>
+          <p:cNvSpPr txBox="1">
+            <a:spLocks noGrp="1"/>
+          </p:cNvSpPr>
           <p:nvPr>
-            <p:ph idx="1" type="body"/>
+            <p:ph type="body" idx="1"/>
           </p:nvPr>
         </p:nvSpPr>
         <p:spPr>
@@ -1286,12 +1334,12 @@
           </a:prstGeom>
         </p:spPr>
         <p:txBody>
-          <a:bodyPr anchorCtr="0" anchor="t" bIns="91425" lIns="91425" spcFirstLastPara="1" rIns="91425" wrap="square" tIns="91425">
+          <a:bodyPr spcFirstLastPara="1" wrap="square" lIns="91425" tIns="91425" rIns="91425" bIns="91425" anchor="t" anchorCtr="0">
             <a:noAutofit/>
           </a:bodyPr>
           <a:lstStyle/>
           <a:p>
-            <a:pPr indent="0" lvl="0" marL="0" rtl="0" algn="l">
+            <a:pPr marL="0" lvl="0" indent="0" algn="l" rtl="0">
               <a:spcBef>
                 <a:spcPts val="0"/>
               </a:spcBef>
@@ -1300,9 +1348,6 @@
               </a:spcAft>
               <a:buNone/>
             </a:pPr>
-            <a:r>
-              <a:t/>
-            </a:r>
             <a:endParaRPr/>
           </a:p>
         </p:txBody>
@@ -1316,11 +1361,11 @@
 </file>
 
 <file path=ppt/notesSlides/notesSlide15.xml><?xml version="1.0" encoding="utf-8"?>
-<p:notes xmlns:a="http://schemas.openxmlformats.org/drawingml/2006/main" xmlns:r="http://schemas.openxmlformats.org/officeDocument/2006/relationships" xmlns:mc="http://schemas.openxmlformats.org/markup-compatibility/2006" xmlns:mv="urn:schemas-microsoft-com:mac:vml" xmlns:p="http://schemas.openxmlformats.org/presentationml/2006/main" xmlns:c="http://schemas.openxmlformats.org/drawingml/2006/chart" xmlns:dgm="http://schemas.openxmlformats.org/drawingml/2006/diagram" xmlns:o="urn:schemas-microsoft-com:office:office" xmlns:v="urn:schemas-microsoft-com:vml" xmlns:pvml="urn:schemas-microsoft-com:office:powerpoint" xmlns:com="http://schemas.openxmlformats.org/drawingml/2006/compatibility" xmlns:p14="http://schemas.microsoft.com/office/powerpoint/2010/main" xmlns:p15="http://schemas.microsoft.com/office/powerpoint/2012/main" xmlns:ahyp="http://schemas.microsoft.com/office/drawing/2018/hyperlinkcolor" showMasterPhAnim="0" showMasterSp="0">
+<p:notes xmlns:a="http://schemas.openxmlformats.org/drawingml/2006/main" xmlns:r="http://schemas.openxmlformats.org/officeDocument/2006/relationships" xmlns:p="http://schemas.openxmlformats.org/presentationml/2006/main" showMasterSp="0" showMasterPhAnim="0">
   <p:cSld>
     <p:spTree>
       <p:nvGrpSpPr>
-        <p:cNvPr id="225" name="Shape 225"/>
+        <p:cNvPr id="1" name="Shape 225"/>
         <p:cNvGrpSpPr/>
         <p:nvPr/>
       </p:nvGrpSpPr>
@@ -1335,9 +1380,11 @@
       <p:sp>
         <p:nvSpPr>
           <p:cNvPr id="226" name="Google Shape;226;gac65587d13_0_344:notes"/>
-          <p:cNvSpPr/>
+          <p:cNvSpPr>
+            <a:spLocks noGrp="1" noRot="1" noChangeAspect="1"/>
+          </p:cNvSpPr>
           <p:nvPr>
-            <p:ph idx="2" type="sldImg"/>
+            <p:ph type="sldImg" idx="2"/>
           </p:nvPr>
         </p:nvSpPr>
         <p:spPr>
@@ -1346,9 +1393,13 @@
             <a:ext cx="6096000" cy="3429000"/>
           </a:xfrm>
           <a:custGeom>
-            <a:rect b="b" l="l" r="r" t="t"/>
+            <a:avLst/>
+            <a:gdLst/>
+            <a:ahLst/>
+            <a:cxnLst/>
+            <a:rect l="l" t="t" r="r" b="b"/>
             <a:pathLst>
-              <a:path extrusionOk="0" h="120000" w="120000">
+              <a:path w="120000" h="120000" extrusionOk="0">
                 <a:moveTo>
                   <a:pt x="0" y="0"/>
                 </a:moveTo>
@@ -1370,9 +1421,11 @@
       <p:sp>
         <p:nvSpPr>
           <p:cNvPr id="227" name="Google Shape;227;gac65587d13_0_344:notes"/>
-          <p:cNvSpPr txBox="1"/>
+          <p:cNvSpPr txBox="1">
+            <a:spLocks noGrp="1"/>
+          </p:cNvSpPr>
           <p:nvPr>
-            <p:ph idx="1" type="body"/>
+            <p:ph type="body" idx="1"/>
           </p:nvPr>
         </p:nvSpPr>
         <p:spPr>
@@ -1385,12 +1438,12 @@
           </a:prstGeom>
         </p:spPr>
         <p:txBody>
-          <a:bodyPr anchorCtr="0" anchor="t" bIns="91425" lIns="91425" spcFirstLastPara="1" rIns="91425" wrap="square" tIns="91425">
+          <a:bodyPr spcFirstLastPara="1" wrap="square" lIns="91425" tIns="91425" rIns="91425" bIns="91425" anchor="t" anchorCtr="0">
             <a:noAutofit/>
           </a:bodyPr>
           <a:lstStyle/>
           <a:p>
-            <a:pPr indent="0" lvl="0" marL="0" rtl="0" algn="l">
+            <a:pPr marL="0" lvl="0" indent="0" algn="l" rtl="0">
               <a:spcBef>
                 <a:spcPts val="0"/>
               </a:spcBef>
@@ -1399,9 +1452,6 @@
               </a:spcAft>
               <a:buNone/>
             </a:pPr>
-            <a:r>
-              <a:t/>
-            </a:r>
             <a:endParaRPr/>
           </a:p>
         </p:txBody>
@@ -1415,11 +1465,11 @@
 </file>
 
 <file path=ppt/notesSlides/notesSlide16.xml><?xml version="1.0" encoding="utf-8"?>
-<p:notes xmlns:a="http://schemas.openxmlformats.org/drawingml/2006/main" xmlns:r="http://schemas.openxmlformats.org/officeDocument/2006/relationships" xmlns:mc="http://schemas.openxmlformats.org/markup-compatibility/2006" xmlns:mv="urn:schemas-microsoft-com:mac:vml" xmlns:p="http://schemas.openxmlformats.org/presentationml/2006/main" xmlns:c="http://schemas.openxmlformats.org/drawingml/2006/chart" xmlns:dgm="http://schemas.openxmlformats.org/drawingml/2006/diagram" xmlns:o="urn:schemas-microsoft-com:office:office" xmlns:v="urn:schemas-microsoft-com:vml" xmlns:pvml="urn:schemas-microsoft-com:office:powerpoint" xmlns:com="http://schemas.openxmlformats.org/drawingml/2006/compatibility" xmlns:p14="http://schemas.microsoft.com/office/powerpoint/2010/main" xmlns:p15="http://schemas.microsoft.com/office/powerpoint/2012/main" xmlns:ahyp="http://schemas.microsoft.com/office/drawing/2018/hyperlinkcolor" showMasterPhAnim="0" showMasterSp="0">
+<p:notes xmlns:a="http://schemas.openxmlformats.org/drawingml/2006/main" xmlns:r="http://schemas.openxmlformats.org/officeDocument/2006/relationships" xmlns:p="http://schemas.openxmlformats.org/presentationml/2006/main" showMasterSp="0" showMasterPhAnim="0">
   <p:cSld>
     <p:spTree>
       <p:nvGrpSpPr>
-        <p:cNvPr id="232" name="Shape 232"/>
+        <p:cNvPr id="1" name="Shape 232"/>
         <p:cNvGrpSpPr/>
         <p:nvPr/>
       </p:nvGrpSpPr>
@@ -1434,20 +1484,26 @@
       <p:sp>
         <p:nvSpPr>
           <p:cNvPr id="233" name="Google Shape;233;gac65587d13_0_424:notes"/>
-          <p:cNvSpPr/>
+          <p:cNvSpPr>
+            <a:spLocks noGrp="1" noRot="1" noChangeAspect="1"/>
+          </p:cNvSpPr>
           <p:nvPr>
-            <p:ph idx="2" type="sldImg"/>
+            <p:ph type="sldImg" idx="2"/>
           </p:nvPr>
         </p:nvSpPr>
         <p:spPr>
           <a:xfrm>
-            <a:off x="381300" y="685800"/>
+            <a:off x="381000" y="685800"/>
             <a:ext cx="6096000" cy="3429000"/>
           </a:xfrm>
           <a:custGeom>
-            <a:rect b="b" l="l" r="r" t="t"/>
+            <a:avLst/>
+            <a:gdLst/>
+            <a:ahLst/>
+            <a:cxnLst/>
+            <a:rect l="l" t="t" r="r" b="b"/>
             <a:pathLst>
-              <a:path extrusionOk="0" h="120000" w="120000">
+              <a:path w="120000" h="120000" extrusionOk="0">
                 <a:moveTo>
                   <a:pt x="0" y="0"/>
                 </a:moveTo>
@@ -1469,9 +1525,11 @@
       <p:sp>
         <p:nvSpPr>
           <p:cNvPr id="234" name="Google Shape;234;gac65587d13_0_424:notes"/>
-          <p:cNvSpPr txBox="1"/>
+          <p:cNvSpPr txBox="1">
+            <a:spLocks noGrp="1"/>
+          </p:cNvSpPr>
           <p:nvPr>
-            <p:ph idx="1" type="body"/>
+            <p:ph type="body" idx="1"/>
           </p:nvPr>
         </p:nvSpPr>
         <p:spPr>
@@ -1484,12 +1542,12 @@
           </a:prstGeom>
         </p:spPr>
         <p:txBody>
-          <a:bodyPr anchorCtr="0" anchor="t" bIns="91425" lIns="91425" spcFirstLastPara="1" rIns="91425" wrap="square" tIns="91425">
+          <a:bodyPr spcFirstLastPara="1" wrap="square" lIns="91425" tIns="91425" rIns="91425" bIns="91425" anchor="t" anchorCtr="0">
             <a:noAutofit/>
           </a:bodyPr>
           <a:lstStyle/>
           <a:p>
-            <a:pPr indent="0" lvl="0" marL="0" rtl="0" algn="l">
+            <a:pPr marL="0" lvl="0" indent="0" algn="l" rtl="0">
               <a:spcBef>
                 <a:spcPts val="0"/>
               </a:spcBef>
@@ -1498,9 +1556,6 @@
               </a:spcAft>
               <a:buNone/>
             </a:pPr>
-            <a:r>
-              <a:t/>
-            </a:r>
             <a:endParaRPr/>
           </a:p>
         </p:txBody>
@@ -1514,11 +1569,11 @@
 </file>
 
 <file path=ppt/notesSlides/notesSlide17.xml><?xml version="1.0" encoding="utf-8"?>
-<p:notes xmlns:a="http://schemas.openxmlformats.org/drawingml/2006/main" xmlns:r="http://schemas.openxmlformats.org/officeDocument/2006/relationships" xmlns:mc="http://schemas.openxmlformats.org/markup-compatibility/2006" xmlns:mv="urn:schemas-microsoft-com:mac:vml" xmlns:p="http://schemas.openxmlformats.org/presentationml/2006/main" xmlns:c="http://schemas.openxmlformats.org/drawingml/2006/chart" xmlns:dgm="http://schemas.openxmlformats.org/drawingml/2006/diagram" xmlns:o="urn:schemas-microsoft-com:office:office" xmlns:v="urn:schemas-microsoft-com:vml" xmlns:pvml="urn:schemas-microsoft-com:office:powerpoint" xmlns:com="http://schemas.openxmlformats.org/drawingml/2006/compatibility" xmlns:p14="http://schemas.microsoft.com/office/powerpoint/2010/main" xmlns:p15="http://schemas.microsoft.com/office/powerpoint/2012/main" xmlns:ahyp="http://schemas.microsoft.com/office/drawing/2018/hyperlinkcolor" showMasterPhAnim="0" showMasterSp="0">
+<p:notes xmlns:a="http://schemas.openxmlformats.org/drawingml/2006/main" xmlns:r="http://schemas.openxmlformats.org/officeDocument/2006/relationships" xmlns:p="http://schemas.openxmlformats.org/presentationml/2006/main" showMasterSp="0" showMasterPhAnim="0">
   <p:cSld>
     <p:spTree>
       <p:nvGrpSpPr>
-        <p:cNvPr id="239" name="Shape 239"/>
+        <p:cNvPr id="1" name="Shape 239"/>
         <p:cNvGrpSpPr/>
         <p:nvPr/>
       </p:nvGrpSpPr>
@@ -1533,9 +1588,11 @@
       <p:sp>
         <p:nvSpPr>
           <p:cNvPr id="240" name="Google Shape;240;gac65587d13_0_349:notes"/>
-          <p:cNvSpPr/>
+          <p:cNvSpPr>
+            <a:spLocks noGrp="1" noRot="1" noChangeAspect="1"/>
+          </p:cNvSpPr>
           <p:nvPr>
-            <p:ph idx="2" type="sldImg"/>
+            <p:ph type="sldImg" idx="2"/>
           </p:nvPr>
         </p:nvSpPr>
         <p:spPr>
@@ -1544,9 +1601,13 @@
             <a:ext cx="6096000" cy="3429000"/>
           </a:xfrm>
           <a:custGeom>
-            <a:rect b="b" l="l" r="r" t="t"/>
+            <a:avLst/>
+            <a:gdLst/>
+            <a:ahLst/>
+            <a:cxnLst/>
+            <a:rect l="l" t="t" r="r" b="b"/>
             <a:pathLst>
-              <a:path extrusionOk="0" h="120000" w="120000">
+              <a:path w="120000" h="120000" extrusionOk="0">
                 <a:moveTo>
                   <a:pt x="0" y="0"/>
                 </a:moveTo>
@@ -1568,9 +1629,11 @@
       <p:sp>
         <p:nvSpPr>
           <p:cNvPr id="241" name="Google Shape;241;gac65587d13_0_349:notes"/>
-          <p:cNvSpPr txBox="1"/>
+          <p:cNvSpPr txBox="1">
+            <a:spLocks noGrp="1"/>
+          </p:cNvSpPr>
           <p:nvPr>
-            <p:ph idx="1" type="body"/>
+            <p:ph type="body" idx="1"/>
           </p:nvPr>
         </p:nvSpPr>
         <p:spPr>
@@ -1583,12 +1646,12 @@
           </a:prstGeom>
         </p:spPr>
         <p:txBody>
-          <a:bodyPr anchorCtr="0" anchor="t" bIns="91425" lIns="91425" spcFirstLastPara="1" rIns="91425" wrap="square" tIns="91425">
+          <a:bodyPr spcFirstLastPara="1" wrap="square" lIns="91425" tIns="91425" rIns="91425" bIns="91425" anchor="t" anchorCtr="0">
             <a:noAutofit/>
           </a:bodyPr>
           <a:lstStyle/>
           <a:p>
-            <a:pPr indent="0" lvl="0" marL="0" rtl="0" algn="l">
+            <a:pPr marL="0" lvl="0" indent="0" algn="l" rtl="0">
               <a:spcBef>
                 <a:spcPts val="0"/>
               </a:spcBef>
@@ -1597,9 +1660,6 @@
               </a:spcAft>
               <a:buNone/>
             </a:pPr>
-            <a:r>
-              <a:t/>
-            </a:r>
             <a:endParaRPr/>
           </a:p>
         </p:txBody>
@@ -1613,11 +1673,11 @@
 </file>
 
 <file path=ppt/notesSlides/notesSlide18.xml><?xml version="1.0" encoding="utf-8"?>
-<p:notes xmlns:a="http://schemas.openxmlformats.org/drawingml/2006/main" xmlns:r="http://schemas.openxmlformats.org/officeDocument/2006/relationships" xmlns:mc="http://schemas.openxmlformats.org/markup-compatibility/2006" xmlns:mv="urn:schemas-microsoft-com:mac:vml" xmlns:p="http://schemas.openxmlformats.org/presentationml/2006/main" xmlns:c="http://schemas.openxmlformats.org/drawingml/2006/chart" xmlns:dgm="http://schemas.openxmlformats.org/drawingml/2006/diagram" xmlns:o="urn:schemas-microsoft-com:office:office" xmlns:v="urn:schemas-microsoft-com:vml" xmlns:pvml="urn:schemas-microsoft-com:office:powerpoint" xmlns:com="http://schemas.openxmlformats.org/drawingml/2006/compatibility" xmlns:p14="http://schemas.microsoft.com/office/powerpoint/2010/main" xmlns:p15="http://schemas.microsoft.com/office/powerpoint/2012/main" xmlns:ahyp="http://schemas.microsoft.com/office/drawing/2018/hyperlinkcolor" showMasterPhAnim="0" showMasterSp="0">
+<p:notes xmlns:a="http://schemas.openxmlformats.org/drawingml/2006/main" xmlns:r="http://schemas.openxmlformats.org/officeDocument/2006/relationships" xmlns:p="http://schemas.openxmlformats.org/presentationml/2006/main" showMasterSp="0" showMasterPhAnim="0">
   <p:cSld>
     <p:spTree>
       <p:nvGrpSpPr>
-        <p:cNvPr id="245" name="Shape 245"/>
+        <p:cNvPr id="1" name="Shape 245"/>
         <p:cNvGrpSpPr/>
         <p:nvPr/>
       </p:nvGrpSpPr>
@@ -1632,9 +1692,11 @@
       <p:sp>
         <p:nvSpPr>
           <p:cNvPr id="246" name="Google Shape;246;gac65587d13_0_354:notes"/>
-          <p:cNvSpPr/>
+          <p:cNvSpPr>
+            <a:spLocks noGrp="1" noRot="1" noChangeAspect="1"/>
+          </p:cNvSpPr>
           <p:nvPr>
-            <p:ph idx="2" type="sldImg"/>
+            <p:ph type="sldImg" idx="2"/>
           </p:nvPr>
         </p:nvSpPr>
         <p:spPr>
@@ -1643,9 +1705,13 @@
             <a:ext cx="6096000" cy="3429000"/>
           </a:xfrm>
           <a:custGeom>
-            <a:rect b="b" l="l" r="r" t="t"/>
+            <a:avLst/>
+            <a:gdLst/>
+            <a:ahLst/>
+            <a:cxnLst/>
+            <a:rect l="l" t="t" r="r" b="b"/>
             <a:pathLst>
-              <a:path extrusionOk="0" h="120000" w="120000">
+              <a:path w="120000" h="120000" extrusionOk="0">
                 <a:moveTo>
                   <a:pt x="0" y="0"/>
                 </a:moveTo>
@@ -1667,9 +1733,11 @@
       <p:sp>
         <p:nvSpPr>
           <p:cNvPr id="247" name="Google Shape;247;gac65587d13_0_354:notes"/>
-          <p:cNvSpPr txBox="1"/>
+          <p:cNvSpPr txBox="1">
+            <a:spLocks noGrp="1"/>
+          </p:cNvSpPr>
           <p:nvPr>
-            <p:ph idx="1" type="body"/>
+            <p:ph type="body" idx="1"/>
           </p:nvPr>
         </p:nvSpPr>
         <p:spPr>
@@ -1682,12 +1750,12 @@
           </a:prstGeom>
         </p:spPr>
         <p:txBody>
-          <a:bodyPr anchorCtr="0" anchor="t" bIns="91425" lIns="91425" spcFirstLastPara="1" rIns="91425" wrap="square" tIns="91425">
+          <a:bodyPr spcFirstLastPara="1" wrap="square" lIns="91425" tIns="91425" rIns="91425" bIns="91425" anchor="t" anchorCtr="0">
             <a:noAutofit/>
           </a:bodyPr>
           <a:lstStyle/>
           <a:p>
-            <a:pPr indent="0" lvl="0" marL="0" rtl="0" algn="l">
+            <a:pPr marL="0" lvl="0" indent="0" algn="l" rtl="0">
               <a:spcBef>
                 <a:spcPts val="0"/>
               </a:spcBef>
@@ -1696,9 +1764,6 @@
               </a:spcAft>
               <a:buNone/>
             </a:pPr>
-            <a:r>
-              <a:t/>
-            </a:r>
             <a:endParaRPr/>
           </a:p>
         </p:txBody>
@@ -1712,11 +1777,11 @@
 </file>
 
 <file path=ppt/notesSlides/notesSlide19.xml><?xml version="1.0" encoding="utf-8"?>
-<p:notes xmlns:a="http://schemas.openxmlformats.org/drawingml/2006/main" xmlns:r="http://schemas.openxmlformats.org/officeDocument/2006/relationships" xmlns:mc="http://schemas.openxmlformats.org/markup-compatibility/2006" xmlns:mv="urn:schemas-microsoft-com:mac:vml" xmlns:p="http://schemas.openxmlformats.org/presentationml/2006/main" xmlns:c="http://schemas.openxmlformats.org/drawingml/2006/chart" xmlns:dgm="http://schemas.openxmlformats.org/drawingml/2006/diagram" xmlns:o="urn:schemas-microsoft-com:office:office" xmlns:v="urn:schemas-microsoft-com:vml" xmlns:pvml="urn:schemas-microsoft-com:office:powerpoint" xmlns:com="http://schemas.openxmlformats.org/drawingml/2006/compatibility" xmlns:p14="http://schemas.microsoft.com/office/powerpoint/2010/main" xmlns:p15="http://schemas.microsoft.com/office/powerpoint/2012/main" xmlns:ahyp="http://schemas.microsoft.com/office/drawing/2018/hyperlinkcolor" showMasterPhAnim="0" showMasterSp="0">
+<p:notes xmlns:a="http://schemas.openxmlformats.org/drawingml/2006/main" xmlns:r="http://schemas.openxmlformats.org/officeDocument/2006/relationships" xmlns:p="http://schemas.openxmlformats.org/presentationml/2006/main" showMasterSp="0" showMasterPhAnim="0">
   <p:cSld>
     <p:spTree>
       <p:nvGrpSpPr>
-        <p:cNvPr id="251" name="Shape 251"/>
+        <p:cNvPr id="1" name="Shape 251"/>
         <p:cNvGrpSpPr/>
         <p:nvPr/>
       </p:nvGrpSpPr>
@@ -1731,9 +1796,11 @@
       <p:sp>
         <p:nvSpPr>
           <p:cNvPr id="252" name="Google Shape;252;gac65587d13_0_359:notes"/>
-          <p:cNvSpPr/>
+          <p:cNvSpPr>
+            <a:spLocks noGrp="1" noRot="1" noChangeAspect="1"/>
+          </p:cNvSpPr>
           <p:nvPr>
-            <p:ph idx="2" type="sldImg"/>
+            <p:ph type="sldImg" idx="2"/>
           </p:nvPr>
         </p:nvSpPr>
         <p:spPr>
@@ -1742,9 +1809,13 @@
             <a:ext cx="6096000" cy="3429000"/>
           </a:xfrm>
           <a:custGeom>
-            <a:rect b="b" l="l" r="r" t="t"/>
+            <a:avLst/>
+            <a:gdLst/>
+            <a:ahLst/>
+            <a:cxnLst/>
+            <a:rect l="l" t="t" r="r" b="b"/>
             <a:pathLst>
-              <a:path extrusionOk="0" h="120000" w="120000">
+              <a:path w="120000" h="120000" extrusionOk="0">
                 <a:moveTo>
                   <a:pt x="0" y="0"/>
                 </a:moveTo>
@@ -1766,9 +1837,11 @@
       <p:sp>
         <p:nvSpPr>
           <p:cNvPr id="253" name="Google Shape;253;gac65587d13_0_359:notes"/>
-          <p:cNvSpPr txBox="1"/>
+          <p:cNvSpPr txBox="1">
+            <a:spLocks noGrp="1"/>
+          </p:cNvSpPr>
           <p:nvPr>
-            <p:ph idx="1" type="body"/>
+            <p:ph type="body" idx="1"/>
           </p:nvPr>
         </p:nvSpPr>
         <p:spPr>
@@ -1781,12 +1854,12 @@
           </a:prstGeom>
         </p:spPr>
         <p:txBody>
-          <a:bodyPr anchorCtr="0" anchor="t" bIns="91425" lIns="91425" spcFirstLastPara="1" rIns="91425" wrap="square" tIns="91425">
+          <a:bodyPr spcFirstLastPara="1" wrap="square" lIns="91425" tIns="91425" rIns="91425" bIns="91425" anchor="t" anchorCtr="0">
             <a:noAutofit/>
           </a:bodyPr>
           <a:lstStyle/>
           <a:p>
-            <a:pPr indent="0" lvl="0" marL="0" rtl="0" algn="l">
+            <a:pPr marL="0" lvl="0" indent="0" algn="l" rtl="0">
               <a:spcBef>
                 <a:spcPts val="0"/>
               </a:spcBef>
@@ -1795,9 +1868,6 @@
               </a:spcAft>
               <a:buNone/>
             </a:pPr>
-            <a:r>
-              <a:t/>
-            </a:r>
             <a:endParaRPr/>
           </a:p>
         </p:txBody>
@@ -1811,11 +1881,11 @@
 </file>
 
 <file path=ppt/notesSlides/notesSlide2.xml><?xml version="1.0" encoding="utf-8"?>
-<p:notes xmlns:a="http://schemas.openxmlformats.org/drawingml/2006/main" xmlns:r="http://schemas.openxmlformats.org/officeDocument/2006/relationships" xmlns:mc="http://schemas.openxmlformats.org/markup-compatibility/2006" xmlns:mv="urn:schemas-microsoft-com:mac:vml" xmlns:p="http://schemas.openxmlformats.org/presentationml/2006/main" xmlns:c="http://schemas.openxmlformats.org/drawingml/2006/chart" xmlns:dgm="http://schemas.openxmlformats.org/drawingml/2006/diagram" xmlns:o="urn:schemas-microsoft-com:office:office" xmlns:v="urn:schemas-microsoft-com:vml" xmlns:pvml="urn:schemas-microsoft-com:office:powerpoint" xmlns:com="http://schemas.openxmlformats.org/drawingml/2006/compatibility" xmlns:p14="http://schemas.microsoft.com/office/powerpoint/2010/main" xmlns:p15="http://schemas.microsoft.com/office/powerpoint/2012/main" xmlns:ahyp="http://schemas.microsoft.com/office/drawing/2018/hyperlinkcolor" showMasterPhAnim="0" showMasterSp="0">
+<p:notes xmlns:a="http://schemas.openxmlformats.org/drawingml/2006/main" xmlns:r="http://schemas.openxmlformats.org/officeDocument/2006/relationships" xmlns:p="http://schemas.openxmlformats.org/presentationml/2006/main" showMasterSp="0" showMasterPhAnim="0">
   <p:cSld>
     <p:spTree>
       <p:nvGrpSpPr>
-        <p:cNvPr id="136" name="Shape 136"/>
+        <p:cNvPr id="1" name="Shape 136"/>
         <p:cNvGrpSpPr/>
         <p:nvPr/>
       </p:nvGrpSpPr>
@@ -1830,9 +1900,11 @@
       <p:sp>
         <p:nvSpPr>
           <p:cNvPr id="137" name="Google Shape;137;gac65587d13_0_324:notes"/>
-          <p:cNvSpPr/>
+          <p:cNvSpPr>
+            <a:spLocks noGrp="1" noRot="1" noChangeAspect="1"/>
+          </p:cNvSpPr>
           <p:nvPr>
-            <p:ph idx="2" type="sldImg"/>
+            <p:ph type="sldImg" idx="2"/>
           </p:nvPr>
         </p:nvSpPr>
         <p:spPr>
@@ -1841,9 +1913,13 @@
             <a:ext cx="6096000" cy="3429000"/>
           </a:xfrm>
           <a:custGeom>
-            <a:rect b="b" l="l" r="r" t="t"/>
+            <a:avLst/>
+            <a:gdLst/>
+            <a:ahLst/>
+            <a:cxnLst/>
+            <a:rect l="l" t="t" r="r" b="b"/>
             <a:pathLst>
-              <a:path extrusionOk="0" h="120000" w="120000">
+              <a:path w="120000" h="120000" extrusionOk="0">
                 <a:moveTo>
                   <a:pt x="0" y="0"/>
                 </a:moveTo>
@@ -1865,9 +1941,11 @@
       <p:sp>
         <p:nvSpPr>
           <p:cNvPr id="138" name="Google Shape;138;gac65587d13_0_324:notes"/>
-          <p:cNvSpPr txBox="1"/>
+          <p:cNvSpPr txBox="1">
+            <a:spLocks noGrp="1"/>
+          </p:cNvSpPr>
           <p:nvPr>
-            <p:ph idx="1" type="body"/>
+            <p:ph type="body" idx="1"/>
           </p:nvPr>
         </p:nvSpPr>
         <p:spPr>
@@ -1880,12 +1958,12 @@
           </a:prstGeom>
         </p:spPr>
         <p:txBody>
-          <a:bodyPr anchorCtr="0" anchor="t" bIns="91425" lIns="91425" spcFirstLastPara="1" rIns="91425" wrap="square" tIns="91425">
+          <a:bodyPr spcFirstLastPara="1" wrap="square" lIns="91425" tIns="91425" rIns="91425" bIns="91425" anchor="t" anchorCtr="0">
             <a:noAutofit/>
           </a:bodyPr>
           <a:lstStyle/>
           <a:p>
-            <a:pPr indent="0" lvl="0" marL="0" rtl="0" algn="l">
+            <a:pPr marL="0" lvl="0" indent="0" algn="l" rtl="0">
               <a:spcBef>
                 <a:spcPts val="0"/>
               </a:spcBef>
@@ -1894,9 +1972,6 @@
               </a:spcAft>
               <a:buNone/>
             </a:pPr>
-            <a:r>
-              <a:t/>
-            </a:r>
             <a:endParaRPr/>
           </a:p>
         </p:txBody>
@@ -1910,11 +1985,11 @@
 </file>
 
 <file path=ppt/notesSlides/notesSlide20.xml><?xml version="1.0" encoding="utf-8"?>
-<p:notes xmlns:a="http://schemas.openxmlformats.org/drawingml/2006/main" xmlns:r="http://schemas.openxmlformats.org/officeDocument/2006/relationships" xmlns:mc="http://schemas.openxmlformats.org/markup-compatibility/2006" xmlns:mv="urn:schemas-microsoft-com:mac:vml" xmlns:p="http://schemas.openxmlformats.org/presentationml/2006/main" xmlns:c="http://schemas.openxmlformats.org/drawingml/2006/chart" xmlns:dgm="http://schemas.openxmlformats.org/drawingml/2006/diagram" xmlns:o="urn:schemas-microsoft-com:office:office" xmlns:v="urn:schemas-microsoft-com:vml" xmlns:pvml="urn:schemas-microsoft-com:office:powerpoint" xmlns:com="http://schemas.openxmlformats.org/drawingml/2006/compatibility" xmlns:p14="http://schemas.microsoft.com/office/powerpoint/2010/main" xmlns:p15="http://schemas.microsoft.com/office/powerpoint/2012/main" xmlns:ahyp="http://schemas.microsoft.com/office/drawing/2018/hyperlinkcolor" showMasterPhAnim="0" showMasterSp="0">
+<p:notes xmlns:a="http://schemas.openxmlformats.org/drawingml/2006/main" xmlns:r="http://schemas.openxmlformats.org/officeDocument/2006/relationships" xmlns:p="http://schemas.openxmlformats.org/presentationml/2006/main" showMasterSp="0" showMasterPhAnim="0">
   <p:cSld>
     <p:spTree>
       <p:nvGrpSpPr>
-        <p:cNvPr id="257" name="Shape 257"/>
+        <p:cNvPr id="1" name="Shape 257"/>
         <p:cNvGrpSpPr/>
         <p:nvPr/>
       </p:nvGrpSpPr>
@@ -1929,9 +2004,11 @@
       <p:sp>
         <p:nvSpPr>
           <p:cNvPr id="258" name="Google Shape;258;gac65587d13_0_364:notes"/>
-          <p:cNvSpPr/>
+          <p:cNvSpPr>
+            <a:spLocks noGrp="1" noRot="1" noChangeAspect="1"/>
+          </p:cNvSpPr>
           <p:nvPr>
-            <p:ph idx="2" type="sldImg"/>
+            <p:ph type="sldImg" idx="2"/>
           </p:nvPr>
         </p:nvSpPr>
         <p:spPr>
@@ -1940,9 +2017,13 @@
             <a:ext cx="6096000" cy="3429000"/>
           </a:xfrm>
           <a:custGeom>
-            <a:rect b="b" l="l" r="r" t="t"/>
+            <a:avLst/>
+            <a:gdLst/>
+            <a:ahLst/>
+            <a:cxnLst/>
+            <a:rect l="l" t="t" r="r" b="b"/>
             <a:pathLst>
-              <a:path extrusionOk="0" h="120000" w="120000">
+              <a:path w="120000" h="120000" extrusionOk="0">
                 <a:moveTo>
                   <a:pt x="0" y="0"/>
                 </a:moveTo>
@@ -1964,9 +2045,11 @@
       <p:sp>
         <p:nvSpPr>
           <p:cNvPr id="259" name="Google Shape;259;gac65587d13_0_364:notes"/>
-          <p:cNvSpPr txBox="1"/>
+          <p:cNvSpPr txBox="1">
+            <a:spLocks noGrp="1"/>
+          </p:cNvSpPr>
           <p:nvPr>
-            <p:ph idx="1" type="body"/>
+            <p:ph type="body" idx="1"/>
           </p:nvPr>
         </p:nvSpPr>
         <p:spPr>
@@ -1979,12 +2062,12 @@
           </a:prstGeom>
         </p:spPr>
         <p:txBody>
-          <a:bodyPr anchorCtr="0" anchor="t" bIns="91425" lIns="91425" spcFirstLastPara="1" rIns="91425" wrap="square" tIns="91425">
+          <a:bodyPr spcFirstLastPara="1" wrap="square" lIns="91425" tIns="91425" rIns="91425" bIns="91425" anchor="t" anchorCtr="0">
             <a:noAutofit/>
           </a:bodyPr>
           <a:lstStyle/>
           <a:p>
-            <a:pPr indent="0" lvl="0" marL="0" rtl="0" algn="l">
+            <a:pPr marL="0" lvl="0" indent="0" algn="l" rtl="0">
               <a:spcBef>
                 <a:spcPts val="0"/>
               </a:spcBef>
@@ -1993,9 +2076,6 @@
               </a:spcAft>
               <a:buNone/>
             </a:pPr>
-            <a:r>
-              <a:t/>
-            </a:r>
             <a:endParaRPr/>
           </a:p>
         </p:txBody>
@@ -2009,11 +2089,11 @@
 </file>
 
 <file path=ppt/notesSlides/notesSlide3.xml><?xml version="1.0" encoding="utf-8"?>
-<p:notes xmlns:a="http://schemas.openxmlformats.org/drawingml/2006/main" xmlns:r="http://schemas.openxmlformats.org/officeDocument/2006/relationships" xmlns:mc="http://schemas.openxmlformats.org/markup-compatibility/2006" xmlns:mv="urn:schemas-microsoft-com:mac:vml" xmlns:p="http://schemas.openxmlformats.org/presentationml/2006/main" xmlns:c="http://schemas.openxmlformats.org/drawingml/2006/chart" xmlns:dgm="http://schemas.openxmlformats.org/drawingml/2006/diagram" xmlns:o="urn:schemas-microsoft-com:office:office" xmlns:v="urn:schemas-microsoft-com:vml" xmlns:pvml="urn:schemas-microsoft-com:office:powerpoint" xmlns:com="http://schemas.openxmlformats.org/drawingml/2006/compatibility" xmlns:p14="http://schemas.microsoft.com/office/powerpoint/2010/main" xmlns:p15="http://schemas.microsoft.com/office/powerpoint/2012/main" xmlns:ahyp="http://schemas.microsoft.com/office/drawing/2018/hyperlinkcolor" showMasterPhAnim="0" showMasterSp="0">
+<p:notes xmlns:a="http://schemas.openxmlformats.org/drawingml/2006/main" xmlns:r="http://schemas.openxmlformats.org/officeDocument/2006/relationships" xmlns:p="http://schemas.openxmlformats.org/presentationml/2006/main" showMasterSp="0" showMasterPhAnim="0">
   <p:cSld>
     <p:spTree>
       <p:nvGrpSpPr>
-        <p:cNvPr id="142" name="Shape 142"/>
+        <p:cNvPr id="1" name="Shape 142"/>
         <p:cNvGrpSpPr/>
         <p:nvPr/>
       </p:nvGrpSpPr>
@@ -2028,9 +2108,11 @@
       <p:sp>
         <p:nvSpPr>
           <p:cNvPr id="143" name="Google Shape;143;gac6c29959a_1_0:notes"/>
-          <p:cNvSpPr/>
+          <p:cNvSpPr>
+            <a:spLocks noGrp="1" noRot="1" noChangeAspect="1"/>
+          </p:cNvSpPr>
           <p:nvPr>
-            <p:ph idx="2" type="sldImg"/>
+            <p:ph type="sldImg" idx="2"/>
           </p:nvPr>
         </p:nvSpPr>
         <p:spPr>
@@ -2039,9 +2121,13 @@
             <a:ext cx="6096000" cy="3429000"/>
           </a:xfrm>
           <a:custGeom>
-            <a:rect b="b" l="l" r="r" t="t"/>
+            <a:avLst/>
+            <a:gdLst/>
+            <a:ahLst/>
+            <a:cxnLst/>
+            <a:rect l="l" t="t" r="r" b="b"/>
             <a:pathLst>
-              <a:path extrusionOk="0" h="120000" w="120000">
+              <a:path w="120000" h="120000" extrusionOk="0">
                 <a:moveTo>
                   <a:pt x="0" y="0"/>
                 </a:moveTo>
@@ -2063,9 +2149,11 @@
       <p:sp>
         <p:nvSpPr>
           <p:cNvPr id="144" name="Google Shape;144;gac6c29959a_1_0:notes"/>
-          <p:cNvSpPr txBox="1"/>
+          <p:cNvSpPr txBox="1">
+            <a:spLocks noGrp="1"/>
+          </p:cNvSpPr>
           <p:nvPr>
-            <p:ph idx="1" type="body"/>
+            <p:ph type="body" idx="1"/>
           </p:nvPr>
         </p:nvSpPr>
         <p:spPr>
@@ -2078,12 +2166,12 @@
           </a:prstGeom>
         </p:spPr>
         <p:txBody>
-          <a:bodyPr anchorCtr="0" anchor="t" bIns="91425" lIns="91425" spcFirstLastPara="1" rIns="91425" wrap="square" tIns="91425">
+          <a:bodyPr spcFirstLastPara="1" wrap="square" lIns="91425" tIns="91425" rIns="91425" bIns="91425" anchor="t" anchorCtr="0">
             <a:noAutofit/>
           </a:bodyPr>
           <a:lstStyle/>
           <a:p>
-            <a:pPr indent="0" lvl="0" marL="0" rtl="0" algn="l">
+            <a:pPr marL="0" lvl="0" indent="0" algn="l" rtl="0">
               <a:spcBef>
                 <a:spcPts val="0"/>
               </a:spcBef>
@@ -2092,9 +2180,6 @@
               </a:spcAft>
               <a:buNone/>
             </a:pPr>
-            <a:r>
-              <a:t/>
-            </a:r>
             <a:endParaRPr/>
           </a:p>
         </p:txBody>
@@ -2108,11 +2193,11 @@
 </file>
 
 <file path=ppt/notesSlides/notesSlide4.xml><?xml version="1.0" encoding="utf-8"?>
-<p:notes xmlns:a="http://schemas.openxmlformats.org/drawingml/2006/main" xmlns:r="http://schemas.openxmlformats.org/officeDocument/2006/relationships" xmlns:mc="http://schemas.openxmlformats.org/markup-compatibility/2006" xmlns:mv="urn:schemas-microsoft-com:mac:vml" xmlns:p="http://schemas.openxmlformats.org/presentationml/2006/main" xmlns:c="http://schemas.openxmlformats.org/drawingml/2006/chart" xmlns:dgm="http://schemas.openxmlformats.org/drawingml/2006/diagram" xmlns:o="urn:schemas-microsoft-com:office:office" xmlns:v="urn:schemas-microsoft-com:vml" xmlns:pvml="urn:schemas-microsoft-com:office:powerpoint" xmlns:com="http://schemas.openxmlformats.org/drawingml/2006/compatibility" xmlns:p14="http://schemas.microsoft.com/office/powerpoint/2010/main" xmlns:p15="http://schemas.microsoft.com/office/powerpoint/2012/main" xmlns:ahyp="http://schemas.microsoft.com/office/drawing/2018/hyperlinkcolor" showMasterPhAnim="0" showMasterSp="0">
+<p:notes xmlns:a="http://schemas.openxmlformats.org/drawingml/2006/main" xmlns:r="http://schemas.openxmlformats.org/officeDocument/2006/relationships" xmlns:p="http://schemas.openxmlformats.org/presentationml/2006/main" showMasterSp="0" showMasterPhAnim="0">
   <p:cSld>
     <p:spTree>
       <p:nvGrpSpPr>
-        <p:cNvPr id="148" name="Shape 148"/>
+        <p:cNvPr id="1" name="Shape 148"/>
         <p:cNvGrpSpPr/>
         <p:nvPr/>
       </p:nvGrpSpPr>
@@ -2127,9 +2212,11 @@
       <p:sp>
         <p:nvSpPr>
           <p:cNvPr id="149" name="Google Shape;149;gac65587d13_0_334:notes"/>
-          <p:cNvSpPr/>
+          <p:cNvSpPr>
+            <a:spLocks noGrp="1" noRot="1" noChangeAspect="1"/>
+          </p:cNvSpPr>
           <p:nvPr>
-            <p:ph idx="2" type="sldImg"/>
+            <p:ph type="sldImg" idx="2"/>
           </p:nvPr>
         </p:nvSpPr>
         <p:spPr>
@@ -2138,9 +2225,13 @@
             <a:ext cx="6096000" cy="3429000"/>
           </a:xfrm>
           <a:custGeom>
-            <a:rect b="b" l="l" r="r" t="t"/>
+            <a:avLst/>
+            <a:gdLst/>
+            <a:ahLst/>
+            <a:cxnLst/>
+            <a:rect l="l" t="t" r="r" b="b"/>
             <a:pathLst>
-              <a:path extrusionOk="0" h="120000" w="120000">
+              <a:path w="120000" h="120000" extrusionOk="0">
                 <a:moveTo>
                   <a:pt x="0" y="0"/>
                 </a:moveTo>
@@ -2162,9 +2253,11 @@
       <p:sp>
         <p:nvSpPr>
           <p:cNvPr id="150" name="Google Shape;150;gac65587d13_0_334:notes"/>
-          <p:cNvSpPr txBox="1"/>
+          <p:cNvSpPr txBox="1">
+            <a:spLocks noGrp="1"/>
+          </p:cNvSpPr>
           <p:nvPr>
-            <p:ph idx="1" type="body"/>
+            <p:ph type="body" idx="1"/>
           </p:nvPr>
         </p:nvSpPr>
         <p:spPr>
@@ -2177,12 +2270,12 @@
           </a:prstGeom>
         </p:spPr>
         <p:txBody>
-          <a:bodyPr anchorCtr="0" anchor="t" bIns="91425" lIns="91425" spcFirstLastPara="1" rIns="91425" wrap="square" tIns="91425">
+          <a:bodyPr spcFirstLastPara="1" wrap="square" lIns="91425" tIns="91425" rIns="91425" bIns="91425" anchor="t" anchorCtr="0">
             <a:noAutofit/>
           </a:bodyPr>
           <a:lstStyle/>
           <a:p>
-            <a:pPr indent="0" lvl="0" marL="0" rtl="0" algn="l">
+            <a:pPr marL="0" lvl="0" indent="0" algn="l" rtl="0">
               <a:spcBef>
                 <a:spcPts val="0"/>
               </a:spcBef>
@@ -2191,9 +2284,6 @@
               </a:spcAft>
               <a:buNone/>
             </a:pPr>
-            <a:r>
-              <a:t/>
-            </a:r>
             <a:endParaRPr/>
           </a:p>
         </p:txBody>
@@ -2207,11 +2297,11 @@
 </file>
 
 <file path=ppt/notesSlides/notesSlide5.xml><?xml version="1.0" encoding="utf-8"?>
-<p:notes xmlns:a="http://schemas.openxmlformats.org/drawingml/2006/main" xmlns:r="http://schemas.openxmlformats.org/officeDocument/2006/relationships" xmlns:mc="http://schemas.openxmlformats.org/markup-compatibility/2006" xmlns:mv="urn:schemas-microsoft-com:mac:vml" xmlns:p="http://schemas.openxmlformats.org/presentationml/2006/main" xmlns:c="http://schemas.openxmlformats.org/drawingml/2006/chart" xmlns:dgm="http://schemas.openxmlformats.org/drawingml/2006/diagram" xmlns:o="urn:schemas-microsoft-com:office:office" xmlns:v="urn:schemas-microsoft-com:vml" xmlns:pvml="urn:schemas-microsoft-com:office:powerpoint" xmlns:com="http://schemas.openxmlformats.org/drawingml/2006/compatibility" xmlns:p14="http://schemas.microsoft.com/office/powerpoint/2010/main" xmlns:p15="http://schemas.microsoft.com/office/powerpoint/2012/main" xmlns:ahyp="http://schemas.microsoft.com/office/drawing/2018/hyperlinkcolor" showMasterPhAnim="0" showMasterSp="0">
+<p:notes xmlns:a="http://schemas.openxmlformats.org/drawingml/2006/main" xmlns:r="http://schemas.openxmlformats.org/officeDocument/2006/relationships" xmlns:p="http://schemas.openxmlformats.org/presentationml/2006/main" showMasterSp="0" showMasterPhAnim="0">
   <p:cSld>
     <p:spTree>
       <p:nvGrpSpPr>
-        <p:cNvPr id="155" name="Shape 155"/>
+        <p:cNvPr id="1" name="Shape 155"/>
         <p:cNvGrpSpPr/>
         <p:nvPr/>
       </p:nvGrpSpPr>
@@ -2226,9 +2316,11 @@
       <p:sp>
         <p:nvSpPr>
           <p:cNvPr id="156" name="Google Shape;156;gac6c29959a_1_5:notes"/>
-          <p:cNvSpPr/>
+          <p:cNvSpPr>
+            <a:spLocks noGrp="1" noRot="1" noChangeAspect="1"/>
+          </p:cNvSpPr>
           <p:nvPr>
-            <p:ph idx="2" type="sldImg"/>
+            <p:ph type="sldImg" idx="2"/>
           </p:nvPr>
         </p:nvSpPr>
         <p:spPr>
@@ -2237,9 +2329,13 @@
             <a:ext cx="6096000" cy="3429000"/>
           </a:xfrm>
           <a:custGeom>
-            <a:rect b="b" l="l" r="r" t="t"/>
+            <a:avLst/>
+            <a:gdLst/>
+            <a:ahLst/>
+            <a:cxnLst/>
+            <a:rect l="l" t="t" r="r" b="b"/>
             <a:pathLst>
-              <a:path extrusionOk="0" h="120000" w="120000">
+              <a:path w="120000" h="120000" extrusionOk="0">
                 <a:moveTo>
                   <a:pt x="0" y="0"/>
                 </a:moveTo>
@@ -2261,9 +2357,11 @@
       <p:sp>
         <p:nvSpPr>
           <p:cNvPr id="157" name="Google Shape;157;gac6c29959a_1_5:notes"/>
-          <p:cNvSpPr txBox="1"/>
+          <p:cNvSpPr txBox="1">
+            <a:spLocks noGrp="1"/>
+          </p:cNvSpPr>
           <p:nvPr>
-            <p:ph idx="1" type="body"/>
+            <p:ph type="body" idx="1"/>
           </p:nvPr>
         </p:nvSpPr>
         <p:spPr>
@@ -2276,12 +2374,12 @@
           </a:prstGeom>
         </p:spPr>
         <p:txBody>
-          <a:bodyPr anchorCtr="0" anchor="t" bIns="91425" lIns="91425" spcFirstLastPara="1" rIns="91425" wrap="square" tIns="91425">
+          <a:bodyPr spcFirstLastPara="1" wrap="square" lIns="91425" tIns="91425" rIns="91425" bIns="91425" anchor="t" anchorCtr="0">
             <a:noAutofit/>
           </a:bodyPr>
           <a:lstStyle/>
           <a:p>
-            <a:pPr indent="0" lvl="0" marL="0" rtl="0" algn="l">
+            <a:pPr marL="0" lvl="0" indent="0" algn="l" rtl="0">
               <a:spcBef>
                 <a:spcPts val="0"/>
               </a:spcBef>
@@ -2290,9 +2388,6 @@
               </a:spcAft>
               <a:buNone/>
             </a:pPr>
-            <a:r>
-              <a:t/>
-            </a:r>
             <a:endParaRPr/>
           </a:p>
         </p:txBody>
@@ -2306,11 +2401,11 @@
 </file>
 
 <file path=ppt/notesSlides/notesSlide6.xml><?xml version="1.0" encoding="utf-8"?>
-<p:notes xmlns:a="http://schemas.openxmlformats.org/drawingml/2006/main" xmlns:r="http://schemas.openxmlformats.org/officeDocument/2006/relationships" xmlns:mc="http://schemas.openxmlformats.org/markup-compatibility/2006" xmlns:mv="urn:schemas-microsoft-com:mac:vml" xmlns:p="http://schemas.openxmlformats.org/presentationml/2006/main" xmlns:c="http://schemas.openxmlformats.org/drawingml/2006/chart" xmlns:dgm="http://schemas.openxmlformats.org/drawingml/2006/diagram" xmlns:o="urn:schemas-microsoft-com:office:office" xmlns:v="urn:schemas-microsoft-com:vml" xmlns:pvml="urn:schemas-microsoft-com:office:powerpoint" xmlns:com="http://schemas.openxmlformats.org/drawingml/2006/compatibility" xmlns:p14="http://schemas.microsoft.com/office/powerpoint/2010/main" xmlns:p15="http://schemas.microsoft.com/office/powerpoint/2012/main" xmlns:ahyp="http://schemas.microsoft.com/office/drawing/2018/hyperlinkcolor" showMasterPhAnim="0" showMasterSp="0">
+<p:notes xmlns:a="http://schemas.openxmlformats.org/drawingml/2006/main" xmlns:r="http://schemas.openxmlformats.org/officeDocument/2006/relationships" xmlns:p="http://schemas.openxmlformats.org/presentationml/2006/main" showMasterSp="0" showMasterPhAnim="0">
   <p:cSld>
     <p:spTree>
       <p:nvGrpSpPr>
-        <p:cNvPr id="162" name="Shape 162"/>
+        <p:cNvPr id="1" name="Shape 162"/>
         <p:cNvGrpSpPr/>
         <p:nvPr/>
       </p:nvGrpSpPr>
@@ -2325,20 +2420,26 @@
       <p:sp>
         <p:nvSpPr>
           <p:cNvPr id="163" name="Google Shape;163;g5b9c78b13de82867_7:notes"/>
-          <p:cNvSpPr/>
+          <p:cNvSpPr>
+            <a:spLocks noGrp="1" noRot="1" noChangeAspect="1"/>
+          </p:cNvSpPr>
           <p:nvPr>
-            <p:ph idx="2" type="sldImg"/>
+            <p:ph type="sldImg" idx="2"/>
           </p:nvPr>
         </p:nvSpPr>
         <p:spPr>
           <a:xfrm>
-            <a:off x="381300" y="685800"/>
+            <a:off x="381000" y="685800"/>
             <a:ext cx="6096000" cy="3429000"/>
           </a:xfrm>
           <a:custGeom>
-            <a:rect b="b" l="l" r="r" t="t"/>
+            <a:avLst/>
+            <a:gdLst/>
+            <a:ahLst/>
+            <a:cxnLst/>
+            <a:rect l="l" t="t" r="r" b="b"/>
             <a:pathLst>
-              <a:path extrusionOk="0" h="120000" w="120000">
+              <a:path w="120000" h="120000" extrusionOk="0">
                 <a:moveTo>
                   <a:pt x="0" y="0"/>
                 </a:moveTo>
@@ -2360,9 +2461,11 @@
       <p:sp>
         <p:nvSpPr>
           <p:cNvPr id="164" name="Google Shape;164;g5b9c78b13de82867_7:notes"/>
-          <p:cNvSpPr txBox="1"/>
+          <p:cNvSpPr txBox="1">
+            <a:spLocks noGrp="1"/>
+          </p:cNvSpPr>
           <p:nvPr>
-            <p:ph idx="1" type="body"/>
+            <p:ph type="body" idx="1"/>
           </p:nvPr>
         </p:nvSpPr>
         <p:spPr>
@@ -2375,12 +2478,12 @@
           </a:prstGeom>
         </p:spPr>
         <p:txBody>
-          <a:bodyPr anchorCtr="0" anchor="t" bIns="91425" lIns="91425" spcFirstLastPara="1" rIns="91425" wrap="square" tIns="91425">
+          <a:bodyPr spcFirstLastPara="1" wrap="square" lIns="91425" tIns="91425" rIns="91425" bIns="91425" anchor="t" anchorCtr="0">
             <a:noAutofit/>
           </a:bodyPr>
           <a:lstStyle/>
           <a:p>
-            <a:pPr indent="0" lvl="0" marL="0" rtl="0" algn="l">
+            <a:pPr marL="0" lvl="0" indent="0" algn="l" rtl="0">
               <a:spcBef>
                 <a:spcPts val="0"/>
               </a:spcBef>
@@ -2389,9 +2492,6 @@
               </a:spcAft>
               <a:buNone/>
             </a:pPr>
-            <a:r>
-              <a:t/>
-            </a:r>
             <a:endParaRPr/>
           </a:p>
         </p:txBody>
@@ -2405,11 +2505,11 @@
 </file>
 
 <file path=ppt/notesSlides/notesSlide7.xml><?xml version="1.0" encoding="utf-8"?>
-<p:notes xmlns:a="http://schemas.openxmlformats.org/drawingml/2006/main" xmlns:r="http://schemas.openxmlformats.org/officeDocument/2006/relationships" xmlns:mc="http://schemas.openxmlformats.org/markup-compatibility/2006" xmlns:mv="urn:schemas-microsoft-com:mac:vml" xmlns:p="http://schemas.openxmlformats.org/presentationml/2006/main" xmlns:c="http://schemas.openxmlformats.org/drawingml/2006/chart" xmlns:dgm="http://schemas.openxmlformats.org/drawingml/2006/diagram" xmlns:o="urn:schemas-microsoft-com:office:office" xmlns:v="urn:schemas-microsoft-com:vml" xmlns:pvml="urn:schemas-microsoft-com:office:powerpoint" xmlns:com="http://schemas.openxmlformats.org/drawingml/2006/compatibility" xmlns:p14="http://schemas.microsoft.com/office/powerpoint/2010/main" xmlns:p15="http://schemas.microsoft.com/office/powerpoint/2012/main" xmlns:ahyp="http://schemas.microsoft.com/office/drawing/2018/hyperlinkcolor" showMasterPhAnim="0" showMasterSp="0">
+<p:notes xmlns:a="http://schemas.openxmlformats.org/drawingml/2006/main" xmlns:r="http://schemas.openxmlformats.org/officeDocument/2006/relationships" xmlns:p="http://schemas.openxmlformats.org/presentationml/2006/main" showMasterSp="0" showMasterPhAnim="0">
   <p:cSld>
     <p:spTree>
       <p:nvGrpSpPr>
-        <p:cNvPr id="168" name="Shape 168"/>
+        <p:cNvPr id="1" name="Shape 168"/>
         <p:cNvGrpSpPr/>
         <p:nvPr/>
       </p:nvGrpSpPr>
@@ -2424,20 +2524,26 @@
       <p:sp>
         <p:nvSpPr>
           <p:cNvPr id="169" name="Google Shape;169;g5b9c78b13de82867_15:notes"/>
-          <p:cNvSpPr/>
+          <p:cNvSpPr>
+            <a:spLocks noGrp="1" noRot="1" noChangeAspect="1"/>
+          </p:cNvSpPr>
           <p:nvPr>
-            <p:ph idx="2" type="sldImg"/>
+            <p:ph type="sldImg" idx="2"/>
           </p:nvPr>
         </p:nvSpPr>
         <p:spPr>
           <a:xfrm>
-            <a:off x="381300" y="685800"/>
+            <a:off x="381000" y="685800"/>
             <a:ext cx="6096000" cy="3429000"/>
           </a:xfrm>
           <a:custGeom>
-            <a:rect b="b" l="l" r="r" t="t"/>
+            <a:avLst/>
+            <a:gdLst/>
+            <a:ahLst/>
+            <a:cxnLst/>
+            <a:rect l="l" t="t" r="r" b="b"/>
             <a:pathLst>
-              <a:path extrusionOk="0" h="120000" w="120000">
+              <a:path w="120000" h="120000" extrusionOk="0">
                 <a:moveTo>
                   <a:pt x="0" y="0"/>
                 </a:moveTo>
@@ -2459,9 +2565,11 @@
       <p:sp>
         <p:nvSpPr>
           <p:cNvPr id="170" name="Google Shape;170;g5b9c78b13de82867_15:notes"/>
-          <p:cNvSpPr txBox="1"/>
+          <p:cNvSpPr txBox="1">
+            <a:spLocks noGrp="1"/>
+          </p:cNvSpPr>
           <p:nvPr>
-            <p:ph idx="1" type="body"/>
+            <p:ph type="body" idx="1"/>
           </p:nvPr>
         </p:nvSpPr>
         <p:spPr>
@@ -2474,12 +2582,12 @@
           </a:prstGeom>
         </p:spPr>
         <p:txBody>
-          <a:bodyPr anchorCtr="0" anchor="t" bIns="91425" lIns="91425" spcFirstLastPara="1" rIns="91425" wrap="square" tIns="91425">
+          <a:bodyPr spcFirstLastPara="1" wrap="square" lIns="91425" tIns="91425" rIns="91425" bIns="91425" anchor="t" anchorCtr="0">
             <a:noAutofit/>
           </a:bodyPr>
           <a:lstStyle/>
           <a:p>
-            <a:pPr indent="0" lvl="0" marL="0" rtl="0" algn="l">
+            <a:pPr marL="0" lvl="0" indent="0" algn="l" rtl="0">
               <a:spcBef>
                 <a:spcPts val="0"/>
               </a:spcBef>
@@ -2488,9 +2596,6 @@
               </a:spcAft>
               <a:buNone/>
             </a:pPr>
-            <a:r>
-              <a:t/>
-            </a:r>
             <a:endParaRPr/>
           </a:p>
         </p:txBody>
@@ -2504,11 +2609,11 @@
 </file>
 
 <file path=ppt/notesSlides/notesSlide8.xml><?xml version="1.0" encoding="utf-8"?>
-<p:notes xmlns:a="http://schemas.openxmlformats.org/drawingml/2006/main" xmlns:r="http://schemas.openxmlformats.org/officeDocument/2006/relationships" xmlns:mc="http://schemas.openxmlformats.org/markup-compatibility/2006" xmlns:mv="urn:schemas-microsoft-com:mac:vml" xmlns:p="http://schemas.openxmlformats.org/presentationml/2006/main" xmlns:c="http://schemas.openxmlformats.org/drawingml/2006/chart" xmlns:dgm="http://schemas.openxmlformats.org/drawingml/2006/diagram" xmlns:o="urn:schemas-microsoft-com:office:office" xmlns:v="urn:schemas-microsoft-com:vml" xmlns:pvml="urn:schemas-microsoft-com:office:powerpoint" xmlns:com="http://schemas.openxmlformats.org/drawingml/2006/compatibility" xmlns:p14="http://schemas.microsoft.com/office/powerpoint/2010/main" xmlns:p15="http://schemas.microsoft.com/office/powerpoint/2012/main" xmlns:ahyp="http://schemas.microsoft.com/office/drawing/2018/hyperlinkcolor" showMasterPhAnim="0" showMasterSp="0">
+<p:notes xmlns:a="http://schemas.openxmlformats.org/drawingml/2006/main" xmlns:r="http://schemas.openxmlformats.org/officeDocument/2006/relationships" xmlns:p="http://schemas.openxmlformats.org/presentationml/2006/main" showMasterSp="0" showMasterPhAnim="0">
   <p:cSld>
     <p:spTree>
       <p:nvGrpSpPr>
-        <p:cNvPr id="176" name="Shape 176"/>
+        <p:cNvPr id="1" name="Shape 176"/>
         <p:cNvGrpSpPr/>
         <p:nvPr/>
       </p:nvGrpSpPr>
@@ -2523,9 +2628,11 @@
       <p:sp>
         <p:nvSpPr>
           <p:cNvPr id="177" name="Google Shape;177;gac65587d13_0_384:notes"/>
-          <p:cNvSpPr/>
+          <p:cNvSpPr>
+            <a:spLocks noGrp="1" noRot="1" noChangeAspect="1"/>
+          </p:cNvSpPr>
           <p:nvPr>
-            <p:ph idx="2" type="sldImg"/>
+            <p:ph type="sldImg" idx="2"/>
           </p:nvPr>
         </p:nvSpPr>
         <p:spPr>
@@ -2534,9 +2641,13 @@
             <a:ext cx="6096000" cy="3429000"/>
           </a:xfrm>
           <a:custGeom>
-            <a:rect b="b" l="l" r="r" t="t"/>
+            <a:avLst/>
+            <a:gdLst/>
+            <a:ahLst/>
+            <a:cxnLst/>
+            <a:rect l="l" t="t" r="r" b="b"/>
             <a:pathLst>
-              <a:path extrusionOk="0" h="120000" w="120000">
+              <a:path w="120000" h="120000" extrusionOk="0">
                 <a:moveTo>
                   <a:pt x="0" y="0"/>
                 </a:moveTo>
@@ -2558,9 +2669,11 @@
       <p:sp>
         <p:nvSpPr>
           <p:cNvPr id="178" name="Google Shape;178;gac65587d13_0_384:notes"/>
-          <p:cNvSpPr txBox="1"/>
+          <p:cNvSpPr txBox="1">
+            <a:spLocks noGrp="1"/>
+          </p:cNvSpPr>
           <p:nvPr>
-            <p:ph idx="1" type="body"/>
+            <p:ph type="body" idx="1"/>
           </p:nvPr>
         </p:nvSpPr>
         <p:spPr>
@@ -2573,12 +2686,12 @@
           </a:prstGeom>
         </p:spPr>
         <p:txBody>
-          <a:bodyPr anchorCtr="0" anchor="t" bIns="91425" lIns="91425" spcFirstLastPara="1" rIns="91425" wrap="square" tIns="91425">
+          <a:bodyPr spcFirstLastPara="1" wrap="square" lIns="91425" tIns="91425" rIns="91425" bIns="91425" anchor="t" anchorCtr="0">
             <a:noAutofit/>
           </a:bodyPr>
           <a:lstStyle/>
           <a:p>
-            <a:pPr indent="0" lvl="0" marL="0" rtl="0" algn="l">
+            <a:pPr marL="0" lvl="0" indent="0" algn="l" rtl="0">
               <a:spcBef>
                 <a:spcPts val="0"/>
               </a:spcBef>
@@ -2587,9 +2700,6 @@
               </a:spcAft>
               <a:buNone/>
             </a:pPr>
-            <a:r>
-              <a:t/>
-            </a:r>
             <a:endParaRPr/>
           </a:p>
         </p:txBody>
@@ -2603,11 +2713,11 @@
 </file>
 
 <file path=ppt/notesSlides/notesSlide9.xml><?xml version="1.0" encoding="utf-8"?>
-<p:notes xmlns:a="http://schemas.openxmlformats.org/drawingml/2006/main" xmlns:r="http://schemas.openxmlformats.org/officeDocument/2006/relationships" xmlns:mc="http://schemas.openxmlformats.org/markup-compatibility/2006" xmlns:mv="urn:schemas-microsoft-com:mac:vml" xmlns:p="http://schemas.openxmlformats.org/presentationml/2006/main" xmlns:c="http://schemas.openxmlformats.org/drawingml/2006/chart" xmlns:dgm="http://schemas.openxmlformats.org/drawingml/2006/diagram" xmlns:o="urn:schemas-microsoft-com:office:office" xmlns:v="urn:schemas-microsoft-com:vml" xmlns:pvml="urn:schemas-microsoft-com:office:powerpoint" xmlns:com="http://schemas.openxmlformats.org/drawingml/2006/compatibility" xmlns:p14="http://schemas.microsoft.com/office/powerpoint/2010/main" xmlns:p15="http://schemas.microsoft.com/office/powerpoint/2012/main" xmlns:ahyp="http://schemas.microsoft.com/office/drawing/2018/hyperlinkcolor" showMasterPhAnim="0" showMasterSp="0">
+<p:notes xmlns:a="http://schemas.openxmlformats.org/drawingml/2006/main" xmlns:r="http://schemas.openxmlformats.org/officeDocument/2006/relationships" xmlns:p="http://schemas.openxmlformats.org/presentationml/2006/main" showMasterSp="0" showMasterPhAnim="0">
   <p:cSld>
     <p:spTree>
       <p:nvGrpSpPr>
-        <p:cNvPr id="183" name="Shape 183"/>
+        <p:cNvPr id="1" name="Shape 183"/>
         <p:cNvGrpSpPr/>
         <p:nvPr/>
       </p:nvGrpSpPr>
@@ -2622,9 +2732,11 @@
       <p:sp>
         <p:nvSpPr>
           <p:cNvPr id="184" name="Google Shape;184;gac65587d13_0_339:notes"/>
-          <p:cNvSpPr/>
+          <p:cNvSpPr>
+            <a:spLocks noGrp="1" noRot="1" noChangeAspect="1"/>
+          </p:cNvSpPr>
           <p:nvPr>
-            <p:ph idx="2" type="sldImg"/>
+            <p:ph type="sldImg" idx="2"/>
           </p:nvPr>
         </p:nvSpPr>
         <p:spPr>
@@ -2633,9 +2745,13 @@
             <a:ext cx="6096000" cy="3429000"/>
           </a:xfrm>
           <a:custGeom>
-            <a:rect b="b" l="l" r="r" t="t"/>
+            <a:avLst/>
+            <a:gdLst/>
+            <a:ahLst/>
+            <a:cxnLst/>
+            <a:rect l="l" t="t" r="r" b="b"/>
             <a:pathLst>
-              <a:path extrusionOk="0" h="120000" w="120000">
+              <a:path w="120000" h="120000" extrusionOk="0">
                 <a:moveTo>
                   <a:pt x="0" y="0"/>
                 </a:moveTo>
@@ -2657,9 +2773,11 @@
       <p:sp>
         <p:nvSpPr>
           <p:cNvPr id="185" name="Google Shape;185;gac65587d13_0_339:notes"/>
-          <p:cNvSpPr txBox="1"/>
+          <p:cNvSpPr txBox="1">
+            <a:spLocks noGrp="1"/>
+          </p:cNvSpPr>
           <p:nvPr>
-            <p:ph idx="1" type="body"/>
+            <p:ph type="body" idx="1"/>
           </p:nvPr>
         </p:nvSpPr>
         <p:spPr>
@@ -2672,12 +2790,12 @@
           </a:prstGeom>
         </p:spPr>
         <p:txBody>
-          <a:bodyPr anchorCtr="0" anchor="t" bIns="91425" lIns="91425" spcFirstLastPara="1" rIns="91425" wrap="square" tIns="91425">
+          <a:bodyPr spcFirstLastPara="1" wrap="square" lIns="91425" tIns="91425" rIns="91425" bIns="91425" anchor="t" anchorCtr="0">
             <a:noAutofit/>
           </a:bodyPr>
           <a:lstStyle/>
           <a:p>
-            <a:pPr indent="0" lvl="0" marL="0" rtl="0" algn="l">
+            <a:pPr marL="0" lvl="0" indent="0" algn="l" rtl="0">
               <a:spcBef>
                 <a:spcPts val="0"/>
               </a:spcBef>
@@ -2686,9 +2804,6 @@
               </a:spcAft>
               <a:buNone/>
             </a:pPr>
-            <a:r>
-              <a:t/>
-            </a:r>
             <a:endParaRPr/>
           </a:p>
         </p:txBody>
@@ -2702,11 +2817,11 @@
 </file>
 
 <file path=ppt/slideLayouts/slideLayout1.xml><?xml version="1.0" encoding="utf-8"?>
-<p:sldLayout xmlns:a="http://schemas.openxmlformats.org/drawingml/2006/main" xmlns:r="http://schemas.openxmlformats.org/officeDocument/2006/relationships" xmlns:mc="http://schemas.openxmlformats.org/markup-compatibility/2006" xmlns:mv="urn:schemas-microsoft-com:mac:vml" xmlns:p="http://schemas.openxmlformats.org/presentationml/2006/main" xmlns:c="http://schemas.openxmlformats.org/drawingml/2006/chart" xmlns:dgm="http://schemas.openxmlformats.org/drawingml/2006/diagram" xmlns:o="urn:schemas-microsoft-com:office:office" xmlns:v="urn:schemas-microsoft-com:vml" xmlns:pvml="urn:schemas-microsoft-com:office:powerpoint" xmlns:com="http://schemas.openxmlformats.org/drawingml/2006/compatibility" xmlns:p14="http://schemas.microsoft.com/office/powerpoint/2010/main" xmlns:p15="http://schemas.microsoft.com/office/powerpoint/2012/main" xmlns:ahyp="http://schemas.microsoft.com/office/drawing/2018/hyperlinkcolor" matchingName="Title slide" type="title">
+<p:sldLayout xmlns:a="http://schemas.openxmlformats.org/drawingml/2006/main" xmlns:r="http://schemas.openxmlformats.org/officeDocument/2006/relationships" xmlns:p="http://schemas.openxmlformats.org/presentationml/2006/main" matchingName="Title slide" type="title">
   <p:cSld name="TITLE">
     <p:spTree>
       <p:nvGrpSpPr>
-        <p:cNvPr id="9" name="Shape 9"/>
+        <p:cNvPr id="1" name="Shape 9"/>
         <p:cNvGrpSpPr/>
         <p:nvPr/>
       </p:nvGrpSpPr>
@@ -2731,7 +2846,7 @@
           </a:xfrm>
           <a:prstGeom prst="diagStripe">
             <a:avLst>
-              <a:gd fmla="val 0" name="adj"/>
+              <a:gd name="adj" fmla="val 0"/>
             </a:avLst>
           </a:prstGeom>
           <a:solidFill>
@@ -2744,12 +2859,12 @@
           </a:ln>
         </p:spPr>
         <p:txBody>
-          <a:bodyPr anchorCtr="0" anchor="ctr" bIns="91425" lIns="91425" spcFirstLastPara="1" rIns="91425" wrap="square" tIns="91425">
+          <a:bodyPr spcFirstLastPara="1" wrap="square" lIns="91425" tIns="91425" rIns="91425" bIns="91425" anchor="ctr" anchorCtr="0">
             <a:noAutofit/>
           </a:bodyPr>
           <a:lstStyle/>
           <a:p>
-            <a:pPr indent="0" lvl="0" marL="0" rtl="0" algn="l">
+            <a:pPr marL="0" lvl="0" indent="0" algn="l" rtl="0">
               <a:spcBef>
                 <a:spcPts val="0"/>
               </a:spcBef>
@@ -2758,9 +2873,6 @@
               </a:spcAft>
               <a:buNone/>
             </a:pPr>
-            <a:r>
-              <a:t/>
-            </a:r>
             <a:endParaRPr/>
           </a:p>
         </p:txBody>
@@ -2792,7 +2904,7 @@
             </a:xfrm>
             <a:prstGeom prst="diagStripe">
               <a:avLst>
-                <a:gd fmla="val 50000" name="adj"/>
+                <a:gd name="adj" fmla="val 50000"/>
               </a:avLst>
             </a:prstGeom>
             <a:solidFill>
@@ -2805,12 +2917,12 @@
             </a:ln>
           </p:spPr>
           <p:txBody>
-            <a:bodyPr anchorCtr="0" anchor="ctr" bIns="91425" lIns="91425" spcFirstLastPara="1" rIns="91425" wrap="square" tIns="91425">
+            <a:bodyPr spcFirstLastPara="1" wrap="square" lIns="91425" tIns="91425" rIns="91425" bIns="91425" anchor="ctr" anchorCtr="0">
               <a:noAutofit/>
             </a:bodyPr>
             <a:lstStyle/>
             <a:p>
-              <a:pPr indent="0" lvl="0" marL="0" rtl="0" algn="l">
+              <a:pPr marL="0" lvl="0" indent="0" algn="l" rtl="0">
                 <a:spcBef>
                   <a:spcPts val="0"/>
                 </a:spcBef>
@@ -2819,9 +2931,6 @@
                 </a:spcAft>
                 <a:buNone/>
               </a:pPr>
-              <a:r>
-                <a:t/>
-              </a:r>
               <a:endParaRPr/>
             </a:p>
           </p:txBody>
@@ -2839,7 +2948,7 @@
             </a:xfrm>
             <a:prstGeom prst="diagStripe">
               <a:avLst>
-                <a:gd fmla="val 58774" name="adj"/>
+                <a:gd name="adj" fmla="val 58774"/>
               </a:avLst>
             </a:prstGeom>
             <a:solidFill>
@@ -2852,12 +2961,12 @@
             </a:ln>
           </p:spPr>
           <p:txBody>
-            <a:bodyPr anchorCtr="0" anchor="ctr" bIns="91425" lIns="91425" spcFirstLastPara="1" rIns="91425" wrap="square" tIns="91425">
+            <a:bodyPr spcFirstLastPara="1" wrap="square" lIns="91425" tIns="91425" rIns="91425" bIns="91425" anchor="ctr" anchorCtr="0">
               <a:noAutofit/>
             </a:bodyPr>
             <a:lstStyle/>
             <a:p>
-              <a:pPr indent="0" lvl="0" marL="0" rtl="0" algn="l">
+              <a:pPr marL="0" lvl="0" indent="0" algn="l" rtl="0">
                 <a:spcBef>
                   <a:spcPts val="0"/>
                 </a:spcBef>
@@ -2866,9 +2975,6 @@
                 </a:spcAft>
                 <a:buNone/>
               </a:pPr>
-              <a:r>
-                <a:t/>
-              </a:r>
               <a:endParaRPr/>
             </a:p>
           </p:txBody>
@@ -2886,7 +2992,7 @@
             </a:xfrm>
             <a:prstGeom prst="diagStripe">
               <a:avLst>
-                <a:gd fmla="val 50000" name="adj"/>
+                <a:gd name="adj" fmla="val 50000"/>
               </a:avLst>
             </a:prstGeom>
             <a:solidFill>
@@ -2897,12 +3003,12 @@
             </a:ln>
           </p:spPr>
           <p:txBody>
-            <a:bodyPr anchorCtr="0" anchor="ctr" bIns="91425" lIns="91425" spcFirstLastPara="1" rIns="91425" wrap="square" tIns="91425">
+            <a:bodyPr spcFirstLastPara="1" wrap="square" lIns="91425" tIns="91425" rIns="91425" bIns="91425" anchor="ctr" anchorCtr="0">
               <a:noAutofit/>
             </a:bodyPr>
             <a:lstStyle/>
             <a:p>
-              <a:pPr indent="0" lvl="0" marL="0" rtl="0" algn="l">
+              <a:pPr marL="0" lvl="0" indent="0" algn="l" rtl="0">
                 <a:spcBef>
                   <a:spcPts val="0"/>
                 </a:spcBef>
@@ -2911,9 +3017,6 @@
                 </a:spcAft>
                 <a:buNone/>
               </a:pPr>
-              <a:r>
-                <a:t/>
-              </a:r>
               <a:endParaRPr/>
             </a:p>
           </p:txBody>
@@ -2931,7 +3034,7 @@
             </a:xfrm>
             <a:prstGeom prst="diagStripe">
               <a:avLst>
-                <a:gd fmla="val 50000" name="adj"/>
+                <a:gd name="adj" fmla="val 50000"/>
               </a:avLst>
             </a:prstGeom>
             <a:solidFill>
@@ -2942,12 +3045,12 @@
             </a:ln>
           </p:spPr>
           <p:txBody>
-            <a:bodyPr anchorCtr="0" anchor="ctr" bIns="91425" lIns="91425" spcFirstLastPara="1" rIns="91425" wrap="square" tIns="91425">
+            <a:bodyPr spcFirstLastPara="1" wrap="square" lIns="91425" tIns="91425" rIns="91425" bIns="91425" anchor="ctr" anchorCtr="0">
               <a:noAutofit/>
             </a:bodyPr>
             <a:lstStyle/>
             <a:p>
-              <a:pPr indent="0" lvl="0" marL="0" rtl="0" algn="l">
+              <a:pPr marL="0" lvl="0" indent="0" algn="l" rtl="0">
                 <a:spcBef>
                   <a:spcPts val="0"/>
                 </a:spcBef>
@@ -2956,9 +3059,6 @@
                 </a:spcAft>
                 <a:buNone/>
               </a:pPr>
-              <a:r>
-                <a:t/>
-              </a:r>
               <a:endParaRPr/>
             </a:p>
           </p:txBody>
@@ -2967,7 +3067,9 @@
       <p:sp>
         <p:nvSpPr>
           <p:cNvPr id="16" name="Google Shape;16;p2"/>
-          <p:cNvSpPr txBox="1"/>
+          <p:cNvSpPr txBox="1">
+            <a:spLocks noGrp="1"/>
+          </p:cNvSpPr>
           <p:nvPr>
             <p:ph type="ctrTitle"/>
           </p:nvPr>
@@ -2982,7 +3084,7 @@
           </a:prstGeom>
         </p:spPr>
         <p:txBody>
-          <a:bodyPr anchorCtr="0" anchor="t" bIns="91425" lIns="91425" spcFirstLastPara="1" rIns="91425" wrap="square" tIns="91425">
+          <a:bodyPr spcFirstLastPara="1" wrap="square" lIns="91425" tIns="91425" rIns="91425" bIns="91425" anchor="t" anchorCtr="0">
             <a:noAutofit/>
           </a:bodyPr>
           <a:lstStyle>
@@ -3086,15 +3188,19 @@
               <a:defRPr sz="4000"/>
             </a:lvl9pPr>
           </a:lstStyle>
-          <a:p/>
+          <a:p>
+            <a:endParaRPr/>
+          </a:p>
         </p:txBody>
       </p:sp>
       <p:sp>
         <p:nvSpPr>
           <p:cNvPr id="17" name="Google Shape;17;p2"/>
-          <p:cNvSpPr txBox="1"/>
+          <p:cNvSpPr txBox="1">
+            <a:spLocks noGrp="1"/>
+          </p:cNvSpPr>
           <p:nvPr>
-            <p:ph idx="1" type="subTitle"/>
+            <p:ph type="subTitle" idx="1"/>
           </p:nvPr>
         </p:nvSpPr>
         <p:spPr>
@@ -3107,7 +3213,7 @@
           </a:prstGeom>
         </p:spPr>
         <p:txBody>
-          <a:bodyPr anchorCtr="0" anchor="t" bIns="91425" lIns="91425" spcFirstLastPara="1" rIns="91425" wrap="square" tIns="91425">
+          <a:bodyPr spcFirstLastPara="1" wrap="square" lIns="91425" tIns="91425" rIns="91425" bIns="91425" anchor="t" anchorCtr="0">
             <a:noAutofit/>
           </a:bodyPr>
           <a:lstStyle>
@@ -3238,15 +3344,19 @@
               <a:defRPr sz="1300"/>
             </a:lvl9pPr>
           </a:lstStyle>
-          <a:p/>
+          <a:p>
+            <a:endParaRPr/>
+          </a:p>
         </p:txBody>
       </p:sp>
       <p:sp>
         <p:nvSpPr>
           <p:cNvPr id="18" name="Google Shape;18;p2"/>
-          <p:cNvSpPr txBox="1"/>
+          <p:cNvSpPr txBox="1">
+            <a:spLocks noGrp="1"/>
+          </p:cNvSpPr>
           <p:nvPr>
-            <p:ph idx="12" type="sldNum"/>
+            <p:ph type="sldNum" idx="12"/>
           </p:nvPr>
         </p:nvSpPr>
         <p:spPr>
@@ -3259,7 +3369,7 @@
           </a:prstGeom>
         </p:spPr>
         <p:txBody>
-          <a:bodyPr anchorCtr="0" anchor="ctr" bIns="91425" lIns="91425" spcFirstLastPara="1" rIns="91425" wrap="square" tIns="91425">
+          <a:bodyPr spcFirstLastPara="1" wrap="square" lIns="91425" tIns="91425" rIns="91425" bIns="91425" anchor="ctr" anchorCtr="0">
             <a:noAutofit/>
           </a:bodyPr>
           <a:lstStyle>
@@ -3301,7 +3411,7 @@
             </a:lvl9pPr>
           </a:lstStyle>
           <a:p>
-            <a:pPr indent="0" lvl="0" marL="0" rtl="0" algn="r">
+            <a:pPr marL="0" lvl="0" indent="0" algn="r" rtl="0">
               <a:spcBef>
                 <a:spcPts val="0"/>
               </a:spcBef>
@@ -3327,11 +3437,11 @@
 </file>
 
 <file path=ppt/slideLayouts/slideLayout10.xml><?xml version="1.0" encoding="utf-8"?>
-<p:sldLayout xmlns:a="http://schemas.openxmlformats.org/drawingml/2006/main" xmlns:r="http://schemas.openxmlformats.org/officeDocument/2006/relationships" xmlns:mc="http://schemas.openxmlformats.org/markup-compatibility/2006" xmlns:mv="urn:schemas-microsoft-com:mac:vml" xmlns:p="http://schemas.openxmlformats.org/presentationml/2006/main" xmlns:c="http://schemas.openxmlformats.org/drawingml/2006/chart" xmlns:dgm="http://schemas.openxmlformats.org/drawingml/2006/diagram" xmlns:o="urn:schemas-microsoft-com:office:office" xmlns:v="urn:schemas-microsoft-com:vml" xmlns:pvml="urn:schemas-microsoft-com:office:powerpoint" xmlns:com="http://schemas.openxmlformats.org/drawingml/2006/compatibility" xmlns:p14="http://schemas.microsoft.com/office/powerpoint/2010/main" xmlns:p15="http://schemas.microsoft.com/office/powerpoint/2012/main" xmlns:ahyp="http://schemas.microsoft.com/office/drawing/2018/hyperlinkcolor" matchingName="Big number">
+<p:sldLayout xmlns:a="http://schemas.openxmlformats.org/drawingml/2006/main" xmlns:r="http://schemas.openxmlformats.org/officeDocument/2006/relationships" xmlns:p="http://schemas.openxmlformats.org/presentationml/2006/main" matchingName="Big number">
   <p:cSld name="BIG_NUMBER">
     <p:spTree>
       <p:nvGrpSpPr>
-        <p:cNvPr id="105" name="Shape 105"/>
+        <p:cNvPr id="1" name="Shape 105"/>
         <p:cNvGrpSpPr/>
         <p:nvPr/>
       </p:nvGrpSpPr>
@@ -3370,7 +3480,7 @@
             </a:xfrm>
             <a:prstGeom prst="diagStripe">
               <a:avLst>
-                <a:gd fmla="val 49469" name="adj"/>
+                <a:gd name="adj" fmla="val 49469"/>
               </a:avLst>
             </a:prstGeom>
             <a:solidFill>
@@ -3383,12 +3493,12 @@
             </a:ln>
           </p:spPr>
           <p:txBody>
-            <a:bodyPr anchorCtr="0" anchor="ctr" bIns="91425" lIns="91425" spcFirstLastPara="1" rIns="91425" wrap="square" tIns="91425">
+            <a:bodyPr spcFirstLastPara="1" wrap="square" lIns="91425" tIns="91425" rIns="91425" bIns="91425" anchor="ctr" anchorCtr="0">
               <a:noAutofit/>
             </a:bodyPr>
             <a:lstStyle/>
             <a:p>
-              <a:pPr indent="0" lvl="0" marL="0" rtl="0" algn="l">
+              <a:pPr marL="0" lvl="0" indent="0" algn="l" rtl="0">
                 <a:spcBef>
                   <a:spcPts val="0"/>
                 </a:spcBef>
@@ -3397,9 +3507,6 @@
                 </a:spcAft>
                 <a:buNone/>
               </a:pPr>
-              <a:r>
-                <a:t/>
-              </a:r>
               <a:endParaRPr/>
             </a:p>
           </p:txBody>
@@ -3417,7 +3524,7 @@
             </a:xfrm>
             <a:prstGeom prst="diagStripe">
               <a:avLst>
-                <a:gd fmla="val 0" name="adj"/>
+                <a:gd name="adj" fmla="val 0"/>
               </a:avLst>
             </a:prstGeom>
             <a:solidFill>
@@ -3430,12 +3537,12 @@
             </a:ln>
           </p:spPr>
           <p:txBody>
-            <a:bodyPr anchorCtr="0" anchor="ctr" bIns="91425" lIns="91425" spcFirstLastPara="1" rIns="91425" wrap="square" tIns="91425">
+            <a:bodyPr spcFirstLastPara="1" wrap="square" lIns="91425" tIns="91425" rIns="91425" bIns="91425" anchor="ctr" anchorCtr="0">
               <a:noAutofit/>
             </a:bodyPr>
             <a:lstStyle/>
             <a:p>
-              <a:pPr indent="0" lvl="0" marL="0" rtl="0" algn="l">
+              <a:pPr marL="0" lvl="0" indent="0" algn="l" rtl="0">
                 <a:spcBef>
                   <a:spcPts val="0"/>
                 </a:spcBef>
@@ -3444,9 +3551,6 @@
                 </a:spcAft>
                 <a:buNone/>
               </a:pPr>
-              <a:r>
-                <a:t/>
-              </a:r>
               <a:endParaRPr/>
             </a:p>
           </p:txBody>
@@ -3464,7 +3568,7 @@
             </a:xfrm>
             <a:prstGeom prst="diagStripe">
               <a:avLst>
-                <a:gd fmla="val 50000" name="adj"/>
+                <a:gd name="adj" fmla="val 50000"/>
               </a:avLst>
             </a:prstGeom>
             <a:solidFill>
@@ -3477,12 +3581,12 @@
             </a:ln>
           </p:spPr>
           <p:txBody>
-            <a:bodyPr anchorCtr="0" anchor="ctr" bIns="91425" lIns="91425" spcFirstLastPara="1" rIns="91425" wrap="square" tIns="91425">
+            <a:bodyPr spcFirstLastPara="1" wrap="square" lIns="91425" tIns="91425" rIns="91425" bIns="91425" anchor="ctr" anchorCtr="0">
               <a:noAutofit/>
             </a:bodyPr>
             <a:lstStyle/>
             <a:p>
-              <a:pPr indent="0" lvl="0" marL="0" rtl="0" algn="l">
+              <a:pPr marL="0" lvl="0" indent="0" algn="l" rtl="0">
                 <a:spcBef>
                   <a:spcPts val="0"/>
                 </a:spcBef>
@@ -3491,9 +3595,6 @@
                 </a:spcAft>
                 <a:buNone/>
               </a:pPr>
-              <a:r>
-                <a:t/>
-              </a:r>
               <a:endParaRPr/>
             </a:p>
           </p:txBody>
@@ -3511,7 +3612,7 @@
             </a:xfrm>
             <a:prstGeom prst="diagStripe">
               <a:avLst>
-                <a:gd fmla="val 50000" name="adj"/>
+                <a:gd name="adj" fmla="val 50000"/>
               </a:avLst>
             </a:prstGeom>
             <a:solidFill>
@@ -3524,12 +3625,12 @@
             </a:ln>
           </p:spPr>
           <p:txBody>
-            <a:bodyPr anchorCtr="0" anchor="ctr" bIns="91425" lIns="91425" spcFirstLastPara="1" rIns="91425" wrap="square" tIns="91425">
+            <a:bodyPr spcFirstLastPara="1" wrap="square" lIns="91425" tIns="91425" rIns="91425" bIns="91425" anchor="ctr" anchorCtr="0">
               <a:noAutofit/>
             </a:bodyPr>
             <a:lstStyle/>
             <a:p>
-              <a:pPr indent="0" lvl="0" marL="0" rtl="0" algn="l">
+              <a:pPr marL="0" lvl="0" indent="0" algn="l" rtl="0">
                 <a:spcBef>
                   <a:spcPts val="0"/>
                 </a:spcBef>
@@ -3538,9 +3639,6 @@
                 </a:spcAft>
                 <a:buNone/>
               </a:pPr>
-              <a:r>
-                <a:t/>
-              </a:r>
               <a:endParaRPr/>
             </a:p>
           </p:txBody>
@@ -3558,7 +3656,7 @@
             </a:xfrm>
             <a:prstGeom prst="diagStripe">
               <a:avLst>
-                <a:gd fmla="val 50000" name="adj"/>
+                <a:gd name="adj" fmla="val 50000"/>
               </a:avLst>
             </a:prstGeom>
             <a:solidFill>
@@ -3571,12 +3669,12 @@
             </a:ln>
           </p:spPr>
           <p:txBody>
-            <a:bodyPr anchorCtr="0" anchor="ctr" bIns="91425" lIns="91425" spcFirstLastPara="1" rIns="91425" wrap="square" tIns="91425">
+            <a:bodyPr spcFirstLastPara="1" wrap="square" lIns="91425" tIns="91425" rIns="91425" bIns="91425" anchor="ctr" anchorCtr="0">
               <a:noAutofit/>
             </a:bodyPr>
             <a:lstStyle/>
             <a:p>
-              <a:pPr indent="0" lvl="0" marL="0" rtl="0" algn="l">
+              <a:pPr marL="0" lvl="0" indent="0" algn="l" rtl="0">
                 <a:spcBef>
                   <a:spcPts val="0"/>
                 </a:spcBef>
@@ -3585,9 +3683,6 @@
                 </a:spcAft>
                 <a:buNone/>
               </a:pPr>
-              <a:r>
-                <a:t/>
-              </a:r>
               <a:endParaRPr/>
             </a:p>
           </p:txBody>
@@ -3605,7 +3700,7 @@
             </a:xfrm>
             <a:prstGeom prst="diagStripe">
               <a:avLst>
-                <a:gd fmla="val 50000" name="adj"/>
+                <a:gd name="adj" fmla="val 50000"/>
               </a:avLst>
             </a:prstGeom>
             <a:solidFill>
@@ -3618,12 +3713,12 @@
             </a:ln>
           </p:spPr>
           <p:txBody>
-            <a:bodyPr anchorCtr="0" anchor="ctr" bIns="91425" lIns="91425" spcFirstLastPara="1" rIns="91425" wrap="square" tIns="91425">
+            <a:bodyPr spcFirstLastPara="1" wrap="square" lIns="91425" tIns="91425" rIns="91425" bIns="91425" anchor="ctr" anchorCtr="0">
               <a:noAutofit/>
             </a:bodyPr>
             <a:lstStyle/>
             <a:p>
-              <a:pPr indent="0" lvl="0" marL="0" rtl="0" algn="l">
+              <a:pPr marL="0" lvl="0" indent="0" algn="l" rtl="0">
                 <a:spcBef>
                   <a:spcPts val="0"/>
                 </a:spcBef>
@@ -3632,9 +3727,6 @@
                 </a:spcAft>
                 <a:buNone/>
               </a:pPr>
-              <a:r>
-                <a:t/>
-              </a:r>
               <a:endParaRPr/>
             </a:p>
           </p:txBody>
@@ -3652,7 +3744,7 @@
             </a:xfrm>
             <a:prstGeom prst="diagStripe">
               <a:avLst>
-                <a:gd fmla="val 50000" name="adj"/>
+                <a:gd name="adj" fmla="val 50000"/>
               </a:avLst>
             </a:prstGeom>
             <a:solidFill>
@@ -3665,12 +3757,12 @@
             </a:ln>
           </p:spPr>
           <p:txBody>
-            <a:bodyPr anchorCtr="0" anchor="ctr" bIns="91425" lIns="91425" spcFirstLastPara="1" rIns="91425" wrap="square" tIns="91425">
+            <a:bodyPr spcFirstLastPara="1" wrap="square" lIns="91425" tIns="91425" rIns="91425" bIns="91425" anchor="ctr" anchorCtr="0">
               <a:noAutofit/>
             </a:bodyPr>
             <a:lstStyle/>
             <a:p>
-              <a:pPr indent="0" lvl="0" marL="0" rtl="0" algn="l">
+              <a:pPr marL="0" lvl="0" indent="0" algn="l" rtl="0">
                 <a:spcBef>
                   <a:spcPts val="0"/>
                 </a:spcBef>
@@ -3679,9 +3771,6 @@
                 </a:spcAft>
                 <a:buNone/>
               </a:pPr>
-              <a:r>
-                <a:t/>
-              </a:r>
               <a:endParaRPr/>
             </a:p>
           </p:txBody>
@@ -3699,7 +3788,7 @@
             </a:xfrm>
             <a:prstGeom prst="diagStripe">
               <a:avLst>
-                <a:gd fmla="val 50000" name="adj"/>
+                <a:gd name="adj" fmla="val 50000"/>
               </a:avLst>
             </a:prstGeom>
             <a:solidFill>
@@ -3710,12 +3799,12 @@
             </a:ln>
           </p:spPr>
           <p:txBody>
-            <a:bodyPr anchorCtr="0" anchor="ctr" bIns="91425" lIns="91425" spcFirstLastPara="1" rIns="91425" wrap="square" tIns="91425">
+            <a:bodyPr spcFirstLastPara="1" wrap="square" lIns="91425" tIns="91425" rIns="91425" bIns="91425" anchor="ctr" anchorCtr="0">
               <a:noAutofit/>
             </a:bodyPr>
             <a:lstStyle/>
             <a:p>
-              <a:pPr indent="0" lvl="0" marL="0" rtl="0" algn="l">
+              <a:pPr marL="0" lvl="0" indent="0" algn="l" rtl="0">
                 <a:spcBef>
                   <a:spcPts val="0"/>
                 </a:spcBef>
@@ -3724,9 +3813,6 @@
                 </a:spcAft>
                 <a:buNone/>
               </a:pPr>
-              <a:r>
-                <a:t/>
-              </a:r>
               <a:endParaRPr/>
             </a:p>
           </p:txBody>
@@ -3744,7 +3830,7 @@
             </a:xfrm>
             <a:prstGeom prst="diagStripe">
               <a:avLst>
-                <a:gd fmla="val 50000" name="adj"/>
+                <a:gd name="adj" fmla="val 50000"/>
               </a:avLst>
             </a:prstGeom>
             <a:solidFill>
@@ -3757,12 +3843,12 @@
             </a:ln>
           </p:spPr>
           <p:txBody>
-            <a:bodyPr anchorCtr="0" anchor="ctr" bIns="91425" lIns="91425" spcFirstLastPara="1" rIns="91425" wrap="square" tIns="91425">
+            <a:bodyPr spcFirstLastPara="1" wrap="square" lIns="91425" tIns="91425" rIns="91425" bIns="91425" anchor="ctr" anchorCtr="0">
               <a:noAutofit/>
             </a:bodyPr>
             <a:lstStyle/>
             <a:p>
-              <a:pPr indent="0" lvl="0" marL="0" rtl="0" algn="l">
+              <a:pPr marL="0" lvl="0" indent="0" algn="l" rtl="0">
                 <a:spcBef>
                   <a:spcPts val="0"/>
                 </a:spcBef>
@@ -3771,9 +3857,6 @@
                 </a:spcAft>
                 <a:buNone/>
               </a:pPr>
-              <a:r>
-                <a:t/>
-              </a:r>
               <a:endParaRPr/>
             </a:p>
           </p:txBody>
@@ -3791,7 +3874,7 @@
             </a:xfrm>
             <a:prstGeom prst="diagStripe">
               <a:avLst>
-                <a:gd fmla="val 50000" name="adj"/>
+                <a:gd name="adj" fmla="val 50000"/>
               </a:avLst>
             </a:prstGeom>
             <a:solidFill>
@@ -3804,12 +3887,12 @@
             </a:ln>
           </p:spPr>
           <p:txBody>
-            <a:bodyPr anchorCtr="0" anchor="ctr" bIns="91425" lIns="91425" spcFirstLastPara="1" rIns="91425" wrap="square" tIns="91425">
+            <a:bodyPr spcFirstLastPara="1" wrap="square" lIns="91425" tIns="91425" rIns="91425" bIns="91425" anchor="ctr" anchorCtr="0">
               <a:noAutofit/>
             </a:bodyPr>
             <a:lstStyle/>
             <a:p>
-              <a:pPr indent="0" lvl="0" marL="0" rtl="0" algn="l">
+              <a:pPr marL="0" lvl="0" indent="0" algn="l" rtl="0">
                 <a:spcBef>
                   <a:spcPts val="0"/>
                 </a:spcBef>
@@ -3818,9 +3901,6 @@
                 </a:spcAft>
                 <a:buNone/>
               </a:pPr>
-              <a:r>
-                <a:t/>
-              </a:r>
               <a:endParaRPr/>
             </a:p>
           </p:txBody>
@@ -3838,7 +3918,7 @@
             </a:xfrm>
             <a:prstGeom prst="diagStripe">
               <a:avLst>
-                <a:gd fmla="val 50000" name="adj"/>
+                <a:gd name="adj" fmla="val 50000"/>
               </a:avLst>
             </a:prstGeom>
             <a:solidFill>
@@ -3851,12 +3931,12 @@
             </a:ln>
           </p:spPr>
           <p:txBody>
-            <a:bodyPr anchorCtr="0" anchor="ctr" bIns="91425" lIns="91425" spcFirstLastPara="1" rIns="91425" wrap="square" tIns="91425">
+            <a:bodyPr spcFirstLastPara="1" wrap="square" lIns="91425" tIns="91425" rIns="91425" bIns="91425" anchor="ctr" anchorCtr="0">
               <a:noAutofit/>
             </a:bodyPr>
             <a:lstStyle/>
             <a:p>
-              <a:pPr indent="0" lvl="0" marL="0" rtl="0" algn="l">
+              <a:pPr marL="0" lvl="0" indent="0" algn="l" rtl="0">
                 <a:spcBef>
                   <a:spcPts val="0"/>
                 </a:spcBef>
@@ -3865,9 +3945,6 @@
                 </a:spcAft>
                 <a:buNone/>
               </a:pPr>
-              <a:r>
-                <a:t/>
-              </a:r>
               <a:endParaRPr/>
             </a:p>
           </p:txBody>
@@ -3885,7 +3962,7 @@
             </a:xfrm>
             <a:prstGeom prst="diagStripe">
               <a:avLst>
-                <a:gd fmla="val 50000" name="adj"/>
+                <a:gd name="adj" fmla="val 50000"/>
               </a:avLst>
             </a:prstGeom>
             <a:solidFill>
@@ -3898,12 +3975,12 @@
             </a:ln>
           </p:spPr>
           <p:txBody>
-            <a:bodyPr anchorCtr="0" anchor="ctr" bIns="91425" lIns="91425" spcFirstLastPara="1" rIns="91425" wrap="square" tIns="91425">
+            <a:bodyPr spcFirstLastPara="1" wrap="square" lIns="91425" tIns="91425" rIns="91425" bIns="91425" anchor="ctr" anchorCtr="0">
               <a:noAutofit/>
             </a:bodyPr>
             <a:lstStyle/>
             <a:p>
-              <a:pPr indent="0" lvl="0" marL="0" rtl="0" algn="l">
+              <a:pPr marL="0" lvl="0" indent="0" algn="l" rtl="0">
                 <a:spcBef>
                   <a:spcPts val="0"/>
                 </a:spcBef>
@@ -3912,9 +3989,6 @@
                 </a:spcAft>
                 <a:buNone/>
               </a:pPr>
-              <a:r>
-                <a:t/>
-              </a:r>
               <a:endParaRPr/>
             </a:p>
           </p:txBody>
@@ -3932,7 +4006,7 @@
             </a:xfrm>
             <a:prstGeom prst="diagStripe">
               <a:avLst>
-                <a:gd fmla="val 50000" name="adj"/>
+                <a:gd name="adj" fmla="val 50000"/>
               </a:avLst>
             </a:prstGeom>
             <a:solidFill>
@@ -3945,12 +4019,12 @@
             </a:ln>
           </p:spPr>
           <p:txBody>
-            <a:bodyPr anchorCtr="0" anchor="ctr" bIns="91425" lIns="91425" spcFirstLastPara="1" rIns="91425" wrap="square" tIns="91425">
+            <a:bodyPr spcFirstLastPara="1" wrap="square" lIns="91425" tIns="91425" rIns="91425" bIns="91425" anchor="ctr" anchorCtr="0">
               <a:noAutofit/>
             </a:bodyPr>
             <a:lstStyle/>
             <a:p>
-              <a:pPr indent="0" lvl="0" marL="0" rtl="0" algn="l">
+              <a:pPr marL="0" lvl="0" indent="0" algn="l" rtl="0">
                 <a:spcBef>
                   <a:spcPts val="0"/>
                 </a:spcBef>
@@ -3959,9 +4033,6 @@
                 </a:spcAft>
                 <a:buNone/>
               </a:pPr>
-              <a:r>
-                <a:t/>
-              </a:r>
               <a:endParaRPr/>
             </a:p>
           </p:txBody>
@@ -3979,7 +4050,7 @@
             </a:xfrm>
             <a:prstGeom prst="diagStripe">
               <a:avLst>
-                <a:gd fmla="val 50000" name="adj"/>
+                <a:gd name="adj" fmla="val 50000"/>
               </a:avLst>
             </a:prstGeom>
             <a:solidFill>
@@ -3990,12 +4061,12 @@
             </a:ln>
           </p:spPr>
           <p:txBody>
-            <a:bodyPr anchorCtr="0" anchor="ctr" bIns="91425" lIns="91425" spcFirstLastPara="1" rIns="91425" wrap="square" tIns="91425">
+            <a:bodyPr spcFirstLastPara="1" wrap="square" lIns="91425" tIns="91425" rIns="91425" bIns="91425" anchor="ctr" anchorCtr="0">
               <a:noAutofit/>
             </a:bodyPr>
             <a:lstStyle/>
             <a:p>
-              <a:pPr indent="0" lvl="0" marL="0" rtl="0" algn="l">
+              <a:pPr marL="0" lvl="0" indent="0" algn="l" rtl="0">
                 <a:spcBef>
                   <a:spcPts val="0"/>
                 </a:spcBef>
@@ -4004,9 +4075,6 @@
                 </a:spcAft>
                 <a:buNone/>
               </a:pPr>
-              <a:r>
-                <a:t/>
-              </a:r>
               <a:endParaRPr/>
             </a:p>
           </p:txBody>
@@ -4024,7 +4092,7 @@
             </a:xfrm>
             <a:prstGeom prst="diagStripe">
               <a:avLst>
-                <a:gd fmla="val 50000" name="adj"/>
+                <a:gd name="adj" fmla="val 50000"/>
               </a:avLst>
             </a:prstGeom>
             <a:solidFill>
@@ -4037,12 +4105,12 @@
             </a:ln>
           </p:spPr>
           <p:txBody>
-            <a:bodyPr anchorCtr="0" anchor="ctr" bIns="91425" lIns="91425" spcFirstLastPara="1" rIns="91425" wrap="square" tIns="91425">
+            <a:bodyPr spcFirstLastPara="1" wrap="square" lIns="91425" tIns="91425" rIns="91425" bIns="91425" anchor="ctr" anchorCtr="0">
               <a:noAutofit/>
             </a:bodyPr>
             <a:lstStyle/>
             <a:p>
-              <a:pPr indent="0" lvl="0" marL="0" rtl="0" algn="l">
+              <a:pPr marL="0" lvl="0" indent="0" algn="l" rtl="0">
                 <a:spcBef>
                   <a:spcPts val="0"/>
                 </a:spcBef>
@@ -4051,9 +4119,6 @@
                 </a:spcAft>
                 <a:buNone/>
               </a:pPr>
-              <a:r>
-                <a:t/>
-              </a:r>
               <a:endParaRPr/>
             </a:p>
           </p:txBody>
@@ -4071,7 +4136,7 @@
             </a:xfrm>
             <a:prstGeom prst="diagStripe">
               <a:avLst>
-                <a:gd fmla="val 50000" name="adj"/>
+                <a:gd name="adj" fmla="val 50000"/>
               </a:avLst>
             </a:prstGeom>
             <a:solidFill>
@@ -4084,12 +4149,12 @@
             </a:ln>
           </p:spPr>
           <p:txBody>
-            <a:bodyPr anchorCtr="0" anchor="ctr" bIns="91425" lIns="91425" spcFirstLastPara="1" rIns="91425" wrap="square" tIns="91425">
+            <a:bodyPr spcFirstLastPara="1" wrap="square" lIns="91425" tIns="91425" rIns="91425" bIns="91425" anchor="ctr" anchorCtr="0">
               <a:noAutofit/>
             </a:bodyPr>
             <a:lstStyle/>
             <a:p>
-              <a:pPr indent="0" lvl="0" marL="0" rtl="0" algn="l">
+              <a:pPr marL="0" lvl="0" indent="0" algn="l" rtl="0">
                 <a:spcBef>
                   <a:spcPts val="0"/>
                 </a:spcBef>
@@ -4098,9 +4163,6 @@
                 </a:spcAft>
                 <a:buNone/>
               </a:pPr>
-              <a:r>
-                <a:t/>
-              </a:r>
               <a:endParaRPr/>
             </a:p>
           </p:txBody>
@@ -4118,7 +4180,7 @@
             </a:xfrm>
             <a:prstGeom prst="diagStripe">
               <a:avLst>
-                <a:gd fmla="val 50000" name="adj"/>
+                <a:gd name="adj" fmla="val 50000"/>
               </a:avLst>
             </a:prstGeom>
             <a:solidFill>
@@ -4131,12 +4193,12 @@
             </a:ln>
           </p:spPr>
           <p:txBody>
-            <a:bodyPr anchorCtr="0" anchor="ctr" bIns="91425" lIns="91425" spcFirstLastPara="1" rIns="91425" wrap="square" tIns="91425">
+            <a:bodyPr spcFirstLastPara="1" wrap="square" lIns="91425" tIns="91425" rIns="91425" bIns="91425" anchor="ctr" anchorCtr="0">
               <a:noAutofit/>
             </a:bodyPr>
             <a:lstStyle/>
             <a:p>
-              <a:pPr indent="0" lvl="0" marL="0" rtl="0" algn="l">
+              <a:pPr marL="0" lvl="0" indent="0" algn="l" rtl="0">
                 <a:spcBef>
                   <a:spcPts val="0"/>
                 </a:spcBef>
@@ -4145,9 +4207,6 @@
                 </a:spcAft>
                 <a:buNone/>
               </a:pPr>
-              <a:r>
-                <a:t/>
-              </a:r>
               <a:endParaRPr/>
             </a:p>
           </p:txBody>
@@ -4165,7 +4224,7 @@
             </a:xfrm>
             <a:prstGeom prst="diagStripe">
               <a:avLst>
-                <a:gd fmla="val 50000" name="adj"/>
+                <a:gd name="adj" fmla="val 50000"/>
               </a:avLst>
             </a:prstGeom>
             <a:solidFill>
@@ -4178,12 +4237,12 @@
             </a:ln>
           </p:spPr>
           <p:txBody>
-            <a:bodyPr anchorCtr="0" anchor="ctr" bIns="91425" lIns="91425" spcFirstLastPara="1" rIns="91425" wrap="square" tIns="91425">
+            <a:bodyPr spcFirstLastPara="1" wrap="square" lIns="91425" tIns="91425" rIns="91425" bIns="91425" anchor="ctr" anchorCtr="0">
               <a:noAutofit/>
             </a:bodyPr>
             <a:lstStyle/>
             <a:p>
-              <a:pPr indent="0" lvl="0" marL="0" rtl="0" algn="l">
+              <a:pPr marL="0" lvl="0" indent="0" algn="l" rtl="0">
                 <a:spcBef>
                   <a:spcPts val="0"/>
                 </a:spcBef>
@@ -4192,9 +4251,6 @@
                 </a:spcAft>
                 <a:buNone/>
               </a:pPr>
-              <a:r>
-                <a:t/>
-              </a:r>
               <a:endParaRPr/>
             </a:p>
           </p:txBody>
@@ -4203,9 +4259,11 @@
       <p:sp>
         <p:nvSpPr>
           <p:cNvPr id="125" name="Google Shape;125;p11"/>
-          <p:cNvSpPr txBox="1"/>
+          <p:cNvSpPr txBox="1">
+            <a:spLocks noGrp="1"/>
+          </p:cNvSpPr>
           <p:nvPr>
-            <p:ph hasCustomPrompt="1" type="title"/>
+            <p:ph type="title" hasCustomPrompt="1"/>
           </p:nvPr>
         </p:nvSpPr>
         <p:spPr>
@@ -4218,7 +4276,7 @@
           </a:prstGeom>
         </p:spPr>
         <p:txBody>
-          <a:bodyPr anchorCtr="0" anchor="t" bIns="91425" lIns="91425" spcFirstLastPara="1" rIns="91425" wrap="square" tIns="91425">
+          <a:bodyPr spcFirstLastPara="1" wrap="square" lIns="91425" tIns="91425" rIns="91425" bIns="91425" anchor="t" anchorCtr="0">
             <a:noAutofit/>
           </a:bodyPr>
           <a:lstStyle>
@@ -4332,9 +4390,11 @@
       <p:sp>
         <p:nvSpPr>
           <p:cNvPr id="126" name="Google Shape;126;p11"/>
-          <p:cNvSpPr txBox="1"/>
+          <p:cNvSpPr txBox="1">
+            <a:spLocks noGrp="1"/>
+          </p:cNvSpPr>
           <p:nvPr>
-            <p:ph idx="1" type="body"/>
+            <p:ph type="body" idx="1"/>
           </p:nvPr>
         </p:nvSpPr>
         <p:spPr>
@@ -4347,11 +4407,11 @@
           </a:prstGeom>
         </p:spPr>
         <p:txBody>
-          <a:bodyPr anchorCtr="0" anchor="t" bIns="91425" lIns="91425" spcFirstLastPara="1" rIns="91425" wrap="square" tIns="91425">
+          <a:bodyPr spcFirstLastPara="1" wrap="square" lIns="91425" tIns="91425" rIns="91425" bIns="91425" anchor="t" anchorCtr="0">
             <a:noAutofit/>
           </a:bodyPr>
           <a:lstStyle>
-            <a:lvl1pPr indent="-311150" lvl="0" marL="457200">
+            <a:lvl1pPr marL="457200" lvl="0" indent="-311150">
               <a:spcBef>
                 <a:spcPts val="0"/>
               </a:spcBef>
@@ -4362,7 +4422,7 @@
               <a:buChar char="●"/>
               <a:defRPr/>
             </a:lvl1pPr>
-            <a:lvl2pPr indent="-298450" lvl="1" marL="914400">
+            <a:lvl2pPr marL="914400" lvl="1" indent="-298450">
               <a:spcBef>
                 <a:spcPts val="1600"/>
               </a:spcBef>
@@ -4373,7 +4433,7 @@
               <a:buChar char="○"/>
               <a:defRPr/>
             </a:lvl2pPr>
-            <a:lvl3pPr indent="-298450" lvl="2" marL="1371600">
+            <a:lvl3pPr marL="1371600" lvl="2" indent="-298450">
               <a:spcBef>
                 <a:spcPts val="1600"/>
               </a:spcBef>
@@ -4384,7 +4444,7 @@
               <a:buChar char="■"/>
               <a:defRPr/>
             </a:lvl3pPr>
-            <a:lvl4pPr indent="-298450" lvl="3" marL="1828800">
+            <a:lvl4pPr marL="1828800" lvl="3" indent="-298450">
               <a:spcBef>
                 <a:spcPts val="1600"/>
               </a:spcBef>
@@ -4395,7 +4455,7 @@
               <a:buChar char="●"/>
               <a:defRPr/>
             </a:lvl4pPr>
-            <a:lvl5pPr indent="-298450" lvl="4" marL="2286000">
+            <a:lvl5pPr marL="2286000" lvl="4" indent="-298450">
               <a:spcBef>
                 <a:spcPts val="1600"/>
               </a:spcBef>
@@ -4406,7 +4466,7 @@
               <a:buChar char="○"/>
               <a:defRPr/>
             </a:lvl5pPr>
-            <a:lvl6pPr indent="-298450" lvl="5" marL="2743200">
+            <a:lvl6pPr marL="2743200" lvl="5" indent="-298450">
               <a:spcBef>
                 <a:spcPts val="1600"/>
               </a:spcBef>
@@ -4417,7 +4477,7 @@
               <a:buChar char="■"/>
               <a:defRPr/>
             </a:lvl6pPr>
-            <a:lvl7pPr indent="-298450" lvl="6" marL="3200400">
+            <a:lvl7pPr marL="3200400" lvl="6" indent="-298450">
               <a:spcBef>
                 <a:spcPts val="1600"/>
               </a:spcBef>
@@ -4428,7 +4488,7 @@
               <a:buChar char="●"/>
               <a:defRPr/>
             </a:lvl7pPr>
-            <a:lvl8pPr indent="-298450" lvl="7" marL="3657600">
+            <a:lvl8pPr marL="3657600" lvl="7" indent="-298450">
               <a:spcBef>
                 <a:spcPts val="1600"/>
               </a:spcBef>
@@ -4439,7 +4499,7 @@
               <a:buChar char="○"/>
               <a:defRPr/>
             </a:lvl8pPr>
-            <a:lvl9pPr indent="-298450" lvl="8" marL="4114800">
+            <a:lvl9pPr marL="4114800" lvl="8" indent="-298450">
               <a:spcBef>
                 <a:spcPts val="1600"/>
               </a:spcBef>
@@ -4451,15 +4511,19 @@
               <a:defRPr/>
             </a:lvl9pPr>
           </a:lstStyle>
-          <a:p/>
+          <a:p>
+            <a:endParaRPr/>
+          </a:p>
         </p:txBody>
       </p:sp>
       <p:sp>
         <p:nvSpPr>
           <p:cNvPr id="127" name="Google Shape;127;p11"/>
-          <p:cNvSpPr txBox="1"/>
+          <p:cNvSpPr txBox="1">
+            <a:spLocks noGrp="1"/>
+          </p:cNvSpPr>
           <p:nvPr>
-            <p:ph idx="12" type="sldNum"/>
+            <p:ph type="sldNum" idx="12"/>
           </p:nvPr>
         </p:nvSpPr>
         <p:spPr>
@@ -4472,7 +4536,7 @@
           </a:prstGeom>
         </p:spPr>
         <p:txBody>
-          <a:bodyPr anchorCtr="0" anchor="ctr" bIns="91425" lIns="91425" spcFirstLastPara="1" rIns="91425" wrap="square" tIns="91425">
+          <a:bodyPr spcFirstLastPara="1" wrap="square" lIns="91425" tIns="91425" rIns="91425" bIns="91425" anchor="ctr" anchorCtr="0">
             <a:noAutofit/>
           </a:bodyPr>
           <a:lstStyle>
@@ -4514,7 +4578,7 @@
             </a:lvl9pPr>
           </a:lstStyle>
           <a:p>
-            <a:pPr indent="0" lvl="0" marL="0" rtl="0" algn="r">
+            <a:pPr marL="0" lvl="0" indent="0" algn="r" rtl="0">
               <a:spcBef>
                 <a:spcPts val="0"/>
               </a:spcBef>
@@ -4540,11 +4604,11 @@
 </file>
 
 <file path=ppt/slideLayouts/slideLayout11.xml><?xml version="1.0" encoding="utf-8"?>
-<p:sldLayout xmlns:a="http://schemas.openxmlformats.org/drawingml/2006/main" xmlns:r="http://schemas.openxmlformats.org/officeDocument/2006/relationships" xmlns:mc="http://schemas.openxmlformats.org/markup-compatibility/2006" xmlns:mv="urn:schemas-microsoft-com:mac:vml" xmlns:p="http://schemas.openxmlformats.org/presentationml/2006/main" xmlns:c="http://schemas.openxmlformats.org/drawingml/2006/chart" xmlns:dgm="http://schemas.openxmlformats.org/drawingml/2006/diagram" xmlns:o="urn:schemas-microsoft-com:office:office" xmlns:v="urn:schemas-microsoft-com:vml" xmlns:pvml="urn:schemas-microsoft-com:office:powerpoint" xmlns:com="http://schemas.openxmlformats.org/drawingml/2006/compatibility" xmlns:p14="http://schemas.microsoft.com/office/powerpoint/2010/main" xmlns:p15="http://schemas.microsoft.com/office/powerpoint/2012/main" xmlns:ahyp="http://schemas.microsoft.com/office/drawing/2018/hyperlinkcolor" matchingName="Blank" type="blank">
+<p:sldLayout xmlns:a="http://schemas.openxmlformats.org/drawingml/2006/main" xmlns:r="http://schemas.openxmlformats.org/officeDocument/2006/relationships" xmlns:p="http://schemas.openxmlformats.org/presentationml/2006/main" matchingName="Blank" type="blank">
   <p:cSld name="BLANK">
     <p:spTree>
       <p:nvGrpSpPr>
-        <p:cNvPr id="128" name="Shape 128"/>
+        <p:cNvPr id="1" name="Shape 128"/>
         <p:cNvGrpSpPr/>
         <p:nvPr/>
       </p:nvGrpSpPr>
@@ -4559,9 +4623,11 @@
       <p:sp>
         <p:nvSpPr>
           <p:cNvPr id="129" name="Google Shape;129;p12"/>
-          <p:cNvSpPr txBox="1"/>
+          <p:cNvSpPr txBox="1">
+            <a:spLocks noGrp="1"/>
+          </p:cNvSpPr>
           <p:nvPr>
-            <p:ph idx="12" type="sldNum"/>
+            <p:ph type="sldNum" idx="12"/>
           </p:nvPr>
         </p:nvSpPr>
         <p:spPr>
@@ -4574,7 +4640,7 @@
           </a:prstGeom>
         </p:spPr>
         <p:txBody>
-          <a:bodyPr anchorCtr="0" anchor="ctr" bIns="91425" lIns="91425" spcFirstLastPara="1" rIns="91425" wrap="square" tIns="91425">
+          <a:bodyPr spcFirstLastPara="1" wrap="square" lIns="91425" tIns="91425" rIns="91425" bIns="91425" anchor="ctr" anchorCtr="0">
             <a:noAutofit/>
           </a:bodyPr>
           <a:lstStyle>
@@ -4616,7 +4682,7 @@
             </a:lvl9pPr>
           </a:lstStyle>
           <a:p>
-            <a:pPr indent="0" lvl="0" marL="0" rtl="0" algn="r">
+            <a:pPr marL="0" lvl="0" indent="0" algn="r" rtl="0">
               <a:spcBef>
                 <a:spcPts val="0"/>
               </a:spcBef>
@@ -4642,11 +4708,11 @@
 </file>
 
 <file path=ppt/slideLayouts/slideLayout2.xml><?xml version="1.0" encoding="utf-8"?>
-<p:sldLayout xmlns:a="http://schemas.openxmlformats.org/drawingml/2006/main" xmlns:r="http://schemas.openxmlformats.org/officeDocument/2006/relationships" xmlns:mc="http://schemas.openxmlformats.org/markup-compatibility/2006" xmlns:mv="urn:schemas-microsoft-com:mac:vml" xmlns:p="http://schemas.openxmlformats.org/presentationml/2006/main" xmlns:c="http://schemas.openxmlformats.org/drawingml/2006/chart" xmlns:dgm="http://schemas.openxmlformats.org/drawingml/2006/diagram" xmlns:o="urn:schemas-microsoft-com:office:office" xmlns:v="urn:schemas-microsoft-com:vml" xmlns:pvml="urn:schemas-microsoft-com:office:powerpoint" xmlns:com="http://schemas.openxmlformats.org/drawingml/2006/compatibility" xmlns:p14="http://schemas.microsoft.com/office/powerpoint/2010/main" xmlns:p15="http://schemas.microsoft.com/office/powerpoint/2012/main" xmlns:ahyp="http://schemas.microsoft.com/office/drawing/2018/hyperlinkcolor" matchingName="Section header" type="secHead">
+<p:sldLayout xmlns:a="http://schemas.openxmlformats.org/drawingml/2006/main" xmlns:r="http://schemas.openxmlformats.org/officeDocument/2006/relationships" xmlns:p="http://schemas.openxmlformats.org/presentationml/2006/main" matchingName="Section header" type="secHead">
   <p:cSld name="SECTION_HEADER">
     <p:spTree>
       <p:nvGrpSpPr>
-        <p:cNvPr id="19" name="Shape 19"/>
+        <p:cNvPr id="1" name="Shape 19"/>
         <p:cNvGrpSpPr/>
         <p:nvPr/>
       </p:nvGrpSpPr>
@@ -4685,7 +4751,7 @@
             </a:xfrm>
             <a:prstGeom prst="diagStripe">
               <a:avLst>
-                <a:gd fmla="val 49469" name="adj"/>
+                <a:gd name="adj" fmla="val 49469"/>
               </a:avLst>
             </a:prstGeom>
             <a:solidFill>
@@ -4698,12 +4764,12 @@
             </a:ln>
           </p:spPr>
           <p:txBody>
-            <a:bodyPr anchorCtr="0" anchor="ctr" bIns="91425" lIns="91425" spcFirstLastPara="1" rIns="91425" wrap="square" tIns="91425">
+            <a:bodyPr spcFirstLastPara="1" wrap="square" lIns="91425" tIns="91425" rIns="91425" bIns="91425" anchor="ctr" anchorCtr="0">
               <a:noAutofit/>
             </a:bodyPr>
             <a:lstStyle/>
             <a:p>
-              <a:pPr indent="0" lvl="0" marL="0" rtl="0" algn="l">
+              <a:pPr marL="0" lvl="0" indent="0" algn="l" rtl="0">
                 <a:spcBef>
                   <a:spcPts val="0"/>
                 </a:spcBef>
@@ -4712,9 +4778,6 @@
                 </a:spcAft>
                 <a:buNone/>
               </a:pPr>
-              <a:r>
-                <a:t/>
-              </a:r>
               <a:endParaRPr/>
             </a:p>
           </p:txBody>
@@ -4732,7 +4795,7 @@
             </a:xfrm>
             <a:prstGeom prst="diagStripe">
               <a:avLst>
-                <a:gd fmla="val 0" name="adj"/>
+                <a:gd name="adj" fmla="val 0"/>
               </a:avLst>
             </a:prstGeom>
             <a:solidFill>
@@ -4745,12 +4808,12 @@
             </a:ln>
           </p:spPr>
           <p:txBody>
-            <a:bodyPr anchorCtr="0" anchor="ctr" bIns="91425" lIns="91425" spcFirstLastPara="1" rIns="91425" wrap="square" tIns="91425">
+            <a:bodyPr spcFirstLastPara="1" wrap="square" lIns="91425" tIns="91425" rIns="91425" bIns="91425" anchor="ctr" anchorCtr="0">
               <a:noAutofit/>
             </a:bodyPr>
             <a:lstStyle/>
             <a:p>
-              <a:pPr indent="0" lvl="0" marL="0" rtl="0" algn="l">
+              <a:pPr marL="0" lvl="0" indent="0" algn="l" rtl="0">
                 <a:spcBef>
                   <a:spcPts val="0"/>
                 </a:spcBef>
@@ -4759,9 +4822,6 @@
                 </a:spcAft>
                 <a:buNone/>
               </a:pPr>
-              <a:r>
-                <a:t/>
-              </a:r>
               <a:endParaRPr/>
             </a:p>
           </p:txBody>
@@ -4779,7 +4839,7 @@
             </a:xfrm>
             <a:prstGeom prst="diagStripe">
               <a:avLst>
-                <a:gd fmla="val 50000" name="adj"/>
+                <a:gd name="adj" fmla="val 50000"/>
               </a:avLst>
             </a:prstGeom>
             <a:solidFill>
@@ -4792,12 +4852,12 @@
             </a:ln>
           </p:spPr>
           <p:txBody>
-            <a:bodyPr anchorCtr="0" anchor="ctr" bIns="91425" lIns="91425" spcFirstLastPara="1" rIns="91425" wrap="square" tIns="91425">
+            <a:bodyPr spcFirstLastPara="1" wrap="square" lIns="91425" tIns="91425" rIns="91425" bIns="91425" anchor="ctr" anchorCtr="0">
               <a:noAutofit/>
             </a:bodyPr>
             <a:lstStyle/>
             <a:p>
-              <a:pPr indent="0" lvl="0" marL="0" rtl="0" algn="l">
+              <a:pPr marL="0" lvl="0" indent="0" algn="l" rtl="0">
                 <a:spcBef>
                   <a:spcPts val="0"/>
                 </a:spcBef>
@@ -4806,9 +4866,6 @@
                 </a:spcAft>
                 <a:buNone/>
               </a:pPr>
-              <a:r>
-                <a:t/>
-              </a:r>
               <a:endParaRPr/>
             </a:p>
           </p:txBody>
@@ -4826,7 +4883,7 @@
             </a:xfrm>
             <a:prstGeom prst="diagStripe">
               <a:avLst>
-                <a:gd fmla="val 50000" name="adj"/>
+                <a:gd name="adj" fmla="val 50000"/>
               </a:avLst>
             </a:prstGeom>
             <a:solidFill>
@@ -4839,12 +4896,12 @@
             </a:ln>
           </p:spPr>
           <p:txBody>
-            <a:bodyPr anchorCtr="0" anchor="ctr" bIns="91425" lIns="91425" spcFirstLastPara="1" rIns="91425" wrap="square" tIns="91425">
+            <a:bodyPr spcFirstLastPara="1" wrap="square" lIns="91425" tIns="91425" rIns="91425" bIns="91425" anchor="ctr" anchorCtr="0">
               <a:noAutofit/>
             </a:bodyPr>
             <a:lstStyle/>
             <a:p>
-              <a:pPr indent="0" lvl="0" marL="0" rtl="0" algn="l">
+              <a:pPr marL="0" lvl="0" indent="0" algn="l" rtl="0">
                 <a:spcBef>
                   <a:spcPts val="0"/>
                 </a:spcBef>
@@ -4853,9 +4910,6 @@
                 </a:spcAft>
                 <a:buNone/>
               </a:pPr>
-              <a:r>
-                <a:t/>
-              </a:r>
               <a:endParaRPr/>
             </a:p>
           </p:txBody>
@@ -4873,7 +4927,7 @@
             </a:xfrm>
             <a:prstGeom prst="diagStripe">
               <a:avLst>
-                <a:gd fmla="val 50000" name="adj"/>
+                <a:gd name="adj" fmla="val 50000"/>
               </a:avLst>
             </a:prstGeom>
             <a:solidFill>
@@ -4886,12 +4940,12 @@
             </a:ln>
           </p:spPr>
           <p:txBody>
-            <a:bodyPr anchorCtr="0" anchor="ctr" bIns="91425" lIns="91425" spcFirstLastPara="1" rIns="91425" wrap="square" tIns="91425">
+            <a:bodyPr spcFirstLastPara="1" wrap="square" lIns="91425" tIns="91425" rIns="91425" bIns="91425" anchor="ctr" anchorCtr="0">
               <a:noAutofit/>
             </a:bodyPr>
             <a:lstStyle/>
             <a:p>
-              <a:pPr indent="0" lvl="0" marL="0" rtl="0" algn="l">
+              <a:pPr marL="0" lvl="0" indent="0" algn="l" rtl="0">
                 <a:spcBef>
                   <a:spcPts val="0"/>
                 </a:spcBef>
@@ -4900,9 +4954,6 @@
                 </a:spcAft>
                 <a:buNone/>
               </a:pPr>
-              <a:r>
-                <a:t/>
-              </a:r>
               <a:endParaRPr/>
             </a:p>
           </p:txBody>
@@ -4920,7 +4971,7 @@
             </a:xfrm>
             <a:prstGeom prst="diagStripe">
               <a:avLst>
-                <a:gd fmla="val 50000" name="adj"/>
+                <a:gd name="adj" fmla="val 50000"/>
               </a:avLst>
             </a:prstGeom>
             <a:solidFill>
@@ -4933,12 +4984,12 @@
             </a:ln>
           </p:spPr>
           <p:txBody>
-            <a:bodyPr anchorCtr="0" anchor="ctr" bIns="91425" lIns="91425" spcFirstLastPara="1" rIns="91425" wrap="square" tIns="91425">
+            <a:bodyPr spcFirstLastPara="1" wrap="square" lIns="91425" tIns="91425" rIns="91425" bIns="91425" anchor="ctr" anchorCtr="0">
               <a:noAutofit/>
             </a:bodyPr>
             <a:lstStyle/>
             <a:p>
-              <a:pPr indent="0" lvl="0" marL="0" rtl="0" algn="l">
+              <a:pPr marL="0" lvl="0" indent="0" algn="l" rtl="0">
                 <a:spcBef>
                   <a:spcPts val="0"/>
                 </a:spcBef>
@@ -4947,9 +4998,6 @@
                 </a:spcAft>
                 <a:buNone/>
               </a:pPr>
-              <a:r>
-                <a:t/>
-              </a:r>
               <a:endParaRPr/>
             </a:p>
           </p:txBody>
@@ -4967,7 +5015,7 @@
             </a:xfrm>
             <a:prstGeom prst="diagStripe">
               <a:avLst>
-                <a:gd fmla="val 50000" name="adj"/>
+                <a:gd name="adj" fmla="val 50000"/>
               </a:avLst>
             </a:prstGeom>
             <a:solidFill>
@@ -4980,12 +5028,12 @@
             </a:ln>
           </p:spPr>
           <p:txBody>
-            <a:bodyPr anchorCtr="0" anchor="ctr" bIns="91425" lIns="91425" spcFirstLastPara="1" rIns="91425" wrap="square" tIns="91425">
+            <a:bodyPr spcFirstLastPara="1" wrap="square" lIns="91425" tIns="91425" rIns="91425" bIns="91425" anchor="ctr" anchorCtr="0">
               <a:noAutofit/>
             </a:bodyPr>
             <a:lstStyle/>
             <a:p>
-              <a:pPr indent="0" lvl="0" marL="0" rtl="0" algn="l">
+              <a:pPr marL="0" lvl="0" indent="0" algn="l" rtl="0">
                 <a:spcBef>
                   <a:spcPts val="0"/>
                 </a:spcBef>
@@ -4994,9 +5042,6 @@
                 </a:spcAft>
                 <a:buNone/>
               </a:pPr>
-              <a:r>
-                <a:t/>
-              </a:r>
               <a:endParaRPr/>
             </a:p>
           </p:txBody>
@@ -5014,7 +5059,7 @@
             </a:xfrm>
             <a:prstGeom prst="diagStripe">
               <a:avLst>
-                <a:gd fmla="val 50000" name="adj"/>
+                <a:gd name="adj" fmla="val 50000"/>
               </a:avLst>
             </a:prstGeom>
             <a:solidFill>
@@ -5025,12 +5070,12 @@
             </a:ln>
           </p:spPr>
           <p:txBody>
-            <a:bodyPr anchorCtr="0" anchor="ctr" bIns="91425" lIns="91425" spcFirstLastPara="1" rIns="91425" wrap="square" tIns="91425">
+            <a:bodyPr spcFirstLastPara="1" wrap="square" lIns="91425" tIns="91425" rIns="91425" bIns="91425" anchor="ctr" anchorCtr="0">
               <a:noAutofit/>
             </a:bodyPr>
             <a:lstStyle/>
             <a:p>
-              <a:pPr indent="0" lvl="0" marL="0" rtl="0" algn="l">
+              <a:pPr marL="0" lvl="0" indent="0" algn="l" rtl="0">
                 <a:spcBef>
                   <a:spcPts val="0"/>
                 </a:spcBef>
@@ -5039,9 +5084,6 @@
                 </a:spcAft>
                 <a:buNone/>
               </a:pPr>
-              <a:r>
-                <a:t/>
-              </a:r>
               <a:endParaRPr/>
             </a:p>
           </p:txBody>
@@ -5059,7 +5101,7 @@
             </a:xfrm>
             <a:prstGeom prst="diagStripe">
               <a:avLst>
-                <a:gd fmla="val 50000" name="adj"/>
+                <a:gd name="adj" fmla="val 50000"/>
               </a:avLst>
             </a:prstGeom>
             <a:solidFill>
@@ -5072,12 +5114,12 @@
             </a:ln>
           </p:spPr>
           <p:txBody>
-            <a:bodyPr anchorCtr="0" anchor="ctr" bIns="91425" lIns="91425" spcFirstLastPara="1" rIns="91425" wrap="square" tIns="91425">
+            <a:bodyPr spcFirstLastPara="1" wrap="square" lIns="91425" tIns="91425" rIns="91425" bIns="91425" anchor="ctr" anchorCtr="0">
               <a:noAutofit/>
             </a:bodyPr>
             <a:lstStyle/>
             <a:p>
-              <a:pPr indent="0" lvl="0" marL="0" rtl="0" algn="l">
+              <a:pPr marL="0" lvl="0" indent="0" algn="l" rtl="0">
                 <a:spcBef>
                   <a:spcPts val="0"/>
                 </a:spcBef>
@@ -5086,9 +5128,6 @@
                 </a:spcAft>
                 <a:buNone/>
               </a:pPr>
-              <a:r>
-                <a:t/>
-              </a:r>
               <a:endParaRPr/>
             </a:p>
           </p:txBody>
@@ -5106,7 +5145,7 @@
             </a:xfrm>
             <a:prstGeom prst="diagStripe">
               <a:avLst>
-                <a:gd fmla="val 50000" name="adj"/>
+                <a:gd name="adj" fmla="val 50000"/>
               </a:avLst>
             </a:prstGeom>
             <a:solidFill>
@@ -5119,12 +5158,12 @@
             </a:ln>
           </p:spPr>
           <p:txBody>
-            <a:bodyPr anchorCtr="0" anchor="ctr" bIns="91425" lIns="91425" spcFirstLastPara="1" rIns="91425" wrap="square" tIns="91425">
+            <a:bodyPr spcFirstLastPara="1" wrap="square" lIns="91425" tIns="91425" rIns="91425" bIns="91425" anchor="ctr" anchorCtr="0">
               <a:noAutofit/>
             </a:bodyPr>
             <a:lstStyle/>
             <a:p>
-              <a:pPr indent="0" lvl="0" marL="0" rtl="0" algn="l">
+              <a:pPr marL="0" lvl="0" indent="0" algn="l" rtl="0">
                 <a:spcBef>
                   <a:spcPts val="0"/>
                 </a:spcBef>
@@ -5133,9 +5172,6 @@
                 </a:spcAft>
                 <a:buNone/>
               </a:pPr>
-              <a:r>
-                <a:t/>
-              </a:r>
               <a:endParaRPr/>
             </a:p>
           </p:txBody>
@@ -5153,7 +5189,7 @@
             </a:xfrm>
             <a:prstGeom prst="diagStripe">
               <a:avLst>
-                <a:gd fmla="val 50000" name="adj"/>
+                <a:gd name="adj" fmla="val 50000"/>
               </a:avLst>
             </a:prstGeom>
             <a:solidFill>
@@ -5166,12 +5202,12 @@
             </a:ln>
           </p:spPr>
           <p:txBody>
-            <a:bodyPr anchorCtr="0" anchor="ctr" bIns="91425" lIns="91425" spcFirstLastPara="1" rIns="91425" wrap="square" tIns="91425">
+            <a:bodyPr spcFirstLastPara="1" wrap="square" lIns="91425" tIns="91425" rIns="91425" bIns="91425" anchor="ctr" anchorCtr="0">
               <a:noAutofit/>
             </a:bodyPr>
             <a:lstStyle/>
             <a:p>
-              <a:pPr indent="0" lvl="0" marL="0" rtl="0" algn="l">
+              <a:pPr marL="0" lvl="0" indent="0" algn="l" rtl="0">
                 <a:spcBef>
                   <a:spcPts val="0"/>
                 </a:spcBef>
@@ -5180,9 +5216,6 @@
                 </a:spcAft>
                 <a:buNone/>
               </a:pPr>
-              <a:r>
-                <a:t/>
-              </a:r>
               <a:endParaRPr/>
             </a:p>
           </p:txBody>
@@ -5200,7 +5233,7 @@
             </a:xfrm>
             <a:prstGeom prst="diagStripe">
               <a:avLst>
-                <a:gd fmla="val 50000" name="adj"/>
+                <a:gd name="adj" fmla="val 50000"/>
               </a:avLst>
             </a:prstGeom>
             <a:solidFill>
@@ -5213,12 +5246,12 @@
             </a:ln>
           </p:spPr>
           <p:txBody>
-            <a:bodyPr anchorCtr="0" anchor="ctr" bIns="91425" lIns="91425" spcFirstLastPara="1" rIns="91425" wrap="square" tIns="91425">
+            <a:bodyPr spcFirstLastPara="1" wrap="square" lIns="91425" tIns="91425" rIns="91425" bIns="91425" anchor="ctr" anchorCtr="0">
               <a:noAutofit/>
             </a:bodyPr>
             <a:lstStyle/>
             <a:p>
-              <a:pPr indent="0" lvl="0" marL="0" rtl="0" algn="l">
+              <a:pPr marL="0" lvl="0" indent="0" algn="l" rtl="0">
                 <a:spcBef>
                   <a:spcPts val="0"/>
                 </a:spcBef>
@@ -5227,9 +5260,6 @@
                 </a:spcAft>
                 <a:buNone/>
               </a:pPr>
-              <a:r>
-                <a:t/>
-              </a:r>
               <a:endParaRPr/>
             </a:p>
           </p:txBody>
@@ -5247,7 +5277,7 @@
             </a:xfrm>
             <a:prstGeom prst="diagStripe">
               <a:avLst>
-                <a:gd fmla="val 50000" name="adj"/>
+                <a:gd name="adj" fmla="val 50000"/>
               </a:avLst>
             </a:prstGeom>
             <a:solidFill>
@@ -5260,12 +5290,12 @@
             </a:ln>
           </p:spPr>
           <p:txBody>
-            <a:bodyPr anchorCtr="0" anchor="ctr" bIns="91425" lIns="91425" spcFirstLastPara="1" rIns="91425" wrap="square" tIns="91425">
+            <a:bodyPr spcFirstLastPara="1" wrap="square" lIns="91425" tIns="91425" rIns="91425" bIns="91425" anchor="ctr" anchorCtr="0">
               <a:noAutofit/>
             </a:bodyPr>
             <a:lstStyle/>
             <a:p>
-              <a:pPr indent="0" lvl="0" marL="0" rtl="0" algn="l">
+              <a:pPr marL="0" lvl="0" indent="0" algn="l" rtl="0">
                 <a:spcBef>
                   <a:spcPts val="0"/>
                 </a:spcBef>
@@ -5274,9 +5304,6 @@
                 </a:spcAft>
                 <a:buNone/>
               </a:pPr>
-              <a:r>
-                <a:t/>
-              </a:r>
               <a:endParaRPr/>
             </a:p>
           </p:txBody>
@@ -5294,7 +5321,7 @@
             </a:xfrm>
             <a:prstGeom prst="diagStripe">
               <a:avLst>
-                <a:gd fmla="val 50000" name="adj"/>
+                <a:gd name="adj" fmla="val 50000"/>
               </a:avLst>
             </a:prstGeom>
             <a:solidFill>
@@ -5305,12 +5332,12 @@
             </a:ln>
           </p:spPr>
           <p:txBody>
-            <a:bodyPr anchorCtr="0" anchor="ctr" bIns="91425" lIns="91425" spcFirstLastPara="1" rIns="91425" wrap="square" tIns="91425">
+            <a:bodyPr spcFirstLastPara="1" wrap="square" lIns="91425" tIns="91425" rIns="91425" bIns="91425" anchor="ctr" anchorCtr="0">
               <a:noAutofit/>
             </a:bodyPr>
             <a:lstStyle/>
             <a:p>
-              <a:pPr indent="0" lvl="0" marL="0" rtl="0" algn="l">
+              <a:pPr marL="0" lvl="0" indent="0" algn="l" rtl="0">
                 <a:spcBef>
                   <a:spcPts val="0"/>
                 </a:spcBef>
@@ -5319,9 +5346,6 @@
                 </a:spcAft>
                 <a:buNone/>
               </a:pPr>
-              <a:r>
-                <a:t/>
-              </a:r>
               <a:endParaRPr/>
             </a:p>
           </p:txBody>
@@ -5339,7 +5363,7 @@
             </a:xfrm>
             <a:prstGeom prst="diagStripe">
               <a:avLst>
-                <a:gd fmla="val 50000" name="adj"/>
+                <a:gd name="adj" fmla="val 50000"/>
               </a:avLst>
             </a:prstGeom>
             <a:solidFill>
@@ -5352,12 +5376,12 @@
             </a:ln>
           </p:spPr>
           <p:txBody>
-            <a:bodyPr anchorCtr="0" anchor="ctr" bIns="91425" lIns="91425" spcFirstLastPara="1" rIns="91425" wrap="square" tIns="91425">
+            <a:bodyPr spcFirstLastPara="1" wrap="square" lIns="91425" tIns="91425" rIns="91425" bIns="91425" anchor="ctr" anchorCtr="0">
               <a:noAutofit/>
             </a:bodyPr>
             <a:lstStyle/>
             <a:p>
-              <a:pPr indent="0" lvl="0" marL="0" rtl="0" algn="l">
+              <a:pPr marL="0" lvl="0" indent="0" algn="l" rtl="0">
                 <a:spcBef>
                   <a:spcPts val="0"/>
                 </a:spcBef>
@@ -5366,9 +5390,6 @@
                 </a:spcAft>
                 <a:buNone/>
               </a:pPr>
-              <a:r>
-                <a:t/>
-              </a:r>
               <a:endParaRPr/>
             </a:p>
           </p:txBody>
@@ -5386,7 +5407,7 @@
             </a:xfrm>
             <a:prstGeom prst="diagStripe">
               <a:avLst>
-                <a:gd fmla="val 50000" name="adj"/>
+                <a:gd name="adj" fmla="val 50000"/>
               </a:avLst>
             </a:prstGeom>
             <a:solidFill>
@@ -5399,12 +5420,12 @@
             </a:ln>
           </p:spPr>
           <p:txBody>
-            <a:bodyPr anchorCtr="0" anchor="ctr" bIns="91425" lIns="91425" spcFirstLastPara="1" rIns="91425" wrap="square" tIns="91425">
+            <a:bodyPr spcFirstLastPara="1" wrap="square" lIns="91425" tIns="91425" rIns="91425" bIns="91425" anchor="ctr" anchorCtr="0">
               <a:noAutofit/>
             </a:bodyPr>
             <a:lstStyle/>
             <a:p>
-              <a:pPr indent="0" lvl="0" marL="0" rtl="0" algn="l">
+              <a:pPr marL="0" lvl="0" indent="0" algn="l" rtl="0">
                 <a:spcBef>
                   <a:spcPts val="0"/>
                 </a:spcBef>
@@ -5413,9 +5434,6 @@
                 </a:spcAft>
                 <a:buNone/>
               </a:pPr>
-              <a:r>
-                <a:t/>
-              </a:r>
               <a:endParaRPr/>
             </a:p>
           </p:txBody>
@@ -5433,7 +5451,7 @@
             </a:xfrm>
             <a:prstGeom prst="diagStripe">
               <a:avLst>
-                <a:gd fmla="val 50000" name="adj"/>
+                <a:gd name="adj" fmla="val 50000"/>
               </a:avLst>
             </a:prstGeom>
             <a:solidFill>
@@ -5446,12 +5464,12 @@
             </a:ln>
           </p:spPr>
           <p:txBody>
-            <a:bodyPr anchorCtr="0" anchor="ctr" bIns="91425" lIns="91425" spcFirstLastPara="1" rIns="91425" wrap="square" tIns="91425">
+            <a:bodyPr spcFirstLastPara="1" wrap="square" lIns="91425" tIns="91425" rIns="91425" bIns="91425" anchor="ctr" anchorCtr="0">
               <a:noAutofit/>
             </a:bodyPr>
             <a:lstStyle/>
             <a:p>
-              <a:pPr indent="0" lvl="0" marL="0" rtl="0" algn="l">
+              <a:pPr marL="0" lvl="0" indent="0" algn="l" rtl="0">
                 <a:spcBef>
                   <a:spcPts val="0"/>
                 </a:spcBef>
@@ -5460,9 +5478,6 @@
                 </a:spcAft>
                 <a:buNone/>
               </a:pPr>
-              <a:r>
-                <a:t/>
-              </a:r>
               <a:endParaRPr/>
             </a:p>
           </p:txBody>
@@ -5480,7 +5495,7 @@
             </a:xfrm>
             <a:prstGeom prst="diagStripe">
               <a:avLst>
-                <a:gd fmla="val 50000" name="adj"/>
+                <a:gd name="adj" fmla="val 50000"/>
               </a:avLst>
             </a:prstGeom>
             <a:solidFill>
@@ -5493,12 +5508,12 @@
             </a:ln>
           </p:spPr>
           <p:txBody>
-            <a:bodyPr anchorCtr="0" anchor="ctr" bIns="91425" lIns="91425" spcFirstLastPara="1" rIns="91425" wrap="square" tIns="91425">
+            <a:bodyPr spcFirstLastPara="1" wrap="square" lIns="91425" tIns="91425" rIns="91425" bIns="91425" anchor="ctr" anchorCtr="0">
               <a:noAutofit/>
             </a:bodyPr>
             <a:lstStyle/>
             <a:p>
-              <a:pPr indent="0" lvl="0" marL="0" rtl="0" algn="l">
+              <a:pPr marL="0" lvl="0" indent="0" algn="l" rtl="0">
                 <a:spcBef>
                   <a:spcPts val="0"/>
                 </a:spcBef>
@@ -5507,9 +5522,6 @@
                 </a:spcAft>
                 <a:buNone/>
               </a:pPr>
-              <a:r>
-                <a:t/>
-              </a:r>
               <a:endParaRPr/>
             </a:p>
           </p:txBody>
@@ -5518,7 +5530,9 @@
       <p:sp>
         <p:nvSpPr>
           <p:cNvPr id="39" name="Google Shape;39;p3"/>
-          <p:cNvSpPr txBox="1"/>
+          <p:cNvSpPr txBox="1">
+            <a:spLocks noGrp="1"/>
+          </p:cNvSpPr>
           <p:nvPr>
             <p:ph type="title"/>
           </p:nvPr>
@@ -5533,7 +5547,7 @@
           </a:prstGeom>
         </p:spPr>
         <p:txBody>
-          <a:bodyPr anchorCtr="0" anchor="ctr" bIns="91425" lIns="91425" spcFirstLastPara="1" rIns="91425" wrap="square" tIns="91425">
+          <a:bodyPr spcFirstLastPara="1" wrap="square" lIns="91425" tIns="91425" rIns="91425" bIns="91425" anchor="ctr" anchorCtr="0">
             <a:noAutofit/>
           </a:bodyPr>
           <a:lstStyle>
@@ -5637,15 +5651,19 @@
               <a:defRPr/>
             </a:lvl9pPr>
           </a:lstStyle>
-          <a:p/>
+          <a:p>
+            <a:endParaRPr/>
+          </a:p>
         </p:txBody>
       </p:sp>
       <p:sp>
         <p:nvSpPr>
           <p:cNvPr id="40" name="Google Shape;40;p3"/>
-          <p:cNvSpPr txBox="1"/>
+          <p:cNvSpPr txBox="1">
+            <a:spLocks noGrp="1"/>
+          </p:cNvSpPr>
           <p:nvPr>
-            <p:ph idx="12" type="sldNum"/>
+            <p:ph type="sldNum" idx="12"/>
           </p:nvPr>
         </p:nvSpPr>
         <p:spPr>
@@ -5658,7 +5676,7 @@
           </a:prstGeom>
         </p:spPr>
         <p:txBody>
-          <a:bodyPr anchorCtr="0" anchor="ctr" bIns="91425" lIns="91425" spcFirstLastPara="1" rIns="91425" wrap="square" tIns="91425">
+          <a:bodyPr spcFirstLastPara="1" wrap="square" lIns="91425" tIns="91425" rIns="91425" bIns="91425" anchor="ctr" anchorCtr="0">
             <a:noAutofit/>
           </a:bodyPr>
           <a:lstStyle>
@@ -5700,7 +5718,7 @@
             </a:lvl9pPr>
           </a:lstStyle>
           <a:p>
-            <a:pPr indent="0" lvl="0" marL="0" rtl="0" algn="r">
+            <a:pPr marL="0" lvl="0" indent="0" algn="r" rtl="0">
               <a:spcBef>
                 <a:spcPts val="0"/>
               </a:spcBef>
@@ -5726,11 +5744,11 @@
 </file>
 
 <file path=ppt/slideLayouts/slideLayout3.xml><?xml version="1.0" encoding="utf-8"?>
-<p:sldLayout xmlns:a="http://schemas.openxmlformats.org/drawingml/2006/main" xmlns:r="http://schemas.openxmlformats.org/officeDocument/2006/relationships" xmlns:mc="http://schemas.openxmlformats.org/markup-compatibility/2006" xmlns:mv="urn:schemas-microsoft-com:mac:vml" xmlns:p="http://schemas.openxmlformats.org/presentationml/2006/main" xmlns:c="http://schemas.openxmlformats.org/drawingml/2006/chart" xmlns:dgm="http://schemas.openxmlformats.org/drawingml/2006/diagram" xmlns:o="urn:schemas-microsoft-com:office:office" xmlns:v="urn:schemas-microsoft-com:vml" xmlns:pvml="urn:schemas-microsoft-com:office:powerpoint" xmlns:com="http://schemas.openxmlformats.org/drawingml/2006/compatibility" xmlns:p14="http://schemas.microsoft.com/office/powerpoint/2010/main" xmlns:p15="http://schemas.microsoft.com/office/powerpoint/2012/main" xmlns:ahyp="http://schemas.microsoft.com/office/drawing/2018/hyperlinkcolor" matchingName="Title and body" type="tx">
+<p:sldLayout xmlns:a="http://schemas.openxmlformats.org/drawingml/2006/main" xmlns:r="http://schemas.openxmlformats.org/officeDocument/2006/relationships" xmlns:p="http://schemas.openxmlformats.org/presentationml/2006/main" matchingName="Title and body" type="tx">
   <p:cSld name="TITLE_AND_BODY">
     <p:spTree>
       <p:nvGrpSpPr>
-        <p:cNvPr id="41" name="Shape 41"/>
+        <p:cNvPr id="1" name="Shape 41"/>
         <p:cNvGrpSpPr/>
         <p:nvPr/>
       </p:nvGrpSpPr>
@@ -5769,7 +5787,7 @@
             </a:xfrm>
             <a:prstGeom prst="diagStripe">
               <a:avLst>
-                <a:gd fmla="val 50000" name="adj"/>
+                <a:gd name="adj" fmla="val 50000"/>
               </a:avLst>
             </a:prstGeom>
             <a:solidFill>
@@ -5780,12 +5798,12 @@
             </a:ln>
           </p:spPr>
           <p:txBody>
-            <a:bodyPr anchorCtr="0" anchor="ctr" bIns="91425" lIns="91425" spcFirstLastPara="1" rIns="91425" wrap="square" tIns="91425">
+            <a:bodyPr spcFirstLastPara="1" wrap="square" lIns="91425" tIns="91425" rIns="91425" bIns="91425" anchor="ctr" anchorCtr="0">
               <a:noAutofit/>
             </a:bodyPr>
             <a:lstStyle/>
             <a:p>
-              <a:pPr indent="0" lvl="0" marL="0" rtl="0" algn="l">
+              <a:pPr marL="0" lvl="0" indent="0" algn="l" rtl="0">
                 <a:spcBef>
                   <a:spcPts val="0"/>
                 </a:spcBef>
@@ -5794,9 +5812,6 @@
                 </a:spcAft>
                 <a:buNone/>
               </a:pPr>
-              <a:r>
-                <a:t/>
-              </a:r>
               <a:endParaRPr/>
             </a:p>
           </p:txBody>
@@ -5814,7 +5829,7 @@
             </a:xfrm>
             <a:prstGeom prst="diagStripe">
               <a:avLst>
-                <a:gd fmla="val 50000" name="adj"/>
+                <a:gd name="adj" fmla="val 50000"/>
               </a:avLst>
             </a:prstGeom>
             <a:solidFill>
@@ -5825,12 +5840,12 @@
             </a:ln>
           </p:spPr>
           <p:txBody>
-            <a:bodyPr anchorCtr="0" anchor="ctr" bIns="91425" lIns="91425" spcFirstLastPara="1" rIns="91425" wrap="square" tIns="91425">
+            <a:bodyPr spcFirstLastPara="1" wrap="square" lIns="91425" tIns="91425" rIns="91425" bIns="91425" anchor="ctr" anchorCtr="0">
               <a:noAutofit/>
             </a:bodyPr>
             <a:lstStyle/>
             <a:p>
-              <a:pPr indent="0" lvl="0" marL="0" rtl="0" algn="l">
+              <a:pPr marL="0" lvl="0" indent="0" algn="l" rtl="0">
                 <a:spcBef>
                   <a:spcPts val="0"/>
                 </a:spcBef>
@@ -5839,9 +5854,6 @@
                 </a:spcAft>
                 <a:buNone/>
               </a:pPr>
-              <a:r>
-                <a:t/>
-              </a:r>
               <a:endParaRPr/>
             </a:p>
           </p:txBody>
@@ -5850,7 +5862,9 @@
       <p:sp>
         <p:nvSpPr>
           <p:cNvPr id="45" name="Google Shape;45;p4"/>
-          <p:cNvSpPr txBox="1"/>
+          <p:cNvSpPr txBox="1">
+            <a:spLocks noGrp="1"/>
+          </p:cNvSpPr>
           <p:nvPr>
             <p:ph type="title"/>
           </p:nvPr>
@@ -5865,7 +5879,7 @@
           </a:prstGeom>
         </p:spPr>
         <p:txBody>
-          <a:bodyPr anchorCtr="0" anchor="t" bIns="91425" lIns="91425" spcFirstLastPara="1" rIns="91425" wrap="square" tIns="91425">
+          <a:bodyPr spcFirstLastPara="1" wrap="square" lIns="91425" tIns="91425" rIns="91425" bIns="91425" anchor="t" anchorCtr="0">
             <a:noAutofit/>
           </a:bodyPr>
           <a:lstStyle>
@@ -5969,15 +5983,19 @@
               <a:defRPr sz="2400"/>
             </a:lvl9pPr>
           </a:lstStyle>
-          <a:p/>
+          <a:p>
+            <a:endParaRPr/>
+          </a:p>
         </p:txBody>
       </p:sp>
       <p:sp>
         <p:nvSpPr>
           <p:cNvPr id="46" name="Google Shape;46;p4"/>
-          <p:cNvSpPr txBox="1"/>
+          <p:cNvSpPr txBox="1">
+            <a:spLocks noGrp="1"/>
+          </p:cNvSpPr>
           <p:nvPr>
-            <p:ph idx="1" type="body"/>
+            <p:ph type="body" idx="1"/>
           </p:nvPr>
         </p:nvSpPr>
         <p:spPr>
@@ -5990,11 +6008,11 @@
           </a:prstGeom>
         </p:spPr>
         <p:txBody>
-          <a:bodyPr anchorCtr="0" anchor="t" bIns="91425" lIns="91425" spcFirstLastPara="1" rIns="91425" wrap="square" tIns="91425">
+          <a:bodyPr spcFirstLastPara="1" wrap="square" lIns="91425" tIns="91425" rIns="91425" bIns="91425" anchor="t" anchorCtr="0">
             <a:noAutofit/>
           </a:bodyPr>
           <a:lstStyle>
-            <a:lvl1pPr indent="-311150" lvl="0" marL="457200">
+            <a:lvl1pPr marL="457200" lvl="0" indent="-311150">
               <a:spcBef>
                 <a:spcPts val="0"/>
               </a:spcBef>
@@ -6005,7 +6023,7 @@
               <a:buChar char="●"/>
               <a:defRPr/>
             </a:lvl1pPr>
-            <a:lvl2pPr indent="-298450" lvl="1" marL="914400">
+            <a:lvl2pPr marL="914400" lvl="1" indent="-298450">
               <a:spcBef>
                 <a:spcPts val="1600"/>
               </a:spcBef>
@@ -6016,7 +6034,7 @@
               <a:buChar char="○"/>
               <a:defRPr/>
             </a:lvl2pPr>
-            <a:lvl3pPr indent="-298450" lvl="2" marL="1371600">
+            <a:lvl3pPr marL="1371600" lvl="2" indent="-298450">
               <a:spcBef>
                 <a:spcPts val="1600"/>
               </a:spcBef>
@@ -6027,7 +6045,7 @@
               <a:buChar char="■"/>
               <a:defRPr/>
             </a:lvl3pPr>
-            <a:lvl4pPr indent="-298450" lvl="3" marL="1828800">
+            <a:lvl4pPr marL="1828800" lvl="3" indent="-298450">
               <a:spcBef>
                 <a:spcPts val="1600"/>
               </a:spcBef>
@@ -6038,7 +6056,7 @@
               <a:buChar char="●"/>
               <a:defRPr/>
             </a:lvl4pPr>
-            <a:lvl5pPr indent="-298450" lvl="4" marL="2286000">
+            <a:lvl5pPr marL="2286000" lvl="4" indent="-298450">
               <a:spcBef>
                 <a:spcPts val="1600"/>
               </a:spcBef>
@@ -6049,7 +6067,7 @@
               <a:buChar char="○"/>
               <a:defRPr/>
             </a:lvl5pPr>
-            <a:lvl6pPr indent="-298450" lvl="5" marL="2743200">
+            <a:lvl6pPr marL="2743200" lvl="5" indent="-298450">
               <a:spcBef>
                 <a:spcPts val="1600"/>
               </a:spcBef>
@@ -6060,7 +6078,7 @@
               <a:buChar char="■"/>
               <a:defRPr/>
             </a:lvl6pPr>
-            <a:lvl7pPr indent="-298450" lvl="6" marL="3200400">
+            <a:lvl7pPr marL="3200400" lvl="6" indent="-298450">
               <a:spcBef>
                 <a:spcPts val="1600"/>
               </a:spcBef>
@@ -6071,7 +6089,7 @@
               <a:buChar char="●"/>
               <a:defRPr/>
             </a:lvl7pPr>
-            <a:lvl8pPr indent="-298450" lvl="7" marL="3657600">
+            <a:lvl8pPr marL="3657600" lvl="7" indent="-298450">
               <a:spcBef>
                 <a:spcPts val="1600"/>
               </a:spcBef>
@@ -6082,7 +6100,7 @@
               <a:buChar char="○"/>
               <a:defRPr/>
             </a:lvl8pPr>
-            <a:lvl9pPr indent="-298450" lvl="8" marL="4114800">
+            <a:lvl9pPr marL="4114800" lvl="8" indent="-298450">
               <a:spcBef>
                 <a:spcPts val="1600"/>
               </a:spcBef>
@@ -6094,15 +6112,19 @@
               <a:defRPr/>
             </a:lvl9pPr>
           </a:lstStyle>
-          <a:p/>
+          <a:p>
+            <a:endParaRPr/>
+          </a:p>
         </p:txBody>
       </p:sp>
       <p:sp>
         <p:nvSpPr>
           <p:cNvPr id="47" name="Google Shape;47;p4"/>
-          <p:cNvSpPr txBox="1"/>
+          <p:cNvSpPr txBox="1">
+            <a:spLocks noGrp="1"/>
+          </p:cNvSpPr>
           <p:nvPr>
-            <p:ph idx="12" type="sldNum"/>
+            <p:ph type="sldNum" idx="12"/>
           </p:nvPr>
         </p:nvSpPr>
         <p:spPr>
@@ -6115,7 +6137,7 @@
           </a:prstGeom>
         </p:spPr>
         <p:txBody>
-          <a:bodyPr anchorCtr="0" anchor="ctr" bIns="91425" lIns="91425" spcFirstLastPara="1" rIns="91425" wrap="square" tIns="91425">
+          <a:bodyPr spcFirstLastPara="1" wrap="square" lIns="91425" tIns="91425" rIns="91425" bIns="91425" anchor="ctr" anchorCtr="0">
             <a:noAutofit/>
           </a:bodyPr>
           <a:lstStyle>
@@ -6157,7 +6179,7 @@
             </a:lvl9pPr>
           </a:lstStyle>
           <a:p>
-            <a:pPr indent="0" lvl="0" marL="0" rtl="0" algn="r">
+            <a:pPr marL="0" lvl="0" indent="0" algn="r" rtl="0">
               <a:spcBef>
                 <a:spcPts val="0"/>
               </a:spcBef>
@@ -6183,11 +6205,11 @@
 </file>
 
 <file path=ppt/slideLayouts/slideLayout4.xml><?xml version="1.0" encoding="utf-8"?>
-<p:sldLayout xmlns:a="http://schemas.openxmlformats.org/drawingml/2006/main" xmlns:r="http://schemas.openxmlformats.org/officeDocument/2006/relationships" xmlns:mc="http://schemas.openxmlformats.org/markup-compatibility/2006" xmlns:mv="urn:schemas-microsoft-com:mac:vml" xmlns:p="http://schemas.openxmlformats.org/presentationml/2006/main" xmlns:c="http://schemas.openxmlformats.org/drawingml/2006/chart" xmlns:dgm="http://schemas.openxmlformats.org/drawingml/2006/diagram" xmlns:o="urn:schemas-microsoft-com:office:office" xmlns:v="urn:schemas-microsoft-com:vml" xmlns:pvml="urn:schemas-microsoft-com:office:powerpoint" xmlns:com="http://schemas.openxmlformats.org/drawingml/2006/compatibility" xmlns:p14="http://schemas.microsoft.com/office/powerpoint/2010/main" xmlns:p15="http://schemas.microsoft.com/office/powerpoint/2012/main" xmlns:ahyp="http://schemas.microsoft.com/office/drawing/2018/hyperlinkcolor" matchingName="Title and two columns" type="twoColTx">
+<p:sldLayout xmlns:a="http://schemas.openxmlformats.org/drawingml/2006/main" xmlns:r="http://schemas.openxmlformats.org/officeDocument/2006/relationships" xmlns:p="http://schemas.openxmlformats.org/presentationml/2006/main" matchingName="Title and two columns" type="twoColTx">
   <p:cSld name="TITLE_AND_TWO_COLUMNS">
     <p:spTree>
       <p:nvGrpSpPr>
-        <p:cNvPr id="48" name="Shape 48"/>
+        <p:cNvPr id="1" name="Shape 48"/>
         <p:cNvGrpSpPr/>
         <p:nvPr/>
       </p:nvGrpSpPr>
@@ -6226,7 +6248,7 @@
             </a:xfrm>
             <a:prstGeom prst="diagStripe">
               <a:avLst>
-                <a:gd fmla="val 50000" name="adj"/>
+                <a:gd name="adj" fmla="val 50000"/>
               </a:avLst>
             </a:prstGeom>
             <a:solidFill>
@@ -6237,12 +6259,12 @@
             </a:ln>
           </p:spPr>
           <p:txBody>
-            <a:bodyPr anchorCtr="0" anchor="ctr" bIns="91425" lIns="91425" spcFirstLastPara="1" rIns="91425" wrap="square" tIns="91425">
+            <a:bodyPr spcFirstLastPara="1" wrap="square" lIns="91425" tIns="91425" rIns="91425" bIns="91425" anchor="ctr" anchorCtr="0">
               <a:noAutofit/>
             </a:bodyPr>
             <a:lstStyle/>
             <a:p>
-              <a:pPr indent="0" lvl="0" marL="0" rtl="0" algn="l">
+              <a:pPr marL="0" lvl="0" indent="0" algn="l" rtl="0">
                 <a:spcBef>
                   <a:spcPts val="0"/>
                 </a:spcBef>
@@ -6251,9 +6273,6 @@
                 </a:spcAft>
                 <a:buNone/>
               </a:pPr>
-              <a:r>
-                <a:t/>
-              </a:r>
               <a:endParaRPr/>
             </a:p>
           </p:txBody>
@@ -6271,7 +6290,7 @@
             </a:xfrm>
             <a:prstGeom prst="diagStripe">
               <a:avLst>
-                <a:gd fmla="val 50000" name="adj"/>
+                <a:gd name="adj" fmla="val 50000"/>
               </a:avLst>
             </a:prstGeom>
             <a:solidFill>
@@ -6282,12 +6301,12 @@
             </a:ln>
           </p:spPr>
           <p:txBody>
-            <a:bodyPr anchorCtr="0" anchor="ctr" bIns="91425" lIns="91425" spcFirstLastPara="1" rIns="91425" wrap="square" tIns="91425">
+            <a:bodyPr spcFirstLastPara="1" wrap="square" lIns="91425" tIns="91425" rIns="91425" bIns="91425" anchor="ctr" anchorCtr="0">
               <a:noAutofit/>
             </a:bodyPr>
             <a:lstStyle/>
             <a:p>
-              <a:pPr indent="0" lvl="0" marL="0" rtl="0" algn="l">
+              <a:pPr marL="0" lvl="0" indent="0" algn="l" rtl="0">
                 <a:spcBef>
                   <a:spcPts val="0"/>
                 </a:spcBef>
@@ -6296,9 +6315,6 @@
                 </a:spcAft>
                 <a:buNone/>
               </a:pPr>
-              <a:r>
-                <a:t/>
-              </a:r>
               <a:endParaRPr/>
             </a:p>
           </p:txBody>
@@ -6307,7 +6323,9 @@
       <p:sp>
         <p:nvSpPr>
           <p:cNvPr id="52" name="Google Shape;52;p5"/>
-          <p:cNvSpPr txBox="1"/>
+          <p:cNvSpPr txBox="1">
+            <a:spLocks noGrp="1"/>
+          </p:cNvSpPr>
           <p:nvPr>
             <p:ph type="title"/>
           </p:nvPr>
@@ -6322,7 +6340,7 @@
           </a:prstGeom>
         </p:spPr>
         <p:txBody>
-          <a:bodyPr anchorCtr="0" anchor="t" bIns="91425" lIns="91425" spcFirstLastPara="1" rIns="91425" wrap="square" tIns="91425">
+          <a:bodyPr spcFirstLastPara="1" wrap="square" lIns="91425" tIns="91425" rIns="91425" bIns="91425" anchor="t" anchorCtr="0">
             <a:noAutofit/>
           </a:bodyPr>
           <a:lstStyle>
@@ -6426,15 +6444,19 @@
               <a:defRPr sz="2400"/>
             </a:lvl9pPr>
           </a:lstStyle>
-          <a:p/>
+          <a:p>
+            <a:endParaRPr/>
+          </a:p>
         </p:txBody>
       </p:sp>
       <p:sp>
         <p:nvSpPr>
           <p:cNvPr id="53" name="Google Shape;53;p5"/>
-          <p:cNvSpPr txBox="1"/>
+          <p:cNvSpPr txBox="1">
+            <a:spLocks noGrp="1"/>
+          </p:cNvSpPr>
           <p:nvPr>
-            <p:ph idx="1" type="body"/>
+            <p:ph type="body" idx="1"/>
           </p:nvPr>
         </p:nvSpPr>
         <p:spPr>
@@ -6447,11 +6469,11 @@
           </a:prstGeom>
         </p:spPr>
         <p:txBody>
-          <a:bodyPr anchorCtr="0" anchor="t" bIns="91425" lIns="91425" spcFirstLastPara="1" rIns="91425" wrap="square" tIns="91425">
+          <a:bodyPr spcFirstLastPara="1" wrap="square" lIns="91425" tIns="91425" rIns="91425" bIns="91425" anchor="t" anchorCtr="0">
             <a:noAutofit/>
           </a:bodyPr>
           <a:lstStyle>
-            <a:lvl1pPr indent="-311150" lvl="0" marL="457200">
+            <a:lvl1pPr marL="457200" lvl="0" indent="-311150">
               <a:spcBef>
                 <a:spcPts val="0"/>
               </a:spcBef>
@@ -6462,7 +6484,7 @@
               <a:buChar char="●"/>
               <a:defRPr/>
             </a:lvl1pPr>
-            <a:lvl2pPr indent="-298450" lvl="1" marL="914400">
+            <a:lvl2pPr marL="914400" lvl="1" indent="-298450">
               <a:spcBef>
                 <a:spcPts val="1600"/>
               </a:spcBef>
@@ -6473,7 +6495,7 @@
               <a:buChar char="○"/>
               <a:defRPr/>
             </a:lvl2pPr>
-            <a:lvl3pPr indent="-298450" lvl="2" marL="1371600">
+            <a:lvl3pPr marL="1371600" lvl="2" indent="-298450">
               <a:spcBef>
                 <a:spcPts val="1600"/>
               </a:spcBef>
@@ -6484,7 +6506,7 @@
               <a:buChar char="■"/>
               <a:defRPr/>
             </a:lvl3pPr>
-            <a:lvl4pPr indent="-298450" lvl="3" marL="1828800">
+            <a:lvl4pPr marL="1828800" lvl="3" indent="-298450">
               <a:spcBef>
                 <a:spcPts val="1600"/>
               </a:spcBef>
@@ -6495,7 +6517,7 @@
               <a:buChar char="●"/>
               <a:defRPr/>
             </a:lvl4pPr>
-            <a:lvl5pPr indent="-298450" lvl="4" marL="2286000">
+            <a:lvl5pPr marL="2286000" lvl="4" indent="-298450">
               <a:spcBef>
                 <a:spcPts val="1600"/>
               </a:spcBef>
@@ -6506,7 +6528,7 @@
               <a:buChar char="○"/>
               <a:defRPr/>
             </a:lvl5pPr>
-            <a:lvl6pPr indent="-298450" lvl="5" marL="2743200">
+            <a:lvl6pPr marL="2743200" lvl="5" indent="-298450">
               <a:spcBef>
                 <a:spcPts val="1600"/>
               </a:spcBef>
@@ -6517,7 +6539,7 @@
               <a:buChar char="■"/>
               <a:defRPr/>
             </a:lvl6pPr>
-            <a:lvl7pPr indent="-298450" lvl="6" marL="3200400">
+            <a:lvl7pPr marL="3200400" lvl="6" indent="-298450">
               <a:spcBef>
                 <a:spcPts val="1600"/>
               </a:spcBef>
@@ -6528,7 +6550,7 @@
               <a:buChar char="●"/>
               <a:defRPr/>
             </a:lvl7pPr>
-            <a:lvl8pPr indent="-298450" lvl="7" marL="3657600">
+            <a:lvl8pPr marL="3657600" lvl="7" indent="-298450">
               <a:spcBef>
                 <a:spcPts val="1600"/>
               </a:spcBef>
@@ -6539,7 +6561,7 @@
               <a:buChar char="○"/>
               <a:defRPr/>
             </a:lvl8pPr>
-            <a:lvl9pPr indent="-298450" lvl="8" marL="4114800">
+            <a:lvl9pPr marL="4114800" lvl="8" indent="-298450">
               <a:spcBef>
                 <a:spcPts val="1600"/>
               </a:spcBef>
@@ -6551,15 +6573,19 @@
               <a:defRPr/>
             </a:lvl9pPr>
           </a:lstStyle>
-          <a:p/>
+          <a:p>
+            <a:endParaRPr/>
+          </a:p>
         </p:txBody>
       </p:sp>
       <p:sp>
         <p:nvSpPr>
           <p:cNvPr id="54" name="Google Shape;54;p5"/>
-          <p:cNvSpPr txBox="1"/>
+          <p:cNvSpPr txBox="1">
+            <a:spLocks noGrp="1"/>
+          </p:cNvSpPr>
           <p:nvPr>
-            <p:ph idx="2" type="body"/>
+            <p:ph type="body" idx="2"/>
           </p:nvPr>
         </p:nvSpPr>
         <p:spPr>
@@ -6572,11 +6598,11 @@
           </a:prstGeom>
         </p:spPr>
         <p:txBody>
-          <a:bodyPr anchorCtr="0" anchor="t" bIns="91425" lIns="91425" spcFirstLastPara="1" rIns="91425" wrap="square" tIns="91425">
+          <a:bodyPr spcFirstLastPara="1" wrap="square" lIns="91425" tIns="91425" rIns="91425" bIns="91425" anchor="t" anchorCtr="0">
             <a:noAutofit/>
           </a:bodyPr>
           <a:lstStyle>
-            <a:lvl1pPr indent="-311150" lvl="0" marL="457200">
+            <a:lvl1pPr marL="457200" lvl="0" indent="-311150">
               <a:spcBef>
                 <a:spcPts val="0"/>
               </a:spcBef>
@@ -6587,7 +6613,7 @@
               <a:buChar char="●"/>
               <a:defRPr/>
             </a:lvl1pPr>
-            <a:lvl2pPr indent="-298450" lvl="1" marL="914400">
+            <a:lvl2pPr marL="914400" lvl="1" indent="-298450">
               <a:spcBef>
                 <a:spcPts val="1600"/>
               </a:spcBef>
@@ -6598,7 +6624,7 @@
               <a:buChar char="○"/>
               <a:defRPr/>
             </a:lvl2pPr>
-            <a:lvl3pPr indent="-298450" lvl="2" marL="1371600">
+            <a:lvl3pPr marL="1371600" lvl="2" indent="-298450">
               <a:spcBef>
                 <a:spcPts val="1600"/>
               </a:spcBef>
@@ -6609,7 +6635,7 @@
               <a:buChar char="■"/>
               <a:defRPr/>
             </a:lvl3pPr>
-            <a:lvl4pPr indent="-298450" lvl="3" marL="1828800">
+            <a:lvl4pPr marL="1828800" lvl="3" indent="-298450">
               <a:spcBef>
                 <a:spcPts val="1600"/>
               </a:spcBef>
@@ -6620,7 +6646,7 @@
               <a:buChar char="●"/>
               <a:defRPr/>
             </a:lvl4pPr>
-            <a:lvl5pPr indent="-298450" lvl="4" marL="2286000">
+            <a:lvl5pPr marL="2286000" lvl="4" indent="-298450">
               <a:spcBef>
                 <a:spcPts val="1600"/>
               </a:spcBef>
@@ -6631,7 +6657,7 @@
               <a:buChar char="○"/>
               <a:defRPr/>
             </a:lvl5pPr>
-            <a:lvl6pPr indent="-298450" lvl="5" marL="2743200">
+            <a:lvl6pPr marL="2743200" lvl="5" indent="-298450">
               <a:spcBef>
                 <a:spcPts val="1600"/>
               </a:spcBef>
@@ -6642,7 +6668,7 @@
               <a:buChar char="■"/>
               <a:defRPr/>
             </a:lvl6pPr>
-            <a:lvl7pPr indent="-298450" lvl="6" marL="3200400">
+            <a:lvl7pPr marL="3200400" lvl="6" indent="-298450">
               <a:spcBef>
                 <a:spcPts val="1600"/>
               </a:spcBef>
@@ -6653,7 +6679,7 @@
               <a:buChar char="●"/>
               <a:defRPr/>
             </a:lvl7pPr>
-            <a:lvl8pPr indent="-298450" lvl="7" marL="3657600">
+            <a:lvl8pPr marL="3657600" lvl="7" indent="-298450">
               <a:spcBef>
                 <a:spcPts val="1600"/>
               </a:spcBef>
@@ -6664,7 +6690,7 @@
               <a:buChar char="○"/>
               <a:defRPr/>
             </a:lvl8pPr>
-            <a:lvl9pPr indent="-298450" lvl="8" marL="4114800">
+            <a:lvl9pPr marL="4114800" lvl="8" indent="-298450">
               <a:spcBef>
                 <a:spcPts val="1600"/>
               </a:spcBef>
@@ -6676,15 +6702,19 @@
               <a:defRPr/>
             </a:lvl9pPr>
           </a:lstStyle>
-          <a:p/>
+          <a:p>
+            <a:endParaRPr/>
+          </a:p>
         </p:txBody>
       </p:sp>
       <p:sp>
         <p:nvSpPr>
           <p:cNvPr id="55" name="Google Shape;55;p5"/>
-          <p:cNvSpPr txBox="1"/>
+          <p:cNvSpPr txBox="1">
+            <a:spLocks noGrp="1"/>
+          </p:cNvSpPr>
           <p:nvPr>
-            <p:ph idx="12" type="sldNum"/>
+            <p:ph type="sldNum" idx="12"/>
           </p:nvPr>
         </p:nvSpPr>
         <p:spPr>
@@ -6697,7 +6727,7 @@
           </a:prstGeom>
         </p:spPr>
         <p:txBody>
-          <a:bodyPr anchorCtr="0" anchor="ctr" bIns="91425" lIns="91425" spcFirstLastPara="1" rIns="91425" wrap="square" tIns="91425">
+          <a:bodyPr spcFirstLastPara="1" wrap="square" lIns="91425" tIns="91425" rIns="91425" bIns="91425" anchor="ctr" anchorCtr="0">
             <a:noAutofit/>
           </a:bodyPr>
           <a:lstStyle>
@@ -6739,7 +6769,7 @@
             </a:lvl9pPr>
           </a:lstStyle>
           <a:p>
-            <a:pPr indent="0" lvl="0" marL="0" rtl="0" algn="r">
+            <a:pPr marL="0" lvl="0" indent="0" algn="r" rtl="0">
               <a:spcBef>
                 <a:spcPts val="0"/>
               </a:spcBef>
@@ -6765,11 +6795,11 @@
 </file>
 
 <file path=ppt/slideLayouts/slideLayout5.xml><?xml version="1.0" encoding="utf-8"?>
-<p:sldLayout xmlns:a="http://schemas.openxmlformats.org/drawingml/2006/main" xmlns:r="http://schemas.openxmlformats.org/officeDocument/2006/relationships" xmlns:mc="http://schemas.openxmlformats.org/markup-compatibility/2006" xmlns:mv="urn:schemas-microsoft-com:mac:vml" xmlns:p="http://schemas.openxmlformats.org/presentationml/2006/main" xmlns:c="http://schemas.openxmlformats.org/drawingml/2006/chart" xmlns:dgm="http://schemas.openxmlformats.org/drawingml/2006/diagram" xmlns:o="urn:schemas-microsoft-com:office:office" xmlns:v="urn:schemas-microsoft-com:vml" xmlns:pvml="urn:schemas-microsoft-com:office:powerpoint" xmlns:com="http://schemas.openxmlformats.org/drawingml/2006/compatibility" xmlns:p14="http://schemas.microsoft.com/office/powerpoint/2010/main" xmlns:p15="http://schemas.microsoft.com/office/powerpoint/2012/main" xmlns:ahyp="http://schemas.microsoft.com/office/drawing/2018/hyperlinkcolor" matchingName="Title only" type="titleOnly">
+<p:sldLayout xmlns:a="http://schemas.openxmlformats.org/drawingml/2006/main" xmlns:r="http://schemas.openxmlformats.org/officeDocument/2006/relationships" xmlns:p="http://schemas.openxmlformats.org/presentationml/2006/main" matchingName="Title only" type="titleOnly">
   <p:cSld name="TITLE_ONLY">
     <p:spTree>
       <p:nvGrpSpPr>
-        <p:cNvPr id="56" name="Shape 56"/>
+        <p:cNvPr id="1" name="Shape 56"/>
         <p:cNvGrpSpPr/>
         <p:nvPr/>
       </p:nvGrpSpPr>
@@ -6808,7 +6838,7 @@
             </a:xfrm>
             <a:prstGeom prst="diagStripe">
               <a:avLst>
-                <a:gd fmla="val 50000" name="adj"/>
+                <a:gd name="adj" fmla="val 50000"/>
               </a:avLst>
             </a:prstGeom>
             <a:solidFill>
@@ -6819,12 +6849,12 @@
             </a:ln>
           </p:spPr>
           <p:txBody>
-            <a:bodyPr anchorCtr="0" anchor="ctr" bIns="91425" lIns="91425" spcFirstLastPara="1" rIns="91425" wrap="square" tIns="91425">
+            <a:bodyPr spcFirstLastPara="1" wrap="square" lIns="91425" tIns="91425" rIns="91425" bIns="91425" anchor="ctr" anchorCtr="0">
               <a:noAutofit/>
             </a:bodyPr>
             <a:lstStyle/>
             <a:p>
-              <a:pPr indent="0" lvl="0" marL="0" rtl="0" algn="l">
+              <a:pPr marL="0" lvl="0" indent="0" algn="l" rtl="0">
                 <a:spcBef>
                   <a:spcPts val="0"/>
                 </a:spcBef>
@@ -6833,9 +6863,6 @@
                 </a:spcAft>
                 <a:buNone/>
               </a:pPr>
-              <a:r>
-                <a:t/>
-              </a:r>
               <a:endParaRPr/>
             </a:p>
           </p:txBody>
@@ -6853,7 +6880,7 @@
             </a:xfrm>
             <a:prstGeom prst="diagStripe">
               <a:avLst>
-                <a:gd fmla="val 50000" name="adj"/>
+                <a:gd name="adj" fmla="val 50000"/>
               </a:avLst>
             </a:prstGeom>
             <a:solidFill>
@@ -6864,12 +6891,12 @@
             </a:ln>
           </p:spPr>
           <p:txBody>
-            <a:bodyPr anchorCtr="0" anchor="ctr" bIns="91425" lIns="91425" spcFirstLastPara="1" rIns="91425" wrap="square" tIns="91425">
+            <a:bodyPr spcFirstLastPara="1" wrap="square" lIns="91425" tIns="91425" rIns="91425" bIns="91425" anchor="ctr" anchorCtr="0">
               <a:noAutofit/>
             </a:bodyPr>
             <a:lstStyle/>
             <a:p>
-              <a:pPr indent="0" lvl="0" marL="0" rtl="0" algn="l">
+              <a:pPr marL="0" lvl="0" indent="0" algn="l" rtl="0">
                 <a:spcBef>
                   <a:spcPts val="0"/>
                 </a:spcBef>
@@ -6878,9 +6905,6 @@
                 </a:spcAft>
                 <a:buNone/>
               </a:pPr>
-              <a:r>
-                <a:t/>
-              </a:r>
               <a:endParaRPr/>
             </a:p>
           </p:txBody>
@@ -6889,7 +6913,9 @@
       <p:sp>
         <p:nvSpPr>
           <p:cNvPr id="60" name="Google Shape;60;p6"/>
-          <p:cNvSpPr txBox="1"/>
+          <p:cNvSpPr txBox="1">
+            <a:spLocks noGrp="1"/>
+          </p:cNvSpPr>
           <p:nvPr>
             <p:ph type="title"/>
           </p:nvPr>
@@ -6904,7 +6930,7 @@
           </a:prstGeom>
         </p:spPr>
         <p:txBody>
-          <a:bodyPr anchorCtr="0" anchor="t" bIns="91425" lIns="91425" spcFirstLastPara="1" rIns="91425" wrap="square" tIns="91425">
+          <a:bodyPr spcFirstLastPara="1" wrap="square" lIns="91425" tIns="91425" rIns="91425" bIns="91425" anchor="t" anchorCtr="0">
             <a:noAutofit/>
           </a:bodyPr>
           <a:lstStyle>
@@ -7008,15 +7034,19 @@
               <a:defRPr sz="2400"/>
             </a:lvl9pPr>
           </a:lstStyle>
-          <a:p/>
+          <a:p>
+            <a:endParaRPr/>
+          </a:p>
         </p:txBody>
       </p:sp>
       <p:sp>
         <p:nvSpPr>
           <p:cNvPr id="61" name="Google Shape;61;p6"/>
-          <p:cNvSpPr txBox="1"/>
+          <p:cNvSpPr txBox="1">
+            <a:spLocks noGrp="1"/>
+          </p:cNvSpPr>
           <p:nvPr>
-            <p:ph idx="12" type="sldNum"/>
+            <p:ph type="sldNum" idx="12"/>
           </p:nvPr>
         </p:nvSpPr>
         <p:spPr>
@@ -7029,7 +7059,7 @@
           </a:prstGeom>
         </p:spPr>
         <p:txBody>
-          <a:bodyPr anchorCtr="0" anchor="ctr" bIns="91425" lIns="91425" spcFirstLastPara="1" rIns="91425" wrap="square" tIns="91425">
+          <a:bodyPr spcFirstLastPara="1" wrap="square" lIns="91425" tIns="91425" rIns="91425" bIns="91425" anchor="ctr" anchorCtr="0">
             <a:noAutofit/>
           </a:bodyPr>
           <a:lstStyle>
@@ -7071,7 +7101,7 @@
             </a:lvl9pPr>
           </a:lstStyle>
           <a:p>
-            <a:pPr indent="0" lvl="0" marL="0" rtl="0" algn="r">
+            <a:pPr marL="0" lvl="0" indent="0" algn="r" rtl="0">
               <a:spcBef>
                 <a:spcPts val="0"/>
               </a:spcBef>
@@ -7097,11 +7127,11 @@
 </file>
 
 <file path=ppt/slideLayouts/slideLayout6.xml><?xml version="1.0" encoding="utf-8"?>
-<p:sldLayout xmlns:a="http://schemas.openxmlformats.org/drawingml/2006/main" xmlns:r="http://schemas.openxmlformats.org/officeDocument/2006/relationships" xmlns:mc="http://schemas.openxmlformats.org/markup-compatibility/2006" xmlns:mv="urn:schemas-microsoft-com:mac:vml" xmlns:p="http://schemas.openxmlformats.org/presentationml/2006/main" xmlns:c="http://schemas.openxmlformats.org/drawingml/2006/chart" xmlns:dgm="http://schemas.openxmlformats.org/drawingml/2006/diagram" xmlns:o="urn:schemas-microsoft-com:office:office" xmlns:v="urn:schemas-microsoft-com:vml" xmlns:pvml="urn:schemas-microsoft-com:office:powerpoint" xmlns:com="http://schemas.openxmlformats.org/drawingml/2006/compatibility" xmlns:p14="http://schemas.microsoft.com/office/powerpoint/2010/main" xmlns:p15="http://schemas.microsoft.com/office/powerpoint/2012/main" xmlns:ahyp="http://schemas.microsoft.com/office/drawing/2018/hyperlinkcolor" matchingName="One column text">
+<p:sldLayout xmlns:a="http://schemas.openxmlformats.org/drawingml/2006/main" xmlns:r="http://schemas.openxmlformats.org/officeDocument/2006/relationships" xmlns:p="http://schemas.openxmlformats.org/presentationml/2006/main" matchingName="One column text">
   <p:cSld name="ONE_COLUMN_TEXT">
     <p:spTree>
       <p:nvGrpSpPr>
-        <p:cNvPr id="62" name="Shape 62"/>
+        <p:cNvPr id="1" name="Shape 62"/>
         <p:cNvGrpSpPr/>
         <p:nvPr/>
       </p:nvGrpSpPr>
@@ -7140,7 +7170,7 @@
             </a:xfrm>
             <a:prstGeom prst="diagStripe">
               <a:avLst>
-                <a:gd fmla="val 50000" name="adj"/>
+                <a:gd name="adj" fmla="val 50000"/>
               </a:avLst>
             </a:prstGeom>
             <a:solidFill>
@@ -7151,12 +7181,12 @@
             </a:ln>
           </p:spPr>
           <p:txBody>
-            <a:bodyPr anchorCtr="0" anchor="ctr" bIns="91425" lIns="91425" spcFirstLastPara="1" rIns="91425" wrap="square" tIns="91425">
+            <a:bodyPr spcFirstLastPara="1" wrap="square" lIns="91425" tIns="91425" rIns="91425" bIns="91425" anchor="ctr" anchorCtr="0">
               <a:noAutofit/>
             </a:bodyPr>
             <a:lstStyle/>
             <a:p>
-              <a:pPr indent="0" lvl="0" marL="0" rtl="0" algn="l">
+              <a:pPr marL="0" lvl="0" indent="0" algn="l" rtl="0">
                 <a:spcBef>
                   <a:spcPts val="0"/>
                 </a:spcBef>
@@ -7165,9 +7195,6 @@
                 </a:spcAft>
                 <a:buNone/>
               </a:pPr>
-              <a:r>
-                <a:t/>
-              </a:r>
               <a:endParaRPr/>
             </a:p>
           </p:txBody>
@@ -7185,7 +7212,7 @@
             </a:xfrm>
             <a:prstGeom prst="diagStripe">
               <a:avLst>
-                <a:gd fmla="val 50000" name="adj"/>
+                <a:gd name="adj" fmla="val 50000"/>
               </a:avLst>
             </a:prstGeom>
             <a:solidFill>
@@ -7196,12 +7223,12 @@
             </a:ln>
           </p:spPr>
           <p:txBody>
-            <a:bodyPr anchorCtr="0" anchor="ctr" bIns="91425" lIns="91425" spcFirstLastPara="1" rIns="91425" wrap="square" tIns="91425">
+            <a:bodyPr spcFirstLastPara="1" wrap="square" lIns="91425" tIns="91425" rIns="91425" bIns="91425" anchor="ctr" anchorCtr="0">
               <a:noAutofit/>
             </a:bodyPr>
             <a:lstStyle/>
             <a:p>
-              <a:pPr indent="0" lvl="0" marL="0" rtl="0" algn="l">
+              <a:pPr marL="0" lvl="0" indent="0" algn="l" rtl="0">
                 <a:spcBef>
                   <a:spcPts val="0"/>
                 </a:spcBef>
@@ -7210,9 +7237,6 @@
                 </a:spcAft>
                 <a:buNone/>
               </a:pPr>
-              <a:r>
-                <a:t/>
-              </a:r>
               <a:endParaRPr/>
             </a:p>
           </p:txBody>
@@ -7221,7 +7245,9 @@
       <p:sp>
         <p:nvSpPr>
           <p:cNvPr id="66" name="Google Shape;66;p7"/>
-          <p:cNvSpPr txBox="1"/>
+          <p:cNvSpPr txBox="1">
+            <a:spLocks noGrp="1"/>
+          </p:cNvSpPr>
           <p:nvPr>
             <p:ph type="title"/>
           </p:nvPr>
@@ -7236,7 +7262,7 @@
           </a:prstGeom>
         </p:spPr>
         <p:txBody>
-          <a:bodyPr anchorCtr="0" anchor="t" bIns="91425" lIns="91425" spcFirstLastPara="1" rIns="91425" wrap="square" tIns="91425">
+          <a:bodyPr spcFirstLastPara="1" wrap="square" lIns="91425" tIns="91425" rIns="91425" bIns="91425" anchor="t" anchorCtr="0">
             <a:noAutofit/>
           </a:bodyPr>
           <a:lstStyle>
@@ -7340,15 +7366,19 @@
               <a:defRPr sz="2400"/>
             </a:lvl9pPr>
           </a:lstStyle>
-          <a:p/>
+          <a:p>
+            <a:endParaRPr/>
+          </a:p>
         </p:txBody>
       </p:sp>
       <p:sp>
         <p:nvSpPr>
           <p:cNvPr id="67" name="Google Shape;67;p7"/>
-          <p:cNvSpPr txBox="1"/>
+          <p:cNvSpPr txBox="1">
+            <a:spLocks noGrp="1"/>
+          </p:cNvSpPr>
           <p:nvPr>
-            <p:ph idx="1" type="body"/>
+            <p:ph type="body" idx="1"/>
           </p:nvPr>
         </p:nvSpPr>
         <p:spPr>
@@ -7361,11 +7391,11 @@
           </a:prstGeom>
         </p:spPr>
         <p:txBody>
-          <a:bodyPr anchorCtr="0" anchor="t" bIns="91425" lIns="91425" spcFirstLastPara="1" rIns="91425" wrap="square" tIns="91425">
+          <a:bodyPr spcFirstLastPara="1" wrap="square" lIns="91425" tIns="91425" rIns="91425" bIns="91425" anchor="t" anchorCtr="0">
             <a:noAutofit/>
           </a:bodyPr>
           <a:lstStyle>
-            <a:lvl1pPr indent="-311150" lvl="0" marL="457200">
+            <a:lvl1pPr marL="457200" lvl="0" indent="-311150">
               <a:spcBef>
                 <a:spcPts val="0"/>
               </a:spcBef>
@@ -7376,7 +7406,7 @@
               <a:buChar char="●"/>
               <a:defRPr/>
             </a:lvl1pPr>
-            <a:lvl2pPr indent="-298450" lvl="1" marL="914400">
+            <a:lvl2pPr marL="914400" lvl="1" indent="-298450">
               <a:spcBef>
                 <a:spcPts val="1600"/>
               </a:spcBef>
@@ -7387,7 +7417,7 @@
               <a:buChar char="○"/>
               <a:defRPr/>
             </a:lvl2pPr>
-            <a:lvl3pPr indent="-298450" lvl="2" marL="1371600">
+            <a:lvl3pPr marL="1371600" lvl="2" indent="-298450">
               <a:spcBef>
                 <a:spcPts val="1600"/>
               </a:spcBef>
@@ -7398,7 +7428,7 @@
               <a:buChar char="■"/>
               <a:defRPr/>
             </a:lvl3pPr>
-            <a:lvl4pPr indent="-298450" lvl="3" marL="1828800">
+            <a:lvl4pPr marL="1828800" lvl="3" indent="-298450">
               <a:spcBef>
                 <a:spcPts val="1600"/>
               </a:spcBef>
@@ -7409,7 +7439,7 @@
               <a:buChar char="●"/>
               <a:defRPr/>
             </a:lvl4pPr>
-            <a:lvl5pPr indent="-298450" lvl="4" marL="2286000">
+            <a:lvl5pPr marL="2286000" lvl="4" indent="-298450">
               <a:spcBef>
                 <a:spcPts val="1600"/>
               </a:spcBef>
@@ -7420,7 +7450,7 @@
               <a:buChar char="○"/>
               <a:defRPr/>
             </a:lvl5pPr>
-            <a:lvl6pPr indent="-298450" lvl="5" marL="2743200">
+            <a:lvl6pPr marL="2743200" lvl="5" indent="-298450">
               <a:spcBef>
                 <a:spcPts val="1600"/>
               </a:spcBef>
@@ -7431,7 +7461,7 @@
               <a:buChar char="■"/>
               <a:defRPr/>
             </a:lvl6pPr>
-            <a:lvl7pPr indent="-298450" lvl="6" marL="3200400">
+            <a:lvl7pPr marL="3200400" lvl="6" indent="-298450">
               <a:spcBef>
                 <a:spcPts val="1600"/>
               </a:spcBef>
@@ -7442,7 +7472,7 @@
               <a:buChar char="●"/>
               <a:defRPr/>
             </a:lvl7pPr>
-            <a:lvl8pPr indent="-298450" lvl="7" marL="3657600">
+            <a:lvl8pPr marL="3657600" lvl="7" indent="-298450">
               <a:spcBef>
                 <a:spcPts val="1600"/>
               </a:spcBef>
@@ -7453,7 +7483,7 @@
               <a:buChar char="○"/>
               <a:defRPr/>
             </a:lvl8pPr>
-            <a:lvl9pPr indent="-298450" lvl="8" marL="4114800">
+            <a:lvl9pPr marL="4114800" lvl="8" indent="-298450">
               <a:spcBef>
                 <a:spcPts val="1600"/>
               </a:spcBef>
@@ -7465,15 +7495,19 @@
               <a:defRPr/>
             </a:lvl9pPr>
           </a:lstStyle>
-          <a:p/>
+          <a:p>
+            <a:endParaRPr/>
+          </a:p>
         </p:txBody>
       </p:sp>
       <p:sp>
         <p:nvSpPr>
           <p:cNvPr id="68" name="Google Shape;68;p7"/>
-          <p:cNvSpPr txBox="1"/>
+          <p:cNvSpPr txBox="1">
+            <a:spLocks noGrp="1"/>
+          </p:cNvSpPr>
           <p:nvPr>
-            <p:ph idx="12" type="sldNum"/>
+            <p:ph type="sldNum" idx="12"/>
           </p:nvPr>
         </p:nvSpPr>
         <p:spPr>
@@ -7486,7 +7520,7 @@
           </a:prstGeom>
         </p:spPr>
         <p:txBody>
-          <a:bodyPr anchorCtr="0" anchor="ctr" bIns="91425" lIns="91425" spcFirstLastPara="1" rIns="91425" wrap="square" tIns="91425">
+          <a:bodyPr spcFirstLastPara="1" wrap="square" lIns="91425" tIns="91425" rIns="91425" bIns="91425" anchor="ctr" anchorCtr="0">
             <a:noAutofit/>
           </a:bodyPr>
           <a:lstStyle>
@@ -7528,7 +7562,7 @@
             </a:lvl9pPr>
           </a:lstStyle>
           <a:p>
-            <a:pPr indent="0" lvl="0" marL="0" rtl="0" algn="r">
+            <a:pPr marL="0" lvl="0" indent="0" algn="r" rtl="0">
               <a:spcBef>
                 <a:spcPts val="0"/>
               </a:spcBef>
@@ -7554,11 +7588,11 @@
 </file>
 
 <file path=ppt/slideLayouts/slideLayout7.xml><?xml version="1.0" encoding="utf-8"?>
-<p:sldLayout xmlns:a="http://schemas.openxmlformats.org/drawingml/2006/main" xmlns:r="http://schemas.openxmlformats.org/officeDocument/2006/relationships" xmlns:mc="http://schemas.openxmlformats.org/markup-compatibility/2006" xmlns:mv="urn:schemas-microsoft-com:mac:vml" xmlns:p="http://schemas.openxmlformats.org/presentationml/2006/main" xmlns:c="http://schemas.openxmlformats.org/drawingml/2006/chart" xmlns:dgm="http://schemas.openxmlformats.org/drawingml/2006/diagram" xmlns:o="urn:schemas-microsoft-com:office:office" xmlns:v="urn:schemas-microsoft-com:vml" xmlns:pvml="urn:schemas-microsoft-com:office:powerpoint" xmlns:com="http://schemas.openxmlformats.org/drawingml/2006/compatibility" xmlns:p14="http://schemas.microsoft.com/office/powerpoint/2010/main" xmlns:p15="http://schemas.microsoft.com/office/powerpoint/2012/main" xmlns:ahyp="http://schemas.microsoft.com/office/drawing/2018/hyperlinkcolor" matchingName="Main point">
+<p:sldLayout xmlns:a="http://schemas.openxmlformats.org/drawingml/2006/main" xmlns:r="http://schemas.openxmlformats.org/officeDocument/2006/relationships" xmlns:p="http://schemas.openxmlformats.org/presentationml/2006/main" matchingName="Main point">
   <p:cSld name="MAIN_POINT">
     <p:spTree>
       <p:nvGrpSpPr>
-        <p:cNvPr id="69" name="Shape 69"/>
+        <p:cNvPr id="1" name="Shape 69"/>
         <p:cNvGrpSpPr/>
         <p:nvPr/>
       </p:nvGrpSpPr>
@@ -7597,7 +7631,7 @@
             </a:xfrm>
             <a:prstGeom prst="diagStripe">
               <a:avLst>
-                <a:gd fmla="val 49469" name="adj"/>
+                <a:gd name="adj" fmla="val 49469"/>
               </a:avLst>
             </a:prstGeom>
             <a:solidFill>
@@ -7610,12 +7644,12 @@
             </a:ln>
           </p:spPr>
           <p:txBody>
-            <a:bodyPr anchorCtr="0" anchor="ctr" bIns="91425" lIns="91425" spcFirstLastPara="1" rIns="91425" wrap="square" tIns="91425">
+            <a:bodyPr spcFirstLastPara="1" wrap="square" lIns="91425" tIns="91425" rIns="91425" bIns="91425" anchor="ctr" anchorCtr="0">
               <a:noAutofit/>
             </a:bodyPr>
             <a:lstStyle/>
             <a:p>
-              <a:pPr indent="0" lvl="0" marL="0" rtl="0" algn="l">
+              <a:pPr marL="0" lvl="0" indent="0" algn="l" rtl="0">
                 <a:spcBef>
                   <a:spcPts val="0"/>
                 </a:spcBef>
@@ -7624,9 +7658,6 @@
                 </a:spcAft>
                 <a:buNone/>
               </a:pPr>
-              <a:r>
-                <a:t/>
-              </a:r>
               <a:endParaRPr/>
             </a:p>
           </p:txBody>
@@ -7644,7 +7675,7 @@
             </a:xfrm>
             <a:prstGeom prst="diagStripe">
               <a:avLst>
-                <a:gd fmla="val 0" name="adj"/>
+                <a:gd name="adj" fmla="val 0"/>
               </a:avLst>
             </a:prstGeom>
             <a:solidFill>
@@ -7657,12 +7688,12 @@
             </a:ln>
           </p:spPr>
           <p:txBody>
-            <a:bodyPr anchorCtr="0" anchor="ctr" bIns="91425" lIns="91425" spcFirstLastPara="1" rIns="91425" wrap="square" tIns="91425">
+            <a:bodyPr spcFirstLastPara="1" wrap="square" lIns="91425" tIns="91425" rIns="91425" bIns="91425" anchor="ctr" anchorCtr="0">
               <a:noAutofit/>
             </a:bodyPr>
             <a:lstStyle/>
             <a:p>
-              <a:pPr indent="0" lvl="0" marL="0" rtl="0" algn="l">
+              <a:pPr marL="0" lvl="0" indent="0" algn="l" rtl="0">
                 <a:spcBef>
                   <a:spcPts val="0"/>
                 </a:spcBef>
@@ -7671,9 +7702,6 @@
                 </a:spcAft>
                 <a:buNone/>
               </a:pPr>
-              <a:r>
-                <a:t/>
-              </a:r>
               <a:endParaRPr/>
             </a:p>
           </p:txBody>
@@ -7691,7 +7719,7 @@
             </a:xfrm>
             <a:prstGeom prst="diagStripe">
               <a:avLst>
-                <a:gd fmla="val 50000" name="adj"/>
+                <a:gd name="adj" fmla="val 50000"/>
               </a:avLst>
             </a:prstGeom>
             <a:solidFill>
@@ -7704,12 +7732,12 @@
             </a:ln>
           </p:spPr>
           <p:txBody>
-            <a:bodyPr anchorCtr="0" anchor="ctr" bIns="91425" lIns="91425" spcFirstLastPara="1" rIns="91425" wrap="square" tIns="91425">
+            <a:bodyPr spcFirstLastPara="1" wrap="square" lIns="91425" tIns="91425" rIns="91425" bIns="91425" anchor="ctr" anchorCtr="0">
               <a:noAutofit/>
             </a:bodyPr>
             <a:lstStyle/>
             <a:p>
-              <a:pPr indent="0" lvl="0" marL="0" rtl="0" algn="l">
+              <a:pPr marL="0" lvl="0" indent="0" algn="l" rtl="0">
                 <a:spcBef>
                   <a:spcPts val="0"/>
                 </a:spcBef>
@@ -7718,9 +7746,6 @@
                 </a:spcAft>
                 <a:buNone/>
               </a:pPr>
-              <a:r>
-                <a:t/>
-              </a:r>
               <a:endParaRPr/>
             </a:p>
           </p:txBody>
@@ -7738,7 +7763,7 @@
             </a:xfrm>
             <a:prstGeom prst="diagStripe">
               <a:avLst>
-                <a:gd fmla="val 50000" name="adj"/>
+                <a:gd name="adj" fmla="val 50000"/>
               </a:avLst>
             </a:prstGeom>
             <a:solidFill>
@@ -7751,12 +7776,12 @@
             </a:ln>
           </p:spPr>
           <p:txBody>
-            <a:bodyPr anchorCtr="0" anchor="ctr" bIns="91425" lIns="91425" spcFirstLastPara="1" rIns="91425" wrap="square" tIns="91425">
+            <a:bodyPr spcFirstLastPara="1" wrap="square" lIns="91425" tIns="91425" rIns="91425" bIns="91425" anchor="ctr" anchorCtr="0">
               <a:noAutofit/>
             </a:bodyPr>
             <a:lstStyle/>
             <a:p>
-              <a:pPr indent="0" lvl="0" marL="0" rtl="0" algn="l">
+              <a:pPr marL="0" lvl="0" indent="0" algn="l" rtl="0">
                 <a:spcBef>
                   <a:spcPts val="0"/>
                 </a:spcBef>
@@ -7765,9 +7790,6 @@
                 </a:spcAft>
                 <a:buNone/>
               </a:pPr>
-              <a:r>
-                <a:t/>
-              </a:r>
               <a:endParaRPr/>
             </a:p>
           </p:txBody>
@@ -7785,7 +7807,7 @@
             </a:xfrm>
             <a:prstGeom prst="diagStripe">
               <a:avLst>
-                <a:gd fmla="val 50000" name="adj"/>
+                <a:gd name="adj" fmla="val 50000"/>
               </a:avLst>
             </a:prstGeom>
             <a:solidFill>
@@ -7798,12 +7820,12 @@
             </a:ln>
           </p:spPr>
           <p:txBody>
-            <a:bodyPr anchorCtr="0" anchor="ctr" bIns="91425" lIns="91425" spcFirstLastPara="1" rIns="91425" wrap="square" tIns="91425">
+            <a:bodyPr spcFirstLastPara="1" wrap="square" lIns="91425" tIns="91425" rIns="91425" bIns="91425" anchor="ctr" anchorCtr="0">
               <a:noAutofit/>
             </a:bodyPr>
             <a:lstStyle/>
             <a:p>
-              <a:pPr indent="0" lvl="0" marL="0" rtl="0" algn="l">
+              <a:pPr marL="0" lvl="0" indent="0" algn="l" rtl="0">
                 <a:spcBef>
                   <a:spcPts val="0"/>
                 </a:spcBef>
@@ -7812,9 +7834,6 @@
                 </a:spcAft>
                 <a:buNone/>
               </a:pPr>
-              <a:r>
-                <a:t/>
-              </a:r>
               <a:endParaRPr/>
             </a:p>
           </p:txBody>
@@ -7832,7 +7851,7 @@
             </a:xfrm>
             <a:prstGeom prst="diagStripe">
               <a:avLst>
-                <a:gd fmla="val 50000" name="adj"/>
+                <a:gd name="adj" fmla="val 50000"/>
               </a:avLst>
             </a:prstGeom>
             <a:solidFill>
@@ -7845,12 +7864,12 @@
             </a:ln>
           </p:spPr>
           <p:txBody>
-            <a:bodyPr anchorCtr="0" anchor="ctr" bIns="91425" lIns="91425" spcFirstLastPara="1" rIns="91425" wrap="square" tIns="91425">
+            <a:bodyPr spcFirstLastPara="1" wrap="square" lIns="91425" tIns="91425" rIns="91425" bIns="91425" anchor="ctr" anchorCtr="0">
               <a:noAutofit/>
             </a:bodyPr>
             <a:lstStyle/>
             <a:p>
-              <a:pPr indent="0" lvl="0" marL="0" rtl="0" algn="l">
+              <a:pPr marL="0" lvl="0" indent="0" algn="l" rtl="0">
                 <a:spcBef>
                   <a:spcPts val="0"/>
                 </a:spcBef>
@@ -7859,9 +7878,6 @@
                 </a:spcAft>
                 <a:buNone/>
               </a:pPr>
-              <a:r>
-                <a:t/>
-              </a:r>
               <a:endParaRPr/>
             </a:p>
           </p:txBody>
@@ -7879,7 +7895,7 @@
             </a:xfrm>
             <a:prstGeom prst="diagStripe">
               <a:avLst>
-                <a:gd fmla="val 50000" name="adj"/>
+                <a:gd name="adj" fmla="val 50000"/>
               </a:avLst>
             </a:prstGeom>
             <a:solidFill>
@@ -7892,12 +7908,12 @@
             </a:ln>
           </p:spPr>
           <p:txBody>
-            <a:bodyPr anchorCtr="0" anchor="ctr" bIns="91425" lIns="91425" spcFirstLastPara="1" rIns="91425" wrap="square" tIns="91425">
+            <a:bodyPr spcFirstLastPara="1" wrap="square" lIns="91425" tIns="91425" rIns="91425" bIns="91425" anchor="ctr" anchorCtr="0">
               <a:noAutofit/>
             </a:bodyPr>
             <a:lstStyle/>
             <a:p>
-              <a:pPr indent="0" lvl="0" marL="0" rtl="0" algn="l">
+              <a:pPr marL="0" lvl="0" indent="0" algn="l" rtl="0">
                 <a:spcBef>
                   <a:spcPts val="0"/>
                 </a:spcBef>
@@ -7906,9 +7922,6 @@
                 </a:spcAft>
                 <a:buNone/>
               </a:pPr>
-              <a:r>
-                <a:t/>
-              </a:r>
               <a:endParaRPr/>
             </a:p>
           </p:txBody>
@@ -7926,7 +7939,7 @@
             </a:xfrm>
             <a:prstGeom prst="diagStripe">
               <a:avLst>
-                <a:gd fmla="val 50000" name="adj"/>
+                <a:gd name="adj" fmla="val 50000"/>
               </a:avLst>
             </a:prstGeom>
             <a:solidFill>
@@ -7937,12 +7950,12 @@
             </a:ln>
           </p:spPr>
           <p:txBody>
-            <a:bodyPr anchorCtr="0" anchor="ctr" bIns="91425" lIns="91425" spcFirstLastPara="1" rIns="91425" wrap="square" tIns="91425">
+            <a:bodyPr spcFirstLastPara="1" wrap="square" lIns="91425" tIns="91425" rIns="91425" bIns="91425" anchor="ctr" anchorCtr="0">
               <a:noAutofit/>
             </a:bodyPr>
             <a:lstStyle/>
             <a:p>
-              <a:pPr indent="0" lvl="0" marL="0" rtl="0" algn="l">
+              <a:pPr marL="0" lvl="0" indent="0" algn="l" rtl="0">
                 <a:spcBef>
                   <a:spcPts val="0"/>
                 </a:spcBef>
@@ -7951,9 +7964,6 @@
                 </a:spcAft>
                 <a:buNone/>
               </a:pPr>
-              <a:r>
-                <a:t/>
-              </a:r>
               <a:endParaRPr/>
             </a:p>
           </p:txBody>
@@ -7971,7 +7981,7 @@
             </a:xfrm>
             <a:prstGeom prst="diagStripe">
               <a:avLst>
-                <a:gd fmla="val 50000" name="adj"/>
+                <a:gd name="adj" fmla="val 50000"/>
               </a:avLst>
             </a:prstGeom>
             <a:solidFill>
@@ -7984,12 +7994,12 @@
             </a:ln>
           </p:spPr>
           <p:txBody>
-            <a:bodyPr anchorCtr="0" anchor="ctr" bIns="91425" lIns="91425" spcFirstLastPara="1" rIns="91425" wrap="square" tIns="91425">
+            <a:bodyPr spcFirstLastPara="1" wrap="square" lIns="91425" tIns="91425" rIns="91425" bIns="91425" anchor="ctr" anchorCtr="0">
               <a:noAutofit/>
             </a:bodyPr>
             <a:lstStyle/>
             <a:p>
-              <a:pPr indent="0" lvl="0" marL="0" rtl="0" algn="l">
+              <a:pPr marL="0" lvl="0" indent="0" algn="l" rtl="0">
                 <a:spcBef>
                   <a:spcPts val="0"/>
                 </a:spcBef>
@@ -7998,9 +8008,6 @@
                 </a:spcAft>
                 <a:buNone/>
               </a:pPr>
-              <a:r>
-                <a:t/>
-              </a:r>
               <a:endParaRPr/>
             </a:p>
           </p:txBody>
@@ -8018,7 +8025,7 @@
             </a:xfrm>
             <a:prstGeom prst="diagStripe">
               <a:avLst>
-                <a:gd fmla="val 50000" name="adj"/>
+                <a:gd name="adj" fmla="val 50000"/>
               </a:avLst>
             </a:prstGeom>
             <a:solidFill>
@@ -8031,12 +8038,12 @@
             </a:ln>
           </p:spPr>
           <p:txBody>
-            <a:bodyPr anchorCtr="0" anchor="ctr" bIns="91425" lIns="91425" spcFirstLastPara="1" rIns="91425" wrap="square" tIns="91425">
+            <a:bodyPr spcFirstLastPara="1" wrap="square" lIns="91425" tIns="91425" rIns="91425" bIns="91425" anchor="ctr" anchorCtr="0">
               <a:noAutofit/>
             </a:bodyPr>
             <a:lstStyle/>
             <a:p>
-              <a:pPr indent="0" lvl="0" marL="0" rtl="0" algn="l">
+              <a:pPr marL="0" lvl="0" indent="0" algn="l" rtl="0">
                 <a:spcBef>
                   <a:spcPts val="0"/>
                 </a:spcBef>
@@ -8045,9 +8052,6 @@
                 </a:spcAft>
                 <a:buNone/>
               </a:pPr>
-              <a:r>
-                <a:t/>
-              </a:r>
               <a:endParaRPr/>
             </a:p>
           </p:txBody>
@@ -8065,7 +8069,7 @@
             </a:xfrm>
             <a:prstGeom prst="diagStripe">
               <a:avLst>
-                <a:gd fmla="val 50000" name="adj"/>
+                <a:gd name="adj" fmla="val 50000"/>
               </a:avLst>
             </a:prstGeom>
             <a:solidFill>
@@ -8078,12 +8082,12 @@
             </a:ln>
           </p:spPr>
           <p:txBody>
-            <a:bodyPr anchorCtr="0" anchor="ctr" bIns="91425" lIns="91425" spcFirstLastPara="1" rIns="91425" wrap="square" tIns="91425">
+            <a:bodyPr spcFirstLastPara="1" wrap="square" lIns="91425" tIns="91425" rIns="91425" bIns="91425" anchor="ctr" anchorCtr="0">
               <a:noAutofit/>
             </a:bodyPr>
             <a:lstStyle/>
             <a:p>
-              <a:pPr indent="0" lvl="0" marL="0" rtl="0" algn="l">
+              <a:pPr marL="0" lvl="0" indent="0" algn="l" rtl="0">
                 <a:spcBef>
                   <a:spcPts val="0"/>
                 </a:spcBef>
@@ -8092,9 +8096,6 @@
                 </a:spcAft>
                 <a:buNone/>
               </a:pPr>
-              <a:r>
-                <a:t/>
-              </a:r>
               <a:endParaRPr/>
             </a:p>
           </p:txBody>
@@ -8112,7 +8113,7 @@
             </a:xfrm>
             <a:prstGeom prst="diagStripe">
               <a:avLst>
-                <a:gd fmla="val 50000" name="adj"/>
+                <a:gd name="adj" fmla="val 50000"/>
               </a:avLst>
             </a:prstGeom>
             <a:solidFill>
@@ -8125,12 +8126,12 @@
             </a:ln>
           </p:spPr>
           <p:txBody>
-            <a:bodyPr anchorCtr="0" anchor="ctr" bIns="91425" lIns="91425" spcFirstLastPara="1" rIns="91425" wrap="square" tIns="91425">
+            <a:bodyPr spcFirstLastPara="1" wrap="square" lIns="91425" tIns="91425" rIns="91425" bIns="91425" anchor="ctr" anchorCtr="0">
               <a:noAutofit/>
             </a:bodyPr>
             <a:lstStyle/>
             <a:p>
-              <a:pPr indent="0" lvl="0" marL="0" rtl="0" algn="l">
+              <a:pPr marL="0" lvl="0" indent="0" algn="l" rtl="0">
                 <a:spcBef>
                   <a:spcPts val="0"/>
                 </a:spcBef>
@@ -8139,9 +8140,6 @@
                 </a:spcAft>
                 <a:buNone/>
               </a:pPr>
-              <a:r>
-                <a:t/>
-              </a:r>
               <a:endParaRPr/>
             </a:p>
           </p:txBody>
@@ -8159,7 +8157,7 @@
             </a:xfrm>
             <a:prstGeom prst="diagStripe">
               <a:avLst>
-                <a:gd fmla="val 50000" name="adj"/>
+                <a:gd name="adj" fmla="val 50000"/>
               </a:avLst>
             </a:prstGeom>
             <a:solidFill>
@@ -8172,12 +8170,12 @@
             </a:ln>
           </p:spPr>
           <p:txBody>
-            <a:bodyPr anchorCtr="0" anchor="ctr" bIns="91425" lIns="91425" spcFirstLastPara="1" rIns="91425" wrap="square" tIns="91425">
+            <a:bodyPr spcFirstLastPara="1" wrap="square" lIns="91425" tIns="91425" rIns="91425" bIns="91425" anchor="ctr" anchorCtr="0">
               <a:noAutofit/>
             </a:bodyPr>
             <a:lstStyle/>
             <a:p>
-              <a:pPr indent="0" lvl="0" marL="0" rtl="0" algn="l">
+              <a:pPr marL="0" lvl="0" indent="0" algn="l" rtl="0">
                 <a:spcBef>
                   <a:spcPts val="0"/>
                 </a:spcBef>
@@ -8186,9 +8184,6 @@
                 </a:spcAft>
                 <a:buNone/>
               </a:pPr>
-              <a:r>
-                <a:t/>
-              </a:r>
               <a:endParaRPr/>
             </a:p>
           </p:txBody>
@@ -8206,7 +8201,7 @@
             </a:xfrm>
             <a:prstGeom prst="diagStripe">
               <a:avLst>
-                <a:gd fmla="val 50000" name="adj"/>
+                <a:gd name="adj" fmla="val 50000"/>
               </a:avLst>
             </a:prstGeom>
             <a:solidFill>
@@ -8217,12 +8212,12 @@
             </a:ln>
           </p:spPr>
           <p:txBody>
-            <a:bodyPr anchorCtr="0" anchor="ctr" bIns="91425" lIns="91425" spcFirstLastPara="1" rIns="91425" wrap="square" tIns="91425">
+            <a:bodyPr spcFirstLastPara="1" wrap="square" lIns="91425" tIns="91425" rIns="91425" bIns="91425" anchor="ctr" anchorCtr="0">
               <a:noAutofit/>
             </a:bodyPr>
             <a:lstStyle/>
             <a:p>
-              <a:pPr indent="0" lvl="0" marL="0" rtl="0" algn="l">
+              <a:pPr marL="0" lvl="0" indent="0" algn="l" rtl="0">
                 <a:spcBef>
                   <a:spcPts val="0"/>
                 </a:spcBef>
@@ -8231,9 +8226,6 @@
                 </a:spcAft>
                 <a:buNone/>
               </a:pPr>
-              <a:r>
-                <a:t/>
-              </a:r>
               <a:endParaRPr/>
             </a:p>
           </p:txBody>
@@ -8251,7 +8243,7 @@
             </a:xfrm>
             <a:prstGeom prst="diagStripe">
               <a:avLst>
-                <a:gd fmla="val 50000" name="adj"/>
+                <a:gd name="adj" fmla="val 50000"/>
               </a:avLst>
             </a:prstGeom>
             <a:solidFill>
@@ -8264,12 +8256,12 @@
             </a:ln>
           </p:spPr>
           <p:txBody>
-            <a:bodyPr anchorCtr="0" anchor="ctr" bIns="91425" lIns="91425" spcFirstLastPara="1" rIns="91425" wrap="square" tIns="91425">
+            <a:bodyPr spcFirstLastPara="1" wrap="square" lIns="91425" tIns="91425" rIns="91425" bIns="91425" anchor="ctr" anchorCtr="0">
               <a:noAutofit/>
             </a:bodyPr>
             <a:lstStyle/>
             <a:p>
-              <a:pPr indent="0" lvl="0" marL="0" rtl="0" algn="l">
+              <a:pPr marL="0" lvl="0" indent="0" algn="l" rtl="0">
                 <a:spcBef>
                   <a:spcPts val="0"/>
                 </a:spcBef>
@@ -8278,9 +8270,6 @@
                 </a:spcAft>
                 <a:buNone/>
               </a:pPr>
-              <a:r>
-                <a:t/>
-              </a:r>
               <a:endParaRPr/>
             </a:p>
           </p:txBody>
@@ -8298,7 +8287,7 @@
             </a:xfrm>
             <a:prstGeom prst="diagStripe">
               <a:avLst>
-                <a:gd fmla="val 50000" name="adj"/>
+                <a:gd name="adj" fmla="val 50000"/>
               </a:avLst>
             </a:prstGeom>
             <a:solidFill>
@@ -8311,12 +8300,12 @@
             </a:ln>
           </p:spPr>
           <p:txBody>
-            <a:bodyPr anchorCtr="0" anchor="ctr" bIns="91425" lIns="91425" spcFirstLastPara="1" rIns="91425" wrap="square" tIns="91425">
+            <a:bodyPr spcFirstLastPara="1" wrap="square" lIns="91425" tIns="91425" rIns="91425" bIns="91425" anchor="ctr" anchorCtr="0">
               <a:noAutofit/>
             </a:bodyPr>
             <a:lstStyle/>
             <a:p>
-              <a:pPr indent="0" lvl="0" marL="0" rtl="0" algn="l">
+              <a:pPr marL="0" lvl="0" indent="0" algn="l" rtl="0">
                 <a:spcBef>
                   <a:spcPts val="0"/>
                 </a:spcBef>
@@ -8325,9 +8314,6 @@
                 </a:spcAft>
                 <a:buNone/>
               </a:pPr>
-              <a:r>
-                <a:t/>
-              </a:r>
               <a:endParaRPr/>
             </a:p>
           </p:txBody>
@@ -8345,7 +8331,7 @@
             </a:xfrm>
             <a:prstGeom prst="diagStripe">
               <a:avLst>
-                <a:gd fmla="val 50000" name="adj"/>
+                <a:gd name="adj" fmla="val 50000"/>
               </a:avLst>
             </a:prstGeom>
             <a:solidFill>
@@ -8358,12 +8344,12 @@
             </a:ln>
           </p:spPr>
           <p:txBody>
-            <a:bodyPr anchorCtr="0" anchor="ctr" bIns="91425" lIns="91425" spcFirstLastPara="1" rIns="91425" wrap="square" tIns="91425">
+            <a:bodyPr spcFirstLastPara="1" wrap="square" lIns="91425" tIns="91425" rIns="91425" bIns="91425" anchor="ctr" anchorCtr="0">
               <a:noAutofit/>
             </a:bodyPr>
             <a:lstStyle/>
             <a:p>
-              <a:pPr indent="0" lvl="0" marL="0" rtl="0" algn="l">
+              <a:pPr marL="0" lvl="0" indent="0" algn="l" rtl="0">
                 <a:spcBef>
                   <a:spcPts val="0"/>
                 </a:spcBef>
@@ -8372,9 +8358,6 @@
                 </a:spcAft>
                 <a:buNone/>
               </a:pPr>
-              <a:r>
-                <a:t/>
-              </a:r>
               <a:endParaRPr/>
             </a:p>
           </p:txBody>
@@ -8392,7 +8375,7 @@
             </a:xfrm>
             <a:prstGeom prst="diagStripe">
               <a:avLst>
-                <a:gd fmla="val 50000" name="adj"/>
+                <a:gd name="adj" fmla="val 50000"/>
               </a:avLst>
             </a:prstGeom>
             <a:solidFill>
@@ -8405,12 +8388,12 @@
             </a:ln>
           </p:spPr>
           <p:txBody>
-            <a:bodyPr anchorCtr="0" anchor="ctr" bIns="91425" lIns="91425" spcFirstLastPara="1" rIns="91425" wrap="square" tIns="91425">
+            <a:bodyPr spcFirstLastPara="1" wrap="square" lIns="91425" tIns="91425" rIns="91425" bIns="91425" anchor="ctr" anchorCtr="0">
               <a:noAutofit/>
             </a:bodyPr>
             <a:lstStyle/>
             <a:p>
-              <a:pPr indent="0" lvl="0" marL="0" rtl="0" algn="l">
+              <a:pPr marL="0" lvl="0" indent="0" algn="l" rtl="0">
                 <a:spcBef>
                   <a:spcPts val="0"/>
                 </a:spcBef>
@@ -8419,9 +8402,6 @@
                 </a:spcAft>
                 <a:buNone/>
               </a:pPr>
-              <a:r>
-                <a:t/>
-              </a:r>
               <a:endParaRPr/>
             </a:p>
           </p:txBody>
@@ -8430,7 +8410,9 @@
       <p:sp>
         <p:nvSpPr>
           <p:cNvPr id="89" name="Google Shape;89;p8"/>
-          <p:cNvSpPr txBox="1"/>
+          <p:cNvSpPr txBox="1">
+            <a:spLocks noGrp="1"/>
+          </p:cNvSpPr>
           <p:nvPr>
             <p:ph type="title"/>
           </p:nvPr>
@@ -8445,7 +8427,7 @@
           </a:prstGeom>
         </p:spPr>
         <p:txBody>
-          <a:bodyPr anchorCtr="0" anchor="ctr" bIns="91425" lIns="91425" spcFirstLastPara="1" rIns="91425" wrap="square" tIns="91425">
+          <a:bodyPr spcFirstLastPara="1" wrap="square" lIns="91425" tIns="91425" rIns="91425" bIns="91425" anchor="ctr" anchorCtr="0">
             <a:noAutofit/>
           </a:bodyPr>
           <a:lstStyle>
@@ -8549,15 +8531,19 @@
               <a:defRPr/>
             </a:lvl9pPr>
           </a:lstStyle>
-          <a:p/>
+          <a:p>
+            <a:endParaRPr/>
+          </a:p>
         </p:txBody>
       </p:sp>
       <p:sp>
         <p:nvSpPr>
           <p:cNvPr id="90" name="Google Shape;90;p8"/>
-          <p:cNvSpPr txBox="1"/>
+          <p:cNvSpPr txBox="1">
+            <a:spLocks noGrp="1"/>
+          </p:cNvSpPr>
           <p:nvPr>
-            <p:ph idx="12" type="sldNum"/>
+            <p:ph type="sldNum" idx="12"/>
           </p:nvPr>
         </p:nvSpPr>
         <p:spPr>
@@ -8570,7 +8556,7 @@
           </a:prstGeom>
         </p:spPr>
         <p:txBody>
-          <a:bodyPr anchorCtr="0" anchor="ctr" bIns="91425" lIns="91425" spcFirstLastPara="1" rIns="91425" wrap="square" tIns="91425">
+          <a:bodyPr spcFirstLastPara="1" wrap="square" lIns="91425" tIns="91425" rIns="91425" bIns="91425" anchor="ctr" anchorCtr="0">
             <a:noAutofit/>
           </a:bodyPr>
           <a:lstStyle>
@@ -8612,7 +8598,7 @@
             </a:lvl9pPr>
           </a:lstStyle>
           <a:p>
-            <a:pPr indent="0" lvl="0" marL="0" rtl="0" algn="r">
+            <a:pPr marL="0" lvl="0" indent="0" algn="r" rtl="0">
               <a:spcBef>
                 <a:spcPts val="0"/>
               </a:spcBef>
@@ -8638,11 +8624,11 @@
 </file>
 
 <file path=ppt/slideLayouts/slideLayout8.xml><?xml version="1.0" encoding="utf-8"?>
-<p:sldLayout xmlns:a="http://schemas.openxmlformats.org/drawingml/2006/main" xmlns:r="http://schemas.openxmlformats.org/officeDocument/2006/relationships" xmlns:mc="http://schemas.openxmlformats.org/markup-compatibility/2006" xmlns:mv="urn:schemas-microsoft-com:mac:vml" xmlns:p="http://schemas.openxmlformats.org/presentationml/2006/main" xmlns:c="http://schemas.openxmlformats.org/drawingml/2006/chart" xmlns:dgm="http://schemas.openxmlformats.org/drawingml/2006/diagram" xmlns:o="urn:schemas-microsoft-com:office:office" xmlns:v="urn:schemas-microsoft-com:vml" xmlns:pvml="urn:schemas-microsoft-com:office:powerpoint" xmlns:com="http://schemas.openxmlformats.org/drawingml/2006/compatibility" xmlns:p14="http://schemas.microsoft.com/office/powerpoint/2010/main" xmlns:p15="http://schemas.microsoft.com/office/powerpoint/2012/main" xmlns:ahyp="http://schemas.microsoft.com/office/drawing/2018/hyperlinkcolor" matchingName="Section title and description">
+<p:sldLayout xmlns:a="http://schemas.openxmlformats.org/drawingml/2006/main" xmlns:r="http://schemas.openxmlformats.org/officeDocument/2006/relationships" xmlns:p="http://schemas.openxmlformats.org/presentationml/2006/main" matchingName="Section title and description">
   <p:cSld name="SECTION_TITLE_AND_DESCRIPTION">
     <p:spTree>
       <p:nvGrpSpPr>
-        <p:cNvPr id="91" name="Shape 91"/>
+        <p:cNvPr id="1" name="Shape 91"/>
         <p:cNvGrpSpPr/>
         <p:nvPr/>
       </p:nvGrpSpPr>
@@ -8681,7 +8667,7 @@
             </a:xfrm>
             <a:prstGeom prst="diagStripe">
               <a:avLst>
-                <a:gd fmla="val 50000" name="adj"/>
+                <a:gd name="adj" fmla="val 50000"/>
               </a:avLst>
             </a:prstGeom>
             <a:solidFill>
@@ -8692,12 +8678,12 @@
             </a:ln>
           </p:spPr>
           <p:txBody>
-            <a:bodyPr anchorCtr="0" anchor="ctr" bIns="91425" lIns="91425" spcFirstLastPara="1" rIns="91425" wrap="square" tIns="91425">
+            <a:bodyPr spcFirstLastPara="1" wrap="square" lIns="91425" tIns="91425" rIns="91425" bIns="91425" anchor="ctr" anchorCtr="0">
               <a:noAutofit/>
             </a:bodyPr>
             <a:lstStyle/>
             <a:p>
-              <a:pPr indent="0" lvl="0" marL="0" rtl="0" algn="l">
+              <a:pPr marL="0" lvl="0" indent="0" algn="l" rtl="0">
                 <a:spcBef>
                   <a:spcPts val="0"/>
                 </a:spcBef>
@@ -8706,9 +8692,6 @@
                 </a:spcAft>
                 <a:buNone/>
               </a:pPr>
-              <a:r>
-                <a:t/>
-              </a:r>
               <a:endParaRPr/>
             </a:p>
           </p:txBody>
@@ -8726,7 +8709,7 @@
             </a:xfrm>
             <a:prstGeom prst="diagStripe">
               <a:avLst>
-                <a:gd fmla="val 50000" name="adj"/>
+                <a:gd name="adj" fmla="val 50000"/>
               </a:avLst>
             </a:prstGeom>
             <a:solidFill>
@@ -8737,12 +8720,12 @@
             </a:ln>
           </p:spPr>
           <p:txBody>
-            <a:bodyPr anchorCtr="0" anchor="ctr" bIns="91425" lIns="91425" spcFirstLastPara="1" rIns="91425" wrap="square" tIns="91425">
+            <a:bodyPr spcFirstLastPara="1" wrap="square" lIns="91425" tIns="91425" rIns="91425" bIns="91425" anchor="ctr" anchorCtr="0">
               <a:noAutofit/>
             </a:bodyPr>
             <a:lstStyle/>
             <a:p>
-              <a:pPr indent="0" lvl="0" marL="0" rtl="0" algn="l">
+              <a:pPr marL="0" lvl="0" indent="0" algn="l" rtl="0">
                 <a:spcBef>
                   <a:spcPts val="0"/>
                 </a:spcBef>
@@ -8751,9 +8734,6 @@
                 </a:spcAft>
                 <a:buNone/>
               </a:pPr>
-              <a:r>
-                <a:t/>
-              </a:r>
               <a:endParaRPr/>
             </a:p>
           </p:txBody>
@@ -8762,7 +8742,9 @@
       <p:sp>
         <p:nvSpPr>
           <p:cNvPr id="95" name="Google Shape;95;p9"/>
-          <p:cNvSpPr txBox="1"/>
+          <p:cNvSpPr txBox="1">
+            <a:spLocks noGrp="1"/>
+          </p:cNvSpPr>
           <p:nvPr>
             <p:ph type="title"/>
           </p:nvPr>
@@ -8777,7 +8759,7 @@
           </a:prstGeom>
         </p:spPr>
         <p:txBody>
-          <a:bodyPr anchorCtr="0" anchor="t" bIns="91425" lIns="91425" spcFirstLastPara="1" rIns="91425" wrap="square" tIns="91425">
+          <a:bodyPr spcFirstLastPara="1" wrap="square" lIns="91425" tIns="91425" rIns="91425" bIns="91425" anchor="t" anchorCtr="0">
             <a:noAutofit/>
           </a:bodyPr>
           <a:lstStyle>
@@ -8881,15 +8863,19 @@
               <a:defRPr sz="2400"/>
             </a:lvl9pPr>
           </a:lstStyle>
-          <a:p/>
+          <a:p>
+            <a:endParaRPr/>
+          </a:p>
         </p:txBody>
       </p:sp>
       <p:sp>
         <p:nvSpPr>
           <p:cNvPr id="96" name="Google Shape;96;p9"/>
-          <p:cNvSpPr txBox="1"/>
+          <p:cNvSpPr txBox="1">
+            <a:spLocks noGrp="1"/>
+          </p:cNvSpPr>
           <p:nvPr>
-            <p:ph idx="1" type="subTitle"/>
+            <p:ph type="subTitle" idx="1"/>
           </p:nvPr>
         </p:nvSpPr>
         <p:spPr>
@@ -8902,7 +8888,7 @@
           </a:prstGeom>
         </p:spPr>
         <p:txBody>
-          <a:bodyPr anchorCtr="0" anchor="t" bIns="91425" lIns="91425" spcFirstLastPara="1" rIns="91425" wrap="square" tIns="91425">
+          <a:bodyPr spcFirstLastPara="1" wrap="square" lIns="91425" tIns="91425" rIns="91425" bIns="91425" anchor="t" anchorCtr="0">
             <a:noAutofit/>
           </a:bodyPr>
           <a:lstStyle>
@@ -9033,15 +9019,19 @@
               <a:defRPr sz="1300"/>
             </a:lvl9pPr>
           </a:lstStyle>
-          <a:p/>
+          <a:p>
+            <a:endParaRPr/>
+          </a:p>
         </p:txBody>
       </p:sp>
       <p:sp>
         <p:nvSpPr>
           <p:cNvPr id="97" name="Google Shape;97;p9"/>
-          <p:cNvSpPr txBox="1"/>
+          <p:cNvSpPr txBox="1">
+            <a:spLocks noGrp="1"/>
+          </p:cNvSpPr>
           <p:nvPr>
-            <p:ph idx="2" type="body"/>
+            <p:ph type="body" idx="2"/>
           </p:nvPr>
         </p:nvSpPr>
         <p:spPr>
@@ -9054,11 +9044,11 @@
           </a:prstGeom>
         </p:spPr>
         <p:txBody>
-          <a:bodyPr anchorCtr="0" anchor="t" bIns="91425" lIns="91425" spcFirstLastPara="1" rIns="91425" wrap="square" tIns="91425">
+          <a:bodyPr spcFirstLastPara="1" wrap="square" lIns="91425" tIns="91425" rIns="91425" bIns="91425" anchor="t" anchorCtr="0">
             <a:noAutofit/>
           </a:bodyPr>
           <a:lstStyle>
-            <a:lvl1pPr indent="-311150" lvl="0" marL="457200">
+            <a:lvl1pPr marL="457200" lvl="0" indent="-311150">
               <a:spcBef>
                 <a:spcPts val="0"/>
               </a:spcBef>
@@ -9069,7 +9059,7 @@
               <a:buChar char="●"/>
               <a:defRPr/>
             </a:lvl1pPr>
-            <a:lvl2pPr indent="-298450" lvl="1" marL="914400">
+            <a:lvl2pPr marL="914400" lvl="1" indent="-298450">
               <a:spcBef>
                 <a:spcPts val="1600"/>
               </a:spcBef>
@@ -9080,7 +9070,7 @@
               <a:buChar char="○"/>
               <a:defRPr/>
             </a:lvl2pPr>
-            <a:lvl3pPr indent="-298450" lvl="2" marL="1371600">
+            <a:lvl3pPr marL="1371600" lvl="2" indent="-298450">
               <a:spcBef>
                 <a:spcPts val="1600"/>
               </a:spcBef>
@@ -9091,7 +9081,7 @@
               <a:buChar char="■"/>
               <a:defRPr/>
             </a:lvl3pPr>
-            <a:lvl4pPr indent="-298450" lvl="3" marL="1828800">
+            <a:lvl4pPr marL="1828800" lvl="3" indent="-298450">
               <a:spcBef>
                 <a:spcPts val="1600"/>
               </a:spcBef>
@@ -9102,7 +9092,7 @@
               <a:buChar char="●"/>
               <a:defRPr/>
             </a:lvl4pPr>
-            <a:lvl5pPr indent="-298450" lvl="4" marL="2286000">
+            <a:lvl5pPr marL="2286000" lvl="4" indent="-298450">
               <a:spcBef>
                 <a:spcPts val="1600"/>
               </a:spcBef>
@@ -9113,7 +9103,7 @@
               <a:buChar char="○"/>
               <a:defRPr/>
             </a:lvl5pPr>
-            <a:lvl6pPr indent="-298450" lvl="5" marL="2743200">
+            <a:lvl6pPr marL="2743200" lvl="5" indent="-298450">
               <a:spcBef>
                 <a:spcPts val="1600"/>
               </a:spcBef>
@@ -9124,7 +9114,7 @@
               <a:buChar char="■"/>
               <a:defRPr/>
             </a:lvl6pPr>
-            <a:lvl7pPr indent="-298450" lvl="6" marL="3200400">
+            <a:lvl7pPr marL="3200400" lvl="6" indent="-298450">
               <a:spcBef>
                 <a:spcPts val="1600"/>
               </a:spcBef>
@@ -9135,7 +9125,7 @@
               <a:buChar char="●"/>
               <a:defRPr/>
             </a:lvl7pPr>
-            <a:lvl8pPr indent="-298450" lvl="7" marL="3657600">
+            <a:lvl8pPr marL="3657600" lvl="7" indent="-298450">
               <a:spcBef>
                 <a:spcPts val="1600"/>
               </a:spcBef>
@@ -9146,7 +9136,7 @@
               <a:buChar char="○"/>
               <a:defRPr/>
             </a:lvl8pPr>
-            <a:lvl9pPr indent="-298450" lvl="8" marL="4114800">
+            <a:lvl9pPr marL="4114800" lvl="8" indent="-298450">
               <a:spcBef>
                 <a:spcPts val="1600"/>
               </a:spcBef>
@@ -9158,15 +9148,19 @@
               <a:defRPr/>
             </a:lvl9pPr>
           </a:lstStyle>
-          <a:p/>
+          <a:p>
+            <a:endParaRPr/>
+          </a:p>
         </p:txBody>
       </p:sp>
       <p:sp>
         <p:nvSpPr>
           <p:cNvPr id="98" name="Google Shape;98;p9"/>
-          <p:cNvSpPr txBox="1"/>
+          <p:cNvSpPr txBox="1">
+            <a:spLocks noGrp="1"/>
+          </p:cNvSpPr>
           <p:nvPr>
-            <p:ph idx="12" type="sldNum"/>
+            <p:ph type="sldNum" idx="12"/>
           </p:nvPr>
         </p:nvSpPr>
         <p:spPr>
@@ -9179,7 +9173,7 @@
           </a:prstGeom>
         </p:spPr>
         <p:txBody>
-          <a:bodyPr anchorCtr="0" anchor="ctr" bIns="91425" lIns="91425" spcFirstLastPara="1" rIns="91425" wrap="square" tIns="91425">
+          <a:bodyPr spcFirstLastPara="1" wrap="square" lIns="91425" tIns="91425" rIns="91425" bIns="91425" anchor="ctr" anchorCtr="0">
             <a:noAutofit/>
           </a:bodyPr>
           <a:lstStyle>
@@ -9221,7 +9215,7 @@
             </a:lvl9pPr>
           </a:lstStyle>
           <a:p>
-            <a:pPr indent="0" lvl="0" marL="0" rtl="0" algn="r">
+            <a:pPr marL="0" lvl="0" indent="0" algn="r" rtl="0">
               <a:spcBef>
                 <a:spcPts val="0"/>
               </a:spcBef>
@@ -9247,11 +9241,11 @@
 </file>
 
 <file path=ppt/slideLayouts/slideLayout9.xml><?xml version="1.0" encoding="utf-8"?>
-<p:sldLayout xmlns:a="http://schemas.openxmlformats.org/drawingml/2006/main" xmlns:r="http://schemas.openxmlformats.org/officeDocument/2006/relationships" xmlns:mc="http://schemas.openxmlformats.org/markup-compatibility/2006" xmlns:mv="urn:schemas-microsoft-com:mac:vml" xmlns:p="http://schemas.openxmlformats.org/presentationml/2006/main" xmlns:c="http://schemas.openxmlformats.org/drawingml/2006/chart" xmlns:dgm="http://schemas.openxmlformats.org/drawingml/2006/diagram" xmlns:o="urn:schemas-microsoft-com:office:office" xmlns:v="urn:schemas-microsoft-com:vml" xmlns:pvml="urn:schemas-microsoft-com:office:powerpoint" xmlns:com="http://schemas.openxmlformats.org/drawingml/2006/compatibility" xmlns:p14="http://schemas.microsoft.com/office/powerpoint/2010/main" xmlns:p15="http://schemas.microsoft.com/office/powerpoint/2012/main" xmlns:ahyp="http://schemas.microsoft.com/office/drawing/2018/hyperlinkcolor" matchingName="Caption">
+<p:sldLayout xmlns:a="http://schemas.openxmlformats.org/drawingml/2006/main" xmlns:r="http://schemas.openxmlformats.org/officeDocument/2006/relationships" xmlns:p="http://schemas.openxmlformats.org/presentationml/2006/main" matchingName="Caption">
   <p:cSld name="CAPTION_ONLY">
     <p:spTree>
       <p:nvGrpSpPr>
-        <p:cNvPr id="99" name="Shape 99"/>
+        <p:cNvPr id="1" name="Shape 99"/>
         <p:cNvGrpSpPr/>
         <p:nvPr/>
       </p:nvGrpSpPr>
@@ -9290,7 +9284,7 @@
             </a:xfrm>
             <a:prstGeom prst="diagStripe">
               <a:avLst>
-                <a:gd fmla="val 50000" name="adj"/>
+                <a:gd name="adj" fmla="val 50000"/>
               </a:avLst>
             </a:prstGeom>
             <a:solidFill>
@@ -9303,12 +9297,12 @@
             </a:ln>
           </p:spPr>
           <p:txBody>
-            <a:bodyPr anchorCtr="0" anchor="ctr" bIns="91425" lIns="91425" spcFirstLastPara="1" rIns="91425" wrap="square" tIns="91425">
+            <a:bodyPr spcFirstLastPara="1" wrap="square" lIns="91425" tIns="91425" rIns="91425" bIns="91425" anchor="ctr" anchorCtr="0">
               <a:noAutofit/>
             </a:bodyPr>
             <a:lstStyle/>
             <a:p>
-              <a:pPr indent="0" lvl="0" marL="0" rtl="0" algn="l">
+              <a:pPr marL="0" lvl="0" indent="0" algn="l" rtl="0">
                 <a:spcBef>
                   <a:spcPts val="0"/>
                 </a:spcBef>
@@ -9317,9 +9311,6 @@
                 </a:spcAft>
                 <a:buNone/>
               </a:pPr>
-              <a:r>
-                <a:t/>
-              </a:r>
               <a:endParaRPr/>
             </a:p>
           </p:txBody>
@@ -9337,7 +9328,7 @@
             </a:xfrm>
             <a:prstGeom prst="diagStripe">
               <a:avLst>
-                <a:gd fmla="val 50000" name="adj"/>
+                <a:gd name="adj" fmla="val 50000"/>
               </a:avLst>
             </a:prstGeom>
             <a:solidFill>
@@ -9350,12 +9341,12 @@
             </a:ln>
           </p:spPr>
           <p:txBody>
-            <a:bodyPr anchorCtr="0" anchor="ctr" bIns="91425" lIns="91425" spcFirstLastPara="1" rIns="91425" wrap="square" tIns="91425">
+            <a:bodyPr spcFirstLastPara="1" wrap="square" lIns="91425" tIns="91425" rIns="91425" bIns="91425" anchor="ctr" anchorCtr="0">
               <a:noAutofit/>
             </a:bodyPr>
             <a:lstStyle/>
             <a:p>
-              <a:pPr indent="0" lvl="0" marL="0" rtl="0" algn="l">
+              <a:pPr marL="0" lvl="0" indent="0" algn="l" rtl="0">
                 <a:spcBef>
                   <a:spcPts val="0"/>
                 </a:spcBef>
@@ -9364,9 +9355,6 @@
                 </a:spcAft>
                 <a:buNone/>
               </a:pPr>
-              <a:r>
-                <a:t/>
-              </a:r>
               <a:endParaRPr/>
             </a:p>
           </p:txBody>
@@ -9375,9 +9363,11 @@
       <p:sp>
         <p:nvSpPr>
           <p:cNvPr id="103" name="Google Shape;103;p10"/>
-          <p:cNvSpPr txBox="1"/>
+          <p:cNvSpPr txBox="1">
+            <a:spLocks noGrp="1"/>
+          </p:cNvSpPr>
           <p:nvPr>
-            <p:ph idx="1" type="body"/>
+            <p:ph type="body" idx="1"/>
           </p:nvPr>
         </p:nvSpPr>
         <p:spPr>
@@ -9390,11 +9380,11 @@
           </a:prstGeom>
         </p:spPr>
         <p:txBody>
-          <a:bodyPr anchorCtr="0" anchor="ctr" bIns="91425" lIns="91425" spcFirstLastPara="1" rIns="91425" wrap="square" tIns="91425">
+          <a:bodyPr spcFirstLastPara="1" wrap="square" lIns="91425" tIns="91425" rIns="91425" bIns="91425" anchor="ctr" anchorCtr="0">
             <a:noAutofit/>
           </a:bodyPr>
           <a:lstStyle>
-            <a:lvl1pPr indent="-228600" lvl="0" marL="457200">
+            <a:lvl1pPr marL="457200" lvl="0" indent="-228600">
               <a:lnSpc>
                 <a:spcPct val="100000"/>
               </a:lnSpc>
@@ -9409,15 +9399,19 @@
               <a:defRPr/>
             </a:lvl1pPr>
           </a:lstStyle>
-          <a:p/>
+          <a:p>
+            <a:endParaRPr/>
+          </a:p>
         </p:txBody>
       </p:sp>
       <p:sp>
         <p:nvSpPr>
           <p:cNvPr id="104" name="Google Shape;104;p10"/>
-          <p:cNvSpPr txBox="1"/>
+          <p:cNvSpPr txBox="1">
+            <a:spLocks noGrp="1"/>
+          </p:cNvSpPr>
           <p:nvPr>
-            <p:ph idx="12" type="sldNum"/>
+            <p:ph type="sldNum" idx="12"/>
           </p:nvPr>
         </p:nvSpPr>
         <p:spPr>
@@ -9430,7 +9424,7 @@
           </a:prstGeom>
         </p:spPr>
         <p:txBody>
-          <a:bodyPr anchorCtr="0" anchor="ctr" bIns="91425" lIns="91425" spcFirstLastPara="1" rIns="91425" wrap="square" tIns="91425">
+          <a:bodyPr spcFirstLastPara="1" wrap="square" lIns="91425" tIns="91425" rIns="91425" bIns="91425" anchor="ctr" anchorCtr="0">
             <a:noAutofit/>
           </a:bodyPr>
           <a:lstStyle>
@@ -9472,7 +9466,7 @@
             </a:lvl9pPr>
           </a:lstStyle>
           <a:p>
-            <a:pPr indent="0" lvl="0" marL="0" rtl="0" algn="r">
+            <a:pPr marL="0" lvl="0" indent="0" algn="r" rtl="0">
               <a:spcBef>
                 <a:spcPts val="0"/>
               </a:spcBef>
@@ -9498,18 +9492,19 @@
 </file>
 
 <file path=ppt/slideMasters/slideMaster1.xml><?xml version="1.0" encoding="utf-8"?>
-<p:sldMaster xmlns:a="http://schemas.openxmlformats.org/drawingml/2006/main" xmlns:r="http://schemas.openxmlformats.org/officeDocument/2006/relationships" xmlns:mc="http://schemas.openxmlformats.org/markup-compatibility/2006" xmlns:mv="urn:schemas-microsoft-com:mac:vml" xmlns:p="http://schemas.openxmlformats.org/presentationml/2006/main" xmlns:c="http://schemas.openxmlformats.org/drawingml/2006/chart" xmlns:dgm="http://schemas.openxmlformats.org/drawingml/2006/diagram" xmlns:o="urn:schemas-microsoft-com:office:office" xmlns:v="urn:schemas-microsoft-com:vml" xmlns:pvml="urn:schemas-microsoft-com:office:powerpoint" xmlns:com="http://schemas.openxmlformats.org/drawingml/2006/compatibility" xmlns:p14="http://schemas.microsoft.com/office/powerpoint/2010/main" xmlns:p15="http://schemas.microsoft.com/office/powerpoint/2012/main" xmlns:ahyp="http://schemas.microsoft.com/office/drawing/2018/hyperlinkcolor">
+<p:sldMaster xmlns:a="http://schemas.openxmlformats.org/drawingml/2006/main" xmlns:r="http://schemas.openxmlformats.org/officeDocument/2006/relationships" xmlns:p="http://schemas.openxmlformats.org/presentationml/2006/main">
   <p:cSld name="focus">
     <p:bg>
       <p:bgPr>
         <a:solidFill>
           <a:schemeClr val="dk1"/>
         </a:solidFill>
+        <a:effectLst/>
       </p:bgPr>
     </p:bg>
     <p:spTree>
       <p:nvGrpSpPr>
-        <p:cNvPr id="5" name="Shape 5"/>
+        <p:cNvPr id="1" name="Shape 5"/>
         <p:cNvGrpSpPr/>
         <p:nvPr/>
       </p:nvGrpSpPr>
@@ -9524,7 +9519,9 @@
       <p:sp>
         <p:nvSpPr>
           <p:cNvPr id="6" name="Google Shape;6;p1"/>
-          <p:cNvSpPr txBox="1"/>
+          <p:cNvSpPr txBox="1">
+            <a:spLocks noGrp="1"/>
+          </p:cNvSpPr>
           <p:nvPr>
             <p:ph type="title"/>
           </p:nvPr>
@@ -9543,7 +9540,7 @@
           </a:ln>
         </p:spPr>
         <p:txBody>
-          <a:bodyPr anchorCtr="0" anchor="t" bIns="91425" lIns="91425" spcFirstLastPara="1" rIns="91425" wrap="square" tIns="91425">
+          <a:bodyPr spcFirstLastPara="1" wrap="square" lIns="91425" tIns="91425" rIns="91425" bIns="91425" anchor="t" anchorCtr="0">
             <a:noAutofit/>
           </a:bodyPr>
           <a:lstStyle>
@@ -9755,15 +9752,19 @@
               </a:defRPr>
             </a:lvl9pPr>
           </a:lstStyle>
-          <a:p/>
+          <a:p>
+            <a:endParaRPr/>
+          </a:p>
         </p:txBody>
       </p:sp>
       <p:sp>
         <p:nvSpPr>
           <p:cNvPr id="7" name="Google Shape;7;p1"/>
-          <p:cNvSpPr txBox="1"/>
+          <p:cNvSpPr txBox="1">
+            <a:spLocks noGrp="1"/>
+          </p:cNvSpPr>
           <p:nvPr>
-            <p:ph idx="1" type="body"/>
+            <p:ph type="body" idx="1"/>
           </p:nvPr>
         </p:nvSpPr>
         <p:spPr>
@@ -9780,11 +9781,11 @@
           </a:ln>
         </p:spPr>
         <p:txBody>
-          <a:bodyPr anchorCtr="0" anchor="t" bIns="91425" lIns="91425" spcFirstLastPara="1" rIns="91425" wrap="square" tIns="91425">
+          <a:bodyPr spcFirstLastPara="1" wrap="square" lIns="91425" tIns="91425" rIns="91425" bIns="91425" anchor="t" anchorCtr="0">
             <a:noAutofit/>
           </a:bodyPr>
           <a:lstStyle>
-            <a:lvl1pPr indent="-311150" lvl="0" marL="457200">
+            <a:lvl1pPr marL="457200" lvl="0" indent="-311150">
               <a:lnSpc>
                 <a:spcPct val="115000"/>
               </a:lnSpc>
@@ -9810,7 +9811,7 @@
                 <a:sym typeface="Lato"/>
               </a:defRPr>
             </a:lvl1pPr>
-            <a:lvl2pPr indent="-298450" lvl="1" marL="914400">
+            <a:lvl2pPr marL="914400" lvl="1" indent="-298450">
               <a:lnSpc>
                 <a:spcPct val="115000"/>
               </a:lnSpc>
@@ -9836,7 +9837,7 @@
                 <a:sym typeface="Lato"/>
               </a:defRPr>
             </a:lvl2pPr>
-            <a:lvl3pPr indent="-298450" lvl="2" marL="1371600">
+            <a:lvl3pPr marL="1371600" lvl="2" indent="-298450">
               <a:lnSpc>
                 <a:spcPct val="115000"/>
               </a:lnSpc>
@@ -9862,7 +9863,7 @@
                 <a:sym typeface="Lato"/>
               </a:defRPr>
             </a:lvl3pPr>
-            <a:lvl4pPr indent="-298450" lvl="3" marL="1828800">
+            <a:lvl4pPr marL="1828800" lvl="3" indent="-298450">
               <a:lnSpc>
                 <a:spcPct val="115000"/>
               </a:lnSpc>
@@ -9888,7 +9889,7 @@
                 <a:sym typeface="Lato"/>
               </a:defRPr>
             </a:lvl4pPr>
-            <a:lvl5pPr indent="-298450" lvl="4" marL="2286000">
+            <a:lvl5pPr marL="2286000" lvl="4" indent="-298450">
               <a:lnSpc>
                 <a:spcPct val="115000"/>
               </a:lnSpc>
@@ -9914,7 +9915,7 @@
                 <a:sym typeface="Lato"/>
               </a:defRPr>
             </a:lvl5pPr>
-            <a:lvl6pPr indent="-298450" lvl="5" marL="2743200">
+            <a:lvl6pPr marL="2743200" lvl="5" indent="-298450">
               <a:lnSpc>
                 <a:spcPct val="115000"/>
               </a:lnSpc>
@@ -9940,7 +9941,7 @@
                 <a:sym typeface="Lato"/>
               </a:defRPr>
             </a:lvl6pPr>
-            <a:lvl7pPr indent="-298450" lvl="6" marL="3200400">
+            <a:lvl7pPr marL="3200400" lvl="6" indent="-298450">
               <a:lnSpc>
                 <a:spcPct val="115000"/>
               </a:lnSpc>
@@ -9966,7 +9967,7 @@
                 <a:sym typeface="Lato"/>
               </a:defRPr>
             </a:lvl7pPr>
-            <a:lvl8pPr indent="-298450" lvl="7" marL="3657600">
+            <a:lvl8pPr marL="3657600" lvl="7" indent="-298450">
               <a:lnSpc>
                 <a:spcPct val="115000"/>
               </a:lnSpc>
@@ -9992,7 +9993,7 @@
                 <a:sym typeface="Lato"/>
               </a:defRPr>
             </a:lvl8pPr>
-            <a:lvl9pPr indent="-298450" lvl="8" marL="4114800">
+            <a:lvl9pPr marL="4114800" lvl="8" indent="-298450">
               <a:lnSpc>
                 <a:spcPct val="115000"/>
               </a:lnSpc>
@@ -10019,15 +10020,19 @@
               </a:defRPr>
             </a:lvl9pPr>
           </a:lstStyle>
-          <a:p/>
+          <a:p>
+            <a:endParaRPr/>
+          </a:p>
         </p:txBody>
       </p:sp>
       <p:sp>
         <p:nvSpPr>
           <p:cNvPr id="8" name="Google Shape;8;p1"/>
-          <p:cNvSpPr txBox="1"/>
+          <p:cNvSpPr txBox="1">
+            <a:spLocks noGrp="1"/>
+          </p:cNvSpPr>
           <p:nvPr>
-            <p:ph idx="12" type="sldNum"/>
+            <p:ph type="sldNum" idx="12"/>
           </p:nvPr>
         </p:nvSpPr>
         <p:spPr>
@@ -10044,7 +10049,7 @@
           </a:ln>
         </p:spPr>
         <p:txBody>
-          <a:bodyPr anchorCtr="0" anchor="ctr" bIns="91425" lIns="91425" spcFirstLastPara="1" rIns="91425" wrap="square" tIns="91425">
+          <a:bodyPr spcFirstLastPara="1" wrap="square" lIns="91425" tIns="91425" rIns="91425" bIns="91425" anchor="ctr" anchorCtr="0">
             <a:noAutofit/>
           </a:bodyPr>
           <a:lstStyle>
@@ -10158,7 +10163,7 @@
             </a:lvl9pPr>
           </a:lstStyle>
           <a:p>
-            <a:pPr indent="0" lvl="0" marL="0" rtl="0" algn="r">
+            <a:pPr marL="0" lvl="0" indent="0" algn="r" rtl="0">
               <a:spcBef>
                 <a:spcPts val="0"/>
               </a:spcBef>
@@ -10177,7 +10182,7 @@
       </p:sp>
     </p:spTree>
   </p:cSld>
-  <p:clrMap accent1="accent1" accent2="accent2" accent3="accent3" accent4="accent4" accent5="accent5" accent6="accent6" bg1="lt1" bg2="dk2" tx1="dk1" tx2="lt2" folHlink="folHlink" hlink="hlink"/>
+  <p:clrMap bg1="lt1" tx1="dk1" bg2="dk2" tx2="lt2" accent1="accent1" accent2="accent2" accent3="accent3" accent4="accent4" accent5="accent5" accent6="accent6" hlink="hlink" folHlink="folHlink"/>
   <p:sldLayoutIdLst>
     <p:sldLayoutId id="2147483648" r:id="rId1"/>
     <p:sldLayoutId id="2147483649" r:id="rId2"/>
@@ -10191,10 +10196,10 @@
     <p:sldLayoutId id="2147483657" r:id="rId10"/>
     <p:sldLayoutId id="2147483658" r:id="rId11"/>
   </p:sldLayoutIdLst>
-  <p:hf dt="0" ftr="0" hdr="0" sldNum="0"/>
+  <p:hf sldNum="0" hdr="0" ftr="0" dt="0"/>
   <p:txStyles>
     <p:titleStyle>
-      <a:defPPr lvl="0" marR="0" rtl="0" algn="l">
+      <a:defPPr marR="0" lvl="0" algn="l" rtl="0">
         <a:lnSpc>
           <a:spcPct val="100000"/>
         </a:lnSpc>
@@ -10205,7 +10210,7 @@
           <a:spcPts val="0"/>
         </a:spcAft>
       </a:defPPr>
-      <a:lvl1pPr lvl="0" marR="0" rtl="0" algn="l">
+      <a:lvl1pPr marR="0" lvl="0" algn="l" rtl="0">
         <a:lnSpc>
           <a:spcPct val="100000"/>
         </a:lnSpc>
@@ -10219,7 +10224,7 @@
           <a:srgbClr val="000000"/>
         </a:buClr>
         <a:buFont typeface="Arial"/>
-        <a:defRPr b="0" i="0" sz="1400" u="none" cap="none" strike="noStrike">
+        <a:defRPr sz="1400" b="0" i="0" u="none" strike="noStrike" cap="none">
           <a:solidFill>
             <a:srgbClr val="000000"/>
           </a:solidFill>
@@ -10229,7 +10234,7 @@
           <a:sym typeface="Arial"/>
         </a:defRPr>
       </a:lvl1pPr>
-      <a:lvl2pPr lvl="1" marR="0" rtl="0" algn="l">
+      <a:lvl2pPr marR="0" lvl="1" algn="l" rtl="0">
         <a:lnSpc>
           <a:spcPct val="100000"/>
         </a:lnSpc>
@@ -10243,7 +10248,7 @@
           <a:srgbClr val="000000"/>
         </a:buClr>
         <a:buFont typeface="Arial"/>
-        <a:defRPr b="0" i="0" sz="1400" u="none" cap="none" strike="noStrike">
+        <a:defRPr sz="1400" b="0" i="0" u="none" strike="noStrike" cap="none">
           <a:solidFill>
             <a:srgbClr val="000000"/>
           </a:solidFill>
@@ -10253,7 +10258,7 @@
           <a:sym typeface="Arial"/>
         </a:defRPr>
       </a:lvl2pPr>
-      <a:lvl3pPr lvl="2" marR="0" rtl="0" algn="l">
+      <a:lvl3pPr marR="0" lvl="2" algn="l" rtl="0">
         <a:lnSpc>
           <a:spcPct val="100000"/>
         </a:lnSpc>
@@ -10267,7 +10272,7 @@
           <a:srgbClr val="000000"/>
         </a:buClr>
         <a:buFont typeface="Arial"/>
-        <a:defRPr b="0" i="0" sz="1400" u="none" cap="none" strike="noStrike">
+        <a:defRPr sz="1400" b="0" i="0" u="none" strike="noStrike" cap="none">
           <a:solidFill>
             <a:srgbClr val="000000"/>
           </a:solidFill>
@@ -10277,7 +10282,7 @@
           <a:sym typeface="Arial"/>
         </a:defRPr>
       </a:lvl3pPr>
-      <a:lvl4pPr lvl="3" marR="0" rtl="0" algn="l">
+      <a:lvl4pPr marR="0" lvl="3" algn="l" rtl="0">
         <a:lnSpc>
           <a:spcPct val="100000"/>
         </a:lnSpc>
@@ -10291,7 +10296,7 @@
           <a:srgbClr val="000000"/>
         </a:buClr>
         <a:buFont typeface="Arial"/>
-        <a:defRPr b="0" i="0" sz="1400" u="none" cap="none" strike="noStrike">
+        <a:defRPr sz="1400" b="0" i="0" u="none" strike="noStrike" cap="none">
           <a:solidFill>
             <a:srgbClr val="000000"/>
           </a:solidFill>
@@ -10301,7 +10306,7 @@
           <a:sym typeface="Arial"/>
         </a:defRPr>
       </a:lvl4pPr>
-      <a:lvl5pPr lvl="4" marR="0" rtl="0" algn="l">
+      <a:lvl5pPr marR="0" lvl="4" algn="l" rtl="0">
         <a:lnSpc>
           <a:spcPct val="100000"/>
         </a:lnSpc>
@@ -10315,7 +10320,7 @@
           <a:srgbClr val="000000"/>
         </a:buClr>
         <a:buFont typeface="Arial"/>
-        <a:defRPr b="0" i="0" sz="1400" u="none" cap="none" strike="noStrike">
+        <a:defRPr sz="1400" b="0" i="0" u="none" strike="noStrike" cap="none">
           <a:solidFill>
             <a:srgbClr val="000000"/>
           </a:solidFill>
@@ -10325,7 +10330,7 @@
           <a:sym typeface="Arial"/>
         </a:defRPr>
       </a:lvl5pPr>
-      <a:lvl6pPr lvl="5" marR="0" rtl="0" algn="l">
+      <a:lvl6pPr marR="0" lvl="5" algn="l" rtl="0">
         <a:lnSpc>
           <a:spcPct val="100000"/>
         </a:lnSpc>
@@ -10339,7 +10344,7 @@
           <a:srgbClr val="000000"/>
         </a:buClr>
         <a:buFont typeface="Arial"/>
-        <a:defRPr b="0" i="0" sz="1400" u="none" cap="none" strike="noStrike">
+        <a:defRPr sz="1400" b="0" i="0" u="none" strike="noStrike" cap="none">
           <a:solidFill>
             <a:srgbClr val="000000"/>
           </a:solidFill>
@@ -10349,7 +10354,7 @@
           <a:sym typeface="Arial"/>
         </a:defRPr>
       </a:lvl6pPr>
-      <a:lvl7pPr lvl="6" marR="0" rtl="0" algn="l">
+      <a:lvl7pPr marR="0" lvl="6" algn="l" rtl="0">
         <a:lnSpc>
           <a:spcPct val="100000"/>
         </a:lnSpc>
@@ -10363,7 +10368,7 @@
           <a:srgbClr val="000000"/>
         </a:buClr>
         <a:buFont typeface="Arial"/>
-        <a:defRPr b="0" i="0" sz="1400" u="none" cap="none" strike="noStrike">
+        <a:defRPr sz="1400" b="0" i="0" u="none" strike="noStrike" cap="none">
           <a:solidFill>
             <a:srgbClr val="000000"/>
           </a:solidFill>
@@ -10373,7 +10378,7 @@
           <a:sym typeface="Arial"/>
         </a:defRPr>
       </a:lvl7pPr>
-      <a:lvl8pPr lvl="7" marR="0" rtl="0" algn="l">
+      <a:lvl8pPr marR="0" lvl="7" algn="l" rtl="0">
         <a:lnSpc>
           <a:spcPct val="100000"/>
         </a:lnSpc>
@@ -10387,7 +10392,7 @@
           <a:srgbClr val="000000"/>
         </a:buClr>
         <a:buFont typeface="Arial"/>
-        <a:defRPr b="0" i="0" sz="1400" u="none" cap="none" strike="noStrike">
+        <a:defRPr sz="1400" b="0" i="0" u="none" strike="noStrike" cap="none">
           <a:solidFill>
             <a:srgbClr val="000000"/>
           </a:solidFill>
@@ -10397,7 +10402,7 @@
           <a:sym typeface="Arial"/>
         </a:defRPr>
       </a:lvl8pPr>
-      <a:lvl9pPr lvl="8" marR="0" rtl="0" algn="l">
+      <a:lvl9pPr marR="0" lvl="8" algn="l" rtl="0">
         <a:lnSpc>
           <a:spcPct val="100000"/>
         </a:lnSpc>
@@ -10411,7 +10416,7 @@
           <a:srgbClr val="000000"/>
         </a:buClr>
         <a:buFont typeface="Arial"/>
-        <a:defRPr b="0" i="0" sz="1400" u="none" cap="none" strike="noStrike">
+        <a:defRPr sz="1400" b="0" i="0" u="none" strike="noStrike" cap="none">
           <a:solidFill>
             <a:srgbClr val="000000"/>
           </a:solidFill>
@@ -10423,7 +10428,7 @@
       </a:lvl9pPr>
     </p:titleStyle>
     <p:bodyStyle>
-      <a:defPPr lvl="0" marR="0" rtl="0" algn="l">
+      <a:defPPr marR="0" lvl="0" algn="l" rtl="0">
         <a:lnSpc>
           <a:spcPct val="100000"/>
         </a:lnSpc>
@@ -10434,7 +10439,7 @@
           <a:spcPts val="0"/>
         </a:spcAft>
       </a:defPPr>
-      <a:lvl1pPr lvl="0" marR="0" rtl="0" algn="l">
+      <a:lvl1pPr marR="0" lvl="0" algn="l" rtl="0">
         <a:lnSpc>
           <a:spcPct val="100000"/>
         </a:lnSpc>
@@ -10448,7 +10453,7 @@
           <a:srgbClr val="000000"/>
         </a:buClr>
         <a:buFont typeface="Arial"/>
-        <a:defRPr b="0" i="0" sz="1400" u="none" cap="none" strike="noStrike">
+        <a:defRPr sz="1400" b="0" i="0" u="none" strike="noStrike" cap="none">
           <a:solidFill>
             <a:srgbClr val="000000"/>
           </a:solidFill>
@@ -10458,7 +10463,7 @@
           <a:sym typeface="Arial"/>
         </a:defRPr>
       </a:lvl1pPr>
-      <a:lvl2pPr lvl="1" marR="0" rtl="0" algn="l">
+      <a:lvl2pPr marR="0" lvl="1" algn="l" rtl="0">
         <a:lnSpc>
           <a:spcPct val="100000"/>
         </a:lnSpc>
@@ -10472,7 +10477,7 @@
           <a:srgbClr val="000000"/>
         </a:buClr>
         <a:buFont typeface="Arial"/>
-        <a:defRPr b="0" i="0" sz="1400" u="none" cap="none" strike="noStrike">
+        <a:defRPr sz="1400" b="0" i="0" u="none" strike="noStrike" cap="none">
           <a:solidFill>
             <a:srgbClr val="000000"/>
           </a:solidFill>
@@ -10482,7 +10487,7 @@
           <a:sym typeface="Arial"/>
         </a:defRPr>
       </a:lvl2pPr>
-      <a:lvl3pPr lvl="2" marR="0" rtl="0" algn="l">
+      <a:lvl3pPr marR="0" lvl="2" algn="l" rtl="0">
         <a:lnSpc>
           <a:spcPct val="100000"/>
         </a:lnSpc>
@@ -10496,7 +10501,7 @@
           <a:srgbClr val="000000"/>
         </a:buClr>
         <a:buFont typeface="Arial"/>
-        <a:defRPr b="0" i="0" sz="1400" u="none" cap="none" strike="noStrike">
+        <a:defRPr sz="1400" b="0" i="0" u="none" strike="noStrike" cap="none">
           <a:solidFill>
             <a:srgbClr val="000000"/>
           </a:solidFill>
@@ -10506,7 +10511,7 @@
           <a:sym typeface="Arial"/>
         </a:defRPr>
       </a:lvl3pPr>
-      <a:lvl4pPr lvl="3" marR="0" rtl="0" algn="l">
+      <a:lvl4pPr marR="0" lvl="3" algn="l" rtl="0">
         <a:lnSpc>
           <a:spcPct val="100000"/>
         </a:lnSpc>
@@ -10520,7 +10525,7 @@
           <a:srgbClr val="000000"/>
         </a:buClr>
         <a:buFont typeface="Arial"/>
-        <a:defRPr b="0" i="0" sz="1400" u="none" cap="none" strike="noStrike">
+        <a:defRPr sz="1400" b="0" i="0" u="none" strike="noStrike" cap="none">
           <a:solidFill>
             <a:srgbClr val="000000"/>
           </a:solidFill>
@@ -10530,7 +10535,7 @@
           <a:sym typeface="Arial"/>
         </a:defRPr>
       </a:lvl4pPr>
-      <a:lvl5pPr lvl="4" marR="0" rtl="0" algn="l">
+      <a:lvl5pPr marR="0" lvl="4" algn="l" rtl="0">
         <a:lnSpc>
           <a:spcPct val="100000"/>
         </a:lnSpc>
@@ -10544,7 +10549,7 @@
           <a:srgbClr val="000000"/>
         </a:buClr>
         <a:buFont typeface="Arial"/>
-        <a:defRPr b="0" i="0" sz="1400" u="none" cap="none" strike="noStrike">
+        <a:defRPr sz="1400" b="0" i="0" u="none" strike="noStrike" cap="none">
           <a:solidFill>
             <a:srgbClr val="000000"/>
           </a:solidFill>
@@ -10554,7 +10559,7 @@
           <a:sym typeface="Arial"/>
         </a:defRPr>
       </a:lvl5pPr>
-      <a:lvl6pPr lvl="5" marR="0" rtl="0" algn="l">
+      <a:lvl6pPr marR="0" lvl="5" algn="l" rtl="0">
         <a:lnSpc>
           <a:spcPct val="100000"/>
         </a:lnSpc>
@@ -10568,7 +10573,7 @@
           <a:srgbClr val="000000"/>
         </a:buClr>
         <a:buFont typeface="Arial"/>
-        <a:defRPr b="0" i="0" sz="1400" u="none" cap="none" strike="noStrike">
+        <a:defRPr sz="1400" b="0" i="0" u="none" strike="noStrike" cap="none">
           <a:solidFill>
             <a:srgbClr val="000000"/>
           </a:solidFill>
@@ -10578,7 +10583,7 @@
           <a:sym typeface="Arial"/>
         </a:defRPr>
       </a:lvl6pPr>
-      <a:lvl7pPr lvl="6" marR="0" rtl="0" algn="l">
+      <a:lvl7pPr marR="0" lvl="6" algn="l" rtl="0">
         <a:lnSpc>
           <a:spcPct val="100000"/>
         </a:lnSpc>
@@ -10592,7 +10597,7 @@
           <a:srgbClr val="000000"/>
         </a:buClr>
         <a:buFont typeface="Arial"/>
-        <a:defRPr b="0" i="0" sz="1400" u="none" cap="none" strike="noStrike">
+        <a:defRPr sz="1400" b="0" i="0" u="none" strike="noStrike" cap="none">
           <a:solidFill>
             <a:srgbClr val="000000"/>
           </a:solidFill>
@@ -10602,7 +10607,7 @@
           <a:sym typeface="Arial"/>
         </a:defRPr>
       </a:lvl7pPr>
-      <a:lvl8pPr lvl="7" marR="0" rtl="0" algn="l">
+      <a:lvl8pPr marR="0" lvl="7" algn="l" rtl="0">
         <a:lnSpc>
           <a:spcPct val="100000"/>
         </a:lnSpc>
@@ -10616,7 +10621,7 @@
           <a:srgbClr val="000000"/>
         </a:buClr>
         <a:buFont typeface="Arial"/>
-        <a:defRPr b="0" i="0" sz="1400" u="none" cap="none" strike="noStrike">
+        <a:defRPr sz="1400" b="0" i="0" u="none" strike="noStrike" cap="none">
           <a:solidFill>
             <a:srgbClr val="000000"/>
           </a:solidFill>
@@ -10626,7 +10631,7 @@
           <a:sym typeface="Arial"/>
         </a:defRPr>
       </a:lvl8pPr>
-      <a:lvl9pPr lvl="8" marR="0" rtl="0" algn="l">
+      <a:lvl9pPr marR="0" lvl="8" algn="l" rtl="0">
         <a:lnSpc>
           <a:spcPct val="100000"/>
         </a:lnSpc>
@@ -10640,7 +10645,7 @@
           <a:srgbClr val="000000"/>
         </a:buClr>
         <a:buFont typeface="Arial"/>
-        <a:defRPr b="0" i="0" sz="1400" u="none" cap="none" strike="noStrike">
+        <a:defRPr sz="1400" b="0" i="0" u="none" strike="noStrike" cap="none">
           <a:solidFill>
             <a:srgbClr val="000000"/>
           </a:solidFill>
@@ -10652,7 +10657,7 @@
       </a:lvl9pPr>
     </p:bodyStyle>
     <p:otherStyle>
-      <a:defPPr lvl="0" marR="0" rtl="0" algn="l">
+      <a:defPPr marR="0" lvl="0" algn="l" rtl="0">
         <a:lnSpc>
           <a:spcPct val="100000"/>
         </a:lnSpc>
@@ -10663,7 +10668,7 @@
           <a:spcPts val="0"/>
         </a:spcAft>
       </a:defPPr>
-      <a:lvl1pPr lvl="0" marR="0" rtl="0" algn="l">
+      <a:lvl1pPr marR="0" lvl="0" algn="l" rtl="0">
         <a:lnSpc>
           <a:spcPct val="100000"/>
         </a:lnSpc>
@@ -10677,7 +10682,7 @@
           <a:srgbClr val="000000"/>
         </a:buClr>
         <a:buFont typeface="Arial"/>
-        <a:defRPr b="0" i="0" sz="1400" u="none" cap="none" strike="noStrike">
+        <a:defRPr sz="1400" b="0" i="0" u="none" strike="noStrike" cap="none">
           <a:solidFill>
             <a:srgbClr val="000000"/>
           </a:solidFill>
@@ -10687,7 +10692,7 @@
           <a:sym typeface="Arial"/>
         </a:defRPr>
       </a:lvl1pPr>
-      <a:lvl2pPr lvl="1" marR="0" rtl="0" algn="l">
+      <a:lvl2pPr marR="0" lvl="1" algn="l" rtl="0">
         <a:lnSpc>
           <a:spcPct val="100000"/>
         </a:lnSpc>
@@ -10701,7 +10706,7 @@
           <a:srgbClr val="000000"/>
         </a:buClr>
         <a:buFont typeface="Arial"/>
-        <a:defRPr b="0" i="0" sz="1400" u="none" cap="none" strike="noStrike">
+        <a:defRPr sz="1400" b="0" i="0" u="none" strike="noStrike" cap="none">
           <a:solidFill>
             <a:srgbClr val="000000"/>
           </a:solidFill>
@@ -10711,7 +10716,7 @@
           <a:sym typeface="Arial"/>
         </a:defRPr>
       </a:lvl2pPr>
-      <a:lvl3pPr lvl="2" marR="0" rtl="0" algn="l">
+      <a:lvl3pPr marR="0" lvl="2" algn="l" rtl="0">
         <a:lnSpc>
           <a:spcPct val="100000"/>
         </a:lnSpc>
@@ -10725,7 +10730,7 @@
           <a:srgbClr val="000000"/>
         </a:buClr>
         <a:buFont typeface="Arial"/>
-        <a:defRPr b="0" i="0" sz="1400" u="none" cap="none" strike="noStrike">
+        <a:defRPr sz="1400" b="0" i="0" u="none" strike="noStrike" cap="none">
           <a:solidFill>
             <a:srgbClr val="000000"/>
           </a:solidFill>
@@ -10735,7 +10740,7 @@
           <a:sym typeface="Arial"/>
         </a:defRPr>
       </a:lvl3pPr>
-      <a:lvl4pPr lvl="3" marR="0" rtl="0" algn="l">
+      <a:lvl4pPr marR="0" lvl="3" algn="l" rtl="0">
         <a:lnSpc>
           <a:spcPct val="100000"/>
         </a:lnSpc>
@@ -10749,7 +10754,7 @@
           <a:srgbClr val="000000"/>
         </a:buClr>
         <a:buFont typeface="Arial"/>
-        <a:defRPr b="0" i="0" sz="1400" u="none" cap="none" strike="noStrike">
+        <a:defRPr sz="1400" b="0" i="0" u="none" strike="noStrike" cap="none">
           <a:solidFill>
             <a:srgbClr val="000000"/>
           </a:solidFill>
@@ -10759,7 +10764,7 @@
           <a:sym typeface="Arial"/>
         </a:defRPr>
       </a:lvl4pPr>
-      <a:lvl5pPr lvl="4" marR="0" rtl="0" algn="l">
+      <a:lvl5pPr marR="0" lvl="4" algn="l" rtl="0">
         <a:lnSpc>
           <a:spcPct val="100000"/>
         </a:lnSpc>
@@ -10773,7 +10778,7 @@
           <a:srgbClr val="000000"/>
         </a:buClr>
         <a:buFont typeface="Arial"/>
-        <a:defRPr b="0" i="0" sz="1400" u="none" cap="none" strike="noStrike">
+        <a:defRPr sz="1400" b="0" i="0" u="none" strike="noStrike" cap="none">
           <a:solidFill>
             <a:srgbClr val="000000"/>
           </a:solidFill>
@@ -10783,7 +10788,7 @@
           <a:sym typeface="Arial"/>
         </a:defRPr>
       </a:lvl5pPr>
-      <a:lvl6pPr lvl="5" marR="0" rtl="0" algn="l">
+      <a:lvl6pPr marR="0" lvl="5" algn="l" rtl="0">
         <a:lnSpc>
           <a:spcPct val="100000"/>
         </a:lnSpc>
@@ -10797,7 +10802,7 @@
           <a:srgbClr val="000000"/>
         </a:buClr>
         <a:buFont typeface="Arial"/>
-        <a:defRPr b="0" i="0" sz="1400" u="none" cap="none" strike="noStrike">
+        <a:defRPr sz="1400" b="0" i="0" u="none" strike="noStrike" cap="none">
           <a:solidFill>
             <a:srgbClr val="000000"/>
           </a:solidFill>
@@ -10807,7 +10812,7 @@
           <a:sym typeface="Arial"/>
         </a:defRPr>
       </a:lvl6pPr>
-      <a:lvl7pPr lvl="6" marR="0" rtl="0" algn="l">
+      <a:lvl7pPr marR="0" lvl="6" algn="l" rtl="0">
         <a:lnSpc>
           <a:spcPct val="100000"/>
         </a:lnSpc>
@@ -10821,7 +10826,7 @@
           <a:srgbClr val="000000"/>
         </a:buClr>
         <a:buFont typeface="Arial"/>
-        <a:defRPr b="0" i="0" sz="1400" u="none" cap="none" strike="noStrike">
+        <a:defRPr sz="1400" b="0" i="0" u="none" strike="noStrike" cap="none">
           <a:solidFill>
             <a:srgbClr val="000000"/>
           </a:solidFill>
@@ -10831,7 +10836,7 @@
           <a:sym typeface="Arial"/>
         </a:defRPr>
       </a:lvl7pPr>
-      <a:lvl8pPr lvl="7" marR="0" rtl="0" algn="l">
+      <a:lvl8pPr marR="0" lvl="7" algn="l" rtl="0">
         <a:lnSpc>
           <a:spcPct val="100000"/>
         </a:lnSpc>
@@ -10845,7 +10850,7 @@
           <a:srgbClr val="000000"/>
         </a:buClr>
         <a:buFont typeface="Arial"/>
-        <a:defRPr b="0" i="0" sz="1400" u="none" cap="none" strike="noStrike">
+        <a:defRPr sz="1400" b="0" i="0" u="none" strike="noStrike" cap="none">
           <a:solidFill>
             <a:srgbClr val="000000"/>
           </a:solidFill>
@@ -10855,7 +10860,7 @@
           <a:sym typeface="Arial"/>
         </a:defRPr>
       </a:lvl8pPr>
-      <a:lvl9pPr lvl="8" marR="0" rtl="0" algn="l">
+      <a:lvl9pPr marR="0" lvl="8" algn="l" rtl="0">
         <a:lnSpc>
           <a:spcPct val="100000"/>
         </a:lnSpc>
@@ -10869,7 +10874,7 @@
           <a:srgbClr val="000000"/>
         </a:buClr>
         <a:buFont typeface="Arial"/>
-        <a:defRPr b="0" i="0" sz="1400" u="none" cap="none" strike="noStrike">
+        <a:defRPr sz="1400" b="0" i="0" u="none" strike="noStrike" cap="none">
           <a:solidFill>
             <a:srgbClr val="000000"/>
           </a:solidFill>
@@ -10885,11 +10890,11 @@
 </file>
 
 <file path=ppt/slides/slide1.xml><?xml version="1.0" encoding="utf-8"?>
-<p:sld xmlns:a="http://schemas.openxmlformats.org/drawingml/2006/main" xmlns:r="http://schemas.openxmlformats.org/officeDocument/2006/relationships" xmlns:mc="http://schemas.openxmlformats.org/markup-compatibility/2006" xmlns:mv="urn:schemas-microsoft-com:mac:vml" xmlns:p="http://schemas.openxmlformats.org/presentationml/2006/main" xmlns:c="http://schemas.openxmlformats.org/drawingml/2006/chart" xmlns:dgm="http://schemas.openxmlformats.org/drawingml/2006/diagram" xmlns:o="urn:schemas-microsoft-com:office:office" xmlns:v="urn:schemas-microsoft-com:vml" xmlns:pvml="urn:schemas-microsoft-com:office:powerpoint" xmlns:com="http://schemas.openxmlformats.org/drawingml/2006/compatibility" xmlns:p14="http://schemas.microsoft.com/office/powerpoint/2010/main" xmlns:p15="http://schemas.microsoft.com/office/powerpoint/2012/main" xmlns:ahyp="http://schemas.microsoft.com/office/drawing/2018/hyperlinkcolor">
+<p:sld xmlns:a="http://schemas.openxmlformats.org/drawingml/2006/main" xmlns:r="http://schemas.openxmlformats.org/officeDocument/2006/relationships" xmlns:p="http://schemas.openxmlformats.org/presentationml/2006/main">
   <p:cSld>
     <p:spTree>
       <p:nvGrpSpPr>
-        <p:cNvPr id="133" name="Shape 133"/>
+        <p:cNvPr id="1" name="Shape 133"/>
         <p:cNvGrpSpPr/>
         <p:nvPr/>
       </p:nvGrpSpPr>
@@ -10904,7 +10909,9 @@
       <p:sp>
         <p:nvSpPr>
           <p:cNvPr id="134" name="Google Shape;134;p13"/>
-          <p:cNvSpPr txBox="1"/>
+          <p:cNvSpPr txBox="1">
+            <a:spLocks noGrp="1"/>
+          </p:cNvSpPr>
           <p:nvPr>
             <p:ph type="ctrTitle"/>
           </p:nvPr>
@@ -10919,12 +10926,12 @@
           </a:prstGeom>
         </p:spPr>
         <p:txBody>
-          <a:bodyPr anchorCtr="0" anchor="t" bIns="91425" lIns="91425" spcFirstLastPara="1" rIns="91425" wrap="square" tIns="91425">
+          <a:bodyPr spcFirstLastPara="1" wrap="square" lIns="91425" tIns="91425" rIns="91425" bIns="91425" anchor="t" anchorCtr="0">
             <a:noAutofit/>
           </a:bodyPr>
           <a:lstStyle/>
           <a:p>
-            <a:pPr indent="0" lvl="0" marL="0" rtl="0" algn="l">
+            <a:pPr marL="0" lvl="0" indent="0" algn="l" rtl="0">
               <a:spcBef>
                 <a:spcPts val="0"/>
               </a:spcBef>
@@ -10934,19 +10941,21 @@
               <a:buNone/>
             </a:pPr>
             <a:r>
-              <a:rPr b="1" lang="en" sz="3500"/>
+              <a:rPr lang="en" sz="3500" b="1"/>
               <a:t>MUSIC ANALYSIS FOR GENRE CLASSIFICATION &amp; SONG RECOMMENDATION</a:t>
             </a:r>
-            <a:endParaRPr b="1" sz="3500"/>
+            <a:endParaRPr sz="3500" b="1"/>
           </a:p>
         </p:txBody>
       </p:sp>
       <p:sp>
         <p:nvSpPr>
           <p:cNvPr id="135" name="Google Shape;135;p13"/>
-          <p:cNvSpPr txBox="1"/>
+          <p:cNvSpPr txBox="1">
+            <a:spLocks noGrp="1"/>
+          </p:cNvSpPr>
           <p:nvPr>
-            <p:ph idx="1" type="subTitle"/>
+            <p:ph type="subTitle" idx="1"/>
           </p:nvPr>
         </p:nvSpPr>
         <p:spPr>
@@ -10959,12 +10968,12 @@
           </a:prstGeom>
         </p:spPr>
         <p:txBody>
-          <a:bodyPr anchorCtr="0" anchor="t" bIns="91425" lIns="91425" spcFirstLastPara="1" rIns="91425" wrap="square" tIns="91425">
+          <a:bodyPr spcFirstLastPara="1" wrap="square" lIns="91425" tIns="91425" rIns="91425" bIns="91425" anchor="t" anchorCtr="0">
             <a:noAutofit/>
           </a:bodyPr>
           <a:lstStyle/>
           <a:p>
-            <a:pPr indent="-323850" lvl="0" marL="457200" rtl="0" algn="l">
+            <a:pPr marL="457200" lvl="0" indent="-323850" algn="l" rtl="0">
               <a:spcBef>
                 <a:spcPts val="0"/>
               </a:spcBef>
@@ -10975,17 +10984,13 @@
               <a:buChar char="-"/>
             </a:pPr>
             <a:r>
-              <a:rPr b="1" lang="en" sz="1500"/>
-              <a:t>IST 718 Big Data Analytics </a:t>
+              <a:rPr lang="en" sz="1500" b="1"/>
+              <a:t>IST 718 Big Data Analytics GROUP 8</a:t>
             </a:r>
-            <a:r>
-              <a:rPr b="1" lang="en" sz="1500"/>
-              <a:t>GROUP 8</a:t>
-            </a:r>
-            <a:endParaRPr b="1" sz="1500"/>
-          </a:p>
-          <a:p>
-            <a:pPr indent="0" lvl="0" marL="0" rtl="0" algn="l">
+            <a:endParaRPr sz="1500" b="1"/>
+          </a:p>
+          <a:p>
+            <a:pPr marL="0" lvl="0" indent="0" algn="l" rtl="0">
               <a:spcBef>
                 <a:spcPts val="0"/>
               </a:spcBef>
@@ -10994,13 +10999,10 @@
               </a:spcAft>
               <a:buNone/>
             </a:pPr>
-            <a:r>
-              <a:t/>
-            </a:r>
             <a:endParaRPr/>
           </a:p>
           <a:p>
-            <a:pPr indent="-317500" lvl="0" marL="457200" rtl="0" algn="l">
+            <a:pPr marL="457200" lvl="0" indent="-317500" algn="l" rtl="0">
               <a:lnSpc>
                 <a:spcPct val="115000"/>
               </a:lnSpc>
@@ -11015,7 +11017,7 @@
               <a:buChar char="-"/>
             </a:pPr>
             <a:r>
-              <a:rPr b="1" lang="en" sz="1400">
+              <a:rPr lang="en" sz="1400" b="1">
                 <a:latin typeface="Arial"/>
                 <a:ea typeface="Arial"/>
                 <a:cs typeface="Arial"/>
@@ -11023,7 +11025,7 @@
               </a:rPr>
               <a:t>Aditya Uday Tornekar</a:t>
             </a:r>
-            <a:endParaRPr b="1" sz="1400">
+            <a:endParaRPr sz="1400" b="1">
               <a:latin typeface="Arial"/>
               <a:ea typeface="Arial"/>
               <a:cs typeface="Arial"/>
@@ -11031,7 +11033,7 @@
             </a:endParaRPr>
           </a:p>
           <a:p>
-            <a:pPr indent="-317500" lvl="0" marL="457200" rtl="0" algn="l">
+            <a:pPr marL="457200" lvl="0" indent="-317500" algn="l" rtl="0">
               <a:lnSpc>
                 <a:spcPct val="115000"/>
               </a:lnSpc>
@@ -11046,7 +11048,7 @@
               <a:buChar char="-"/>
             </a:pPr>
             <a:r>
-              <a:rPr b="1" lang="en" sz="1400">
+              <a:rPr lang="en" sz="1400" b="1">
                 <a:latin typeface="Arial"/>
                 <a:ea typeface="Arial"/>
                 <a:cs typeface="Arial"/>
@@ -11054,7 +11056,7 @@
               </a:rPr>
               <a:t>Nisha Rangnani</a:t>
             </a:r>
-            <a:endParaRPr b="1" sz="1400">
+            <a:endParaRPr sz="1400" b="1">
               <a:latin typeface="Arial"/>
               <a:ea typeface="Arial"/>
               <a:cs typeface="Arial"/>
@@ -11062,7 +11064,7 @@
             </a:endParaRPr>
           </a:p>
           <a:p>
-            <a:pPr indent="-317500" lvl="0" marL="457200" rtl="0" algn="l">
+            <a:pPr marL="457200" lvl="0" indent="-317500" algn="l" rtl="0">
               <a:lnSpc>
                 <a:spcPct val="115000"/>
               </a:lnSpc>
@@ -11077,7 +11079,7 @@
               <a:buChar char="-"/>
             </a:pPr>
             <a:r>
-              <a:rPr b="1" lang="en" sz="1400">
+              <a:rPr lang="en" sz="1400" b="1">
                 <a:latin typeface="Arial"/>
                 <a:ea typeface="Arial"/>
                 <a:cs typeface="Arial"/>
@@ -11085,7 +11087,7 @@
               </a:rPr>
               <a:t>Rishabh Mahesh Upadhye</a:t>
             </a:r>
-            <a:endParaRPr b="1" sz="1400">
+            <a:endParaRPr sz="1400" b="1">
               <a:latin typeface="Arial"/>
               <a:ea typeface="Arial"/>
               <a:cs typeface="Arial"/>
@@ -11093,7 +11095,7 @@
             </a:endParaRPr>
           </a:p>
           <a:p>
-            <a:pPr indent="-317500" lvl="0" marL="457200" rtl="0" algn="l">
+            <a:pPr marL="457200" lvl="0" indent="-317500" algn="l" rtl="0">
               <a:lnSpc>
                 <a:spcPct val="115000"/>
               </a:lnSpc>
@@ -11108,7 +11110,7 @@
               <a:buChar char="-"/>
             </a:pPr>
             <a:r>
-              <a:rPr b="1" lang="en" sz="1400">
+              <a:rPr lang="en" sz="1400" b="1">
                 <a:latin typeface="Arial"/>
                 <a:ea typeface="Arial"/>
                 <a:cs typeface="Arial"/>
@@ -11119,7 +11121,7 @@
             <a:endParaRPr sz="1400"/>
           </a:p>
           <a:p>
-            <a:pPr indent="0" lvl="0" marL="0" rtl="0" algn="l">
+            <a:pPr marL="0" lvl="0" indent="0" algn="l" rtl="0">
               <a:spcBef>
                 <a:spcPts val="0"/>
               </a:spcBef>
@@ -11128,9 +11130,6 @@
               </a:spcAft>
               <a:buNone/>
             </a:pPr>
-            <a:r>
-              <a:t/>
-            </a:r>
             <a:endParaRPr/>
           </a:p>
         </p:txBody>
@@ -11144,11 +11143,11 @@
 </file>
 
 <file path=ppt/slides/slide10.xml><?xml version="1.0" encoding="utf-8"?>
-<p:sld xmlns:a="http://schemas.openxmlformats.org/drawingml/2006/main" xmlns:r="http://schemas.openxmlformats.org/officeDocument/2006/relationships" xmlns:mc="http://schemas.openxmlformats.org/markup-compatibility/2006" xmlns:mv="urn:schemas-microsoft-com:mac:vml" xmlns:p="http://schemas.openxmlformats.org/presentationml/2006/main" xmlns:c="http://schemas.openxmlformats.org/drawingml/2006/chart" xmlns:dgm="http://schemas.openxmlformats.org/drawingml/2006/diagram" xmlns:o="urn:schemas-microsoft-com:office:office" xmlns:v="urn:schemas-microsoft-com:vml" xmlns:pvml="urn:schemas-microsoft-com:office:powerpoint" xmlns:com="http://schemas.openxmlformats.org/drawingml/2006/compatibility" xmlns:p14="http://schemas.microsoft.com/office/powerpoint/2010/main" xmlns:p15="http://schemas.microsoft.com/office/powerpoint/2012/main" xmlns:ahyp="http://schemas.microsoft.com/office/drawing/2018/hyperlinkcolor">
+<p:sld xmlns:a="http://schemas.openxmlformats.org/drawingml/2006/main" xmlns:r="http://schemas.openxmlformats.org/officeDocument/2006/relationships" xmlns:p="http://schemas.openxmlformats.org/presentationml/2006/main">
   <p:cSld>
     <p:spTree>
       <p:nvGrpSpPr>
-        <p:cNvPr id="192" name="Shape 192"/>
+        <p:cNvPr id="1" name="Shape 192"/>
         <p:cNvGrpSpPr/>
         <p:nvPr/>
       </p:nvGrpSpPr>
@@ -11163,7 +11162,9 @@
       <p:sp>
         <p:nvSpPr>
           <p:cNvPr id="193" name="Google Shape;193;p22"/>
-          <p:cNvSpPr txBox="1"/>
+          <p:cNvSpPr txBox="1">
+            <a:spLocks noGrp="1"/>
+          </p:cNvSpPr>
           <p:nvPr>
             <p:ph type="title"/>
           </p:nvPr>
@@ -11178,12 +11179,12 @@
           </a:prstGeom>
         </p:spPr>
         <p:txBody>
-          <a:bodyPr anchorCtr="0" anchor="t" bIns="91425" lIns="91425" spcFirstLastPara="1" rIns="91425" wrap="square" tIns="91425">
+          <a:bodyPr spcFirstLastPara="1" wrap="square" lIns="91425" tIns="91425" rIns="91425" bIns="91425" anchor="t" anchorCtr="0">
             <a:noAutofit/>
           </a:bodyPr>
           <a:lstStyle/>
           <a:p>
-            <a:pPr indent="0" lvl="0" marL="0" rtl="0" algn="l">
+            <a:pPr marL="0" lvl="0" indent="0" algn="l" rtl="0">
               <a:spcBef>
                 <a:spcPts val="0"/>
               </a:spcBef>
@@ -11193,7 +11194,7 @@
               <a:buNone/>
             </a:pPr>
             <a:r>
-              <a:rPr b="1" lang="en"/>
+              <a:rPr lang="en" b="1"/>
               <a:t>LOGISTIC REGRESSION</a:t>
             </a:r>
             <a:endParaRPr b="1"/>
@@ -11220,12 +11221,12 @@
           </a:ln>
         </p:spPr>
         <p:txBody>
-          <a:bodyPr anchorCtr="0" anchor="t" bIns="91425" lIns="91425" spcFirstLastPara="1" rIns="91425" wrap="square" tIns="91425">
+          <a:bodyPr spcFirstLastPara="1" wrap="square" lIns="91425" tIns="91425" rIns="91425" bIns="91425" anchor="t" anchorCtr="0">
             <a:noAutofit/>
           </a:bodyPr>
           <a:lstStyle/>
           <a:p>
-            <a:pPr indent="-323850" lvl="0" marL="457200" rtl="0" algn="just">
+            <a:pPr marL="457200" lvl="0" indent="-323850" algn="just" rtl="0">
               <a:spcBef>
                 <a:spcPts val="0"/>
               </a:spcBef>
@@ -11262,7 +11263,7 @@
             </a:endParaRPr>
           </a:p>
           <a:p>
-            <a:pPr indent="-323850" lvl="0" marL="457200" rtl="0" algn="just">
+            <a:pPr marL="457200" lvl="0" indent="-323850" algn="just" rtl="0">
               <a:spcBef>
                 <a:spcPts val="0"/>
               </a:spcBef>
@@ -11299,7 +11300,7 @@
             </a:endParaRPr>
           </a:p>
           <a:p>
-            <a:pPr indent="-323850" lvl="0" marL="457200" rtl="0" algn="just">
+            <a:pPr marL="457200" lvl="0" indent="-323850" algn="just" rtl="0">
               <a:spcBef>
                 <a:spcPts val="0"/>
               </a:spcBef>
@@ -11336,7 +11337,7 @@
             </a:endParaRPr>
           </a:p>
           <a:p>
-            <a:pPr indent="0" lvl="0" marL="0" rtl="0" algn="l">
+            <a:pPr marL="0" lvl="0" indent="0" algn="l" rtl="0">
               <a:spcBef>
                 <a:spcPts val="0"/>
               </a:spcBef>
@@ -11345,9 +11346,6 @@
               </a:spcAft>
               <a:buNone/>
             </a:pPr>
-            <a:r>
-              <a:t/>
-            </a:r>
             <a:endParaRPr sz="1500">
               <a:solidFill>
                 <a:srgbClr val="FFFFFF"/>
@@ -11397,11 +11395,11 @@
 </file>
 
 <file path=ppt/slides/slide11.xml><?xml version="1.0" encoding="utf-8"?>
-<p:sld xmlns:a="http://schemas.openxmlformats.org/drawingml/2006/main" xmlns:r="http://schemas.openxmlformats.org/officeDocument/2006/relationships" xmlns:mc="http://schemas.openxmlformats.org/markup-compatibility/2006" xmlns:mv="urn:schemas-microsoft-com:mac:vml" xmlns:p="http://schemas.openxmlformats.org/presentationml/2006/main" xmlns:c="http://schemas.openxmlformats.org/drawingml/2006/chart" xmlns:dgm="http://schemas.openxmlformats.org/drawingml/2006/diagram" xmlns:o="urn:schemas-microsoft-com:office:office" xmlns:v="urn:schemas-microsoft-com:vml" xmlns:pvml="urn:schemas-microsoft-com:office:powerpoint" xmlns:com="http://schemas.openxmlformats.org/drawingml/2006/compatibility" xmlns:p14="http://schemas.microsoft.com/office/powerpoint/2010/main" xmlns:p15="http://schemas.microsoft.com/office/powerpoint/2012/main" xmlns:ahyp="http://schemas.microsoft.com/office/drawing/2018/hyperlinkcolor">
+<p:sld xmlns:a="http://schemas.openxmlformats.org/drawingml/2006/main" xmlns:r="http://schemas.openxmlformats.org/officeDocument/2006/relationships" xmlns:p="http://schemas.openxmlformats.org/presentationml/2006/main">
   <p:cSld>
     <p:spTree>
       <p:nvGrpSpPr>
-        <p:cNvPr id="199" name="Shape 199"/>
+        <p:cNvPr id="1" name="Shape 199"/>
         <p:cNvGrpSpPr/>
         <p:nvPr/>
       </p:nvGrpSpPr>
@@ -11416,7 +11414,9 @@
       <p:sp>
         <p:nvSpPr>
           <p:cNvPr id="200" name="Google Shape;200;p23"/>
-          <p:cNvSpPr txBox="1"/>
+          <p:cNvSpPr txBox="1">
+            <a:spLocks noGrp="1"/>
+          </p:cNvSpPr>
           <p:nvPr>
             <p:ph type="title"/>
           </p:nvPr>
@@ -11431,12 +11431,12 @@
           </a:prstGeom>
         </p:spPr>
         <p:txBody>
-          <a:bodyPr anchorCtr="0" anchor="t" bIns="91425" lIns="91425" spcFirstLastPara="1" rIns="91425" wrap="square" tIns="91425">
+          <a:bodyPr spcFirstLastPara="1" wrap="square" lIns="91425" tIns="91425" rIns="91425" bIns="91425" anchor="t" anchorCtr="0">
             <a:noAutofit/>
           </a:bodyPr>
           <a:lstStyle/>
           <a:p>
-            <a:pPr indent="0" lvl="0" marL="0" rtl="0" algn="l">
+            <a:pPr marL="0" lvl="0" indent="0" algn="l" rtl="0">
               <a:spcBef>
                 <a:spcPts val="0"/>
               </a:spcBef>
@@ -11446,7 +11446,7 @@
               <a:buNone/>
             </a:pPr>
             <a:r>
-              <a:rPr b="1" lang="en"/>
+              <a:rPr lang="en" b="1"/>
               <a:t>NAIVE BAYES CLASSIFIER</a:t>
             </a:r>
             <a:endParaRPr b="1"/>
@@ -11473,12 +11473,12 @@
           </a:ln>
         </p:spPr>
         <p:txBody>
-          <a:bodyPr anchorCtr="0" anchor="t" bIns="91425" lIns="91425" spcFirstLastPara="1" rIns="91425" wrap="square" tIns="91425">
+          <a:bodyPr spcFirstLastPara="1" wrap="square" lIns="91425" tIns="91425" rIns="91425" bIns="91425" anchor="t" anchorCtr="0">
             <a:noAutofit/>
           </a:bodyPr>
           <a:lstStyle/>
           <a:p>
-            <a:pPr indent="-323850" lvl="0" marL="457200" rtl="0" algn="just">
+            <a:pPr marL="457200" lvl="0" indent="-323850" algn="just" rtl="0">
               <a:spcBef>
                 <a:spcPts val="0"/>
               </a:spcBef>
@@ -11515,7 +11515,7 @@
             </a:endParaRPr>
           </a:p>
           <a:p>
-            <a:pPr indent="0" lvl="0" marL="457200" rtl="0" algn="just">
+            <a:pPr marL="457200" lvl="0" indent="0" algn="just" rtl="0">
               <a:spcBef>
                 <a:spcPts val="0"/>
               </a:spcBef>
@@ -11524,9 +11524,6 @@
               </a:spcAft>
               <a:buNone/>
             </a:pPr>
-            <a:r>
-              <a:t/>
-            </a:r>
             <a:endParaRPr>
               <a:solidFill>
                 <a:srgbClr val="FFFFFF"/>
@@ -11538,7 +11535,7 @@
             </a:endParaRPr>
           </a:p>
           <a:p>
-            <a:pPr indent="-323850" lvl="0" marL="457200" rtl="0" algn="just">
+            <a:pPr marL="457200" lvl="0" indent="-323850" algn="just" rtl="0">
               <a:spcBef>
                 <a:spcPts val="0"/>
               </a:spcBef>
@@ -11575,7 +11572,7 @@
             </a:endParaRPr>
           </a:p>
           <a:p>
-            <a:pPr indent="0" lvl="0" marL="0" rtl="0" algn="l">
+            <a:pPr marL="0" lvl="0" indent="0" algn="l" rtl="0">
               <a:spcBef>
                 <a:spcPts val="0"/>
               </a:spcBef>
@@ -11584,9 +11581,6 @@
               </a:spcAft>
               <a:buNone/>
             </a:pPr>
-            <a:r>
-              <a:t/>
-            </a:r>
             <a:endParaRPr>
               <a:solidFill>
                 <a:srgbClr val="FFFFFF"/>
@@ -11598,7 +11592,7 @@
             </a:endParaRPr>
           </a:p>
           <a:p>
-            <a:pPr indent="0" lvl="0" marL="0" rtl="0" algn="l">
+            <a:pPr marL="0" lvl="0" indent="0" algn="l" rtl="0">
               <a:spcBef>
                 <a:spcPts val="0"/>
               </a:spcBef>
@@ -11668,11 +11662,11 @@
 </file>
 
 <file path=ppt/slides/slide12.xml><?xml version="1.0" encoding="utf-8"?>
-<p:sld xmlns:a="http://schemas.openxmlformats.org/drawingml/2006/main" xmlns:r="http://schemas.openxmlformats.org/officeDocument/2006/relationships" xmlns:mc="http://schemas.openxmlformats.org/markup-compatibility/2006" xmlns:mv="urn:schemas-microsoft-com:mac:vml" xmlns:p="http://schemas.openxmlformats.org/presentationml/2006/main" xmlns:c="http://schemas.openxmlformats.org/drawingml/2006/chart" xmlns:dgm="http://schemas.openxmlformats.org/drawingml/2006/diagram" xmlns:o="urn:schemas-microsoft-com:office:office" xmlns:v="urn:schemas-microsoft-com:vml" xmlns:pvml="urn:schemas-microsoft-com:office:powerpoint" xmlns:com="http://schemas.openxmlformats.org/drawingml/2006/compatibility" xmlns:p14="http://schemas.microsoft.com/office/powerpoint/2010/main" xmlns:p15="http://schemas.microsoft.com/office/powerpoint/2012/main" xmlns:ahyp="http://schemas.microsoft.com/office/drawing/2018/hyperlinkcolor">
+<p:sld xmlns:a="http://schemas.openxmlformats.org/drawingml/2006/main" xmlns:r="http://schemas.openxmlformats.org/officeDocument/2006/relationships" xmlns:p="http://schemas.openxmlformats.org/presentationml/2006/main">
   <p:cSld>
     <p:spTree>
       <p:nvGrpSpPr>
-        <p:cNvPr id="206" name="Shape 206"/>
+        <p:cNvPr id="1" name="Shape 206"/>
         <p:cNvGrpSpPr/>
         <p:nvPr/>
       </p:nvGrpSpPr>
@@ -11687,7 +11681,9 @@
       <p:sp>
         <p:nvSpPr>
           <p:cNvPr id="207" name="Google Shape;207;p24"/>
-          <p:cNvSpPr txBox="1"/>
+          <p:cNvSpPr txBox="1">
+            <a:spLocks noGrp="1"/>
+          </p:cNvSpPr>
           <p:nvPr>
             <p:ph type="title"/>
           </p:nvPr>
@@ -11702,12 +11698,12 @@
           </a:prstGeom>
         </p:spPr>
         <p:txBody>
-          <a:bodyPr anchorCtr="0" anchor="t" bIns="91425" lIns="91425" spcFirstLastPara="1" rIns="91425" wrap="square" tIns="91425">
+          <a:bodyPr spcFirstLastPara="1" wrap="square" lIns="91425" tIns="91425" rIns="91425" bIns="91425" anchor="t" anchorCtr="0">
             <a:noAutofit/>
           </a:bodyPr>
           <a:lstStyle/>
           <a:p>
-            <a:pPr indent="0" lvl="0" marL="0" rtl="0" algn="l">
+            <a:pPr marL="0" lvl="0" indent="0" algn="l" rtl="0">
               <a:spcBef>
                 <a:spcPts val="0"/>
               </a:spcBef>
@@ -11717,7 +11713,7 @@
               <a:buNone/>
             </a:pPr>
             <a:r>
-              <a:rPr b="1" lang="en"/>
+              <a:rPr lang="en" b="1"/>
               <a:t>NEURAL NETWORKS(MLP)</a:t>
             </a:r>
             <a:endParaRPr b="1"/>
@@ -11744,12 +11740,12 @@
           </a:ln>
         </p:spPr>
         <p:txBody>
-          <a:bodyPr anchorCtr="0" anchor="t" bIns="91425" lIns="91425" spcFirstLastPara="1" rIns="91425" wrap="square" tIns="91425">
+          <a:bodyPr spcFirstLastPara="1" wrap="square" lIns="91425" tIns="91425" rIns="91425" bIns="91425" anchor="t" anchorCtr="0">
             <a:noAutofit/>
           </a:bodyPr>
           <a:lstStyle/>
           <a:p>
-            <a:pPr indent="-330200" lvl="0" marL="457200" rtl="0" algn="just">
+            <a:pPr marL="457200" lvl="0" indent="-330200" algn="just" rtl="0">
               <a:spcBef>
                 <a:spcPts val="0"/>
               </a:spcBef>
@@ -11786,7 +11782,7 @@
             </a:endParaRPr>
           </a:p>
           <a:p>
-            <a:pPr indent="-330200" lvl="0" marL="457200" rtl="0" algn="just">
+            <a:pPr marL="457200" lvl="0" indent="-330200" algn="just" rtl="0">
               <a:spcBef>
                 <a:spcPts val="0"/>
               </a:spcBef>
@@ -11823,7 +11819,7 @@
             </a:endParaRPr>
           </a:p>
           <a:p>
-            <a:pPr indent="-330200" lvl="0" marL="457200" rtl="0" algn="just">
+            <a:pPr marL="457200" lvl="0" indent="-330200" algn="just" rtl="0">
               <a:spcBef>
                 <a:spcPts val="0"/>
               </a:spcBef>
@@ -11898,11 +11894,11 @@
 </file>
 
 <file path=ppt/slides/slide13.xml><?xml version="1.0" encoding="utf-8"?>
-<p:sld xmlns:a="http://schemas.openxmlformats.org/drawingml/2006/main" xmlns:r="http://schemas.openxmlformats.org/officeDocument/2006/relationships" xmlns:mc="http://schemas.openxmlformats.org/markup-compatibility/2006" xmlns:mv="urn:schemas-microsoft-com:mac:vml" xmlns:p="http://schemas.openxmlformats.org/presentationml/2006/main" xmlns:c="http://schemas.openxmlformats.org/drawingml/2006/chart" xmlns:dgm="http://schemas.openxmlformats.org/drawingml/2006/diagram" xmlns:o="urn:schemas-microsoft-com:office:office" xmlns:v="urn:schemas-microsoft-com:vml" xmlns:pvml="urn:schemas-microsoft-com:office:powerpoint" xmlns:com="http://schemas.openxmlformats.org/drawingml/2006/compatibility" xmlns:p14="http://schemas.microsoft.com/office/powerpoint/2010/main" xmlns:p15="http://schemas.microsoft.com/office/powerpoint/2012/main" xmlns:ahyp="http://schemas.microsoft.com/office/drawing/2018/hyperlinkcolor">
+<p:sld xmlns:a="http://schemas.openxmlformats.org/drawingml/2006/main" xmlns:r="http://schemas.openxmlformats.org/officeDocument/2006/relationships" xmlns:p="http://schemas.openxmlformats.org/presentationml/2006/main">
   <p:cSld>
     <p:spTree>
       <p:nvGrpSpPr>
-        <p:cNvPr id="213" name="Shape 213"/>
+        <p:cNvPr id="1" name="Shape 213"/>
         <p:cNvGrpSpPr/>
         <p:nvPr/>
       </p:nvGrpSpPr>
@@ -11917,7 +11913,9 @@
       <p:sp>
         <p:nvSpPr>
           <p:cNvPr id="214" name="Google Shape;214;p25"/>
-          <p:cNvSpPr txBox="1"/>
+          <p:cNvSpPr txBox="1">
+            <a:spLocks noGrp="1"/>
+          </p:cNvSpPr>
           <p:nvPr>
             <p:ph type="title"/>
           </p:nvPr>
@@ -11932,12 +11930,12 @@
           </a:prstGeom>
         </p:spPr>
         <p:txBody>
-          <a:bodyPr anchorCtr="0" anchor="t" bIns="91425" lIns="91425" spcFirstLastPara="1" rIns="91425" wrap="square" tIns="91425">
+          <a:bodyPr spcFirstLastPara="1" wrap="square" lIns="91425" tIns="91425" rIns="91425" bIns="91425" anchor="t" anchorCtr="0">
             <a:noAutofit/>
           </a:bodyPr>
           <a:lstStyle/>
           <a:p>
-            <a:pPr indent="0" lvl="0" marL="0" rtl="0" algn="l">
+            <a:pPr marL="0" lvl="0" indent="0" algn="l" rtl="0">
               <a:spcBef>
                 <a:spcPts val="0"/>
               </a:spcBef>
@@ -11947,7 +11945,7 @@
               <a:buNone/>
             </a:pPr>
             <a:r>
-              <a:rPr b="1" lang="en"/>
+              <a:rPr lang="en" b="1"/>
               <a:t>RANDOM FOREST CLASSIFIER</a:t>
             </a:r>
             <a:endParaRPr b="1"/>
@@ -11974,12 +11972,12 @@
           </a:ln>
         </p:spPr>
         <p:txBody>
-          <a:bodyPr anchorCtr="0" anchor="t" bIns="91425" lIns="91425" spcFirstLastPara="1" rIns="91425" wrap="square" tIns="91425">
+          <a:bodyPr spcFirstLastPara="1" wrap="square" lIns="91425" tIns="91425" rIns="91425" bIns="91425" anchor="t" anchorCtr="0">
             <a:noAutofit/>
           </a:bodyPr>
           <a:lstStyle/>
           <a:p>
-            <a:pPr indent="-330200" lvl="0" marL="457200" rtl="0" algn="l">
+            <a:pPr marL="457200" lvl="0" indent="-330200" algn="l" rtl="0">
               <a:spcBef>
                 <a:spcPts val="0"/>
               </a:spcBef>
@@ -12016,7 +12014,7 @@
             </a:endParaRPr>
           </a:p>
           <a:p>
-            <a:pPr indent="0" lvl="0" marL="457200" rtl="0" algn="l">
+            <a:pPr marL="457200" lvl="0" indent="0" algn="l" rtl="0">
               <a:spcBef>
                 <a:spcPts val="0"/>
               </a:spcBef>
@@ -12025,9 +12023,6 @@
               </a:spcAft>
               <a:buNone/>
             </a:pPr>
-            <a:r>
-              <a:t/>
-            </a:r>
             <a:endParaRPr sz="1600">
               <a:solidFill>
                 <a:schemeClr val="lt1"/>
@@ -12039,7 +12034,7 @@
             </a:endParaRPr>
           </a:p>
           <a:p>
-            <a:pPr indent="-330200" lvl="0" marL="457200" rtl="0" algn="l">
+            <a:pPr marL="457200" lvl="0" indent="-330200" algn="l" rtl="0">
               <a:spcBef>
                 <a:spcPts val="0"/>
               </a:spcBef>
@@ -12114,11 +12109,11 @@
 </file>
 
 <file path=ppt/slides/slide14.xml><?xml version="1.0" encoding="utf-8"?>
-<p:sld xmlns:a="http://schemas.openxmlformats.org/drawingml/2006/main" xmlns:r="http://schemas.openxmlformats.org/officeDocument/2006/relationships" xmlns:mc="http://schemas.openxmlformats.org/markup-compatibility/2006" xmlns:mv="urn:schemas-microsoft-com:mac:vml" xmlns:p="http://schemas.openxmlformats.org/presentationml/2006/main" xmlns:c="http://schemas.openxmlformats.org/drawingml/2006/chart" xmlns:dgm="http://schemas.openxmlformats.org/drawingml/2006/diagram" xmlns:o="urn:schemas-microsoft-com:office:office" xmlns:v="urn:schemas-microsoft-com:vml" xmlns:pvml="urn:schemas-microsoft-com:office:powerpoint" xmlns:com="http://schemas.openxmlformats.org/drawingml/2006/compatibility" xmlns:p14="http://schemas.microsoft.com/office/powerpoint/2010/main" xmlns:p15="http://schemas.microsoft.com/office/powerpoint/2012/main" xmlns:ahyp="http://schemas.microsoft.com/office/drawing/2018/hyperlinkcolor">
+<p:sld xmlns:a="http://schemas.openxmlformats.org/drawingml/2006/main" xmlns:r="http://schemas.openxmlformats.org/officeDocument/2006/relationships" xmlns:p="http://schemas.openxmlformats.org/presentationml/2006/main">
   <p:cSld>
     <p:spTree>
       <p:nvGrpSpPr>
-        <p:cNvPr id="220" name="Shape 220"/>
+        <p:cNvPr id="1" name="Shape 220"/>
         <p:cNvGrpSpPr/>
         <p:nvPr/>
       </p:nvGrpSpPr>
@@ -12133,7 +12128,9 @@
       <p:sp>
         <p:nvSpPr>
           <p:cNvPr id="221" name="Google Shape;221;p26"/>
-          <p:cNvSpPr txBox="1"/>
+          <p:cNvSpPr txBox="1">
+            <a:spLocks noGrp="1"/>
+          </p:cNvSpPr>
           <p:nvPr>
             <p:ph type="title"/>
           </p:nvPr>
@@ -12148,12 +12145,12 @@
           </a:prstGeom>
         </p:spPr>
         <p:txBody>
-          <a:bodyPr anchorCtr="0" anchor="t" bIns="91425" lIns="91425" spcFirstLastPara="1" rIns="91425" wrap="square" tIns="91425">
+          <a:bodyPr spcFirstLastPara="1" wrap="square" lIns="91425" tIns="91425" rIns="91425" bIns="91425" anchor="t" anchorCtr="0">
             <a:noAutofit/>
           </a:bodyPr>
           <a:lstStyle/>
           <a:p>
-            <a:pPr indent="0" lvl="0" marL="0" rtl="0" algn="l">
+            <a:pPr marL="0" lvl="0" indent="0" algn="l" rtl="0">
               <a:spcBef>
                 <a:spcPts val="0"/>
               </a:spcBef>
@@ -12163,7 +12160,7 @@
               <a:buNone/>
             </a:pPr>
             <a:r>
-              <a:rPr b="1" lang="en"/>
+              <a:rPr lang="en" b="1"/>
               <a:t>SONG RECOMMENDATION</a:t>
             </a:r>
             <a:endParaRPr b="1"/>
@@ -12173,9 +12170,11 @@
       <p:sp>
         <p:nvSpPr>
           <p:cNvPr id="222" name="Google Shape;222;p26"/>
-          <p:cNvSpPr txBox="1"/>
+          <p:cNvSpPr txBox="1">
+            <a:spLocks noGrp="1"/>
+          </p:cNvSpPr>
           <p:nvPr>
-            <p:ph idx="1" type="body"/>
+            <p:ph type="body" idx="1"/>
           </p:nvPr>
         </p:nvSpPr>
         <p:spPr>
@@ -12188,12 +12187,12 @@
           </a:prstGeom>
         </p:spPr>
         <p:txBody>
-          <a:bodyPr anchorCtr="0" anchor="t" bIns="91425" lIns="91425" spcFirstLastPara="1" rIns="91425" wrap="square" tIns="91425">
+          <a:bodyPr spcFirstLastPara="1" wrap="square" lIns="91425" tIns="91425" rIns="91425" bIns="91425" anchor="t" anchorCtr="0">
             <a:noAutofit/>
           </a:bodyPr>
           <a:lstStyle/>
           <a:p>
-            <a:pPr indent="-317500" lvl="0" marL="457200" rtl="0" algn="l">
+            <a:pPr marL="457200" lvl="0" indent="-317500" algn="l" rtl="0">
               <a:spcBef>
                 <a:spcPts val="0"/>
               </a:spcBef>
@@ -12205,20 +12204,12 @@
             </a:pPr>
             <a:r>
               <a:rPr lang="en" sz="1400"/>
-              <a:t>Initial Approach Collaborative Filtering, Content Based </a:t>
-            </a:r>
-            <a:r>
-              <a:rPr lang="en" sz="1400"/>
-              <a:t>Filtering</a:t>
-            </a:r>
-            <a:r>
-              <a:rPr lang="en" sz="1400"/>
-              <a:t> and Alternating Least Squares. </a:t>
+              <a:t>Initial Approach Collaborative Filtering, Content Based Filtering and Alternating Least Squares. </a:t>
             </a:r>
             <a:endParaRPr sz="1400"/>
           </a:p>
           <a:p>
-            <a:pPr indent="-317500" lvl="0" marL="457200" rtl="0" algn="l">
+            <a:pPr marL="457200" lvl="0" indent="-317500" algn="l" rtl="0">
               <a:spcBef>
                 <a:spcPts val="0"/>
               </a:spcBef>
@@ -12235,7 +12226,7 @@
             <a:endParaRPr sz="1400"/>
           </a:p>
           <a:p>
-            <a:pPr indent="-304800" lvl="1" marL="914400" rtl="0" algn="l">
+            <a:pPr marL="914400" lvl="1" indent="-304800" algn="l" rtl="0">
               <a:spcBef>
                 <a:spcPts val="0"/>
               </a:spcBef>
@@ -12252,7 +12243,7 @@
             <a:endParaRPr sz="1200"/>
           </a:p>
           <a:p>
-            <a:pPr indent="-304800" lvl="1" marL="914400" rtl="0" algn="l">
+            <a:pPr marL="914400" lvl="1" indent="-304800" algn="l" rtl="0">
               <a:spcBef>
                 <a:spcPts val="0"/>
               </a:spcBef>
@@ -12335,11 +12326,11 @@
 </file>
 
 <file path=ppt/slides/slide15.xml><?xml version="1.0" encoding="utf-8"?>
-<p:sld xmlns:a="http://schemas.openxmlformats.org/drawingml/2006/main" xmlns:r="http://schemas.openxmlformats.org/officeDocument/2006/relationships" xmlns:mc="http://schemas.openxmlformats.org/markup-compatibility/2006" xmlns:mv="urn:schemas-microsoft-com:mac:vml" xmlns:p="http://schemas.openxmlformats.org/presentationml/2006/main" xmlns:c="http://schemas.openxmlformats.org/drawingml/2006/chart" xmlns:dgm="http://schemas.openxmlformats.org/drawingml/2006/diagram" xmlns:o="urn:schemas-microsoft-com:office:office" xmlns:v="urn:schemas-microsoft-com:vml" xmlns:pvml="urn:schemas-microsoft-com:office:powerpoint" xmlns:com="http://schemas.openxmlformats.org/drawingml/2006/compatibility" xmlns:p14="http://schemas.microsoft.com/office/powerpoint/2010/main" xmlns:p15="http://schemas.microsoft.com/office/powerpoint/2012/main" xmlns:ahyp="http://schemas.microsoft.com/office/drawing/2018/hyperlinkcolor">
+<p:sld xmlns:a="http://schemas.openxmlformats.org/drawingml/2006/main" xmlns:r="http://schemas.openxmlformats.org/officeDocument/2006/relationships" xmlns:p="http://schemas.openxmlformats.org/presentationml/2006/main">
   <p:cSld>
     <p:spTree>
       <p:nvGrpSpPr>
-        <p:cNvPr id="228" name="Shape 228"/>
+        <p:cNvPr id="1" name="Shape 228"/>
         <p:cNvGrpSpPr/>
         <p:nvPr/>
       </p:nvGrpSpPr>
@@ -12354,7 +12345,9 @@
       <p:sp>
         <p:nvSpPr>
           <p:cNvPr id="229" name="Google Shape;229;p27"/>
-          <p:cNvSpPr txBox="1"/>
+          <p:cNvSpPr txBox="1">
+            <a:spLocks noGrp="1"/>
+          </p:cNvSpPr>
           <p:nvPr>
             <p:ph type="title"/>
           </p:nvPr>
@@ -12369,12 +12362,12 @@
           </a:prstGeom>
         </p:spPr>
         <p:txBody>
-          <a:bodyPr anchorCtr="0" anchor="t" bIns="91425" lIns="91425" spcFirstLastPara="1" rIns="91425" wrap="square" tIns="91425">
+          <a:bodyPr spcFirstLastPara="1" wrap="square" lIns="91425" tIns="91425" rIns="91425" bIns="91425" anchor="t" anchorCtr="0">
             <a:noAutofit/>
           </a:bodyPr>
           <a:lstStyle/>
           <a:p>
-            <a:pPr indent="0" lvl="0" marL="0" rtl="0" algn="l">
+            <a:pPr marL="0" lvl="0" indent="0" algn="l" rtl="0">
               <a:spcBef>
                 <a:spcPts val="0"/>
               </a:spcBef>
@@ -12384,12 +12377,8 @@
               <a:buNone/>
             </a:pPr>
             <a:r>
-              <a:rPr b="1" lang="en"/>
-              <a:t>MODEL COMPARISON &amp; </a:t>
-            </a:r>
-            <a:r>
-              <a:rPr b="1" lang="en"/>
-              <a:t>RESULTS </a:t>
+              <a:rPr lang="en" b="1"/>
+              <a:t>MODEL COMPARISON &amp; RESULTS </a:t>
             </a:r>
             <a:endParaRPr b="1"/>
           </a:p>
@@ -12443,12 +12432,12 @@
           </a:ln>
         </p:spPr>
         <p:txBody>
-          <a:bodyPr anchorCtr="0" anchor="t" bIns="91425" lIns="91425" spcFirstLastPara="1" rIns="91425" wrap="square" tIns="91425">
+          <a:bodyPr spcFirstLastPara="1" wrap="square" lIns="91425" tIns="91425" rIns="91425" bIns="91425" anchor="t" anchorCtr="0">
             <a:noAutofit/>
           </a:bodyPr>
           <a:lstStyle/>
           <a:p>
-            <a:pPr indent="0" lvl="0" marL="0" rtl="0" algn="l">
+            <a:pPr marL="0" lvl="0" indent="0" algn="l" rtl="0">
               <a:spcBef>
                 <a:spcPts val="0"/>
               </a:spcBef>
@@ -12480,7 +12469,7 @@
             </a:endParaRPr>
           </a:p>
           <a:p>
-            <a:pPr indent="0" lvl="0" marL="0" rtl="0" algn="l">
+            <a:pPr marL="0" lvl="0" indent="0" algn="l" rtl="0">
               <a:spcBef>
                 <a:spcPts val="0"/>
               </a:spcBef>
@@ -12489,9 +12478,6 @@
               </a:spcAft>
               <a:buNone/>
             </a:pPr>
-            <a:r>
-              <a:t/>
-            </a:r>
             <a:endParaRPr>
               <a:solidFill>
                 <a:srgbClr val="FFFFFF"/>
@@ -12503,7 +12489,7 @@
             </a:endParaRPr>
           </a:p>
           <a:p>
-            <a:pPr indent="0" lvl="0" marL="0" rtl="0" algn="l">
+            <a:pPr marL="0" lvl="0" indent="0" algn="l" rtl="0">
               <a:spcBef>
                 <a:spcPts val="0"/>
               </a:spcBef>
@@ -12535,7 +12521,7 @@
             </a:endParaRPr>
           </a:p>
           <a:p>
-            <a:pPr indent="0" lvl="0" marL="0" rtl="0" algn="l">
+            <a:pPr marL="0" lvl="0" indent="0" algn="l" rtl="0">
               <a:spcBef>
                 <a:spcPts val="0"/>
               </a:spcBef>
@@ -12544,9 +12530,6 @@
               </a:spcAft>
               <a:buNone/>
             </a:pPr>
-            <a:r>
-              <a:t/>
-            </a:r>
             <a:endParaRPr>
               <a:solidFill>
                 <a:srgbClr val="FFFFFF"/>
@@ -12568,11 +12551,11 @@
 </file>
 
 <file path=ppt/slides/slide16.xml><?xml version="1.0" encoding="utf-8"?>
-<p:sld xmlns:a="http://schemas.openxmlformats.org/drawingml/2006/main" xmlns:r="http://schemas.openxmlformats.org/officeDocument/2006/relationships" xmlns:mc="http://schemas.openxmlformats.org/markup-compatibility/2006" xmlns:mv="urn:schemas-microsoft-com:mac:vml" xmlns:p="http://schemas.openxmlformats.org/presentationml/2006/main" xmlns:c="http://schemas.openxmlformats.org/drawingml/2006/chart" xmlns:dgm="http://schemas.openxmlformats.org/drawingml/2006/diagram" xmlns:o="urn:schemas-microsoft-com:office:office" xmlns:v="urn:schemas-microsoft-com:vml" xmlns:pvml="urn:schemas-microsoft-com:office:powerpoint" xmlns:com="http://schemas.openxmlformats.org/drawingml/2006/compatibility" xmlns:p14="http://schemas.microsoft.com/office/powerpoint/2010/main" xmlns:p15="http://schemas.microsoft.com/office/powerpoint/2012/main" xmlns:ahyp="http://schemas.microsoft.com/office/drawing/2018/hyperlinkcolor">
+<p:sld xmlns:a="http://schemas.openxmlformats.org/drawingml/2006/main" xmlns:r="http://schemas.openxmlformats.org/officeDocument/2006/relationships" xmlns:p="http://schemas.openxmlformats.org/presentationml/2006/main">
   <p:cSld>
     <p:spTree>
       <p:nvGrpSpPr>
-        <p:cNvPr id="235" name="Shape 235"/>
+        <p:cNvPr id="1" name="Shape 235"/>
         <p:cNvGrpSpPr/>
         <p:nvPr/>
       </p:nvGrpSpPr>
@@ -12615,7 +12598,9 @@
       <p:sp>
         <p:nvSpPr>
           <p:cNvPr id="237" name="Google Shape;237;p28"/>
-          <p:cNvSpPr txBox="1"/>
+          <p:cNvSpPr txBox="1">
+            <a:spLocks noGrp="1"/>
+          </p:cNvSpPr>
           <p:nvPr>
             <p:ph type="title"/>
           </p:nvPr>
@@ -12630,12 +12615,12 @@
           </a:prstGeom>
         </p:spPr>
         <p:txBody>
-          <a:bodyPr anchorCtr="0" anchor="t" bIns="91425" lIns="91425" spcFirstLastPara="1" rIns="91425" wrap="square" tIns="91425">
+          <a:bodyPr spcFirstLastPara="1" wrap="square" lIns="91425" tIns="91425" rIns="91425" bIns="91425" anchor="t" anchorCtr="0">
             <a:noAutofit/>
           </a:bodyPr>
           <a:lstStyle/>
           <a:p>
-            <a:pPr indent="0" lvl="0" marL="0" rtl="0" algn="l">
+            <a:pPr marL="0" lvl="0" indent="0" algn="l" rtl="0">
               <a:spcBef>
                 <a:spcPts val="0"/>
               </a:spcBef>
@@ -12645,7 +12630,7 @@
               <a:buNone/>
             </a:pPr>
             <a:r>
-              <a:rPr b="1" lang="en"/>
+              <a:rPr lang="en" b="1"/>
               <a:t>MODEL COMPARISON &amp; RESULTS </a:t>
             </a:r>
             <a:endParaRPr b="1"/>
@@ -12672,12 +12657,12 @@
           </a:ln>
         </p:spPr>
         <p:txBody>
-          <a:bodyPr anchorCtr="0" anchor="t" bIns="91425" lIns="91425" spcFirstLastPara="1" rIns="91425" wrap="square" tIns="91425">
+          <a:bodyPr spcFirstLastPara="1" wrap="square" lIns="91425" tIns="91425" rIns="91425" bIns="91425" anchor="t" anchorCtr="0">
             <a:noAutofit/>
           </a:bodyPr>
           <a:lstStyle/>
           <a:p>
-            <a:pPr indent="-317500" lvl="0" marL="457200" rtl="0" algn="just">
+            <a:pPr marL="457200" lvl="0" indent="-317500" rtl="0">
               <a:spcBef>
                 <a:spcPts val="0"/>
               </a:spcBef>
@@ -12692,7 +12677,7 @@
               <a:buChar char="●"/>
             </a:pPr>
             <a:r>
-              <a:rPr lang="en">
+              <a:rPr lang="en" dirty="0">
                 <a:solidFill>
                   <a:srgbClr val="FFFFFF"/>
                 </a:solidFill>
@@ -12704,7 +12689,7 @@
               <a:t>The F-Measure was considered the best evaluator for the genre classification problem</a:t>
             </a:r>
             <a:br>
-              <a:rPr lang="en">
+              <a:rPr lang="en" dirty="0">
                 <a:solidFill>
                   <a:srgbClr val="FFFFFF"/>
                 </a:solidFill>
@@ -12714,7 +12699,7 @@
                 <a:sym typeface="Lato"/>
               </a:rPr>
             </a:br>
-            <a:endParaRPr>
+            <a:endParaRPr dirty="0">
               <a:solidFill>
                 <a:srgbClr val="FFFFFF"/>
               </a:solidFill>
@@ -12725,7 +12710,7 @@
             </a:endParaRPr>
           </a:p>
           <a:p>
-            <a:pPr indent="-317500" lvl="0" marL="457200" rtl="0" algn="just">
+            <a:pPr marL="457200" lvl="0" indent="-317500" algn="just" rtl="0">
               <a:spcBef>
                 <a:spcPts val="0"/>
               </a:spcBef>
@@ -12740,7 +12725,7 @@
               <a:buChar char="●"/>
             </a:pPr>
             <a:r>
-              <a:rPr lang="en">
+              <a:rPr lang="en" dirty="0">
                 <a:solidFill>
                   <a:srgbClr val="FFFFFF"/>
                 </a:solidFill>
@@ -12751,7 +12736,7 @@
               </a:rPr>
               <a:t>The Random Forest performed the best with 58.47 F-1 score</a:t>
             </a:r>
-            <a:endParaRPr>
+            <a:endParaRPr dirty="0">
               <a:solidFill>
                 <a:srgbClr val="FFFFFF"/>
               </a:solidFill>
@@ -12772,11 +12757,11 @@
 </file>
 
 <file path=ppt/slides/slide17.xml><?xml version="1.0" encoding="utf-8"?>
-<p:sld xmlns:a="http://schemas.openxmlformats.org/drawingml/2006/main" xmlns:r="http://schemas.openxmlformats.org/officeDocument/2006/relationships" xmlns:mc="http://schemas.openxmlformats.org/markup-compatibility/2006" xmlns:mv="urn:schemas-microsoft-com:mac:vml" xmlns:p="http://schemas.openxmlformats.org/presentationml/2006/main" xmlns:c="http://schemas.openxmlformats.org/drawingml/2006/chart" xmlns:dgm="http://schemas.openxmlformats.org/drawingml/2006/diagram" xmlns:o="urn:schemas-microsoft-com:office:office" xmlns:v="urn:schemas-microsoft-com:vml" xmlns:pvml="urn:schemas-microsoft-com:office:powerpoint" xmlns:com="http://schemas.openxmlformats.org/drawingml/2006/compatibility" xmlns:p14="http://schemas.microsoft.com/office/powerpoint/2010/main" xmlns:p15="http://schemas.microsoft.com/office/powerpoint/2012/main" xmlns:ahyp="http://schemas.microsoft.com/office/drawing/2018/hyperlinkcolor">
+<p:sld xmlns:a="http://schemas.openxmlformats.org/drawingml/2006/main" xmlns:r="http://schemas.openxmlformats.org/officeDocument/2006/relationships" xmlns:p="http://schemas.openxmlformats.org/presentationml/2006/main">
   <p:cSld>
     <p:spTree>
       <p:nvGrpSpPr>
-        <p:cNvPr id="242" name="Shape 242"/>
+        <p:cNvPr id="1" name="Shape 242"/>
         <p:cNvGrpSpPr/>
         <p:nvPr/>
       </p:nvGrpSpPr>
@@ -12791,7 +12776,9 @@
       <p:sp>
         <p:nvSpPr>
           <p:cNvPr id="243" name="Google Shape;243;p29"/>
-          <p:cNvSpPr txBox="1"/>
+          <p:cNvSpPr txBox="1">
+            <a:spLocks noGrp="1"/>
+          </p:cNvSpPr>
           <p:nvPr>
             <p:ph type="title"/>
           </p:nvPr>
@@ -12806,12 +12793,12 @@
           </a:prstGeom>
         </p:spPr>
         <p:txBody>
-          <a:bodyPr anchorCtr="0" anchor="t" bIns="91425" lIns="91425" spcFirstLastPara="1" rIns="91425" wrap="square" tIns="91425">
+          <a:bodyPr spcFirstLastPara="1" wrap="square" lIns="91425" tIns="91425" rIns="91425" bIns="91425" anchor="t" anchorCtr="0">
             <a:noAutofit/>
           </a:bodyPr>
           <a:lstStyle/>
           <a:p>
-            <a:pPr indent="0" lvl="0" marL="0" rtl="0" algn="l">
+            <a:pPr marL="0" lvl="0" indent="0" algn="l" rtl="0">
               <a:spcBef>
                 <a:spcPts val="0"/>
               </a:spcBef>
@@ -12821,7 +12808,7 @@
               <a:buNone/>
             </a:pPr>
             <a:r>
-              <a:rPr b="1" lang="en"/>
+              <a:rPr lang="en" b="1"/>
               <a:t>ISSUES ENCOUNTERED</a:t>
             </a:r>
             <a:endParaRPr b="1"/>
@@ -12831,9 +12818,11 @@
       <p:sp>
         <p:nvSpPr>
           <p:cNvPr id="244" name="Google Shape;244;p29"/>
-          <p:cNvSpPr txBox="1"/>
+          <p:cNvSpPr txBox="1">
+            <a:spLocks noGrp="1"/>
+          </p:cNvSpPr>
           <p:nvPr>
-            <p:ph idx="1" type="body"/>
+            <p:ph type="body" idx="1"/>
           </p:nvPr>
         </p:nvSpPr>
         <p:spPr>
@@ -12846,12 +12835,12 @@
           </a:prstGeom>
         </p:spPr>
         <p:txBody>
-          <a:bodyPr anchorCtr="0" anchor="t" bIns="91425" lIns="91425" spcFirstLastPara="1" rIns="91425" wrap="square" tIns="91425">
+          <a:bodyPr spcFirstLastPara="1" wrap="square" lIns="91425" tIns="91425" rIns="91425" bIns="91425" anchor="t" anchorCtr="0">
             <a:noAutofit/>
           </a:bodyPr>
           <a:lstStyle/>
           <a:p>
-            <a:pPr indent="-330200" lvl="0" marL="457200" rtl="0" algn="l">
+            <a:pPr marL="457200" lvl="0" indent="-330200" algn="l" rtl="0">
               <a:lnSpc>
                 <a:spcPct val="150000"/>
               </a:lnSpc>
@@ -12871,7 +12860,7 @@
             <a:endParaRPr sz="1600"/>
           </a:p>
           <a:p>
-            <a:pPr indent="-330200" lvl="0" marL="457200" rtl="0" algn="l">
+            <a:pPr marL="457200" lvl="0" indent="-330200" algn="l" rtl="0">
               <a:lnSpc>
                 <a:spcPct val="150000"/>
               </a:lnSpc>
@@ -12891,7 +12880,7 @@
             <a:endParaRPr sz="1600"/>
           </a:p>
           <a:p>
-            <a:pPr indent="-330200" lvl="0" marL="457200" rtl="0" algn="l">
+            <a:pPr marL="457200" lvl="0" indent="-330200" algn="l" rtl="0">
               <a:lnSpc>
                 <a:spcPct val="150000"/>
               </a:lnSpc>
@@ -12911,7 +12900,7 @@
             <a:endParaRPr sz="1600"/>
           </a:p>
           <a:p>
-            <a:pPr indent="-330200" lvl="0" marL="457200" rtl="0" algn="l">
+            <a:pPr marL="457200" lvl="0" indent="-330200" algn="l" rtl="0">
               <a:lnSpc>
                 <a:spcPct val="150000"/>
               </a:lnSpc>
@@ -12931,7 +12920,7 @@
             <a:endParaRPr sz="1600"/>
           </a:p>
           <a:p>
-            <a:pPr indent="-330200" lvl="0" marL="457200" rtl="0" algn="l">
+            <a:pPr marL="457200" lvl="0" indent="-330200" algn="l" rtl="0">
               <a:lnSpc>
                 <a:spcPct val="150000"/>
               </a:lnSpc>
@@ -12951,7 +12940,7 @@
             <a:endParaRPr sz="1600"/>
           </a:p>
           <a:p>
-            <a:pPr indent="-330200" lvl="0" marL="457200" rtl="0" algn="l">
+            <a:pPr marL="457200" lvl="0" indent="-330200" algn="l" rtl="0">
               <a:lnSpc>
                 <a:spcPct val="150000"/>
               </a:lnSpc>
@@ -12971,7 +12960,7 @@
             <a:endParaRPr sz="1600"/>
           </a:p>
           <a:p>
-            <a:pPr indent="0" lvl="0" marL="0" rtl="0" algn="l">
+            <a:pPr marL="0" lvl="0" indent="0" algn="l" rtl="0">
               <a:spcBef>
                 <a:spcPts val="1600"/>
               </a:spcBef>
@@ -12980,9 +12969,6 @@
               </a:spcAft>
               <a:buNone/>
             </a:pPr>
-            <a:r>
-              <a:t/>
-            </a:r>
             <a:endParaRPr sz="1400"/>
           </a:p>
         </p:txBody>
@@ -12996,11 +12982,11 @@
 </file>
 
 <file path=ppt/slides/slide18.xml><?xml version="1.0" encoding="utf-8"?>
-<p:sld xmlns:a="http://schemas.openxmlformats.org/drawingml/2006/main" xmlns:r="http://schemas.openxmlformats.org/officeDocument/2006/relationships" xmlns:mc="http://schemas.openxmlformats.org/markup-compatibility/2006" xmlns:mv="urn:schemas-microsoft-com:mac:vml" xmlns:p="http://schemas.openxmlformats.org/presentationml/2006/main" xmlns:c="http://schemas.openxmlformats.org/drawingml/2006/chart" xmlns:dgm="http://schemas.openxmlformats.org/drawingml/2006/diagram" xmlns:o="urn:schemas-microsoft-com:office:office" xmlns:v="urn:schemas-microsoft-com:vml" xmlns:pvml="urn:schemas-microsoft-com:office:powerpoint" xmlns:com="http://schemas.openxmlformats.org/drawingml/2006/compatibility" xmlns:p14="http://schemas.microsoft.com/office/powerpoint/2010/main" xmlns:p15="http://schemas.microsoft.com/office/powerpoint/2012/main" xmlns:ahyp="http://schemas.microsoft.com/office/drawing/2018/hyperlinkcolor">
+<p:sld xmlns:a="http://schemas.openxmlformats.org/drawingml/2006/main" xmlns:r="http://schemas.openxmlformats.org/officeDocument/2006/relationships" xmlns:p="http://schemas.openxmlformats.org/presentationml/2006/main">
   <p:cSld>
     <p:spTree>
       <p:nvGrpSpPr>
-        <p:cNvPr id="248" name="Shape 248"/>
+        <p:cNvPr id="1" name="Shape 248"/>
         <p:cNvGrpSpPr/>
         <p:nvPr/>
       </p:nvGrpSpPr>
@@ -13015,7 +13001,9 @@
       <p:sp>
         <p:nvSpPr>
           <p:cNvPr id="249" name="Google Shape;249;p30"/>
-          <p:cNvSpPr txBox="1"/>
+          <p:cNvSpPr txBox="1">
+            <a:spLocks noGrp="1"/>
+          </p:cNvSpPr>
           <p:nvPr>
             <p:ph type="title"/>
           </p:nvPr>
@@ -13030,12 +13018,12 @@
           </a:prstGeom>
         </p:spPr>
         <p:txBody>
-          <a:bodyPr anchorCtr="0" anchor="t" bIns="91425" lIns="91425" spcFirstLastPara="1" rIns="91425" wrap="square" tIns="91425">
+          <a:bodyPr spcFirstLastPara="1" wrap="square" lIns="91425" tIns="91425" rIns="91425" bIns="91425" anchor="t" anchorCtr="0">
             <a:noAutofit/>
           </a:bodyPr>
           <a:lstStyle/>
           <a:p>
-            <a:pPr indent="0" lvl="0" marL="0" rtl="0" algn="l">
+            <a:pPr marL="0" lvl="0" indent="0" algn="l" rtl="0">
               <a:spcBef>
                 <a:spcPts val="0"/>
               </a:spcBef>
@@ -13045,7 +13033,7 @@
               <a:buNone/>
             </a:pPr>
             <a:r>
-              <a:rPr b="1" lang="en"/>
+              <a:rPr lang="en" b="1"/>
               <a:t>ACHIEVING PREDICTION &amp; INFERENCE GOALS</a:t>
             </a:r>
             <a:endParaRPr b="1"/>
@@ -13072,12 +13060,12 @@
           </a:ln>
         </p:spPr>
         <p:txBody>
-          <a:bodyPr anchorCtr="0" anchor="t" bIns="91425" lIns="91425" spcFirstLastPara="1" rIns="91425" wrap="square" tIns="91425">
+          <a:bodyPr spcFirstLastPara="1" wrap="square" lIns="91425" tIns="91425" rIns="91425" bIns="91425" anchor="t" anchorCtr="0">
             <a:noAutofit/>
           </a:bodyPr>
           <a:lstStyle/>
           <a:p>
-            <a:pPr indent="-317500" lvl="0" marL="457200" rtl="0" algn="just">
+            <a:pPr marL="457200" lvl="0" indent="-317500" algn="just" rtl="0">
               <a:lnSpc>
                 <a:spcPct val="150000"/>
               </a:lnSpc>
@@ -13117,7 +13105,7 @@
             </a:endParaRPr>
           </a:p>
           <a:p>
-            <a:pPr indent="-317500" lvl="0" marL="457200" rtl="0" algn="just">
+            <a:pPr marL="457200" lvl="0" indent="-317500" algn="just" rtl="0">
               <a:lnSpc>
                 <a:spcPct val="150000"/>
               </a:lnSpc>
@@ -13157,7 +13145,7 @@
             </a:endParaRPr>
           </a:p>
           <a:p>
-            <a:pPr indent="-317500" lvl="0" marL="457200" rtl="0" algn="just">
+            <a:pPr marL="457200" lvl="0" indent="-317500" algn="just" rtl="0">
               <a:lnSpc>
                 <a:spcPct val="150000"/>
               </a:lnSpc>
@@ -13197,7 +13185,7 @@
             </a:endParaRPr>
           </a:p>
           <a:p>
-            <a:pPr indent="0" lvl="0" marL="0" rtl="0" algn="just">
+            <a:pPr marL="0" lvl="0" indent="0" algn="just" rtl="0">
               <a:spcBef>
                 <a:spcPts val="0"/>
               </a:spcBef>
@@ -13206,9 +13194,6 @@
               </a:spcAft>
               <a:buNone/>
             </a:pPr>
-            <a:r>
-              <a:t/>
-            </a:r>
             <a:endParaRPr>
               <a:solidFill>
                 <a:schemeClr val="lt1"/>
@@ -13220,7 +13205,7 @@
             </a:endParaRPr>
           </a:p>
           <a:p>
-            <a:pPr indent="0" lvl="0" marL="0" rtl="0" algn="l">
+            <a:pPr marL="0" lvl="0" indent="0" algn="l" rtl="0">
               <a:spcBef>
                 <a:spcPts val="0"/>
               </a:spcBef>
@@ -13229,9 +13214,6 @@
               </a:spcAft>
               <a:buNone/>
             </a:pPr>
-            <a:r>
-              <a:t/>
-            </a:r>
             <a:endParaRPr>
               <a:solidFill>
                 <a:schemeClr val="lt1"/>
@@ -13243,7 +13225,7 @@
             </a:endParaRPr>
           </a:p>
           <a:p>
-            <a:pPr indent="0" lvl="0" marL="0" rtl="0" algn="l">
+            <a:pPr marL="0" lvl="0" indent="0" algn="l" rtl="0">
               <a:spcBef>
                 <a:spcPts val="0"/>
               </a:spcBef>
@@ -13252,9 +13234,6 @@
               </a:spcAft>
               <a:buNone/>
             </a:pPr>
-            <a:r>
-              <a:t/>
-            </a:r>
             <a:endParaRPr>
               <a:solidFill>
                 <a:schemeClr val="lt1"/>
@@ -13266,7 +13245,7 @@
             </a:endParaRPr>
           </a:p>
           <a:p>
-            <a:pPr indent="0" lvl="0" marL="0" rtl="0" algn="l">
+            <a:pPr marL="0" lvl="0" indent="0" algn="l" rtl="0">
               <a:spcBef>
                 <a:spcPts val="0"/>
               </a:spcBef>
@@ -13275,9 +13254,6 @@
               </a:spcAft>
               <a:buNone/>
             </a:pPr>
-            <a:r>
-              <a:t/>
-            </a:r>
             <a:endParaRPr>
               <a:solidFill>
                 <a:schemeClr val="lt1"/>
@@ -13299,11 +13275,11 @@
 </file>
 
 <file path=ppt/slides/slide19.xml><?xml version="1.0" encoding="utf-8"?>
-<p:sld xmlns:a="http://schemas.openxmlformats.org/drawingml/2006/main" xmlns:r="http://schemas.openxmlformats.org/officeDocument/2006/relationships" xmlns:mc="http://schemas.openxmlformats.org/markup-compatibility/2006" xmlns:mv="urn:schemas-microsoft-com:mac:vml" xmlns:p="http://schemas.openxmlformats.org/presentationml/2006/main" xmlns:c="http://schemas.openxmlformats.org/drawingml/2006/chart" xmlns:dgm="http://schemas.openxmlformats.org/drawingml/2006/diagram" xmlns:o="urn:schemas-microsoft-com:office:office" xmlns:v="urn:schemas-microsoft-com:vml" xmlns:pvml="urn:schemas-microsoft-com:office:powerpoint" xmlns:com="http://schemas.openxmlformats.org/drawingml/2006/compatibility" xmlns:p14="http://schemas.microsoft.com/office/powerpoint/2010/main" xmlns:p15="http://schemas.microsoft.com/office/powerpoint/2012/main" xmlns:ahyp="http://schemas.microsoft.com/office/drawing/2018/hyperlinkcolor">
+<p:sld xmlns:a="http://schemas.openxmlformats.org/drawingml/2006/main" xmlns:r="http://schemas.openxmlformats.org/officeDocument/2006/relationships" xmlns:p="http://schemas.openxmlformats.org/presentationml/2006/main">
   <p:cSld>
     <p:spTree>
       <p:nvGrpSpPr>
-        <p:cNvPr id="254" name="Shape 254"/>
+        <p:cNvPr id="1" name="Shape 254"/>
         <p:cNvGrpSpPr/>
         <p:nvPr/>
       </p:nvGrpSpPr>
@@ -13318,7 +13294,9 @@
       <p:sp>
         <p:nvSpPr>
           <p:cNvPr id="255" name="Google Shape;255;p31"/>
-          <p:cNvSpPr txBox="1"/>
+          <p:cNvSpPr txBox="1">
+            <a:spLocks noGrp="1"/>
+          </p:cNvSpPr>
           <p:nvPr>
             <p:ph type="title"/>
           </p:nvPr>
@@ -13333,12 +13311,12 @@
           </a:prstGeom>
         </p:spPr>
         <p:txBody>
-          <a:bodyPr anchorCtr="0" anchor="t" bIns="91425" lIns="91425" spcFirstLastPara="1" rIns="91425" wrap="square" tIns="91425">
+          <a:bodyPr spcFirstLastPara="1" wrap="square" lIns="91425" tIns="91425" rIns="91425" bIns="91425" anchor="t" anchorCtr="0">
             <a:noAutofit/>
           </a:bodyPr>
           <a:lstStyle/>
           <a:p>
-            <a:pPr indent="0" lvl="0" marL="0" rtl="0" algn="l">
+            <a:pPr marL="0" lvl="0" indent="0" algn="l" rtl="0">
               <a:spcBef>
                 <a:spcPts val="0"/>
               </a:spcBef>
@@ -13348,7 +13326,7 @@
               <a:buNone/>
             </a:pPr>
             <a:r>
-              <a:rPr b="1" lang="en"/>
+              <a:rPr lang="en" b="1"/>
               <a:t>CREDITS</a:t>
             </a:r>
             <a:endParaRPr b="1"/>
@@ -13392,11 +13370,11 @@
 </file>
 
 <file path=ppt/slides/slide2.xml><?xml version="1.0" encoding="utf-8"?>
-<p:sld xmlns:a="http://schemas.openxmlformats.org/drawingml/2006/main" xmlns:r="http://schemas.openxmlformats.org/officeDocument/2006/relationships" xmlns:mc="http://schemas.openxmlformats.org/markup-compatibility/2006" xmlns:mv="urn:schemas-microsoft-com:mac:vml" xmlns:p="http://schemas.openxmlformats.org/presentationml/2006/main" xmlns:c="http://schemas.openxmlformats.org/drawingml/2006/chart" xmlns:dgm="http://schemas.openxmlformats.org/drawingml/2006/diagram" xmlns:o="urn:schemas-microsoft-com:office:office" xmlns:v="urn:schemas-microsoft-com:vml" xmlns:pvml="urn:schemas-microsoft-com:office:powerpoint" xmlns:com="http://schemas.openxmlformats.org/drawingml/2006/compatibility" xmlns:p14="http://schemas.microsoft.com/office/powerpoint/2010/main" xmlns:p15="http://schemas.microsoft.com/office/powerpoint/2012/main" xmlns:ahyp="http://schemas.microsoft.com/office/drawing/2018/hyperlinkcolor">
+<p:sld xmlns:a="http://schemas.openxmlformats.org/drawingml/2006/main" xmlns:r="http://schemas.openxmlformats.org/officeDocument/2006/relationships" xmlns:p="http://schemas.openxmlformats.org/presentationml/2006/main">
   <p:cSld>
     <p:spTree>
       <p:nvGrpSpPr>
-        <p:cNvPr id="139" name="Shape 139"/>
+        <p:cNvPr id="1" name="Shape 139"/>
         <p:cNvGrpSpPr/>
         <p:nvPr/>
       </p:nvGrpSpPr>
@@ -13411,7 +13389,9 @@
       <p:sp>
         <p:nvSpPr>
           <p:cNvPr id="140" name="Google Shape;140;p14"/>
-          <p:cNvSpPr txBox="1"/>
+          <p:cNvSpPr txBox="1">
+            <a:spLocks noGrp="1"/>
+          </p:cNvSpPr>
           <p:nvPr>
             <p:ph type="title"/>
           </p:nvPr>
@@ -13426,12 +13406,12 @@
           </a:prstGeom>
         </p:spPr>
         <p:txBody>
-          <a:bodyPr anchorCtr="0" anchor="t" bIns="91425" lIns="91425" spcFirstLastPara="1" rIns="91425" wrap="square" tIns="91425">
+          <a:bodyPr spcFirstLastPara="1" wrap="square" lIns="91425" tIns="91425" rIns="91425" bIns="91425" anchor="t" anchorCtr="0">
             <a:noAutofit/>
           </a:bodyPr>
           <a:lstStyle/>
           <a:p>
-            <a:pPr indent="0" lvl="0" marL="0" rtl="0" algn="l">
+            <a:pPr marL="0" lvl="0" indent="0" algn="l" rtl="0">
               <a:spcBef>
                 <a:spcPts val="0"/>
               </a:spcBef>
@@ -13441,7 +13421,7 @@
               <a:buNone/>
             </a:pPr>
             <a:r>
-              <a:rPr b="1" lang="en"/>
+              <a:rPr lang="en" b="1"/>
               <a:t>PROJECT OVERVIEW</a:t>
             </a:r>
             <a:endParaRPr b="1"/>
@@ -13451,9 +13431,11 @@
       <p:sp>
         <p:nvSpPr>
           <p:cNvPr id="141" name="Google Shape;141;p14"/>
-          <p:cNvSpPr txBox="1"/>
+          <p:cNvSpPr txBox="1">
+            <a:spLocks noGrp="1"/>
+          </p:cNvSpPr>
           <p:nvPr>
-            <p:ph idx="1" type="body"/>
+            <p:ph type="body" idx="1"/>
           </p:nvPr>
         </p:nvSpPr>
         <p:spPr>
@@ -13466,12 +13448,12 @@
           </a:prstGeom>
         </p:spPr>
         <p:txBody>
-          <a:bodyPr anchorCtr="0" anchor="t" bIns="91425" lIns="91425" spcFirstLastPara="1" rIns="91425" wrap="square" tIns="91425">
+          <a:bodyPr spcFirstLastPara="1" wrap="square" lIns="91425" tIns="91425" rIns="91425" bIns="91425" anchor="t" anchorCtr="0">
             <a:noAutofit/>
           </a:bodyPr>
           <a:lstStyle/>
           <a:p>
-            <a:pPr indent="-330200" lvl="0" marL="457200" marR="0" rtl="0" algn="l">
+            <a:pPr marL="457200" marR="0" lvl="0" indent="-330200" algn="l" rtl="0">
               <a:lnSpc>
                 <a:spcPct val="115000"/>
               </a:lnSpc>
@@ -13491,7 +13473,7 @@
             <a:endParaRPr sz="1600"/>
           </a:p>
           <a:p>
-            <a:pPr indent="-330200" lvl="0" marL="457200" marR="0" rtl="0" algn="l">
+            <a:pPr marL="457200" marR="0" lvl="0" indent="-330200" algn="l" rtl="0">
               <a:lnSpc>
                 <a:spcPct val="115000"/>
               </a:lnSpc>
@@ -13506,20 +13488,12 @@
             </a:pPr>
             <a:r>
               <a:rPr lang="en" sz="1600"/>
-              <a:t>Automatic genre classification and recommendation algorithms could greatly increase the </a:t>
-            </a:r>
-            <a:r>
-              <a:rPr lang="en" sz="1600"/>
-              <a:t>experience</a:t>
-            </a:r>
-            <a:r>
-              <a:rPr lang="en" sz="1600"/>
-              <a:t> of users</a:t>
+              <a:t>Automatic genre classification and recommendation algorithms could greatly increase the experience of users</a:t>
             </a:r>
             <a:endParaRPr sz="1600"/>
           </a:p>
           <a:p>
-            <a:pPr indent="0" lvl="0" marL="457200" marR="0" rtl="0" algn="l">
+            <a:pPr marL="457200" marR="0" lvl="0" indent="0" algn="l" rtl="0">
               <a:lnSpc>
                 <a:spcPct val="115000"/>
               </a:lnSpc>
@@ -13533,20 +13507,12 @@
             </a:pPr>
             <a:r>
               <a:rPr lang="en" sz="1600"/>
-              <a:t>MAJOR </a:t>
-            </a:r>
-            <a:r>
-              <a:rPr lang="en" sz="1600"/>
-              <a:t>PREDICTION &amp; INFERENCE GOALS </a:t>
-            </a:r>
-            <a:r>
-              <a:rPr lang="en" sz="1600"/>
-              <a:t>:</a:t>
+              <a:t>MAJOR PREDICTION &amp; INFERENCE GOALS :</a:t>
             </a:r>
             <a:endParaRPr sz="1600"/>
           </a:p>
           <a:p>
-            <a:pPr indent="-330200" lvl="0" marL="457200" marR="0" rtl="0" algn="l">
+            <a:pPr marL="457200" marR="0" lvl="0" indent="-330200" algn="l" rtl="0">
               <a:lnSpc>
                 <a:spcPct val="115000"/>
               </a:lnSpc>
@@ -13566,7 +13532,7 @@
             <a:endParaRPr sz="1600"/>
           </a:p>
           <a:p>
-            <a:pPr indent="-330200" lvl="0" marL="457200" rtl="0" algn="l">
+            <a:pPr marL="457200" lvl="0" indent="-330200" algn="l" rtl="0">
               <a:spcBef>
                 <a:spcPts val="0"/>
               </a:spcBef>
@@ -13583,7 +13549,7 @@
             <a:endParaRPr sz="1600"/>
           </a:p>
           <a:p>
-            <a:pPr indent="0" lvl="0" marL="457200" rtl="0" algn="l">
+            <a:pPr marL="457200" lvl="0" indent="0" algn="l" rtl="0">
               <a:spcBef>
                 <a:spcPts val="1600"/>
               </a:spcBef>
@@ -13592,13 +13558,10 @@
               </a:spcAft>
               <a:buNone/>
             </a:pPr>
-            <a:r>
-              <a:t/>
-            </a:r>
             <a:endParaRPr sz="1600"/>
           </a:p>
           <a:p>
-            <a:pPr indent="0" lvl="0" marL="457200" rtl="0" algn="l">
+            <a:pPr marL="457200" lvl="0" indent="0" algn="l" rtl="0">
               <a:spcBef>
                 <a:spcPts val="1600"/>
               </a:spcBef>
@@ -13607,9 +13570,6 @@
               </a:spcAft>
               <a:buNone/>
             </a:pPr>
-            <a:r>
-              <a:t/>
-            </a:r>
             <a:endParaRPr sz="1600"/>
           </a:p>
         </p:txBody>
@@ -13623,11 +13583,11 @@
 </file>
 
 <file path=ppt/slides/slide20.xml><?xml version="1.0" encoding="utf-8"?>
-<p:sld xmlns:a="http://schemas.openxmlformats.org/drawingml/2006/main" xmlns:r="http://schemas.openxmlformats.org/officeDocument/2006/relationships" xmlns:mc="http://schemas.openxmlformats.org/markup-compatibility/2006" xmlns:mv="urn:schemas-microsoft-com:mac:vml" xmlns:p="http://schemas.openxmlformats.org/presentationml/2006/main" xmlns:c="http://schemas.openxmlformats.org/drawingml/2006/chart" xmlns:dgm="http://schemas.openxmlformats.org/drawingml/2006/diagram" xmlns:o="urn:schemas-microsoft-com:office:office" xmlns:v="urn:schemas-microsoft-com:vml" xmlns:pvml="urn:schemas-microsoft-com:office:powerpoint" xmlns:com="http://schemas.openxmlformats.org/drawingml/2006/compatibility" xmlns:p14="http://schemas.microsoft.com/office/powerpoint/2010/main" xmlns:p15="http://schemas.microsoft.com/office/powerpoint/2012/main" xmlns:ahyp="http://schemas.microsoft.com/office/drawing/2018/hyperlinkcolor">
+<p:sld xmlns:a="http://schemas.openxmlformats.org/drawingml/2006/main" xmlns:r="http://schemas.openxmlformats.org/officeDocument/2006/relationships" xmlns:p="http://schemas.openxmlformats.org/presentationml/2006/main">
   <p:cSld>
     <p:spTree>
       <p:nvGrpSpPr>
-        <p:cNvPr id="260" name="Shape 260"/>
+        <p:cNvPr id="1" name="Shape 260"/>
         <p:cNvGrpSpPr/>
         <p:nvPr/>
       </p:nvGrpSpPr>
@@ -13642,7 +13602,9 @@
       <p:sp>
         <p:nvSpPr>
           <p:cNvPr id="261" name="Google Shape;261;p32"/>
-          <p:cNvSpPr txBox="1"/>
+          <p:cNvSpPr txBox="1">
+            <a:spLocks noGrp="1"/>
+          </p:cNvSpPr>
           <p:nvPr>
             <p:ph type="title"/>
           </p:nvPr>
@@ -13657,12 +13619,12 @@
           </a:prstGeom>
         </p:spPr>
         <p:txBody>
-          <a:bodyPr anchorCtr="0" anchor="t" bIns="91425" lIns="91425" spcFirstLastPara="1" rIns="91425" wrap="square" tIns="91425">
+          <a:bodyPr spcFirstLastPara="1" wrap="square" lIns="91425" tIns="91425" rIns="91425" bIns="91425" anchor="t" anchorCtr="0">
             <a:noAutofit/>
           </a:bodyPr>
           <a:lstStyle/>
           <a:p>
-            <a:pPr indent="0" lvl="0" marL="0" rtl="0" algn="ctr">
+            <a:pPr marL="0" lvl="0" indent="0" algn="ctr" rtl="0">
               <a:spcBef>
                 <a:spcPts val="0"/>
               </a:spcBef>
@@ -13672,13 +13634,13 @@
               <a:buNone/>
             </a:pPr>
             <a:r>
-              <a:rPr b="1" lang="en" sz="3300"/>
+              <a:rPr lang="en" sz="3300" b="1"/>
               <a:t>THANK YOU!</a:t>
             </a:r>
-            <a:endParaRPr b="1" sz="3300"/>
-          </a:p>
-          <a:p>
-            <a:pPr indent="0" lvl="0" marL="0" rtl="0" algn="ctr">
+            <a:endParaRPr sz="3300" b="1"/>
+          </a:p>
+          <a:p>
+            <a:pPr marL="0" lvl="0" indent="0" algn="ctr" rtl="0">
               <a:spcBef>
                 <a:spcPts val="0"/>
               </a:spcBef>
@@ -13688,13 +13650,13 @@
               <a:buNone/>
             </a:pPr>
             <a:r>
-              <a:rPr b="1" lang="en" sz="5000"/>
+              <a:rPr lang="en" sz="5000" b="1"/>
               <a:t>-</a:t>
             </a:r>
-            <a:endParaRPr b="1" sz="5000"/>
-          </a:p>
-          <a:p>
-            <a:pPr indent="0" lvl="0" marL="0" rtl="0" algn="ctr">
+            <a:endParaRPr sz="5000" b="1"/>
+          </a:p>
+          <a:p>
+            <a:pPr marL="0" lvl="0" indent="0" algn="ctr" rtl="0">
               <a:spcBef>
                 <a:spcPts val="0"/>
               </a:spcBef>
@@ -13704,10 +13666,10 @@
               <a:buNone/>
             </a:pPr>
             <a:r>
-              <a:rPr b="1" lang="en" sz="3000"/>
+              <a:rPr lang="en" sz="3000" b="1"/>
               <a:t>QUESTIONS?</a:t>
             </a:r>
-            <a:endParaRPr b="1" sz="3000"/>
+            <a:endParaRPr sz="3000" b="1"/>
           </a:p>
         </p:txBody>
       </p:sp>
@@ -13720,11 +13682,11 @@
 </file>
 
 <file path=ppt/slides/slide3.xml><?xml version="1.0" encoding="utf-8"?>
-<p:sld xmlns:a="http://schemas.openxmlformats.org/drawingml/2006/main" xmlns:r="http://schemas.openxmlformats.org/officeDocument/2006/relationships" xmlns:mc="http://schemas.openxmlformats.org/markup-compatibility/2006" xmlns:mv="urn:schemas-microsoft-com:mac:vml" xmlns:p="http://schemas.openxmlformats.org/presentationml/2006/main" xmlns:c="http://schemas.openxmlformats.org/drawingml/2006/chart" xmlns:dgm="http://schemas.openxmlformats.org/drawingml/2006/diagram" xmlns:o="urn:schemas-microsoft-com:office:office" xmlns:v="urn:schemas-microsoft-com:vml" xmlns:pvml="urn:schemas-microsoft-com:office:powerpoint" xmlns:com="http://schemas.openxmlformats.org/drawingml/2006/compatibility" xmlns:p14="http://schemas.microsoft.com/office/powerpoint/2010/main" xmlns:p15="http://schemas.microsoft.com/office/powerpoint/2012/main" xmlns:ahyp="http://schemas.microsoft.com/office/drawing/2018/hyperlinkcolor">
+<p:sld xmlns:a="http://schemas.openxmlformats.org/drawingml/2006/main" xmlns:r="http://schemas.openxmlformats.org/officeDocument/2006/relationships" xmlns:p="http://schemas.openxmlformats.org/presentationml/2006/main">
   <p:cSld>
     <p:spTree>
       <p:nvGrpSpPr>
-        <p:cNvPr id="145" name="Shape 145"/>
+        <p:cNvPr id="1" name="Shape 145"/>
         <p:cNvGrpSpPr/>
         <p:nvPr/>
       </p:nvGrpSpPr>
@@ -13739,7 +13701,9 @@
       <p:sp>
         <p:nvSpPr>
           <p:cNvPr id="146" name="Google Shape;146;p15"/>
-          <p:cNvSpPr txBox="1"/>
+          <p:cNvSpPr txBox="1">
+            <a:spLocks noGrp="1"/>
+          </p:cNvSpPr>
           <p:nvPr>
             <p:ph type="title"/>
           </p:nvPr>
@@ -13754,12 +13718,12 @@
           </a:prstGeom>
         </p:spPr>
         <p:txBody>
-          <a:bodyPr anchorCtr="0" anchor="t" bIns="91425" lIns="91425" spcFirstLastPara="1" rIns="91425" wrap="square" tIns="91425">
+          <a:bodyPr spcFirstLastPara="1" wrap="square" lIns="91425" tIns="91425" rIns="91425" bIns="91425" anchor="t" anchorCtr="0">
             <a:noAutofit/>
           </a:bodyPr>
           <a:lstStyle/>
           <a:p>
-            <a:pPr indent="0" lvl="0" marL="0" rtl="0" algn="l">
+            <a:pPr marL="0" lvl="0" indent="0" algn="l" rtl="0">
               <a:spcBef>
                 <a:spcPts val="0"/>
               </a:spcBef>
@@ -13769,7 +13733,7 @@
               <a:buNone/>
             </a:pPr>
             <a:r>
-              <a:rPr b="1" lang="en"/>
+              <a:rPr lang="en" b="1"/>
               <a:t>Data Assimilation and Understanding</a:t>
             </a:r>
             <a:endParaRPr b="1"/>
@@ -13779,9 +13743,11 @@
       <p:sp>
         <p:nvSpPr>
           <p:cNvPr id="147" name="Google Shape;147;p15"/>
-          <p:cNvSpPr txBox="1"/>
+          <p:cNvSpPr txBox="1">
+            <a:spLocks noGrp="1"/>
+          </p:cNvSpPr>
           <p:nvPr>
-            <p:ph idx="1" type="body"/>
+            <p:ph type="body" idx="1"/>
           </p:nvPr>
         </p:nvSpPr>
         <p:spPr>
@@ -13794,12 +13760,12 @@
           </a:prstGeom>
         </p:spPr>
         <p:txBody>
-          <a:bodyPr anchorCtr="0" anchor="t" bIns="91425" lIns="91425" spcFirstLastPara="1" rIns="91425" wrap="square" tIns="91425">
+          <a:bodyPr spcFirstLastPara="1" wrap="square" lIns="91425" tIns="91425" rIns="91425" bIns="91425" anchor="t" anchorCtr="0">
             <a:noAutofit/>
           </a:bodyPr>
           <a:lstStyle/>
           <a:p>
-            <a:pPr indent="-330200" lvl="0" marL="457200" rtl="0" algn="l">
+            <a:pPr marL="457200" lvl="0" indent="-330200" algn="l" rtl="0">
               <a:lnSpc>
                 <a:spcPct val="150000"/>
               </a:lnSpc>
@@ -13819,7 +13785,7 @@
             <a:endParaRPr sz="1600"/>
           </a:p>
           <a:p>
-            <a:pPr indent="-330200" lvl="0" marL="457200" rtl="0" algn="l">
+            <a:pPr marL="457200" lvl="0" indent="-330200" algn="l" rtl="0">
               <a:spcBef>
                 <a:spcPts val="0"/>
               </a:spcBef>
@@ -13836,7 +13802,7 @@
             <a:endParaRPr sz="1600"/>
           </a:p>
           <a:p>
-            <a:pPr indent="-330200" lvl="0" marL="457200" rtl="0" algn="l">
+            <a:pPr marL="457200" lvl="0" indent="-330200" algn="l" rtl="0">
               <a:spcBef>
                 <a:spcPts val="0"/>
               </a:spcBef>
@@ -13853,7 +13819,7 @@
             <a:endParaRPr sz="1600"/>
           </a:p>
           <a:p>
-            <a:pPr indent="-330200" lvl="0" marL="457200" rtl="0" algn="l">
+            <a:pPr marL="457200" lvl="0" indent="-330200" algn="l" rtl="0">
               <a:spcBef>
                 <a:spcPts val="0"/>
               </a:spcBef>
@@ -13870,7 +13836,7 @@
             <a:endParaRPr sz="1600"/>
           </a:p>
           <a:p>
-            <a:pPr indent="-330200" lvl="1" marL="914400" rtl="0" algn="l">
+            <a:pPr marL="914400" lvl="1" indent="-330200" algn="l" rtl="0">
               <a:spcBef>
                 <a:spcPts val="0"/>
               </a:spcBef>
@@ -13887,7 +13853,7 @@
             <a:endParaRPr sz="1600"/>
           </a:p>
           <a:p>
-            <a:pPr indent="-330200" lvl="0" marL="457200" rtl="0" algn="l">
+            <a:pPr marL="457200" lvl="0" indent="-330200" algn="l" rtl="0">
               <a:spcBef>
                 <a:spcPts val="0"/>
               </a:spcBef>
@@ -13904,7 +13870,7 @@
             <a:endParaRPr sz="1600"/>
           </a:p>
           <a:p>
-            <a:pPr indent="-330200" lvl="1" marL="914400" rtl="0" algn="l">
+            <a:pPr marL="914400" lvl="1" indent="-330200" algn="l" rtl="0">
               <a:spcBef>
                 <a:spcPts val="0"/>
               </a:spcBef>
@@ -13921,7 +13887,7 @@
             <a:endParaRPr sz="1600"/>
           </a:p>
           <a:p>
-            <a:pPr indent="-330200" lvl="0" marL="457200" rtl="0" algn="l">
+            <a:pPr marL="457200" lvl="0" indent="-330200" algn="l" rtl="0">
               <a:spcBef>
                 <a:spcPts val="0"/>
               </a:spcBef>
@@ -13938,7 +13904,7 @@
             <a:endParaRPr sz="1600"/>
           </a:p>
           <a:p>
-            <a:pPr indent="-330200" lvl="0" marL="457200" rtl="0" algn="l">
+            <a:pPr marL="457200" lvl="0" indent="-330200" algn="l" rtl="0">
               <a:spcBef>
                 <a:spcPts val="0"/>
               </a:spcBef>
@@ -13955,7 +13921,7 @@
             <a:endParaRPr sz="1600"/>
           </a:p>
           <a:p>
-            <a:pPr indent="0" lvl="0" marL="0" rtl="0" algn="l">
+            <a:pPr marL="0" lvl="0" indent="0" algn="l" rtl="0">
               <a:spcBef>
                 <a:spcPts val="1600"/>
               </a:spcBef>
@@ -13964,9 +13930,6 @@
               </a:spcAft>
               <a:buNone/>
             </a:pPr>
-            <a:r>
-              <a:t/>
-            </a:r>
             <a:endParaRPr sz="1600"/>
           </a:p>
         </p:txBody>
@@ -13980,11 +13943,11 @@
 </file>
 
 <file path=ppt/slides/slide4.xml><?xml version="1.0" encoding="utf-8"?>
-<p:sld xmlns:a="http://schemas.openxmlformats.org/drawingml/2006/main" xmlns:r="http://schemas.openxmlformats.org/officeDocument/2006/relationships" xmlns:mc="http://schemas.openxmlformats.org/markup-compatibility/2006" xmlns:mv="urn:schemas-microsoft-com:mac:vml" xmlns:p="http://schemas.openxmlformats.org/presentationml/2006/main" xmlns:c="http://schemas.openxmlformats.org/drawingml/2006/chart" xmlns:dgm="http://schemas.openxmlformats.org/drawingml/2006/diagram" xmlns:o="urn:schemas-microsoft-com:office:office" xmlns:v="urn:schemas-microsoft-com:vml" xmlns:pvml="urn:schemas-microsoft-com:office:powerpoint" xmlns:com="http://schemas.openxmlformats.org/drawingml/2006/compatibility" xmlns:p14="http://schemas.microsoft.com/office/powerpoint/2010/main" xmlns:p15="http://schemas.microsoft.com/office/powerpoint/2012/main" xmlns:ahyp="http://schemas.microsoft.com/office/drawing/2018/hyperlinkcolor">
+<p:sld xmlns:a="http://schemas.openxmlformats.org/drawingml/2006/main" xmlns:r="http://schemas.openxmlformats.org/officeDocument/2006/relationships" xmlns:p="http://schemas.openxmlformats.org/presentationml/2006/main">
   <p:cSld>
     <p:spTree>
       <p:nvGrpSpPr>
-        <p:cNvPr id="151" name="Shape 151"/>
+        <p:cNvPr id="1" name="Shape 151"/>
         <p:cNvGrpSpPr/>
         <p:nvPr/>
       </p:nvGrpSpPr>
@@ -13999,7 +13962,9 @@
       <p:sp>
         <p:nvSpPr>
           <p:cNvPr id="152" name="Google Shape;152;p16"/>
-          <p:cNvSpPr txBox="1"/>
+          <p:cNvSpPr txBox="1">
+            <a:spLocks noGrp="1"/>
+          </p:cNvSpPr>
           <p:nvPr>
             <p:ph type="title"/>
           </p:nvPr>
@@ -14014,12 +13979,12 @@
           </a:prstGeom>
         </p:spPr>
         <p:txBody>
-          <a:bodyPr anchorCtr="0" anchor="t" bIns="91425" lIns="91425" spcFirstLastPara="1" rIns="91425" wrap="square" tIns="91425">
+          <a:bodyPr spcFirstLastPara="1" wrap="square" lIns="91425" tIns="91425" rIns="91425" bIns="91425" anchor="t" anchorCtr="0">
             <a:noAutofit/>
           </a:bodyPr>
           <a:lstStyle/>
           <a:p>
-            <a:pPr indent="0" lvl="0" marL="0" rtl="0" algn="l">
+            <a:pPr marL="0" lvl="0" indent="0" algn="l" rtl="0">
               <a:spcBef>
                 <a:spcPts val="0"/>
               </a:spcBef>
@@ -14029,7 +13994,7 @@
               <a:buNone/>
             </a:pPr>
             <a:r>
-              <a:rPr b="1" lang="en"/>
+              <a:rPr lang="en" b="1"/>
               <a:t>Initial Data Exploration</a:t>
             </a:r>
             <a:endParaRPr b="1"/>
@@ -14074,7 +14039,7 @@
           <a:blip r:embed="rId4">
             <a:alphaModFix/>
           </a:blip>
-          <a:srcRect b="0" l="0" r="0" t="2600"/>
+          <a:srcRect t="2600"/>
           <a:stretch/>
         </p:blipFill>
         <p:spPr>
@@ -14100,11 +14065,11 @@
 </file>
 
 <file path=ppt/slides/slide5.xml><?xml version="1.0" encoding="utf-8"?>
-<p:sld xmlns:a="http://schemas.openxmlformats.org/drawingml/2006/main" xmlns:r="http://schemas.openxmlformats.org/officeDocument/2006/relationships" xmlns:mc="http://schemas.openxmlformats.org/markup-compatibility/2006" xmlns:mv="urn:schemas-microsoft-com:mac:vml" xmlns:p="http://schemas.openxmlformats.org/presentationml/2006/main" xmlns:c="http://schemas.openxmlformats.org/drawingml/2006/chart" xmlns:dgm="http://schemas.openxmlformats.org/drawingml/2006/diagram" xmlns:o="urn:schemas-microsoft-com:office:office" xmlns:v="urn:schemas-microsoft-com:vml" xmlns:pvml="urn:schemas-microsoft-com:office:powerpoint" xmlns:com="http://schemas.openxmlformats.org/drawingml/2006/compatibility" xmlns:p14="http://schemas.microsoft.com/office/powerpoint/2010/main" xmlns:p15="http://schemas.microsoft.com/office/powerpoint/2012/main" xmlns:ahyp="http://schemas.microsoft.com/office/drawing/2018/hyperlinkcolor">
+<p:sld xmlns:a="http://schemas.openxmlformats.org/drawingml/2006/main" xmlns:r="http://schemas.openxmlformats.org/officeDocument/2006/relationships" xmlns:p="http://schemas.openxmlformats.org/presentationml/2006/main">
   <p:cSld>
     <p:spTree>
       <p:nvGrpSpPr>
-        <p:cNvPr id="158" name="Shape 158"/>
+        <p:cNvPr id="1" name="Shape 158"/>
         <p:cNvGrpSpPr/>
         <p:nvPr/>
       </p:nvGrpSpPr>
@@ -14175,7 +14140,9 @@
       <p:sp>
         <p:nvSpPr>
           <p:cNvPr id="161" name="Google Shape;161;p17"/>
-          <p:cNvSpPr txBox="1"/>
+          <p:cNvSpPr txBox="1">
+            <a:spLocks noGrp="1"/>
+          </p:cNvSpPr>
           <p:nvPr>
             <p:ph type="title"/>
           </p:nvPr>
@@ -14190,12 +14157,12 @@
           </a:prstGeom>
         </p:spPr>
         <p:txBody>
-          <a:bodyPr anchorCtr="0" anchor="t" bIns="91425" lIns="91425" spcFirstLastPara="1" rIns="91425" wrap="square" tIns="91425">
+          <a:bodyPr spcFirstLastPara="1" wrap="square" lIns="91425" tIns="91425" rIns="91425" bIns="91425" anchor="t" anchorCtr="0">
             <a:noAutofit/>
           </a:bodyPr>
           <a:lstStyle/>
           <a:p>
-            <a:pPr indent="0" lvl="0" marL="0" rtl="0" algn="l">
+            <a:pPr marL="0" lvl="0" indent="0" algn="l" rtl="0">
               <a:spcBef>
                 <a:spcPts val="0"/>
               </a:spcBef>
@@ -14205,7 +14172,7 @@
               <a:buNone/>
             </a:pPr>
             <a:r>
-              <a:rPr b="1" lang="en"/>
+              <a:rPr lang="en" b="1"/>
               <a:t>Initial Data Exploration</a:t>
             </a:r>
             <a:endParaRPr b="1"/>
@@ -14221,11 +14188,11 @@
 </file>
 
 <file path=ppt/slides/slide6.xml><?xml version="1.0" encoding="utf-8"?>
-<p:sld xmlns:a="http://schemas.openxmlformats.org/drawingml/2006/main" xmlns:r="http://schemas.openxmlformats.org/officeDocument/2006/relationships" xmlns:mc="http://schemas.openxmlformats.org/markup-compatibility/2006" xmlns:mv="urn:schemas-microsoft-com:mac:vml" xmlns:p="http://schemas.openxmlformats.org/presentationml/2006/main" xmlns:c="http://schemas.openxmlformats.org/drawingml/2006/chart" xmlns:dgm="http://schemas.openxmlformats.org/drawingml/2006/diagram" xmlns:o="urn:schemas-microsoft-com:office:office" xmlns:v="urn:schemas-microsoft-com:vml" xmlns:pvml="urn:schemas-microsoft-com:office:powerpoint" xmlns:com="http://schemas.openxmlformats.org/drawingml/2006/compatibility" xmlns:p14="http://schemas.microsoft.com/office/powerpoint/2010/main" xmlns:p15="http://schemas.microsoft.com/office/powerpoint/2012/main" xmlns:ahyp="http://schemas.microsoft.com/office/drawing/2018/hyperlinkcolor">
+<p:sld xmlns:a="http://schemas.openxmlformats.org/drawingml/2006/main" xmlns:r="http://schemas.openxmlformats.org/officeDocument/2006/relationships" xmlns:p="http://schemas.openxmlformats.org/presentationml/2006/main">
   <p:cSld>
     <p:spTree>
       <p:nvGrpSpPr>
-        <p:cNvPr id="165" name="Shape 165"/>
+        <p:cNvPr id="1" name="Shape 165"/>
         <p:cNvGrpSpPr/>
         <p:nvPr/>
       </p:nvGrpSpPr>
@@ -14240,7 +14207,9 @@
       <p:sp>
         <p:nvSpPr>
           <p:cNvPr id="166" name="Google Shape;166;p18"/>
-          <p:cNvSpPr txBox="1"/>
+          <p:cNvSpPr txBox="1">
+            <a:spLocks noGrp="1"/>
+          </p:cNvSpPr>
           <p:nvPr>
             <p:ph type="title"/>
           </p:nvPr>
@@ -14255,12 +14224,12 @@
           </a:prstGeom>
         </p:spPr>
         <p:txBody>
-          <a:bodyPr anchorCtr="0" anchor="t" bIns="91425" lIns="91425" spcFirstLastPara="1" rIns="91425" wrap="square" tIns="91425">
+          <a:bodyPr spcFirstLastPara="1" wrap="square" lIns="91425" tIns="91425" rIns="91425" bIns="91425" anchor="t" anchorCtr="0">
             <a:noAutofit/>
           </a:bodyPr>
           <a:lstStyle/>
           <a:p>
-            <a:pPr indent="0" lvl="0" marL="0" rtl="0" algn="l">
+            <a:pPr marL="0" lvl="0" indent="0" algn="l" rtl="0">
               <a:spcBef>
                 <a:spcPts val="0"/>
               </a:spcBef>
@@ -14270,7 +14239,7 @@
               <a:buNone/>
             </a:pPr>
             <a:r>
-              <a:rPr b="1" lang="en"/>
+              <a:rPr lang="en" b="1"/>
               <a:t>Data Processing and Manipulation</a:t>
             </a:r>
             <a:endParaRPr b="1"/>
@@ -14280,27 +14249,29 @@
       <p:sp>
         <p:nvSpPr>
           <p:cNvPr id="167" name="Google Shape;167;p18"/>
-          <p:cNvSpPr txBox="1"/>
+          <p:cNvSpPr txBox="1">
+            <a:spLocks noGrp="1"/>
+          </p:cNvSpPr>
           <p:nvPr>
-            <p:ph idx="1" type="body"/>
+            <p:ph type="body" idx="1"/>
           </p:nvPr>
         </p:nvSpPr>
         <p:spPr>
           <a:xfrm>
-            <a:off x="964400" y="1167200"/>
-            <a:ext cx="7906200" cy="3594600"/>
+            <a:off x="964400" y="907256"/>
+            <a:ext cx="7906200" cy="3854544"/>
           </a:xfrm>
           <a:prstGeom prst="rect">
             <a:avLst/>
           </a:prstGeom>
         </p:spPr>
         <p:txBody>
-          <a:bodyPr anchorCtr="0" anchor="t" bIns="91425" lIns="91425" spcFirstLastPara="1" rIns="91425" wrap="square" tIns="91425">
+          <a:bodyPr spcFirstLastPara="1" wrap="square" lIns="91425" tIns="91425" rIns="91425" bIns="91425" anchor="t" anchorCtr="0">
             <a:noAutofit/>
           </a:bodyPr>
           <a:lstStyle/>
           <a:p>
-            <a:pPr indent="-323850" lvl="0" marL="457200" marR="0" rtl="0" algn="l">
+            <a:pPr marL="457200" marR="0" lvl="0" indent="-323850" algn="l" rtl="0">
               <a:lnSpc>
                 <a:spcPct val="115000"/>
               </a:lnSpc>
@@ -14318,7 +14289,7 @@
               <a:buChar char="●"/>
             </a:pPr>
             <a:r>
-              <a:rPr lang="en" sz="1500">
+              <a:rPr lang="en" sz="1500" dirty="0">
                 <a:solidFill>
                   <a:srgbClr val="FFFFFF"/>
                 </a:solidFill>
@@ -14329,7 +14300,7 @@
               </a:rPr>
               <a:t>Dropped the irrelevant features for our business case</a:t>
             </a:r>
-            <a:endParaRPr sz="1500">
+            <a:endParaRPr sz="1500" dirty="0">
               <a:solidFill>
                 <a:srgbClr val="FFFFFF"/>
               </a:solidFill>
@@ -14340,7 +14311,7 @@
             </a:endParaRPr>
           </a:p>
           <a:p>
-            <a:pPr indent="-323850" lvl="0" marL="457200" marR="0" rtl="0" algn="l">
+            <a:pPr marL="457200" marR="0" lvl="0" indent="-323850" algn="l" rtl="0">
               <a:lnSpc>
                 <a:spcPct val="115000"/>
               </a:lnSpc>
@@ -14358,7 +14329,7 @@
               <a:buChar char="●"/>
             </a:pPr>
             <a:r>
-              <a:rPr lang="en" sz="1500">
+              <a:rPr lang="en" sz="1500" dirty="0">
                 <a:solidFill>
                   <a:srgbClr val="FFFFFF"/>
                 </a:solidFill>
@@ -14369,7 +14340,7 @@
               </a:rPr>
               <a:t>Brought the Datasets to a Track Level (Unique at trackid)</a:t>
             </a:r>
-            <a:endParaRPr sz="1500">
+            <a:endParaRPr sz="1500" dirty="0">
               <a:solidFill>
                 <a:srgbClr val="FFFFFF"/>
               </a:solidFill>
@@ -14380,7 +14351,7 @@
             </a:endParaRPr>
           </a:p>
           <a:p>
-            <a:pPr indent="-323850" lvl="0" marL="457200" marR="0" rtl="0" algn="l">
+            <a:pPr marL="457200" marR="0" lvl="0" indent="-323850" algn="l" rtl="0">
               <a:lnSpc>
                 <a:spcPct val="115000"/>
               </a:lnSpc>
@@ -14398,7 +14369,7 @@
               <a:buChar char="●"/>
             </a:pPr>
             <a:r>
-              <a:rPr lang="en" sz="1500">
+              <a:rPr lang="en" sz="1500" dirty="0">
                 <a:solidFill>
                   <a:srgbClr val="FFFFFF"/>
                 </a:solidFill>
@@ -14409,7 +14380,7 @@
               </a:rPr>
               <a:t>Removed IDs, Dates, Titles and other Multilevel categorical features</a:t>
             </a:r>
-            <a:endParaRPr sz="1500">
+            <a:endParaRPr sz="1500" dirty="0">
               <a:solidFill>
                 <a:srgbClr val="FFFFFF"/>
               </a:solidFill>
@@ -14420,7 +14391,7 @@
             </a:endParaRPr>
           </a:p>
           <a:p>
-            <a:pPr indent="-323850" lvl="0" marL="457200" marR="0" rtl="0" algn="l">
+            <a:pPr marL="457200" marR="0" lvl="0" indent="-323850" algn="l" rtl="0">
               <a:lnSpc>
                 <a:spcPct val="115000"/>
               </a:lnSpc>
@@ -14438,7 +14409,7 @@
               <a:buChar char="●"/>
             </a:pPr>
             <a:r>
-              <a:rPr lang="en" sz="1500">
+              <a:rPr lang="en" sz="1500" dirty="0">
                 <a:solidFill>
                   <a:srgbClr val="FFFFFF"/>
                 </a:solidFill>
@@ -14449,7 +14420,7 @@
               </a:rPr>
               <a:t>Missing Duration and Year of Release - Total 17 rows ( Fetched the values from the Internet)</a:t>
             </a:r>
-            <a:endParaRPr sz="1500">
+            <a:endParaRPr sz="1500" dirty="0">
               <a:solidFill>
                 <a:srgbClr val="FFFFFF"/>
               </a:solidFill>
@@ -14460,7 +14431,7 @@
             </a:endParaRPr>
           </a:p>
           <a:p>
-            <a:pPr indent="-323850" lvl="0" marL="457200" marR="0" rtl="0" algn="l">
+            <a:pPr marL="457200" marR="0" lvl="0" indent="-323850" algn="l" rtl="0">
               <a:lnSpc>
                 <a:spcPct val="115000"/>
               </a:lnSpc>
@@ -14478,7 +14449,7 @@
               <a:buChar char="●"/>
             </a:pPr>
             <a:r>
-              <a:rPr lang="en" sz="1500">
+              <a:rPr lang="en" sz="1500" dirty="0">
                 <a:solidFill>
                   <a:srgbClr val="FFFFFF"/>
                 </a:solidFill>
@@ -14489,7 +14460,7 @@
               </a:rPr>
               <a:t>Performed the Univariates Test:</a:t>
             </a:r>
-            <a:endParaRPr sz="1500">
+            <a:endParaRPr sz="1500" dirty="0">
               <a:solidFill>
                 <a:srgbClr val="FFFFFF"/>
               </a:solidFill>
@@ -14500,7 +14471,7 @@
             </a:endParaRPr>
           </a:p>
           <a:p>
-            <a:pPr indent="-323850" lvl="0" marL="1371600" rtl="0" algn="l">
+            <a:pPr marL="1371600" lvl="0" indent="-323850" algn="l" rtl="0">
               <a:spcBef>
                 <a:spcPts val="0"/>
               </a:spcBef>
@@ -14511,17 +14482,13 @@
               <a:buChar char="-"/>
             </a:pPr>
             <a:r>
-              <a:rPr lang="en" sz="1500"/>
-              <a:t>Identified</a:t>
+              <a:rPr lang="en" sz="1500" dirty="0"/>
+              <a:t>Identified the missing %s in all the variables</a:t>
             </a:r>
-            <a:r>
-              <a:rPr lang="en" sz="1500"/>
-              <a:t> the missing %s in all the variables</a:t>
-            </a:r>
-            <a:endParaRPr sz="1500"/>
-          </a:p>
-          <a:p>
-            <a:pPr indent="-323850" lvl="0" marL="1371600" rtl="0" algn="l">
+            <a:endParaRPr sz="1500" dirty="0"/>
+          </a:p>
+          <a:p>
+            <a:pPr marL="1371600" lvl="0" indent="-323850" algn="l" rtl="0">
               <a:spcBef>
                 <a:spcPts val="0"/>
               </a:spcBef>
@@ -14532,13 +14499,13 @@
               <a:buChar char="-"/>
             </a:pPr>
             <a:r>
-              <a:rPr lang="en" sz="1500"/>
+              <a:rPr lang="en" sz="1500" dirty="0"/>
               <a:t>Studied the Data Types, Ranges and patterns of the explanatory variables</a:t>
             </a:r>
-            <a:endParaRPr sz="1500"/>
-          </a:p>
-          <a:p>
-            <a:pPr indent="-323850" lvl="0" marL="1371600" rtl="0" algn="l">
+            <a:endParaRPr sz="1500" dirty="0"/>
+          </a:p>
+          <a:p>
+            <a:pPr marL="1371600" lvl="0" indent="-323850" algn="l" rtl="0">
               <a:spcBef>
                 <a:spcPts val="0"/>
               </a:spcBef>
@@ -14549,13 +14516,13 @@
               <a:buChar char="-"/>
             </a:pPr>
             <a:r>
-              <a:rPr lang="en" sz="1500"/>
+              <a:rPr lang="en" sz="1500" dirty="0"/>
               <a:t>Skew, Kurtosis and the Quartile distributions were determined</a:t>
             </a:r>
-            <a:endParaRPr sz="1500"/>
-          </a:p>
-          <a:p>
-            <a:pPr indent="-323850" lvl="0" marL="457200" marR="0" rtl="0" algn="l">
+            <a:endParaRPr sz="1500" dirty="0"/>
+          </a:p>
+          <a:p>
+            <a:pPr marL="457200" marR="0" lvl="0" indent="-323850" algn="l" rtl="0">
               <a:lnSpc>
                 <a:spcPct val="115000"/>
               </a:lnSpc>
@@ -14573,7 +14540,7 @@
               <a:buChar char="●"/>
             </a:pPr>
             <a:r>
-              <a:rPr lang="en" sz="1500">
+              <a:rPr lang="en" sz="1500" dirty="0">
                 <a:solidFill>
                   <a:srgbClr val="FFFFFF"/>
                 </a:solidFill>
@@ -14585,13 +14552,13 @@
               <a:t>Dropped</a:t>
             </a:r>
             <a:r>
-              <a:rPr lang="en" sz="1500"/>
+              <a:rPr lang="en" sz="1500" dirty="0"/>
               <a:t> the Highly correlated variables</a:t>
             </a:r>
-            <a:endParaRPr sz="1500"/>
-          </a:p>
-          <a:p>
-            <a:pPr indent="-323850" lvl="0" marL="457200" marR="0" rtl="0" algn="l">
+            <a:endParaRPr sz="1500" dirty="0"/>
+          </a:p>
+          <a:p>
+            <a:pPr marL="457200" marR="0" lvl="0" indent="-323850" algn="l" rtl="0">
               <a:lnSpc>
                 <a:spcPct val="115000"/>
               </a:lnSpc>
@@ -14609,11 +14576,11 @@
               <a:buChar char="●"/>
             </a:pPr>
             <a:r>
-              <a:rPr lang="en" sz="1500"/>
+              <a:rPr lang="en" sz="1500" dirty="0"/>
               <a:t>Missing</a:t>
             </a:r>
             <a:r>
-              <a:rPr lang="en" sz="1500">
+              <a:rPr lang="en" sz="1500" dirty="0">
                 <a:solidFill>
                   <a:srgbClr val="FFFFFF"/>
                 </a:solidFill>
@@ -14625,13 +14592,13 @@
               <a:t> </a:t>
             </a:r>
             <a:r>
-              <a:rPr lang="en" sz="1500"/>
+              <a:rPr lang="en" sz="1500" dirty="0"/>
               <a:t>value Imputations: Imputed all the continuous  NAs by their means and categorical by their modes.</a:t>
             </a:r>
-            <a:endParaRPr sz="1500"/>
-          </a:p>
-          <a:p>
-            <a:pPr indent="-323850" lvl="0" marL="457200" marR="0" rtl="0" algn="l">
+            <a:endParaRPr sz="1500" dirty="0"/>
+          </a:p>
+          <a:p>
+            <a:pPr marL="457200" marR="0" lvl="0" indent="-323850" algn="l" rtl="0">
               <a:lnSpc>
                 <a:spcPct val="115000"/>
               </a:lnSpc>
@@ -14645,13 +14612,13 @@
               <a:buChar char="●"/>
             </a:pPr>
             <a:r>
-              <a:rPr lang="en" sz="1500"/>
+              <a:rPr lang="en" sz="1500" dirty="0"/>
               <a:t>Variable Bucketing: Bucketed the continuous variables using their quartile distributions</a:t>
             </a:r>
-            <a:endParaRPr sz="1500"/>
-          </a:p>
-          <a:p>
-            <a:pPr indent="-323850" lvl="1" marL="914400" marR="0" rtl="0" algn="l">
+            <a:endParaRPr sz="1500" dirty="0"/>
+          </a:p>
+          <a:p>
+            <a:pPr marL="914400" marR="0" lvl="1" indent="-323850" algn="l" rtl="0">
               <a:lnSpc>
                 <a:spcPct val="115000"/>
               </a:lnSpc>
@@ -14665,10 +14632,10 @@
               <a:buChar char="○"/>
             </a:pPr>
             <a:r>
-              <a:rPr lang="en" sz="1500"/>
+              <a:rPr lang="en" sz="1500" dirty="0"/>
               <a:t>5 levels with an equal distribution per level was maintained</a:t>
             </a:r>
-            <a:endParaRPr sz="1500"/>
+            <a:endParaRPr sz="1500" dirty="0"/>
           </a:p>
         </p:txBody>
       </p:sp>
@@ -14681,11 +14648,11 @@
 </file>
 
 <file path=ppt/slides/slide7.xml><?xml version="1.0" encoding="utf-8"?>
-<p:sld xmlns:a="http://schemas.openxmlformats.org/drawingml/2006/main" xmlns:r="http://schemas.openxmlformats.org/officeDocument/2006/relationships" xmlns:mc="http://schemas.openxmlformats.org/markup-compatibility/2006" xmlns:mv="urn:schemas-microsoft-com:mac:vml" xmlns:p="http://schemas.openxmlformats.org/presentationml/2006/main" xmlns:c="http://schemas.openxmlformats.org/drawingml/2006/chart" xmlns:dgm="http://schemas.openxmlformats.org/drawingml/2006/diagram" xmlns:o="urn:schemas-microsoft-com:office:office" xmlns:v="urn:schemas-microsoft-com:vml" xmlns:pvml="urn:schemas-microsoft-com:office:powerpoint" xmlns:com="http://schemas.openxmlformats.org/drawingml/2006/compatibility" xmlns:p14="http://schemas.microsoft.com/office/powerpoint/2010/main" xmlns:p15="http://schemas.microsoft.com/office/powerpoint/2012/main" xmlns:ahyp="http://schemas.microsoft.com/office/drawing/2018/hyperlinkcolor">
+<p:sld xmlns:a="http://schemas.openxmlformats.org/drawingml/2006/main" xmlns:r="http://schemas.openxmlformats.org/officeDocument/2006/relationships" xmlns:p="http://schemas.openxmlformats.org/presentationml/2006/main">
   <p:cSld>
     <p:spTree>
       <p:nvGrpSpPr>
-        <p:cNvPr id="171" name="Shape 171"/>
+        <p:cNvPr id="1" name="Shape 171"/>
         <p:cNvGrpSpPr/>
         <p:nvPr/>
       </p:nvGrpSpPr>
@@ -14700,7 +14667,9 @@
       <p:sp>
         <p:nvSpPr>
           <p:cNvPr id="172" name="Google Shape;172;p19"/>
-          <p:cNvSpPr txBox="1"/>
+          <p:cNvSpPr txBox="1">
+            <a:spLocks noGrp="1"/>
+          </p:cNvSpPr>
           <p:nvPr>
             <p:ph type="title"/>
           </p:nvPr>
@@ -14715,12 +14684,12 @@
           </a:prstGeom>
         </p:spPr>
         <p:txBody>
-          <a:bodyPr anchorCtr="0" anchor="t" bIns="91425" lIns="91425" spcFirstLastPara="1" rIns="91425" wrap="square" tIns="91425">
+          <a:bodyPr spcFirstLastPara="1" wrap="square" lIns="91425" tIns="91425" rIns="91425" bIns="91425" anchor="t" anchorCtr="0">
             <a:noAutofit/>
           </a:bodyPr>
           <a:lstStyle/>
           <a:p>
-            <a:pPr indent="0" lvl="0" marL="0" rtl="0" algn="l">
+            <a:pPr marL="0" lvl="0" indent="0" algn="l" rtl="0">
               <a:spcBef>
                 <a:spcPts val="0"/>
               </a:spcBef>
@@ -14730,7 +14699,7 @@
               <a:buNone/>
             </a:pPr>
             <a:r>
-              <a:rPr b="1" lang="en"/>
+              <a:rPr lang="en" b="1"/>
               <a:t>Target Variable Distribution </a:t>
             </a:r>
             <a:endParaRPr b="1"/>
@@ -14740,9 +14709,11 @@
       <p:sp>
         <p:nvSpPr>
           <p:cNvPr id="173" name="Google Shape;173;p19"/>
-          <p:cNvSpPr txBox="1"/>
+          <p:cNvSpPr txBox="1">
+            <a:spLocks noGrp="1"/>
+          </p:cNvSpPr>
           <p:nvPr>
-            <p:ph idx="1" type="body"/>
+            <p:ph type="body" idx="1"/>
           </p:nvPr>
         </p:nvSpPr>
         <p:spPr>
@@ -14755,12 +14726,12 @@
           </a:prstGeom>
         </p:spPr>
         <p:txBody>
-          <a:bodyPr anchorCtr="0" anchor="t" bIns="91425" lIns="91425" spcFirstLastPara="1" rIns="91425" wrap="square" tIns="91425">
+          <a:bodyPr spcFirstLastPara="1" wrap="square" lIns="91425" tIns="91425" rIns="91425" bIns="91425" anchor="t" anchorCtr="0">
             <a:noAutofit/>
           </a:bodyPr>
           <a:lstStyle/>
           <a:p>
-            <a:pPr indent="0" lvl="0" marL="0" rtl="0" algn="l">
+            <a:pPr marL="0" lvl="0" indent="0" algn="l" rtl="0">
               <a:spcBef>
                 <a:spcPts val="0"/>
               </a:spcBef>
@@ -14770,13 +14741,13 @@
               <a:buNone/>
             </a:pPr>
             <a:r>
-              <a:rPr lang="en" sz="1600"/>
-              <a:t>Initial Y Variable Distribution                                                                                     Distribution After Sampling</a:t>
+              <a:rPr lang="en" sz="1600" dirty="0"/>
+              <a:t>Initial Y Variable Distribution                                    Distribution After Sampling</a:t>
             </a:r>
-            <a:endParaRPr sz="1600"/>
-          </a:p>
-          <a:p>
-            <a:pPr indent="-311150" lvl="0" marL="457200" rtl="0" algn="l">
+            <a:endParaRPr sz="1600" dirty="0"/>
+          </a:p>
+          <a:p>
+            <a:pPr marL="457200" lvl="0" indent="-311150" algn="l" rtl="0">
               <a:spcBef>
                 <a:spcPts val="1600"/>
               </a:spcBef>
@@ -14786,10 +14757,7 @@
               <a:buSzPts val="1300"/>
               <a:buChar char="-"/>
             </a:pPr>
-            <a:r>
-              <a:t/>
-            </a:r>
-            <a:endParaRPr/>
+            <a:endParaRPr dirty="0"/>
           </a:p>
         </p:txBody>
       </p:sp>
@@ -14809,7 +14777,7 @@
         </p:blipFill>
         <p:spPr>
           <a:xfrm>
-            <a:off x="316488" y="1984925"/>
+            <a:off x="316500" y="2134944"/>
             <a:ext cx="4562475" cy="2076450"/>
           </a:xfrm>
           <a:prstGeom prst="rect">
@@ -14837,7 +14805,7 @@
         </p:blipFill>
         <p:spPr>
           <a:xfrm>
-            <a:off x="5029625" y="1984925"/>
+            <a:off x="4991100" y="2134944"/>
             <a:ext cx="4152900" cy="2076450"/>
           </a:xfrm>
           <a:prstGeom prst="rect">
@@ -14858,11 +14826,11 @@
 </file>
 
 <file path=ppt/slides/slide8.xml><?xml version="1.0" encoding="utf-8"?>
-<p:sld xmlns:a="http://schemas.openxmlformats.org/drawingml/2006/main" xmlns:r="http://schemas.openxmlformats.org/officeDocument/2006/relationships" xmlns:mc="http://schemas.openxmlformats.org/markup-compatibility/2006" xmlns:mv="urn:schemas-microsoft-com:mac:vml" xmlns:p="http://schemas.openxmlformats.org/presentationml/2006/main" xmlns:c="http://schemas.openxmlformats.org/drawingml/2006/chart" xmlns:dgm="http://schemas.openxmlformats.org/drawingml/2006/diagram" xmlns:o="urn:schemas-microsoft-com:office:office" xmlns:v="urn:schemas-microsoft-com:vml" xmlns:pvml="urn:schemas-microsoft-com:office:powerpoint" xmlns:com="http://schemas.openxmlformats.org/drawingml/2006/compatibility" xmlns:p14="http://schemas.microsoft.com/office/powerpoint/2010/main" xmlns:p15="http://schemas.microsoft.com/office/powerpoint/2012/main" xmlns:ahyp="http://schemas.microsoft.com/office/drawing/2018/hyperlinkcolor">
+<p:sld xmlns:a="http://schemas.openxmlformats.org/drawingml/2006/main" xmlns:r="http://schemas.openxmlformats.org/officeDocument/2006/relationships" xmlns:p="http://schemas.openxmlformats.org/presentationml/2006/main">
   <p:cSld>
     <p:spTree>
       <p:nvGrpSpPr>
-        <p:cNvPr id="179" name="Shape 179"/>
+        <p:cNvPr id="1" name="Shape 179"/>
         <p:cNvGrpSpPr/>
         <p:nvPr/>
       </p:nvGrpSpPr>
@@ -14877,7 +14845,9 @@
       <p:sp>
         <p:nvSpPr>
           <p:cNvPr id="180" name="Google Shape;180;p20"/>
-          <p:cNvSpPr txBox="1"/>
+          <p:cNvSpPr txBox="1">
+            <a:spLocks noGrp="1"/>
+          </p:cNvSpPr>
           <p:nvPr>
             <p:ph type="title"/>
           </p:nvPr>
@@ -14892,12 +14862,12 @@
           </a:prstGeom>
         </p:spPr>
         <p:txBody>
-          <a:bodyPr anchorCtr="0" anchor="t" bIns="91425" lIns="91425" spcFirstLastPara="1" rIns="91425" wrap="square" tIns="91425">
+          <a:bodyPr spcFirstLastPara="1" wrap="square" lIns="91425" tIns="91425" rIns="91425" bIns="91425" anchor="t" anchorCtr="0">
             <a:noAutofit/>
           </a:bodyPr>
           <a:lstStyle/>
           <a:p>
-            <a:pPr indent="0" lvl="0" marL="0" rtl="0" algn="l">
+            <a:pPr marL="0" lvl="0" indent="0" algn="l" rtl="0">
               <a:spcBef>
                 <a:spcPts val="0"/>
               </a:spcBef>
@@ -14907,7 +14877,7 @@
               <a:buNone/>
             </a:pPr>
             <a:r>
-              <a:rPr b="1" lang="en"/>
+              <a:rPr lang="en" b="1"/>
               <a:t>FEATURE SELECTION</a:t>
             </a:r>
             <a:endParaRPr b="1"/>
@@ -14917,9 +14887,11 @@
       <p:sp>
         <p:nvSpPr>
           <p:cNvPr id="181" name="Google Shape;181;p20"/>
-          <p:cNvSpPr txBox="1"/>
+          <p:cNvSpPr txBox="1">
+            <a:spLocks noGrp="1"/>
+          </p:cNvSpPr>
           <p:nvPr>
-            <p:ph idx="1" type="body"/>
+            <p:ph type="body" idx="1"/>
           </p:nvPr>
         </p:nvSpPr>
         <p:spPr>
@@ -14932,12 +14904,12 @@
           </a:prstGeom>
         </p:spPr>
         <p:txBody>
-          <a:bodyPr anchorCtr="0" anchor="t" bIns="91425" lIns="91425" spcFirstLastPara="1" rIns="91425" wrap="square" tIns="91425">
+          <a:bodyPr spcFirstLastPara="1" wrap="square" lIns="91425" tIns="91425" rIns="91425" bIns="91425" anchor="t" anchorCtr="0">
             <a:noAutofit/>
           </a:bodyPr>
           <a:lstStyle/>
           <a:p>
-            <a:pPr indent="0" lvl="0" marL="0" rtl="0" algn="l">
+            <a:pPr marL="0" lvl="0" indent="0" algn="l" rtl="0">
               <a:spcBef>
                 <a:spcPts val="0"/>
               </a:spcBef>
@@ -14953,7 +14925,7 @@
             <a:endParaRPr sz="1600"/>
           </a:p>
           <a:p>
-            <a:pPr indent="0" lvl="0" marL="0" rtl="0" algn="l">
+            <a:pPr marL="0" lvl="0" indent="0" algn="l" rtl="0">
               <a:spcBef>
                 <a:spcPts val="1600"/>
               </a:spcBef>
@@ -14962,13 +14934,10 @@
               </a:spcAft>
               <a:buNone/>
             </a:pPr>
-            <a:r>
-              <a:t/>
-            </a:r>
             <a:endParaRPr/>
           </a:p>
           <a:p>
-            <a:pPr indent="0" lvl="0" marL="0" rtl="0" algn="l">
+            <a:pPr marL="0" lvl="0" indent="0" algn="l" rtl="0">
               <a:spcBef>
                 <a:spcPts val="1600"/>
               </a:spcBef>
@@ -14977,13 +14946,10 @@
               </a:spcAft>
               <a:buNone/>
             </a:pPr>
-            <a:r>
-              <a:t/>
-            </a:r>
             <a:endParaRPr/>
           </a:p>
           <a:p>
-            <a:pPr indent="0" lvl="0" marL="0" rtl="0" algn="l">
+            <a:pPr marL="0" lvl="0" indent="0" algn="l" rtl="0">
               <a:spcBef>
                 <a:spcPts val="1600"/>
               </a:spcBef>
@@ -14992,13 +14958,10 @@
               </a:spcAft>
               <a:buNone/>
             </a:pPr>
-            <a:r>
-              <a:t/>
-            </a:r>
             <a:endParaRPr/>
           </a:p>
           <a:p>
-            <a:pPr indent="0" lvl="0" marL="0" rtl="0" algn="l">
+            <a:pPr marL="0" lvl="0" indent="0" algn="l" rtl="0">
               <a:spcBef>
                 <a:spcPts val="1600"/>
               </a:spcBef>
@@ -15007,13 +14970,10 @@
               </a:spcAft>
               <a:buNone/>
             </a:pPr>
-            <a:r>
-              <a:t/>
-            </a:r>
             <a:endParaRPr/>
           </a:p>
           <a:p>
-            <a:pPr indent="0" lvl="0" marL="0" rtl="0" algn="l">
+            <a:pPr marL="0" lvl="0" indent="0" algn="l" rtl="0">
               <a:spcBef>
                 <a:spcPts val="1600"/>
               </a:spcBef>
@@ -15022,13 +14982,10 @@
               </a:spcAft>
               <a:buNone/>
             </a:pPr>
-            <a:r>
-              <a:t/>
-            </a:r>
             <a:endParaRPr/>
           </a:p>
           <a:p>
-            <a:pPr indent="0" lvl="0" marL="0" rtl="0" algn="l">
+            <a:pPr marL="0" lvl="0" indent="0" algn="l" rtl="0">
               <a:spcBef>
                 <a:spcPts val="1600"/>
               </a:spcBef>
@@ -15037,13 +14994,10 @@
               </a:spcAft>
               <a:buNone/>
             </a:pPr>
-            <a:r>
-              <a:t/>
-            </a:r>
             <a:endParaRPr/>
           </a:p>
           <a:p>
-            <a:pPr indent="0" lvl="0" marL="0" rtl="0" algn="l">
+            <a:pPr marL="0" lvl="0" indent="0" algn="l" rtl="0">
               <a:spcBef>
                 <a:spcPts val="1600"/>
               </a:spcBef>
@@ -15052,13 +15006,10 @@
               </a:spcAft>
               <a:buNone/>
             </a:pPr>
-            <a:r>
-              <a:t/>
-            </a:r>
             <a:endParaRPr/>
           </a:p>
           <a:p>
-            <a:pPr indent="0" lvl="0" marL="0" rtl="0" algn="l">
+            <a:pPr marL="0" lvl="0" indent="0" algn="l" rtl="0">
               <a:spcBef>
                 <a:spcPts val="1600"/>
               </a:spcBef>
@@ -15074,7 +15025,7 @@
             <a:endParaRPr sz="1600"/>
           </a:p>
           <a:p>
-            <a:pPr indent="0" lvl="0" marL="0" rtl="0" algn="l">
+            <a:pPr marL="0" lvl="0" indent="0" algn="l" rtl="0">
               <a:spcBef>
                 <a:spcPts val="1600"/>
               </a:spcBef>
@@ -15083,9 +15034,6 @@
               </a:spcAft>
               <a:buNone/>
             </a:pPr>
-            <a:r>
-              <a:t/>
-            </a:r>
             <a:endParaRPr/>
           </a:p>
         </p:txBody>
@@ -15127,11 +15075,11 @@
 </file>
 
 <file path=ppt/slides/slide9.xml><?xml version="1.0" encoding="utf-8"?>
-<p:sld xmlns:a="http://schemas.openxmlformats.org/drawingml/2006/main" xmlns:r="http://schemas.openxmlformats.org/officeDocument/2006/relationships" xmlns:mc="http://schemas.openxmlformats.org/markup-compatibility/2006" xmlns:mv="urn:schemas-microsoft-com:mac:vml" xmlns:p="http://schemas.openxmlformats.org/presentationml/2006/main" xmlns:c="http://schemas.openxmlformats.org/drawingml/2006/chart" xmlns:dgm="http://schemas.openxmlformats.org/drawingml/2006/diagram" xmlns:o="urn:schemas-microsoft-com:office:office" xmlns:v="urn:schemas-microsoft-com:vml" xmlns:pvml="urn:schemas-microsoft-com:office:powerpoint" xmlns:com="http://schemas.openxmlformats.org/drawingml/2006/compatibility" xmlns:p14="http://schemas.microsoft.com/office/powerpoint/2010/main" xmlns:p15="http://schemas.microsoft.com/office/powerpoint/2012/main" xmlns:ahyp="http://schemas.microsoft.com/office/drawing/2018/hyperlinkcolor">
+<p:sld xmlns:a="http://schemas.openxmlformats.org/drawingml/2006/main" xmlns:r="http://schemas.openxmlformats.org/officeDocument/2006/relationships" xmlns:p="http://schemas.openxmlformats.org/presentationml/2006/main">
   <p:cSld>
     <p:spTree>
       <p:nvGrpSpPr>
-        <p:cNvPr id="186" name="Shape 186"/>
+        <p:cNvPr id="1" name="Shape 186"/>
         <p:cNvGrpSpPr/>
         <p:nvPr/>
       </p:nvGrpSpPr>
@@ -15146,7 +15094,9 @@
       <p:sp>
         <p:nvSpPr>
           <p:cNvPr id="187" name="Google Shape;187;p21"/>
-          <p:cNvSpPr txBox="1"/>
+          <p:cNvSpPr txBox="1">
+            <a:spLocks noGrp="1"/>
+          </p:cNvSpPr>
           <p:nvPr>
             <p:ph type="title"/>
           </p:nvPr>
@@ -15161,12 +15111,12 @@
           </a:prstGeom>
         </p:spPr>
         <p:txBody>
-          <a:bodyPr anchorCtr="0" anchor="t" bIns="91425" lIns="91425" spcFirstLastPara="1" rIns="91425" wrap="square" tIns="91425">
+          <a:bodyPr spcFirstLastPara="1" wrap="square" lIns="91425" tIns="91425" rIns="91425" bIns="91425" anchor="t" anchorCtr="0">
             <a:noAutofit/>
           </a:bodyPr>
           <a:lstStyle/>
           <a:p>
-            <a:pPr indent="0" lvl="0" marL="0" rtl="0" algn="l">
+            <a:pPr marL="0" lvl="0" indent="0" algn="l" rtl="0">
               <a:spcBef>
                 <a:spcPts val="0"/>
               </a:spcBef>
@@ -15176,7 +15126,7 @@
               <a:buNone/>
             </a:pPr>
             <a:r>
-              <a:rPr b="1" lang="en"/>
+              <a:rPr lang="en" b="1"/>
               <a:t>METHODS FOR PROBLEM SOLVING</a:t>
             </a:r>
             <a:endParaRPr b="1"/>
@@ -15186,9 +15136,11 @@
       <p:sp>
         <p:nvSpPr>
           <p:cNvPr id="188" name="Google Shape;188;p21"/>
-          <p:cNvSpPr txBox="1"/>
+          <p:cNvSpPr txBox="1">
+            <a:spLocks noGrp="1"/>
+          </p:cNvSpPr>
           <p:nvPr>
-            <p:ph idx="1" type="body"/>
+            <p:ph type="body" idx="1"/>
           </p:nvPr>
         </p:nvSpPr>
         <p:spPr>
@@ -15201,12 +15153,12 @@
           </a:prstGeom>
         </p:spPr>
         <p:txBody>
-          <a:bodyPr anchorCtr="0" anchor="t" bIns="91425" lIns="91425" spcFirstLastPara="1" rIns="91425" wrap="square" tIns="91425">
+          <a:bodyPr spcFirstLastPara="1" wrap="square" lIns="91425" tIns="91425" rIns="91425" bIns="91425" anchor="t" anchorCtr="0">
             <a:noAutofit/>
           </a:bodyPr>
           <a:lstStyle/>
           <a:p>
-            <a:pPr indent="-330200" lvl="0" marL="457200" rtl="0" algn="l">
+            <a:pPr marL="457200" lvl="0" indent="-330200" algn="l" rtl="0">
               <a:spcBef>
                 <a:spcPts val="0"/>
               </a:spcBef>
@@ -15223,7 +15175,7 @@
             <a:endParaRPr sz="1600"/>
           </a:p>
           <a:p>
-            <a:pPr indent="-330200" lvl="0" marL="457200" rtl="0" algn="l">
+            <a:pPr marL="457200" lvl="0" indent="-330200" algn="l" rtl="0">
               <a:spcBef>
                 <a:spcPts val="0"/>
               </a:spcBef>
@@ -15240,7 +15192,7 @@
             <a:endParaRPr sz="1600"/>
           </a:p>
           <a:p>
-            <a:pPr indent="-330200" lvl="1" marL="914400" rtl="0" algn="l">
+            <a:pPr marL="914400" lvl="1" indent="-330200" algn="l" rtl="0">
               <a:spcBef>
                 <a:spcPts val="0"/>
               </a:spcBef>
@@ -15257,7 +15209,7 @@
             <a:endParaRPr sz="1600"/>
           </a:p>
           <a:p>
-            <a:pPr indent="-330200" lvl="2" marL="1371600" rtl="0" algn="l">
+            <a:pPr marL="1371600" lvl="2" indent="-330200" algn="l" rtl="0">
               <a:spcBef>
                 <a:spcPts val="0"/>
               </a:spcBef>
@@ -15274,7 +15226,7 @@
             <a:endParaRPr sz="1600"/>
           </a:p>
           <a:p>
-            <a:pPr indent="-330200" lvl="2" marL="1371600" rtl="0" algn="l">
+            <a:pPr marL="1371600" lvl="2" indent="-330200" algn="l" rtl="0">
               <a:spcBef>
                 <a:spcPts val="0"/>
               </a:spcBef>
@@ -15286,16 +15238,12 @@
             </a:pPr>
             <a:r>
               <a:rPr lang="en" sz="1600"/>
-              <a:t>Naive Bayes</a:t>
-            </a:r>
-            <a:r>
-              <a:rPr lang="en" sz="1600"/>
-              <a:t> </a:t>
+              <a:t>Naive Bayes </a:t>
             </a:r>
             <a:endParaRPr sz="1600"/>
           </a:p>
           <a:p>
-            <a:pPr indent="-330200" lvl="2" marL="1371600" rtl="0" algn="l">
+            <a:pPr marL="1371600" lvl="2" indent="-330200" algn="l" rtl="0">
               <a:spcBef>
                 <a:spcPts val="0"/>
               </a:spcBef>
@@ -15312,7 +15260,7 @@
             <a:endParaRPr sz="1600"/>
           </a:p>
           <a:p>
-            <a:pPr indent="-330200" lvl="2" marL="1371600" rtl="0" algn="l">
+            <a:pPr marL="1371600" lvl="2" indent="-330200" algn="l" rtl="0">
               <a:spcBef>
                 <a:spcPts val="0"/>
               </a:spcBef>
@@ -15329,7 +15277,7 @@
             <a:endParaRPr sz="1600"/>
           </a:p>
           <a:p>
-            <a:pPr indent="-330200" lvl="1" marL="914400" rtl="0" algn="l">
+            <a:pPr marL="914400" lvl="1" indent="-330200" algn="l" rtl="0">
               <a:spcBef>
                 <a:spcPts val="0"/>
               </a:spcBef>
@@ -15346,7 +15294,7 @@
             <a:endParaRPr sz="1600"/>
           </a:p>
           <a:p>
-            <a:pPr indent="-330200" lvl="0" marL="457200" rtl="0" algn="l">
+            <a:pPr marL="457200" lvl="0" indent="-330200" algn="l" rtl="0">
               <a:spcBef>
                 <a:spcPts val="0"/>
               </a:spcBef>
@@ -15363,7 +15311,7 @@
             <a:endParaRPr sz="1600"/>
           </a:p>
           <a:p>
-            <a:pPr indent="-330200" lvl="0" marL="457200" rtl="0" algn="l">
+            <a:pPr marL="457200" lvl="0" indent="-330200" algn="l" rtl="0">
               <a:spcBef>
                 <a:spcPts val="0"/>
               </a:spcBef>
@@ -15380,7 +15328,7 @@
             <a:endParaRPr sz="1600"/>
           </a:p>
           <a:p>
-            <a:pPr indent="-330200" lvl="1" marL="914400" rtl="0" algn="l">
+            <a:pPr marL="914400" lvl="1" indent="-330200" algn="l" rtl="0">
               <a:spcBef>
                 <a:spcPts val="0"/>
               </a:spcBef>
@@ -15397,7 +15345,7 @@
             <a:endParaRPr sz="1600"/>
           </a:p>
           <a:p>
-            <a:pPr indent="-330200" lvl="1" marL="914400" rtl="0" algn="l">
+            <a:pPr marL="914400" lvl="1" indent="-330200" algn="l" rtl="0">
               <a:spcBef>
                 <a:spcPts val="0"/>
               </a:spcBef>
@@ -15424,7 +15372,7 @@
 </file>
 
 <file path=ppt/theme/theme1.xml><?xml version="1.0" encoding="utf-8"?>
-<a:theme xmlns:a="http://schemas.openxmlformats.org/drawingml/2006/main" xmlns:r="http://schemas.openxmlformats.org/officeDocument/2006/relationships" name="Focus">
+<a:theme xmlns:a="http://schemas.openxmlformats.org/drawingml/2006/main" name="Focus">
   <a:themeElements>
     <a:clrScheme name="Focus">
       <a:dk1>
@@ -15699,11 +15647,13 @@
       </a:bgFillStyleLst>
     </a:fmtScheme>
   </a:themeElements>
+  <a:objectDefaults/>
+  <a:extraClrSchemeLst/>
 </a:theme>
 </file>
 
 <file path=ppt/theme/theme2.xml><?xml version="1.0" encoding="utf-8"?>
-<a:theme xmlns:a="http://schemas.openxmlformats.org/drawingml/2006/main" xmlns:r="http://schemas.openxmlformats.org/officeDocument/2006/relationships">
+<a:theme xmlns:a="http://schemas.openxmlformats.org/drawingml/2006/main">
   <a:themeElements>
     <a:clrScheme name="Default">
       <a:dk1>
@@ -15978,5 +15928,7 @@
       </a:bgFillStyleLst>
     </a:fmtScheme>
   </a:themeElements>
+  <a:objectDefaults/>
+  <a:extraClrSchemeLst/>
 </a:theme>
 </file>